--- a/couchbaseReport.pptx
+++ b/couchbaseReport.pptx
@@ -5,16 +5,16 @@
     <p:sldMasterId id="2147483648" r:id="rId1"/>
   </p:sldMasterIdLst>
   <p:sldIdLst>
-    <p:sldId id="256" r:id="rId6"/>
-    <p:sldId id="257" r:id="rId7"/>
-    <p:sldId id="258" r:id="rId8"/>
-    <p:sldId id="259" r:id="rId9"/>
-    <p:sldId id="260" r:id="rId10"/>
-    <p:sldId id="261" r:id="rId11"/>
-    <p:sldId id="262" r:id="rId12"/>
-    <p:sldId id="263" r:id="rId13"/>
-    <p:sldId id="264" r:id="rId14"/>
-    <p:sldId id="265" r:id="rId15"/>
+    <p:sldId id="256" r:id="rId2"/>
+    <p:sldId id="257" r:id="rId3"/>
+    <p:sldId id="258" r:id="rId4"/>
+    <p:sldId id="259" r:id="rId5"/>
+    <p:sldId id="260" r:id="rId6"/>
+    <p:sldId id="261" r:id="rId7"/>
+    <p:sldId id="262" r:id="rId8"/>
+    <p:sldId id="263" r:id="rId9"/>
+    <p:sldId id="264" r:id="rId10"/>
+    <p:sldId id="265" r:id="rId11"/>
   </p:sldIdLst>
   <p:sldSz cx="9144000" cy="6858000" type="screen4x3"/>
   <p:notesSz cx="6858000" cy="9144000"/>
@@ -113,6 +113,22 @@
       </a:defRPr>
     </a:lvl9pPr>
   </p:defaultTextStyle>
+  <p:extLst>
+    <p:ext uri="{EFAFB233-063F-42B5-8137-9DF3F51BA10A}">
+      <p15:sldGuideLst xmlns:p15="http://schemas.microsoft.com/office/powerpoint/2012/main">
+        <p15:guide id="1" orient="horz" pos="2160">
+          <p15:clr>
+            <a:srgbClr val="A4A3A4"/>
+          </p15:clr>
+        </p15:guide>
+        <p15:guide id="2" pos="2880">
+          <p15:clr>
+            <a:srgbClr val="A4A3A4"/>
+          </p15:clr>
+        </p15:guide>
+      </p15:sldGuideLst>
+    </p:ext>
+  </p:extLst>
 </p:presentation>
 </file>
 
@@ -298,7 +314,7 @@
             <a:fld id="{1D8BD707-D9CF-40AE-B4C6-C98DA3205C09}" type="datetimeFigureOut">
               <a:rPr lang="en-US" smtClean="0"/>
               <a:pPr/>
-              <a:t>8/1/2011</a:t>
+              <a:t>10/14/2024</a:t>
             </a:fld>
             <a:endParaRPr lang="en-US"/>
           </a:p>
@@ -465,7 +481,7 @@
             <a:fld id="{1D8BD707-D9CF-40AE-B4C6-C98DA3205C09}" type="datetimeFigureOut">
               <a:rPr lang="en-US" smtClean="0"/>
               <a:pPr/>
-              <a:t>8/1/2011</a:t>
+              <a:t>10/14/2024</a:t>
             </a:fld>
             <a:endParaRPr lang="en-US"/>
           </a:p>
@@ -642,7 +658,7 @@
             <a:fld id="{1D8BD707-D9CF-40AE-B4C6-C98DA3205C09}" type="datetimeFigureOut">
               <a:rPr lang="en-US" smtClean="0"/>
               <a:pPr/>
-              <a:t>8/1/2011</a:t>
+              <a:t>10/14/2024</a:t>
             </a:fld>
             <a:endParaRPr lang="en-US"/>
           </a:p>
@@ -809,7 +825,7 @@
             <a:fld id="{1D8BD707-D9CF-40AE-B4C6-C98DA3205C09}" type="datetimeFigureOut">
               <a:rPr lang="en-US" smtClean="0"/>
               <a:pPr/>
-              <a:t>8/1/2011</a:t>
+              <a:t>10/14/2024</a:t>
             </a:fld>
             <a:endParaRPr lang="en-US"/>
           </a:p>
@@ -1052,7 +1068,7 @@
             <a:fld id="{1D8BD707-D9CF-40AE-B4C6-C98DA3205C09}" type="datetimeFigureOut">
               <a:rPr lang="en-US" smtClean="0"/>
               <a:pPr/>
-              <a:t>8/1/2011</a:t>
+              <a:t>10/14/2024</a:t>
             </a:fld>
             <a:endParaRPr lang="en-US"/>
           </a:p>
@@ -1337,7 +1353,7 @@
             <a:fld id="{1D8BD707-D9CF-40AE-B4C6-C98DA3205C09}" type="datetimeFigureOut">
               <a:rPr lang="en-US" smtClean="0"/>
               <a:pPr/>
-              <a:t>8/1/2011</a:t>
+              <a:t>10/14/2024</a:t>
             </a:fld>
             <a:endParaRPr lang="en-US"/>
           </a:p>
@@ -1756,7 +1772,7 @@
             <a:fld id="{1D8BD707-D9CF-40AE-B4C6-C98DA3205C09}" type="datetimeFigureOut">
               <a:rPr lang="en-US" smtClean="0"/>
               <a:pPr/>
-              <a:t>8/1/2011</a:t>
+              <a:t>10/14/2024</a:t>
             </a:fld>
             <a:endParaRPr lang="en-US"/>
           </a:p>
@@ -1871,7 +1887,7 @@
             <a:fld id="{1D8BD707-D9CF-40AE-B4C6-C98DA3205C09}" type="datetimeFigureOut">
               <a:rPr lang="en-US" smtClean="0"/>
               <a:pPr/>
-              <a:t>8/1/2011</a:t>
+              <a:t>10/14/2024</a:t>
             </a:fld>
             <a:endParaRPr lang="en-US"/>
           </a:p>
@@ -1963,7 +1979,7 @@
             <a:fld id="{1D8BD707-D9CF-40AE-B4C6-C98DA3205C09}" type="datetimeFigureOut">
               <a:rPr lang="en-US" smtClean="0"/>
               <a:pPr/>
-              <a:t>8/1/2011</a:t>
+              <a:t>10/14/2024</a:t>
             </a:fld>
             <a:endParaRPr lang="en-US"/>
           </a:p>
@@ -2237,7 +2253,7 @@
             <a:fld id="{1D8BD707-D9CF-40AE-B4C6-C98DA3205C09}" type="datetimeFigureOut">
               <a:rPr lang="en-US" smtClean="0"/>
               <a:pPr/>
-              <a:t>8/1/2011</a:t>
+              <a:t>10/14/2024</a:t>
             </a:fld>
             <a:endParaRPr lang="en-US"/>
           </a:p>
@@ -2487,7 +2503,7 @@
             <a:fld id="{1D8BD707-D9CF-40AE-B4C6-C98DA3205C09}" type="datetimeFigureOut">
               <a:rPr lang="en-US" smtClean="0"/>
               <a:pPr/>
-              <a:t>8/1/2011</a:t>
+              <a:t>10/14/2024</a:t>
             </a:fld>
             <a:endParaRPr lang="en-US"/>
           </a:p>
@@ -2697,7 +2713,7 @@
             <a:fld id="{1D8BD707-D9CF-40AE-B4C6-C98DA3205C09}" type="datetimeFigureOut">
               <a:rPr lang="en-US" smtClean="0"/>
               <a:pPr/>
-              <a:t>8/1/2011</a:t>
+              <a:t>10/14/2024</a:t>
             </a:fld>
             <a:endParaRPr lang="en-US"/>
           </a:p>
@@ -3052,7 +3068,7 @@
 </file>
 
 <file path=ppt/slides/slide1.xml><?xml version="1.0" encoding="utf-8"?>
-<p:sld xmlns:p="http://schemas.openxmlformats.org/presentationml/2006/main" xmlns:a="http://schemas.openxmlformats.org/drawingml/2006/main">
+<p:sld xmlns:a="http://schemas.openxmlformats.org/drawingml/2006/main" xmlns:r="http://schemas.openxmlformats.org/officeDocument/2006/relationships" xmlns:p="http://schemas.openxmlformats.org/presentationml/2006/main">
   <p:cSld>
     <p:spTree>
       <p:nvGrpSpPr>
@@ -3070,8 +3086,8 @@
       </p:grpSpPr>
       <p:sp>
         <p:nvSpPr>
-          <p:cNvPr name="TextBox 2" id="2"/>
-          <p:cNvSpPr txBox="true"/>
+          <p:cNvPr id="2" name="TextBox 2"/>
+          <p:cNvSpPr txBox="1"/>
           <p:nvPr/>
         </p:nvSpPr>
         <p:spPr>
@@ -3084,16 +3100,13 @@
           </a:prstGeom>
         </p:spPr>
         <p:txBody>
-          <a:bodyPr anchor="t" rtlCol="false" anchorCtr="true"/>
+          <a:bodyPr rtlCol="0" anchor="t" anchorCtr="1"/>
           <a:lstStyle/>
           <a:p>
             <a:pPr algn="l">
               <a:defRPr/>
             </a:pPr>
-            <a:r>
-              <a:rPr lang="en-US"/>
-              <a:t/>
-            </a:r>
+            <a:endParaRPr/>
           </a:p>
           <a:p>
             <a:pPr algn="l">
@@ -3112,8 +3125,8 @@
       </p:sp>
       <p:sp>
         <p:nvSpPr>
-          <p:cNvPr name="TextBox 3" id="3"/>
-          <p:cNvSpPr txBox="true"/>
+          <p:cNvPr id="3" name="TextBox 3"/>
+          <p:cNvSpPr txBox="1"/>
           <p:nvPr/>
         </p:nvSpPr>
         <p:spPr>
@@ -3126,16 +3139,13 @@
           </a:prstGeom>
         </p:spPr>
         <p:txBody>
-          <a:bodyPr anchor="t" rtlCol="false" anchorCtr="true"/>
+          <a:bodyPr rtlCol="0" anchor="t" anchorCtr="1"/>
           <a:lstStyle/>
           <a:p>
             <a:pPr algn="l">
               <a:defRPr/>
             </a:pPr>
-            <a:r>
-              <a:rPr lang="en-US"/>
-              <a:t/>
-            </a:r>
+            <a:endParaRPr/>
           </a:p>
           <a:p>
             <a:pPr algn="l">
@@ -3154,8 +3164,8 @@
       </p:sp>
       <p:sp>
         <p:nvSpPr>
-          <p:cNvPr name="TextBox 4" id="4"/>
-          <p:cNvSpPr txBox="true"/>
+          <p:cNvPr id="4" name="TextBox 4"/>
+          <p:cNvSpPr txBox="1"/>
           <p:nvPr/>
         </p:nvSpPr>
         <p:spPr>
@@ -3168,16 +3178,13 @@
           </a:prstGeom>
         </p:spPr>
         <p:txBody>
-          <a:bodyPr anchor="t" rtlCol="false" anchorCtr="true"/>
+          <a:bodyPr rtlCol="0" anchor="t" anchorCtr="1"/>
           <a:lstStyle/>
           <a:p>
             <a:pPr algn="l">
               <a:defRPr/>
             </a:pPr>
-            <a:r>
-              <a:rPr lang="en-US"/>
-              <a:t/>
-            </a:r>
+            <a:endParaRPr/>
           </a:p>
           <a:p>
             <a:pPr algn="l">
@@ -3212,7 +3219,7 @@
 </file>
 
 <file path=ppt/slides/slide10.xml><?xml version="1.0" encoding="utf-8"?>
-<p:sld xmlns:p="http://schemas.openxmlformats.org/presentationml/2006/main" xmlns:a="http://schemas.openxmlformats.org/drawingml/2006/main">
+<p:sld xmlns:a="http://schemas.openxmlformats.org/drawingml/2006/main" xmlns:r="http://schemas.openxmlformats.org/officeDocument/2006/relationships" xmlns:p="http://schemas.openxmlformats.org/presentationml/2006/main">
   <p:cSld>
     <p:spTree>
       <p:nvGrpSpPr>
@@ -3230,8 +3237,8 @@
       </p:grpSpPr>
       <p:sp>
         <p:nvSpPr>
-          <p:cNvPr name="TextBox 2" id="2"/>
-          <p:cNvSpPr txBox="true"/>
+          <p:cNvPr id="2" name="TextBox 2"/>
+          <p:cNvSpPr txBox="1"/>
           <p:nvPr/>
         </p:nvSpPr>
         <p:spPr>
@@ -3244,16 +3251,13 @@
           </a:prstGeom>
         </p:spPr>
         <p:txBody>
-          <a:bodyPr anchor="t" rtlCol="false" anchorCtr="true"/>
+          <a:bodyPr rtlCol="0" anchor="t" anchorCtr="1"/>
           <a:lstStyle/>
           <a:p>
             <a:pPr algn="l">
               <a:defRPr/>
             </a:pPr>
-            <a:r>
-              <a:rPr lang="en-US"/>
-              <a:t/>
-            </a:r>
+            <a:endParaRPr/>
           </a:p>
           <a:p>
             <a:pPr algn="l">
@@ -3279,7 +3283,7 @@
 </file>
 
 <file path=ppt/slides/slide2.xml><?xml version="1.0" encoding="utf-8"?>
-<p:sld xmlns:p="http://schemas.openxmlformats.org/presentationml/2006/main" xmlns:a="http://schemas.openxmlformats.org/drawingml/2006/main">
+<p:sld xmlns:a="http://schemas.openxmlformats.org/drawingml/2006/main" xmlns:r="http://schemas.openxmlformats.org/officeDocument/2006/relationships" xmlns:p="http://schemas.openxmlformats.org/presentationml/2006/main">
   <p:cSld>
     <p:spTree>
       <p:nvGrpSpPr>
@@ -3297,8 +3301,8 @@
       </p:grpSpPr>
       <p:sp>
         <p:nvSpPr>
-          <p:cNvPr name="TextBox 2" id="2"/>
-          <p:cNvSpPr txBox="true"/>
+          <p:cNvPr id="2" name="TextBox 2"/>
+          <p:cNvSpPr txBox="1"/>
           <p:nvPr/>
         </p:nvSpPr>
         <p:spPr>
@@ -3311,16 +3315,13 @@
           </a:prstGeom>
         </p:spPr>
         <p:txBody>
-          <a:bodyPr anchor="t" rtlCol="false" anchorCtr="true"/>
+          <a:bodyPr rtlCol="0" anchor="t" anchorCtr="1"/>
           <a:lstStyle/>
           <a:p>
             <a:pPr algn="l">
               <a:defRPr/>
             </a:pPr>
-            <a:r>
-              <a:rPr lang="en-US"/>
-              <a:t/>
-            </a:r>
+            <a:endParaRPr/>
           </a:p>
           <a:p>
             <a:pPr algn="l">
@@ -3339,8 +3340,8 @@
       </p:sp>
       <p:sp>
         <p:nvSpPr>
-          <p:cNvPr name="TextBox 3" id="3"/>
-          <p:cNvSpPr txBox="true"/>
+          <p:cNvPr id="3" name="TextBox 3"/>
+          <p:cNvSpPr txBox="1"/>
           <p:nvPr/>
         </p:nvSpPr>
         <p:spPr>
@@ -3353,16 +3354,13 @@
           </a:prstGeom>
         </p:spPr>
         <p:txBody>
-          <a:bodyPr anchor="t" rtlCol="false" anchorCtr="true"/>
+          <a:bodyPr rtlCol="0" anchor="t" anchorCtr="1"/>
           <a:lstStyle/>
           <a:p>
             <a:pPr algn="l">
               <a:defRPr/>
             </a:pPr>
-            <a:r>
-              <a:rPr lang="en-US"/>
-              <a:t/>
-            </a:r>
+            <a:endParaRPr/>
           </a:p>
           <a:p>
             <a:pPr algn="l">
@@ -3381,8 +3379,8 @@
       </p:sp>
       <p:sp>
         <p:nvSpPr>
-          <p:cNvPr name="TextBox 4" id="4"/>
-          <p:cNvSpPr txBox="true"/>
+          <p:cNvPr id="4" name="TextBox 4"/>
+          <p:cNvSpPr txBox="1"/>
           <p:nvPr/>
         </p:nvSpPr>
         <p:spPr>
@@ -3395,16 +3393,13 @@
           </a:prstGeom>
         </p:spPr>
         <p:txBody>
-          <a:bodyPr anchor="t" rtlCol="false" anchorCtr="false"/>
+          <a:bodyPr rtlCol="0" anchor="t" anchorCtr="0"/>
           <a:lstStyle/>
           <a:p>
             <a:pPr algn="l">
               <a:defRPr/>
             </a:pPr>
-            <a:r>
-              <a:rPr lang="en-US"/>
-              <a:t/>
-            </a:r>
+            <a:endParaRPr/>
           </a:p>
           <a:p>
             <a:pPr algn="l">
@@ -3423,8 +3418,8 @@
       </p:sp>
       <p:sp>
         <p:nvSpPr>
-          <p:cNvPr name="TextBox 5" id="5"/>
-          <p:cNvSpPr txBox="true"/>
+          <p:cNvPr id="5" name="TextBox 5"/>
+          <p:cNvSpPr txBox="1"/>
           <p:nvPr/>
         </p:nvSpPr>
         <p:spPr>
@@ -3437,16 +3432,13 @@
           </a:prstGeom>
         </p:spPr>
         <p:txBody>
-          <a:bodyPr anchor="t" rtlCol="false" anchorCtr="true"/>
+          <a:bodyPr rtlCol="0" anchor="t" anchorCtr="1"/>
           <a:lstStyle/>
           <a:p>
             <a:pPr algn="l">
               <a:defRPr/>
             </a:pPr>
-            <a:r>
-              <a:rPr lang="en-US"/>
-              <a:t/>
-            </a:r>
+            <a:endParaRPr/>
           </a:p>
           <a:p>
             <a:pPr algn="l">
@@ -3465,8 +3457,8 @@
       </p:sp>
       <p:sp>
         <p:nvSpPr>
-          <p:cNvPr name="TextBox 6" id="6"/>
-          <p:cNvSpPr txBox="true"/>
+          <p:cNvPr id="6" name="TextBox 6"/>
+          <p:cNvSpPr txBox="1"/>
           <p:nvPr/>
         </p:nvSpPr>
         <p:spPr>
@@ -3479,16 +3471,13 @@
           </a:prstGeom>
         </p:spPr>
         <p:txBody>
-          <a:bodyPr anchor="t" rtlCol="false" anchorCtr="false"/>
+          <a:bodyPr rtlCol="0" anchor="t" anchorCtr="0"/>
           <a:lstStyle/>
           <a:p>
             <a:pPr algn="l">
               <a:defRPr/>
             </a:pPr>
-            <a:r>
-              <a:rPr lang="en-US"/>
-              <a:t/>
-            </a:r>
+            <a:endParaRPr/>
           </a:p>
           <a:p>
             <a:pPr algn="l">
@@ -3514,7 +3503,7 @@
 </file>
 
 <file path=ppt/slides/slide3.xml><?xml version="1.0" encoding="utf-8"?>
-<p:sld xmlns:p="http://schemas.openxmlformats.org/presentationml/2006/main" xmlns:a="http://schemas.openxmlformats.org/drawingml/2006/main">
+<p:sld xmlns:a="http://schemas.openxmlformats.org/drawingml/2006/main" xmlns:r="http://schemas.openxmlformats.org/officeDocument/2006/relationships" xmlns:p="http://schemas.openxmlformats.org/presentationml/2006/main">
   <p:cSld>
     <p:spTree>
       <p:nvGrpSpPr>
@@ -3532,8 +3521,8 @@
       </p:grpSpPr>
       <p:sp>
         <p:nvSpPr>
-          <p:cNvPr name="TextBox 2" id="2"/>
-          <p:cNvSpPr txBox="true"/>
+          <p:cNvPr id="2" name="TextBox 2"/>
+          <p:cNvSpPr txBox="1"/>
           <p:nvPr/>
         </p:nvSpPr>
         <p:spPr>
@@ -3546,16 +3535,13 @@
           </a:prstGeom>
         </p:spPr>
         <p:txBody>
-          <a:bodyPr anchor="t" rtlCol="false" anchorCtr="true"/>
+          <a:bodyPr rtlCol="0" anchor="t" anchorCtr="1"/>
           <a:lstStyle/>
           <a:p>
             <a:pPr algn="l">
               <a:defRPr/>
             </a:pPr>
-            <a:r>
-              <a:rPr lang="en-US"/>
-              <a:t/>
-            </a:r>
+            <a:endParaRPr/>
           </a:p>
           <a:p>
             <a:pPr algn="l">
@@ -3574,8 +3560,8 @@
       </p:sp>
       <p:sp>
         <p:nvSpPr>
-          <p:cNvPr name="TextBox 3" id="3"/>
-          <p:cNvSpPr txBox="true"/>
+          <p:cNvPr id="3" name="TextBox 3"/>
+          <p:cNvSpPr txBox="1"/>
           <p:nvPr/>
         </p:nvSpPr>
         <p:spPr>
@@ -3588,16 +3574,13 @@
           </a:prstGeom>
         </p:spPr>
         <p:txBody>
-          <a:bodyPr anchor="t" rtlCol="false" anchorCtr="true"/>
+          <a:bodyPr rtlCol="0" anchor="t" anchorCtr="1"/>
           <a:lstStyle/>
           <a:p>
             <a:pPr algn="l">
               <a:defRPr/>
             </a:pPr>
-            <a:r>
-              <a:rPr lang="en-US"/>
-              <a:t/>
-            </a:r>
+            <a:endParaRPr/>
           </a:p>
           <a:p>
             <a:pPr algn="l">
@@ -3616,8 +3599,8 @@
       </p:sp>
       <p:sp>
         <p:nvSpPr>
-          <p:cNvPr name="TextBox 4" id="4"/>
-          <p:cNvSpPr txBox="true"/>
+          <p:cNvPr id="4" name="TextBox 4"/>
+          <p:cNvSpPr txBox="1"/>
           <p:nvPr/>
         </p:nvSpPr>
         <p:spPr>
@@ -3630,16 +3613,13 @@
           </a:prstGeom>
         </p:spPr>
         <p:txBody>
-          <a:bodyPr anchor="t" rtlCol="false" anchorCtr="false"/>
+          <a:bodyPr rtlCol="0" anchor="t" anchorCtr="0"/>
           <a:lstStyle/>
           <a:p>
             <a:pPr algn="l">
               <a:defRPr/>
             </a:pPr>
-            <a:r>
-              <a:rPr lang="en-US"/>
-              <a:t/>
-            </a:r>
+            <a:endParaRPr/>
           </a:p>
           <a:p>
             <a:pPr algn="l">
@@ -3658,8 +3638,8 @@
       </p:sp>
       <p:sp>
         <p:nvSpPr>
-          <p:cNvPr name="TextBox 5" id="5"/>
-          <p:cNvSpPr txBox="true"/>
+          <p:cNvPr id="5" name="TextBox 5"/>
+          <p:cNvSpPr txBox="1"/>
           <p:nvPr/>
         </p:nvSpPr>
         <p:spPr>
@@ -3672,16 +3652,13 @@
           </a:prstGeom>
         </p:spPr>
         <p:txBody>
-          <a:bodyPr anchor="t" rtlCol="false" anchorCtr="false"/>
+          <a:bodyPr rtlCol="0" anchor="t" anchorCtr="0"/>
           <a:lstStyle/>
           <a:p>
             <a:pPr algn="l">
               <a:defRPr/>
             </a:pPr>
-            <a:r>
-              <a:rPr lang="en-US"/>
-              <a:t/>
-            </a:r>
+            <a:endParaRPr/>
           </a:p>
           <a:p>
             <a:pPr algn="l">
@@ -3700,8 +3677,8 @@
       </p:sp>
       <p:sp>
         <p:nvSpPr>
-          <p:cNvPr name="TextBox 6" id="6"/>
-          <p:cNvSpPr txBox="true"/>
+          <p:cNvPr id="6" name="TextBox 6"/>
+          <p:cNvSpPr txBox="1"/>
           <p:nvPr/>
         </p:nvSpPr>
         <p:spPr>
@@ -3714,16 +3691,13 @@
           </a:prstGeom>
         </p:spPr>
         <p:txBody>
-          <a:bodyPr anchor="t" rtlCol="false" anchorCtr="true"/>
+          <a:bodyPr rtlCol="0" anchor="t" anchorCtr="1"/>
           <a:lstStyle/>
           <a:p>
             <a:pPr algn="l">
               <a:defRPr/>
             </a:pPr>
-            <a:r>
-              <a:rPr lang="en-US"/>
-              <a:t/>
-            </a:r>
+            <a:endParaRPr/>
           </a:p>
           <a:p>
             <a:pPr algn="l">
@@ -3742,8 +3716,8 @@
       </p:sp>
       <p:sp>
         <p:nvSpPr>
-          <p:cNvPr name="TextBox 7" id="7"/>
-          <p:cNvSpPr txBox="true"/>
+          <p:cNvPr id="7" name="TextBox 7"/>
+          <p:cNvSpPr txBox="1"/>
           <p:nvPr/>
         </p:nvSpPr>
         <p:spPr>
@@ -3756,16 +3730,13 @@
           </a:prstGeom>
         </p:spPr>
         <p:txBody>
-          <a:bodyPr anchor="t" rtlCol="false" anchorCtr="false"/>
+          <a:bodyPr rtlCol="0" anchor="t" anchorCtr="0"/>
           <a:lstStyle/>
           <a:p>
             <a:pPr algn="l">
               <a:defRPr/>
             </a:pPr>
-            <a:r>
-              <a:rPr lang="en-US"/>
-              <a:t/>
-            </a:r>
+            <a:endParaRPr/>
           </a:p>
           <a:p>
             <a:pPr algn="l">
@@ -3784,8 +3755,8 @@
       </p:sp>
       <p:sp>
         <p:nvSpPr>
-          <p:cNvPr name="TextBox 8" id="8"/>
-          <p:cNvSpPr txBox="true"/>
+          <p:cNvPr id="8" name="TextBox 8"/>
+          <p:cNvSpPr txBox="1"/>
           <p:nvPr/>
         </p:nvSpPr>
         <p:spPr>
@@ -3798,16 +3769,13 @@
           </a:prstGeom>
         </p:spPr>
         <p:txBody>
-          <a:bodyPr anchor="t" rtlCol="false" anchorCtr="false"/>
+          <a:bodyPr rtlCol="0" anchor="t" anchorCtr="0"/>
           <a:lstStyle/>
           <a:p>
             <a:pPr algn="l">
               <a:defRPr/>
             </a:pPr>
-            <a:r>
-              <a:rPr lang="en-US"/>
-              <a:t/>
-            </a:r>
+            <a:endParaRPr/>
           </a:p>
           <a:p>
             <a:pPr algn="l">
@@ -3826,8 +3794,8 @@
       </p:sp>
       <p:sp>
         <p:nvSpPr>
-          <p:cNvPr name="TextBox 9" id="9"/>
-          <p:cNvSpPr txBox="true"/>
+          <p:cNvPr id="9" name="TextBox 9"/>
+          <p:cNvSpPr txBox="1"/>
           <p:nvPr/>
         </p:nvSpPr>
         <p:spPr>
@@ -3840,16 +3808,13 @@
           </a:prstGeom>
         </p:spPr>
         <p:txBody>
-          <a:bodyPr anchor="t" rtlCol="false" anchorCtr="false"/>
+          <a:bodyPr rtlCol="0" anchor="t" anchorCtr="0"/>
           <a:lstStyle/>
           <a:p>
             <a:pPr algn="l">
               <a:defRPr/>
             </a:pPr>
-            <a:r>
-              <a:rPr lang="en-US"/>
-              <a:t/>
-            </a:r>
+            <a:endParaRPr/>
           </a:p>
           <a:p>
             <a:pPr algn="l">
@@ -3868,8 +3833,8 @@
       </p:sp>
       <p:sp>
         <p:nvSpPr>
-          <p:cNvPr name="TextBox 10" id="10"/>
-          <p:cNvSpPr txBox="true"/>
+          <p:cNvPr id="10" name="TextBox 10"/>
+          <p:cNvSpPr txBox="1"/>
           <p:nvPr/>
         </p:nvSpPr>
         <p:spPr>
@@ -3882,16 +3847,13 @@
           </a:prstGeom>
         </p:spPr>
         <p:txBody>
-          <a:bodyPr anchor="t" rtlCol="false" anchorCtr="true"/>
+          <a:bodyPr rtlCol="0" anchor="t" anchorCtr="1"/>
           <a:lstStyle/>
           <a:p>
             <a:pPr algn="l">
               <a:defRPr/>
             </a:pPr>
-            <a:r>
-              <a:rPr lang="en-US"/>
-              <a:t/>
-            </a:r>
+            <a:endParaRPr/>
           </a:p>
           <a:p>
             <a:pPr algn="l">
@@ -3910,8 +3872,8 @@
       </p:sp>
       <p:sp>
         <p:nvSpPr>
-          <p:cNvPr name="TextBox 11" id="11"/>
-          <p:cNvSpPr txBox="true"/>
+          <p:cNvPr id="11" name="TextBox 11"/>
+          <p:cNvSpPr txBox="1"/>
           <p:nvPr/>
         </p:nvSpPr>
         <p:spPr>
@@ -3924,16 +3886,13 @@
           </a:prstGeom>
         </p:spPr>
         <p:txBody>
-          <a:bodyPr anchor="t" rtlCol="false" anchorCtr="false"/>
+          <a:bodyPr rtlCol="0" anchor="t" anchorCtr="0"/>
           <a:lstStyle/>
           <a:p>
             <a:pPr algn="l">
               <a:defRPr/>
             </a:pPr>
-            <a:r>
-              <a:rPr lang="en-US"/>
-              <a:t/>
-            </a:r>
+            <a:endParaRPr/>
           </a:p>
           <a:p>
             <a:pPr algn="l">
@@ -3952,8 +3911,8 @@
       </p:sp>
       <p:sp>
         <p:nvSpPr>
-          <p:cNvPr name="TextBox 12" id="12"/>
-          <p:cNvSpPr txBox="true"/>
+          <p:cNvPr id="12" name="TextBox 12"/>
+          <p:cNvSpPr txBox="1"/>
           <p:nvPr/>
         </p:nvSpPr>
         <p:spPr>
@@ -3966,16 +3925,13 @@
           </a:prstGeom>
         </p:spPr>
         <p:txBody>
-          <a:bodyPr anchor="t" rtlCol="false" anchorCtr="false"/>
+          <a:bodyPr rtlCol="0" anchor="t" anchorCtr="0"/>
           <a:lstStyle/>
           <a:p>
             <a:pPr algn="l">
               <a:defRPr/>
             </a:pPr>
-            <a:r>
-              <a:rPr lang="en-US"/>
-              <a:t/>
-            </a:r>
+            <a:endParaRPr/>
           </a:p>
           <a:p>
             <a:pPr algn="l">
@@ -3994,8 +3950,8 @@
       </p:sp>
       <p:sp>
         <p:nvSpPr>
-          <p:cNvPr name="TextBox 13" id="13"/>
-          <p:cNvSpPr txBox="true"/>
+          <p:cNvPr id="13" name="TextBox 13"/>
+          <p:cNvSpPr txBox="1"/>
           <p:nvPr/>
         </p:nvSpPr>
         <p:spPr>
@@ -4008,16 +3964,13 @@
           </a:prstGeom>
         </p:spPr>
         <p:txBody>
-          <a:bodyPr anchor="t" rtlCol="false" anchorCtr="false"/>
+          <a:bodyPr rtlCol="0" anchor="t" anchorCtr="0"/>
           <a:lstStyle/>
           <a:p>
             <a:pPr algn="l">
               <a:defRPr/>
             </a:pPr>
-            <a:r>
-              <a:rPr lang="en-US"/>
-              <a:t/>
-            </a:r>
+            <a:endParaRPr/>
           </a:p>
           <a:p>
             <a:pPr algn="l">
@@ -4043,7 +3996,7 @@
 </file>
 
 <file path=ppt/slides/slide4.xml><?xml version="1.0" encoding="utf-8"?>
-<p:sld xmlns:p="http://schemas.openxmlformats.org/presentationml/2006/main" xmlns:a="http://schemas.openxmlformats.org/drawingml/2006/main">
+<p:sld xmlns:a="http://schemas.openxmlformats.org/drawingml/2006/main" xmlns:r="http://schemas.openxmlformats.org/officeDocument/2006/relationships" xmlns:p="http://schemas.openxmlformats.org/presentationml/2006/main">
   <p:cSld>
     <p:spTree>
       <p:nvGrpSpPr>
@@ -4061,8 +4014,8 @@
       </p:grpSpPr>
       <p:sp>
         <p:nvSpPr>
-          <p:cNvPr name="TextBox 2" id="2"/>
-          <p:cNvSpPr txBox="true"/>
+          <p:cNvPr id="2" name="TextBox 2"/>
+          <p:cNvSpPr txBox="1"/>
           <p:nvPr/>
         </p:nvSpPr>
         <p:spPr>
@@ -4075,16 +4028,13 @@
           </a:prstGeom>
         </p:spPr>
         <p:txBody>
-          <a:bodyPr anchor="t" rtlCol="false" anchorCtr="true"/>
+          <a:bodyPr rtlCol="0" anchor="t" anchorCtr="1"/>
           <a:lstStyle/>
           <a:p>
             <a:pPr algn="l">
               <a:defRPr/>
             </a:pPr>
-            <a:r>
-              <a:rPr lang="en-US"/>
-              <a:t/>
-            </a:r>
+            <a:endParaRPr/>
           </a:p>
           <a:p>
             <a:pPr algn="l">
@@ -4103,8 +4053,8 @@
       </p:sp>
       <p:sp>
         <p:nvSpPr>
-          <p:cNvPr name="TextBox 3" id="3"/>
-          <p:cNvSpPr txBox="true"/>
+          <p:cNvPr id="3" name="TextBox 3"/>
+          <p:cNvSpPr txBox="1"/>
           <p:nvPr/>
         </p:nvSpPr>
         <p:spPr>
@@ -4117,16 +4067,13 @@
           </a:prstGeom>
         </p:spPr>
         <p:txBody>
-          <a:bodyPr anchor="t" rtlCol="false" anchorCtr="true"/>
+          <a:bodyPr rtlCol="0" anchor="t" anchorCtr="1"/>
           <a:lstStyle/>
           <a:p>
             <a:pPr algn="l">
               <a:defRPr/>
             </a:pPr>
-            <a:r>
-              <a:rPr lang="en-US"/>
-              <a:t/>
-            </a:r>
+            <a:endParaRPr/>
           </a:p>
           <a:p>
             <a:pPr algn="l">
@@ -4145,8 +4092,8 @@
       </p:sp>
       <p:sp>
         <p:nvSpPr>
-          <p:cNvPr name="TextBox 4" id="4"/>
-          <p:cNvSpPr txBox="true"/>
+          <p:cNvPr id="4" name="TextBox 4"/>
+          <p:cNvSpPr txBox="1"/>
           <p:nvPr/>
         </p:nvSpPr>
         <p:spPr>
@@ -4159,16 +4106,13 @@
           </a:prstGeom>
         </p:spPr>
         <p:txBody>
-          <a:bodyPr anchor="t" rtlCol="false" anchorCtr="false"/>
+          <a:bodyPr rtlCol="0" anchor="t" anchorCtr="0"/>
           <a:lstStyle/>
           <a:p>
             <a:pPr algn="l">
               <a:defRPr/>
             </a:pPr>
-            <a:r>
-              <a:rPr lang="en-US"/>
-              <a:t/>
-            </a:r>
+            <a:endParaRPr/>
           </a:p>
           <a:p>
             <a:pPr algn="l">
@@ -4187,8 +4131,8 @@
       </p:sp>
       <p:sp>
         <p:nvSpPr>
-          <p:cNvPr name="TextBox 5" id="5"/>
-          <p:cNvSpPr txBox="true"/>
+          <p:cNvPr id="5" name="TextBox 5"/>
+          <p:cNvSpPr txBox="1"/>
           <p:nvPr/>
         </p:nvSpPr>
         <p:spPr>
@@ -4201,16 +4145,13 @@
           </a:prstGeom>
         </p:spPr>
         <p:txBody>
-          <a:bodyPr anchor="t" rtlCol="false" anchorCtr="true"/>
+          <a:bodyPr rtlCol="0" anchor="t" anchorCtr="1"/>
           <a:lstStyle/>
           <a:p>
             <a:pPr algn="l">
               <a:defRPr/>
             </a:pPr>
-            <a:r>
-              <a:rPr lang="en-US"/>
-              <a:t/>
-            </a:r>
+            <a:endParaRPr/>
           </a:p>
           <a:p>
             <a:pPr algn="l">
@@ -4229,8 +4170,8 @@
       </p:sp>
       <p:sp>
         <p:nvSpPr>
-          <p:cNvPr name="TextBox 6" id="6"/>
-          <p:cNvSpPr txBox="true"/>
+          <p:cNvPr id="6" name="TextBox 6"/>
+          <p:cNvSpPr txBox="1"/>
           <p:nvPr/>
         </p:nvSpPr>
         <p:spPr>
@@ -4243,16 +4184,13 @@
           </a:prstGeom>
         </p:spPr>
         <p:txBody>
-          <a:bodyPr anchor="t" rtlCol="false" anchorCtr="false"/>
+          <a:bodyPr rtlCol="0" anchor="t" anchorCtr="0"/>
           <a:lstStyle/>
           <a:p>
             <a:pPr algn="l">
               <a:defRPr/>
             </a:pPr>
-            <a:r>
-              <a:rPr lang="en-US"/>
-              <a:t/>
-            </a:r>
+            <a:endParaRPr/>
           </a:p>
           <a:p>
             <a:pPr algn="l">
@@ -4271,8 +4209,8 @@
       </p:sp>
       <p:sp>
         <p:nvSpPr>
-          <p:cNvPr name="TextBox 7" id="7"/>
-          <p:cNvSpPr txBox="true"/>
+          <p:cNvPr id="7" name="TextBox 7"/>
+          <p:cNvSpPr txBox="1"/>
           <p:nvPr/>
         </p:nvSpPr>
         <p:spPr>
@@ -4285,16 +4223,13 @@
           </a:prstGeom>
         </p:spPr>
         <p:txBody>
-          <a:bodyPr anchor="t" rtlCol="false" anchorCtr="false"/>
+          <a:bodyPr rtlCol="0" anchor="t" anchorCtr="0"/>
           <a:lstStyle/>
           <a:p>
             <a:pPr algn="l">
               <a:defRPr/>
             </a:pPr>
-            <a:r>
-              <a:rPr lang="en-US"/>
-              <a:t/>
-            </a:r>
+            <a:endParaRPr/>
           </a:p>
           <a:p>
             <a:pPr algn="l">
@@ -4320,7 +4255,7 @@
 </file>
 
 <file path=ppt/slides/slide5.xml><?xml version="1.0" encoding="utf-8"?>
-<p:sld xmlns:p="http://schemas.openxmlformats.org/presentationml/2006/main" xmlns:a="http://schemas.openxmlformats.org/drawingml/2006/main">
+<p:sld xmlns:a="http://schemas.openxmlformats.org/drawingml/2006/main" xmlns:r="http://schemas.openxmlformats.org/officeDocument/2006/relationships" xmlns:p="http://schemas.openxmlformats.org/presentationml/2006/main">
   <p:cSld>
     <p:spTree>
       <p:nvGrpSpPr>
@@ -4338,8 +4273,8 @@
       </p:grpSpPr>
       <p:sp>
         <p:nvSpPr>
-          <p:cNvPr name="TextBox 2" id="2"/>
-          <p:cNvSpPr txBox="true"/>
+          <p:cNvPr id="2" name="TextBox 2"/>
+          <p:cNvSpPr txBox="1"/>
           <p:nvPr/>
         </p:nvSpPr>
         <p:spPr>
@@ -4352,16 +4287,13 @@
           </a:prstGeom>
         </p:spPr>
         <p:txBody>
-          <a:bodyPr anchor="t" rtlCol="false" anchorCtr="true"/>
+          <a:bodyPr rtlCol="0" anchor="t" anchorCtr="1"/>
           <a:lstStyle/>
           <a:p>
             <a:pPr algn="l">
               <a:defRPr/>
             </a:pPr>
-            <a:r>
-              <a:rPr lang="en-US"/>
-              <a:t/>
-            </a:r>
+            <a:endParaRPr/>
           </a:p>
           <a:p>
             <a:pPr algn="l">
@@ -4380,8 +4312,8 @@
       </p:sp>
       <p:sp>
         <p:nvSpPr>
-          <p:cNvPr name="TextBox 3" id="3"/>
-          <p:cNvSpPr txBox="true"/>
+          <p:cNvPr id="3" name="TextBox 3"/>
+          <p:cNvSpPr txBox="1"/>
           <p:nvPr/>
         </p:nvSpPr>
         <p:spPr>
@@ -4394,16 +4326,13 @@
           </a:prstGeom>
         </p:spPr>
         <p:txBody>
-          <a:bodyPr anchor="t" rtlCol="false" anchorCtr="false"/>
+          <a:bodyPr rtlCol="0" anchor="t" anchorCtr="0"/>
           <a:lstStyle/>
           <a:p>
             <a:pPr algn="l">
               <a:defRPr/>
             </a:pPr>
-            <a:r>
-              <a:rPr lang="en-US"/>
-              <a:t/>
-            </a:r>
+            <a:endParaRPr/>
           </a:p>
           <a:p>
             <a:pPr algn="l">
@@ -4422,8 +4351,8 @@
       </p:sp>
       <p:sp>
         <p:nvSpPr>
-          <p:cNvPr name="TextBox 4" id="4"/>
-          <p:cNvSpPr txBox="true"/>
+          <p:cNvPr id="4" name="TextBox 4"/>
+          <p:cNvSpPr txBox="1"/>
           <p:nvPr/>
         </p:nvSpPr>
         <p:spPr>
@@ -4436,16 +4365,13 @@
           </a:prstGeom>
         </p:spPr>
         <p:txBody>
-          <a:bodyPr anchor="t" rtlCol="false" anchorCtr="false"/>
+          <a:bodyPr rtlCol="0" anchor="t" anchorCtr="0"/>
           <a:lstStyle/>
           <a:p>
             <a:pPr algn="l">
               <a:defRPr/>
             </a:pPr>
-            <a:r>
-              <a:rPr lang="en-US"/>
-              <a:t/>
-            </a:r>
+            <a:endParaRPr/>
           </a:p>
           <a:p>
             <a:pPr algn="l">
@@ -4464,8 +4390,8 @@
       </p:sp>
       <p:sp>
         <p:nvSpPr>
-          <p:cNvPr name="TextBox 5" id="5"/>
-          <p:cNvSpPr txBox="true"/>
+          <p:cNvPr id="5" name="TextBox 5"/>
+          <p:cNvSpPr txBox="1"/>
           <p:nvPr/>
         </p:nvSpPr>
         <p:spPr>
@@ -4478,16 +4404,13 @@
           </a:prstGeom>
         </p:spPr>
         <p:txBody>
-          <a:bodyPr anchor="t" rtlCol="false" anchorCtr="false"/>
+          <a:bodyPr rtlCol="0" anchor="t" anchorCtr="0"/>
           <a:lstStyle/>
           <a:p>
             <a:pPr algn="l">
               <a:defRPr/>
             </a:pPr>
-            <a:r>
-              <a:rPr lang="en-US"/>
-              <a:t/>
-            </a:r>
+            <a:endParaRPr/>
           </a:p>
           <a:p>
             <a:pPr algn="l">
@@ -4506,8 +4429,8 @@
       </p:sp>
       <p:sp>
         <p:nvSpPr>
-          <p:cNvPr name="TextBox 6" id="6"/>
-          <p:cNvSpPr txBox="true"/>
+          <p:cNvPr id="6" name="TextBox 6"/>
+          <p:cNvSpPr txBox="1"/>
           <p:nvPr/>
         </p:nvSpPr>
         <p:spPr>
@@ -4520,16 +4443,13 @@
           </a:prstGeom>
         </p:spPr>
         <p:txBody>
-          <a:bodyPr anchor="t" rtlCol="false" anchorCtr="false"/>
+          <a:bodyPr rtlCol="0" anchor="t" anchorCtr="0"/>
           <a:lstStyle/>
           <a:p>
             <a:pPr algn="l">
               <a:defRPr/>
             </a:pPr>
-            <a:r>
-              <a:rPr lang="en-US"/>
-              <a:t/>
-            </a:r>
+            <a:endParaRPr/>
           </a:p>
           <a:p>
             <a:pPr algn="l">
@@ -4548,8 +4468,8 @@
       </p:sp>
       <p:sp>
         <p:nvSpPr>
-          <p:cNvPr name="TextBox 7" id="7"/>
-          <p:cNvSpPr txBox="true"/>
+          <p:cNvPr id="7" name="TextBox 7"/>
+          <p:cNvSpPr txBox="1"/>
           <p:nvPr/>
         </p:nvSpPr>
         <p:spPr>
@@ -4562,16 +4482,13 @@
           </a:prstGeom>
         </p:spPr>
         <p:txBody>
-          <a:bodyPr anchor="t" rtlCol="false" anchorCtr="false"/>
+          <a:bodyPr rtlCol="0" anchor="t" anchorCtr="0"/>
           <a:lstStyle/>
           <a:p>
             <a:pPr algn="l">
               <a:defRPr/>
             </a:pPr>
-            <a:r>
-              <a:rPr lang="en-US"/>
-              <a:t/>
-            </a:r>
+            <a:endParaRPr/>
           </a:p>
           <a:p>
             <a:pPr algn="l">
@@ -4590,8 +4507,8 @@
       </p:sp>
       <p:sp>
         <p:nvSpPr>
-          <p:cNvPr name="TextBox 8" id="8"/>
-          <p:cNvSpPr txBox="true"/>
+          <p:cNvPr id="8" name="TextBox 8"/>
+          <p:cNvSpPr txBox="1"/>
           <p:nvPr/>
         </p:nvSpPr>
         <p:spPr>
@@ -4604,16 +4521,13 @@
           </a:prstGeom>
         </p:spPr>
         <p:txBody>
-          <a:bodyPr anchor="t" rtlCol="false" anchorCtr="false"/>
+          <a:bodyPr rtlCol="0" anchor="t" anchorCtr="0"/>
           <a:lstStyle/>
           <a:p>
             <a:pPr algn="l">
               <a:defRPr/>
             </a:pPr>
-            <a:r>
-              <a:rPr lang="en-US"/>
-              <a:t/>
-            </a:r>
+            <a:endParaRPr/>
           </a:p>
           <a:p>
             <a:pPr algn="l">
@@ -4632,8 +4546,8 @@
       </p:sp>
       <p:sp>
         <p:nvSpPr>
-          <p:cNvPr name="TextBox 9" id="9"/>
-          <p:cNvSpPr txBox="true"/>
+          <p:cNvPr id="9" name="TextBox 9"/>
+          <p:cNvSpPr txBox="1"/>
           <p:nvPr/>
         </p:nvSpPr>
         <p:spPr>
@@ -4646,16 +4560,13 @@
           </a:prstGeom>
         </p:spPr>
         <p:txBody>
-          <a:bodyPr anchor="t" rtlCol="false" anchorCtr="false"/>
+          <a:bodyPr rtlCol="0" anchor="t" anchorCtr="0"/>
           <a:lstStyle/>
           <a:p>
             <a:pPr algn="l">
               <a:defRPr/>
             </a:pPr>
-            <a:r>
-              <a:rPr lang="en-US"/>
-              <a:t/>
-            </a:r>
+            <a:endParaRPr/>
           </a:p>
           <a:p>
             <a:pPr algn="l">
@@ -4674,8 +4585,8 @@
       </p:sp>
       <p:sp>
         <p:nvSpPr>
-          <p:cNvPr name="TextBox 10" id="10"/>
-          <p:cNvSpPr txBox="true"/>
+          <p:cNvPr id="10" name="TextBox 10"/>
+          <p:cNvSpPr txBox="1"/>
           <p:nvPr/>
         </p:nvSpPr>
         <p:spPr>
@@ -4688,16 +4599,13 @@
           </a:prstGeom>
         </p:spPr>
         <p:txBody>
-          <a:bodyPr anchor="t" rtlCol="false" anchorCtr="false"/>
+          <a:bodyPr rtlCol="0" anchor="t" anchorCtr="0"/>
           <a:lstStyle/>
           <a:p>
             <a:pPr algn="l">
               <a:defRPr/>
             </a:pPr>
-            <a:r>
-              <a:rPr lang="en-US"/>
-              <a:t/>
-            </a:r>
+            <a:endParaRPr/>
           </a:p>
           <a:p>
             <a:pPr algn="l">
@@ -4716,8 +4624,8 @@
       </p:sp>
       <p:sp>
         <p:nvSpPr>
-          <p:cNvPr name="TextBox 11" id="11"/>
-          <p:cNvSpPr txBox="true"/>
+          <p:cNvPr id="11" name="TextBox 11"/>
+          <p:cNvSpPr txBox="1"/>
           <p:nvPr/>
         </p:nvSpPr>
         <p:spPr>
@@ -4730,16 +4638,13 @@
           </a:prstGeom>
         </p:spPr>
         <p:txBody>
-          <a:bodyPr anchor="t" rtlCol="false" anchorCtr="false"/>
+          <a:bodyPr rtlCol="0" anchor="t" anchorCtr="0"/>
           <a:lstStyle/>
           <a:p>
             <a:pPr algn="l">
               <a:defRPr/>
             </a:pPr>
-            <a:r>
-              <a:rPr lang="en-US"/>
-              <a:t/>
-            </a:r>
+            <a:endParaRPr/>
           </a:p>
           <a:p>
             <a:pPr algn="l">
@@ -4758,8 +4663,8 @@
       </p:sp>
       <p:sp>
         <p:nvSpPr>
-          <p:cNvPr name="TextBox 12" id="12"/>
-          <p:cNvSpPr txBox="true"/>
+          <p:cNvPr id="12" name="TextBox 12"/>
+          <p:cNvSpPr txBox="1"/>
           <p:nvPr/>
         </p:nvSpPr>
         <p:spPr>
@@ -4772,16 +4677,13 @@
           </a:prstGeom>
         </p:spPr>
         <p:txBody>
-          <a:bodyPr anchor="t" rtlCol="false" anchorCtr="false"/>
+          <a:bodyPr rtlCol="0" anchor="t" anchorCtr="0"/>
           <a:lstStyle/>
           <a:p>
             <a:pPr algn="l">
               <a:defRPr/>
             </a:pPr>
-            <a:r>
-              <a:rPr lang="en-US"/>
-              <a:t/>
-            </a:r>
+            <a:endParaRPr/>
           </a:p>
           <a:p>
             <a:pPr algn="l">
@@ -4800,8 +4702,8 @@
       </p:sp>
       <p:sp>
         <p:nvSpPr>
-          <p:cNvPr name="TextBox 13" id="13"/>
-          <p:cNvSpPr txBox="true"/>
+          <p:cNvPr id="13" name="TextBox 13"/>
+          <p:cNvSpPr txBox="1"/>
           <p:nvPr/>
         </p:nvSpPr>
         <p:spPr>
@@ -4814,16 +4716,13 @@
           </a:prstGeom>
         </p:spPr>
         <p:txBody>
-          <a:bodyPr anchor="t" rtlCol="false" anchorCtr="false"/>
+          <a:bodyPr rtlCol="0" anchor="t" anchorCtr="0"/>
           <a:lstStyle/>
           <a:p>
             <a:pPr algn="l">
               <a:defRPr/>
             </a:pPr>
-            <a:r>
-              <a:rPr lang="en-US"/>
-              <a:t/>
-            </a:r>
+            <a:endParaRPr/>
           </a:p>
           <a:p>
             <a:pPr algn="l">
@@ -4842,8 +4741,8 @@
       </p:sp>
       <p:sp>
         <p:nvSpPr>
-          <p:cNvPr name="TextBox 14" id="14"/>
-          <p:cNvSpPr txBox="true"/>
+          <p:cNvPr id="14" name="TextBox 14"/>
+          <p:cNvSpPr txBox="1"/>
           <p:nvPr/>
         </p:nvSpPr>
         <p:spPr>
@@ -4856,16 +4755,13 @@
           </a:prstGeom>
         </p:spPr>
         <p:txBody>
-          <a:bodyPr anchor="t" rtlCol="false" anchorCtr="false"/>
+          <a:bodyPr rtlCol="0" anchor="t" anchorCtr="0"/>
           <a:lstStyle/>
           <a:p>
             <a:pPr algn="l">
               <a:defRPr/>
             </a:pPr>
-            <a:r>
-              <a:rPr lang="en-US"/>
-              <a:t/>
-            </a:r>
+            <a:endParaRPr/>
           </a:p>
           <a:p>
             <a:pPr algn="l">
@@ -4884,8 +4780,8 @@
       </p:sp>
       <p:sp>
         <p:nvSpPr>
-          <p:cNvPr name="TextBox 15" id="15"/>
-          <p:cNvSpPr txBox="true"/>
+          <p:cNvPr id="15" name="TextBox 15"/>
+          <p:cNvSpPr txBox="1"/>
           <p:nvPr/>
         </p:nvSpPr>
         <p:spPr>
@@ -4898,16 +4794,13 @@
           </a:prstGeom>
         </p:spPr>
         <p:txBody>
-          <a:bodyPr anchor="t" rtlCol="false" anchorCtr="false"/>
+          <a:bodyPr rtlCol="0" anchor="t" anchorCtr="0"/>
           <a:lstStyle/>
           <a:p>
             <a:pPr algn="l">
               <a:defRPr/>
             </a:pPr>
-            <a:r>
-              <a:rPr lang="en-US"/>
-              <a:t/>
-            </a:r>
+            <a:endParaRPr/>
           </a:p>
           <a:p>
             <a:pPr algn="l">
@@ -4926,8 +4819,8 @@
       </p:sp>
       <p:sp>
         <p:nvSpPr>
-          <p:cNvPr name="TextBox 16" id="16"/>
-          <p:cNvSpPr txBox="true"/>
+          <p:cNvPr id="16" name="TextBox 16"/>
+          <p:cNvSpPr txBox="1"/>
           <p:nvPr/>
         </p:nvSpPr>
         <p:spPr>
@@ -4940,16 +4833,13 @@
           </a:prstGeom>
         </p:spPr>
         <p:txBody>
-          <a:bodyPr anchor="t" rtlCol="false" anchorCtr="false"/>
+          <a:bodyPr rtlCol="0" anchor="t" anchorCtr="0"/>
           <a:lstStyle/>
           <a:p>
             <a:pPr algn="l">
               <a:defRPr/>
             </a:pPr>
-            <a:r>
-              <a:rPr lang="en-US"/>
-              <a:t/>
-            </a:r>
+            <a:endParaRPr/>
           </a:p>
           <a:p>
             <a:pPr algn="l">
@@ -4968,8 +4858,8 @@
       </p:sp>
       <p:sp>
         <p:nvSpPr>
-          <p:cNvPr name="TextBox 17" id="17"/>
-          <p:cNvSpPr txBox="true"/>
+          <p:cNvPr id="17" name="TextBox 17"/>
+          <p:cNvSpPr txBox="1"/>
           <p:nvPr/>
         </p:nvSpPr>
         <p:spPr>
@@ -4982,16 +4872,13 @@
           </a:prstGeom>
         </p:spPr>
         <p:txBody>
-          <a:bodyPr anchor="t" rtlCol="false" anchorCtr="false"/>
+          <a:bodyPr rtlCol="0" anchor="t" anchorCtr="0"/>
           <a:lstStyle/>
           <a:p>
             <a:pPr algn="l">
               <a:defRPr/>
             </a:pPr>
-            <a:r>
-              <a:rPr lang="en-US"/>
-              <a:t/>
-            </a:r>
+            <a:endParaRPr/>
           </a:p>
           <a:p>
             <a:pPr algn="l">
@@ -5017,7 +4904,7 @@
 </file>
 
 <file path=ppt/slides/slide6.xml><?xml version="1.0" encoding="utf-8"?>
-<p:sld xmlns:p="http://schemas.openxmlformats.org/presentationml/2006/main" xmlns:a="http://schemas.openxmlformats.org/drawingml/2006/main">
+<p:sld xmlns:a="http://schemas.openxmlformats.org/drawingml/2006/main" xmlns:r="http://schemas.openxmlformats.org/officeDocument/2006/relationships" xmlns:p="http://schemas.openxmlformats.org/presentationml/2006/main">
   <p:cSld>
     <p:spTree>
       <p:nvGrpSpPr>
@@ -5035,8 +4922,8 @@
       </p:grpSpPr>
       <p:sp>
         <p:nvSpPr>
-          <p:cNvPr name="TextBox 2" id="2"/>
-          <p:cNvSpPr txBox="true"/>
+          <p:cNvPr id="2" name="TextBox 2"/>
+          <p:cNvSpPr txBox="1"/>
           <p:nvPr/>
         </p:nvSpPr>
         <p:spPr>
@@ -5049,16 +4936,13 @@
           </a:prstGeom>
         </p:spPr>
         <p:txBody>
-          <a:bodyPr anchor="t" rtlCol="false" anchorCtr="true"/>
+          <a:bodyPr rtlCol="0" anchor="t" anchorCtr="1"/>
           <a:lstStyle/>
           <a:p>
             <a:pPr algn="l">
               <a:defRPr/>
             </a:pPr>
-            <a:r>
-              <a:rPr lang="en-US"/>
-              <a:t/>
-            </a:r>
+            <a:endParaRPr/>
           </a:p>
           <a:p>
             <a:pPr algn="l">
@@ -5077,8 +4961,8 @@
       </p:sp>
       <p:sp>
         <p:nvSpPr>
-          <p:cNvPr name="TextBox 3" id="3"/>
-          <p:cNvSpPr txBox="true"/>
+          <p:cNvPr id="3" name="TextBox 3"/>
+          <p:cNvSpPr txBox="1"/>
           <p:nvPr/>
         </p:nvSpPr>
         <p:spPr>
@@ -5091,16 +4975,13 @@
           </a:prstGeom>
         </p:spPr>
         <p:txBody>
-          <a:bodyPr anchor="t" rtlCol="false" anchorCtr="false"/>
+          <a:bodyPr rtlCol="0" anchor="t" anchorCtr="0"/>
           <a:lstStyle/>
           <a:p>
             <a:pPr algn="l">
               <a:defRPr/>
             </a:pPr>
-            <a:r>
-              <a:rPr lang="en-US"/>
-              <a:t/>
-            </a:r>
+            <a:endParaRPr/>
           </a:p>
           <a:p>
             <a:pPr algn="l">
@@ -5119,8 +5000,8 @@
       </p:sp>
       <p:sp>
         <p:nvSpPr>
-          <p:cNvPr name="TextBox 4" id="4"/>
-          <p:cNvSpPr txBox="true"/>
+          <p:cNvPr id="4" name="TextBox 4"/>
+          <p:cNvSpPr txBox="1"/>
           <p:nvPr/>
         </p:nvSpPr>
         <p:spPr>
@@ -5133,16 +5014,13 @@
           </a:prstGeom>
         </p:spPr>
         <p:txBody>
-          <a:bodyPr anchor="t" rtlCol="false" anchorCtr="true"/>
+          <a:bodyPr rtlCol="0" anchor="t" anchorCtr="1"/>
           <a:lstStyle/>
           <a:p>
             <a:pPr algn="l">
               <a:defRPr/>
             </a:pPr>
-            <a:r>
-              <a:rPr lang="en-US"/>
-              <a:t/>
-            </a:r>
+            <a:endParaRPr/>
           </a:p>
           <a:p>
             <a:pPr algn="l">
@@ -5161,8 +5039,8 @@
       </p:sp>
       <p:sp>
         <p:nvSpPr>
-          <p:cNvPr name="TextBox 5" id="5"/>
-          <p:cNvSpPr txBox="true"/>
+          <p:cNvPr id="5" name="TextBox 5"/>
+          <p:cNvSpPr txBox="1"/>
           <p:nvPr/>
         </p:nvSpPr>
         <p:spPr>
@@ -5175,16 +5053,13 @@
           </a:prstGeom>
         </p:spPr>
         <p:txBody>
-          <a:bodyPr anchor="t" rtlCol="false" anchorCtr="false"/>
+          <a:bodyPr rtlCol="0" anchor="t" anchorCtr="0"/>
           <a:lstStyle/>
           <a:p>
             <a:pPr algn="l">
               <a:defRPr/>
             </a:pPr>
-            <a:r>
-              <a:rPr lang="en-US"/>
-              <a:t/>
-            </a:r>
+            <a:endParaRPr/>
           </a:p>
           <a:p>
             <a:pPr algn="l">
@@ -5203,8 +5078,8 @@
       </p:sp>
       <p:sp>
         <p:nvSpPr>
-          <p:cNvPr name="TextBox 6" id="6"/>
-          <p:cNvSpPr txBox="true"/>
+          <p:cNvPr id="6" name="TextBox 6"/>
+          <p:cNvSpPr txBox="1"/>
           <p:nvPr/>
         </p:nvSpPr>
         <p:spPr>
@@ -5217,16 +5092,13 @@
           </a:prstGeom>
         </p:spPr>
         <p:txBody>
-          <a:bodyPr anchor="t" rtlCol="false" anchorCtr="false"/>
+          <a:bodyPr rtlCol="0" anchor="t" anchorCtr="0"/>
           <a:lstStyle/>
           <a:p>
             <a:pPr algn="l">
               <a:defRPr/>
             </a:pPr>
-            <a:r>
-              <a:rPr lang="en-US"/>
-              <a:t/>
-            </a:r>
+            <a:endParaRPr/>
           </a:p>
           <a:p>
             <a:pPr algn="l">
@@ -5245,8 +5117,8 @@
       </p:sp>
       <p:sp>
         <p:nvSpPr>
-          <p:cNvPr name="TextBox 7" id="7"/>
-          <p:cNvSpPr txBox="true"/>
+          <p:cNvPr id="7" name="TextBox 7"/>
+          <p:cNvSpPr txBox="1"/>
           <p:nvPr/>
         </p:nvSpPr>
         <p:spPr>
@@ -5259,16 +5131,13 @@
           </a:prstGeom>
         </p:spPr>
         <p:txBody>
-          <a:bodyPr anchor="t" rtlCol="false" anchorCtr="false"/>
+          <a:bodyPr rtlCol="0" anchor="t" anchorCtr="0"/>
           <a:lstStyle/>
           <a:p>
             <a:pPr algn="l">
               <a:defRPr/>
             </a:pPr>
-            <a:r>
-              <a:rPr lang="en-US"/>
-              <a:t/>
-            </a:r>
+            <a:endParaRPr/>
           </a:p>
           <a:p>
             <a:pPr algn="l">
@@ -5287,8 +5156,8 @@
       </p:sp>
       <p:sp>
         <p:nvSpPr>
-          <p:cNvPr name="TextBox 8" id="8"/>
-          <p:cNvSpPr txBox="true"/>
+          <p:cNvPr id="8" name="TextBox 8"/>
+          <p:cNvSpPr txBox="1"/>
           <p:nvPr/>
         </p:nvSpPr>
         <p:spPr>
@@ -5301,16 +5170,13 @@
           </a:prstGeom>
         </p:spPr>
         <p:txBody>
-          <a:bodyPr anchor="t" rtlCol="false" anchorCtr="false"/>
+          <a:bodyPr rtlCol="0" anchor="t" anchorCtr="0"/>
           <a:lstStyle/>
           <a:p>
             <a:pPr algn="l">
               <a:defRPr/>
             </a:pPr>
-            <a:r>
-              <a:rPr lang="en-US"/>
-              <a:t/>
-            </a:r>
+            <a:endParaRPr/>
           </a:p>
           <a:p>
             <a:pPr algn="l">
@@ -5329,8 +5195,8 @@
       </p:sp>
       <p:sp>
         <p:nvSpPr>
-          <p:cNvPr name="TextBox 9" id="9"/>
-          <p:cNvSpPr txBox="true"/>
+          <p:cNvPr id="9" name="TextBox 9"/>
+          <p:cNvSpPr txBox="1"/>
           <p:nvPr/>
         </p:nvSpPr>
         <p:spPr>
@@ -5343,16 +5209,13 @@
           </a:prstGeom>
         </p:spPr>
         <p:txBody>
-          <a:bodyPr anchor="t" rtlCol="false" anchorCtr="false"/>
+          <a:bodyPr rtlCol="0" anchor="t" anchorCtr="0"/>
           <a:lstStyle/>
           <a:p>
             <a:pPr algn="l">
               <a:defRPr/>
             </a:pPr>
-            <a:r>
-              <a:rPr lang="en-US"/>
-              <a:t/>
-            </a:r>
+            <a:endParaRPr/>
           </a:p>
           <a:p>
             <a:pPr algn="l">
@@ -5371,8 +5234,8 @@
       </p:sp>
       <p:sp>
         <p:nvSpPr>
-          <p:cNvPr name="TextBox 10" id="10"/>
-          <p:cNvSpPr txBox="true"/>
+          <p:cNvPr id="10" name="TextBox 10"/>
+          <p:cNvSpPr txBox="1"/>
           <p:nvPr/>
         </p:nvSpPr>
         <p:spPr>
@@ -5385,16 +5248,13 @@
           </a:prstGeom>
         </p:spPr>
         <p:txBody>
-          <a:bodyPr anchor="t" rtlCol="false" anchorCtr="false"/>
+          <a:bodyPr rtlCol="0" anchor="t" anchorCtr="0"/>
           <a:lstStyle/>
           <a:p>
             <a:pPr algn="l">
               <a:defRPr/>
             </a:pPr>
-            <a:r>
-              <a:rPr lang="en-US"/>
-              <a:t/>
-            </a:r>
+            <a:endParaRPr/>
           </a:p>
           <a:p>
             <a:pPr algn="l">
@@ -5413,8 +5273,8 @@
       </p:sp>
       <p:sp>
         <p:nvSpPr>
-          <p:cNvPr name="TextBox 11" id="11"/>
-          <p:cNvSpPr txBox="true"/>
+          <p:cNvPr id="11" name="TextBox 11"/>
+          <p:cNvSpPr txBox="1"/>
           <p:nvPr/>
         </p:nvSpPr>
         <p:spPr>
@@ -5427,16 +5287,13 @@
           </a:prstGeom>
         </p:spPr>
         <p:txBody>
-          <a:bodyPr anchor="t" rtlCol="false" anchorCtr="false"/>
+          <a:bodyPr rtlCol="0" anchor="t" anchorCtr="0"/>
           <a:lstStyle/>
           <a:p>
             <a:pPr algn="l">
               <a:defRPr/>
             </a:pPr>
-            <a:r>
-              <a:rPr lang="en-US"/>
-              <a:t/>
-            </a:r>
+            <a:endParaRPr/>
           </a:p>
           <a:p>
             <a:pPr algn="l">
@@ -5462,7 +5319,7 @@
 </file>
 
 <file path=ppt/slides/slide7.xml><?xml version="1.0" encoding="utf-8"?>
-<p:sld xmlns:p="http://schemas.openxmlformats.org/presentationml/2006/main" xmlns:a="http://schemas.openxmlformats.org/drawingml/2006/main">
+<p:sld xmlns:a="http://schemas.openxmlformats.org/drawingml/2006/main" xmlns:r="http://schemas.openxmlformats.org/officeDocument/2006/relationships" xmlns:p="http://schemas.openxmlformats.org/presentationml/2006/main">
   <p:cSld>
     <p:spTree>
       <p:nvGrpSpPr>
@@ -5480,8 +5337,8 @@
       </p:grpSpPr>
       <p:sp>
         <p:nvSpPr>
-          <p:cNvPr name="TextBox 2" id="2"/>
-          <p:cNvSpPr txBox="true"/>
+          <p:cNvPr id="2" name="TextBox 2"/>
+          <p:cNvSpPr txBox="1"/>
           <p:nvPr/>
         </p:nvSpPr>
         <p:spPr>
@@ -5494,16 +5351,13 @@
           </a:prstGeom>
         </p:spPr>
         <p:txBody>
-          <a:bodyPr anchor="t" rtlCol="false" anchorCtr="true"/>
+          <a:bodyPr rtlCol="0" anchor="t" anchorCtr="1"/>
           <a:lstStyle/>
           <a:p>
             <a:pPr algn="l">
               <a:defRPr/>
             </a:pPr>
-            <a:r>
-              <a:rPr lang="en-US"/>
-              <a:t/>
-            </a:r>
+            <a:endParaRPr/>
           </a:p>
           <a:p>
             <a:pPr algn="l">
@@ -5522,33 +5376,75 @@
       </p:sp>
       <p:graphicFrame>
         <p:nvGraphicFramePr>
-          <p:cNvPr name="Table 3" id="3"/>
+          <p:cNvPr id="3" name="Table 3"/>
           <p:cNvGraphicFramePr>
-            <a:graphicFrameLocks noGrp="true"/>
+            <a:graphicFrameLocks noGrp="1"/>
           </p:cNvGraphicFramePr>
           <p:nvPr/>
         </p:nvGraphicFramePr>
         <p:xfrm>
           <a:off x="1397000" y="762000"/>
-          <a:ext cx="5080000" cy="3810000"/>
+          <a:ext cx="6223000" cy="5943600"/>
         </p:xfrm>
         <a:graphic>
           <a:graphicData uri="http://schemas.openxmlformats.org/drawingml/2006/table">
             <a:tbl>
               <a:tblPr/>
               <a:tblGrid>
-                <a:gridCol w="889000"/>
-                <a:gridCol w="889000"/>
-                <a:gridCol w="889000"/>
-                <a:gridCol w="889000"/>
-                <a:gridCol w="889000"/>
-                <a:gridCol w="889000"/>
-                <a:gridCol w="889000"/>
+                <a:gridCol w="889000">
+                  <a:extLst>
+                    <a:ext uri="{9D8B030D-6E8A-4147-A177-3AD203B41FA5}">
+                      <a16:colId xmlns:a16="http://schemas.microsoft.com/office/drawing/2014/main" val="20000"/>
+                    </a:ext>
+                  </a:extLst>
+                </a:gridCol>
+                <a:gridCol w="889000">
+                  <a:extLst>
+                    <a:ext uri="{9D8B030D-6E8A-4147-A177-3AD203B41FA5}">
+                      <a16:colId xmlns:a16="http://schemas.microsoft.com/office/drawing/2014/main" val="20001"/>
+                    </a:ext>
+                  </a:extLst>
+                </a:gridCol>
+                <a:gridCol w="889000">
+                  <a:extLst>
+                    <a:ext uri="{9D8B030D-6E8A-4147-A177-3AD203B41FA5}">
+                      <a16:colId xmlns:a16="http://schemas.microsoft.com/office/drawing/2014/main" val="20002"/>
+                    </a:ext>
+                  </a:extLst>
+                </a:gridCol>
+                <a:gridCol w="889000">
+                  <a:extLst>
+                    <a:ext uri="{9D8B030D-6E8A-4147-A177-3AD203B41FA5}">
+                      <a16:colId xmlns:a16="http://schemas.microsoft.com/office/drawing/2014/main" val="20003"/>
+                    </a:ext>
+                  </a:extLst>
+                </a:gridCol>
+                <a:gridCol w="889000">
+                  <a:extLst>
+                    <a:ext uri="{9D8B030D-6E8A-4147-A177-3AD203B41FA5}">
+                      <a16:colId xmlns:a16="http://schemas.microsoft.com/office/drawing/2014/main" val="20004"/>
+                    </a:ext>
+                  </a:extLst>
+                </a:gridCol>
+                <a:gridCol w="889000">
+                  <a:extLst>
+                    <a:ext uri="{9D8B030D-6E8A-4147-A177-3AD203B41FA5}">
+                      <a16:colId xmlns:a16="http://schemas.microsoft.com/office/drawing/2014/main" val="20005"/>
+                    </a:ext>
+                  </a:extLst>
+                </a:gridCol>
+                <a:gridCol w="889000">
+                  <a:extLst>
+                    <a:ext uri="{9D8B030D-6E8A-4147-A177-3AD203B41FA5}">
+                      <a16:colId xmlns:a16="http://schemas.microsoft.com/office/drawing/2014/main" val="20006"/>
+                    </a:ext>
+                  </a:extLst>
+                </a:gridCol>
               </a:tblGrid>
               <a:tr h="254000">
                 <a:tc>
                   <a:txBody>
-                    <a:bodyPr anchor="t" rtlCol="false"/>
+                    <a:bodyPr/>
                     <a:lstStyle/>
                     <a:p>
                       <a:pPr algn="l">
@@ -5566,7 +5462,7 @@
                     </a:p>
                   </a:txBody>
                   <a:tcPr>
-                    <a:lnL cmpd="sng" algn="ctr" cap="flat">
+                    <a:lnL cap="flat" cmpd="sng" algn="ctr">
                       <a:solidFill>
                         <a:srgbClr val="000000"/>
                       </a:solidFill>
@@ -5575,7 +5471,7 @@
                       <a:headEnd type="none" w="med" len="med"/>
                       <a:tailEnd type="none" w="med" len="med"/>
                     </a:lnL>
-                    <a:lnR cmpd="sng" algn="ctr" cap="flat">
+                    <a:lnR cap="flat" cmpd="sng" algn="ctr">
                       <a:solidFill>
                         <a:srgbClr val="000000"/>
                       </a:solidFill>
@@ -5584,7 +5480,7 @@
                       <a:headEnd type="none" w="med" len="med"/>
                       <a:tailEnd type="none" w="med" len="med"/>
                     </a:lnR>
-                    <a:lnT cmpd="sng" algn="ctr" cap="flat">
+                    <a:lnT cap="flat" cmpd="sng" algn="ctr">
                       <a:solidFill>
                         <a:srgbClr val="000000"/>
                       </a:solidFill>
@@ -5593,7 +5489,7 @@
                       <a:headEnd type="none" w="med" len="med"/>
                       <a:tailEnd type="none" w="med" len="med"/>
                     </a:lnT>
-                    <a:lnB cmpd="sng" algn="ctr" cap="flat">
+                    <a:lnB cap="flat" cmpd="sng" algn="ctr">
                       <a:solidFill>
                         <a:srgbClr val="000000"/>
                       </a:solidFill>
@@ -5609,7 +5505,7 @@
                 </a:tc>
                 <a:tc>
                   <a:txBody>
-                    <a:bodyPr anchor="t" rtlCol="false"/>
+                    <a:bodyPr/>
                     <a:lstStyle/>
                     <a:p>
                       <a:pPr algn="l">
@@ -5627,7 +5523,7 @@
                     </a:p>
                   </a:txBody>
                   <a:tcPr>
-                    <a:lnL cmpd="sng" algn="ctr" cap="flat">
+                    <a:lnL cap="flat" cmpd="sng" algn="ctr">
                       <a:solidFill>
                         <a:srgbClr val="000000"/>
                       </a:solidFill>
@@ -5636,7 +5532,7 @@
                       <a:headEnd type="none" w="med" len="med"/>
                       <a:tailEnd type="none" w="med" len="med"/>
                     </a:lnL>
-                    <a:lnR cmpd="sng" algn="ctr" cap="flat">
+                    <a:lnR cap="flat" cmpd="sng" algn="ctr">
                       <a:solidFill>
                         <a:srgbClr val="000000"/>
                       </a:solidFill>
@@ -5645,7 +5541,7 @@
                       <a:headEnd type="none" w="med" len="med"/>
                       <a:tailEnd type="none" w="med" len="med"/>
                     </a:lnR>
-                    <a:lnT cmpd="sng" algn="ctr" cap="flat">
+                    <a:lnT cap="flat" cmpd="sng" algn="ctr">
                       <a:solidFill>
                         <a:srgbClr val="000000"/>
                       </a:solidFill>
@@ -5654,7 +5550,7 @@
                       <a:headEnd type="none" w="med" len="med"/>
                       <a:tailEnd type="none" w="med" len="med"/>
                     </a:lnT>
-                    <a:lnB cmpd="sng" algn="ctr" cap="flat">
+                    <a:lnB cap="flat" cmpd="sng" algn="ctr">
                       <a:solidFill>
                         <a:srgbClr val="000000"/>
                       </a:solidFill>
@@ -5670,7 +5566,7 @@
                 </a:tc>
                 <a:tc>
                   <a:txBody>
-                    <a:bodyPr anchor="t" rtlCol="false"/>
+                    <a:bodyPr/>
                     <a:lstStyle/>
                     <a:p>
                       <a:pPr algn="l">
@@ -5688,7 +5584,7 @@
                     </a:p>
                   </a:txBody>
                   <a:tcPr>
-                    <a:lnL cmpd="sng" algn="ctr" cap="flat">
+                    <a:lnL cap="flat" cmpd="sng" algn="ctr">
                       <a:solidFill>
                         <a:srgbClr val="000000"/>
                       </a:solidFill>
@@ -5697,7 +5593,7 @@
                       <a:headEnd type="none" w="med" len="med"/>
                       <a:tailEnd type="none" w="med" len="med"/>
                     </a:lnL>
-                    <a:lnR cmpd="sng" algn="ctr" cap="flat">
+                    <a:lnR cap="flat" cmpd="sng" algn="ctr">
                       <a:solidFill>
                         <a:srgbClr val="000000"/>
                       </a:solidFill>
@@ -5706,7 +5602,7 @@
                       <a:headEnd type="none" w="med" len="med"/>
                       <a:tailEnd type="none" w="med" len="med"/>
                     </a:lnR>
-                    <a:lnT cmpd="sng" algn="ctr" cap="flat">
+                    <a:lnT cap="flat" cmpd="sng" algn="ctr">
                       <a:solidFill>
                         <a:srgbClr val="000000"/>
                       </a:solidFill>
@@ -5715,7 +5611,7 @@
                       <a:headEnd type="none" w="med" len="med"/>
                       <a:tailEnd type="none" w="med" len="med"/>
                     </a:lnT>
-                    <a:lnB cmpd="sng" algn="ctr" cap="flat">
+                    <a:lnB cap="flat" cmpd="sng" algn="ctr">
                       <a:solidFill>
                         <a:srgbClr val="000000"/>
                       </a:solidFill>
@@ -5731,7 +5627,7 @@
                 </a:tc>
                 <a:tc>
                   <a:txBody>
-                    <a:bodyPr anchor="t" rtlCol="false"/>
+                    <a:bodyPr/>
                     <a:lstStyle/>
                     <a:p>
                       <a:pPr algn="l">
@@ -5749,7 +5645,7 @@
                     </a:p>
                   </a:txBody>
                   <a:tcPr>
-                    <a:lnL cmpd="sng" algn="ctr" cap="flat">
+                    <a:lnL cap="flat" cmpd="sng" algn="ctr">
                       <a:solidFill>
                         <a:srgbClr val="000000"/>
                       </a:solidFill>
@@ -5758,7 +5654,7 @@
                       <a:headEnd type="none" w="med" len="med"/>
                       <a:tailEnd type="none" w="med" len="med"/>
                     </a:lnL>
-                    <a:lnR cmpd="sng" algn="ctr" cap="flat">
+                    <a:lnR cap="flat" cmpd="sng" algn="ctr">
                       <a:solidFill>
                         <a:srgbClr val="000000"/>
                       </a:solidFill>
@@ -5767,7 +5663,7 @@
                       <a:headEnd type="none" w="med" len="med"/>
                       <a:tailEnd type="none" w="med" len="med"/>
                     </a:lnR>
-                    <a:lnT cmpd="sng" algn="ctr" cap="flat">
+                    <a:lnT cap="flat" cmpd="sng" algn="ctr">
                       <a:solidFill>
                         <a:srgbClr val="000000"/>
                       </a:solidFill>
@@ -5776,7 +5672,7 @@
                       <a:headEnd type="none" w="med" len="med"/>
                       <a:tailEnd type="none" w="med" len="med"/>
                     </a:lnT>
-                    <a:lnB cmpd="sng" algn="ctr" cap="flat">
+                    <a:lnB cap="flat" cmpd="sng" algn="ctr">
                       <a:solidFill>
                         <a:srgbClr val="000000"/>
                       </a:solidFill>
@@ -5792,7 +5688,7 @@
                 </a:tc>
                 <a:tc>
                   <a:txBody>
-                    <a:bodyPr anchor="t" rtlCol="false"/>
+                    <a:bodyPr/>
                     <a:lstStyle/>
                     <a:p>
                       <a:pPr algn="l">
@@ -5810,7 +5706,7 @@
                     </a:p>
                   </a:txBody>
                   <a:tcPr>
-                    <a:lnL cmpd="sng" algn="ctr" cap="flat">
+                    <a:lnL cap="flat" cmpd="sng" algn="ctr">
                       <a:solidFill>
                         <a:srgbClr val="000000"/>
                       </a:solidFill>
@@ -5819,7 +5715,7 @@
                       <a:headEnd type="none" w="med" len="med"/>
                       <a:tailEnd type="none" w="med" len="med"/>
                     </a:lnL>
-                    <a:lnR cmpd="sng" algn="ctr" cap="flat">
+                    <a:lnR cap="flat" cmpd="sng" algn="ctr">
                       <a:solidFill>
                         <a:srgbClr val="000000"/>
                       </a:solidFill>
@@ -5828,7 +5724,7 @@
                       <a:headEnd type="none" w="med" len="med"/>
                       <a:tailEnd type="none" w="med" len="med"/>
                     </a:lnR>
-                    <a:lnT cmpd="sng" algn="ctr" cap="flat">
+                    <a:lnT cap="flat" cmpd="sng" algn="ctr">
                       <a:solidFill>
                         <a:srgbClr val="000000"/>
                       </a:solidFill>
@@ -5837,7 +5733,7 @@
                       <a:headEnd type="none" w="med" len="med"/>
                       <a:tailEnd type="none" w="med" len="med"/>
                     </a:lnT>
-                    <a:lnB cmpd="sng" algn="ctr" cap="flat">
+                    <a:lnB cap="flat" cmpd="sng" algn="ctr">
                       <a:solidFill>
                         <a:srgbClr val="000000"/>
                       </a:solidFill>
@@ -5853,7 +5749,7 @@
                 </a:tc>
                 <a:tc>
                   <a:txBody>
-                    <a:bodyPr anchor="t" rtlCol="false"/>
+                    <a:bodyPr/>
                     <a:lstStyle/>
                     <a:p>
                       <a:pPr algn="l">
@@ -5871,7 +5767,7 @@
                     </a:p>
                   </a:txBody>
                   <a:tcPr>
-                    <a:lnL cmpd="sng" algn="ctr" cap="flat">
+                    <a:lnL cap="flat" cmpd="sng" algn="ctr">
                       <a:solidFill>
                         <a:srgbClr val="000000"/>
                       </a:solidFill>
@@ -5880,7 +5776,7 @@
                       <a:headEnd type="none" w="med" len="med"/>
                       <a:tailEnd type="none" w="med" len="med"/>
                     </a:lnL>
-                    <a:lnR cmpd="sng" algn="ctr" cap="flat">
+                    <a:lnR cap="flat" cmpd="sng" algn="ctr">
                       <a:solidFill>
                         <a:srgbClr val="000000"/>
                       </a:solidFill>
@@ -5889,7 +5785,7 @@
                       <a:headEnd type="none" w="med" len="med"/>
                       <a:tailEnd type="none" w="med" len="med"/>
                     </a:lnR>
-                    <a:lnT cmpd="sng" algn="ctr" cap="flat">
+                    <a:lnT cap="flat" cmpd="sng" algn="ctr">
                       <a:solidFill>
                         <a:srgbClr val="000000"/>
                       </a:solidFill>
@@ -5898,7 +5794,7 @@
                       <a:headEnd type="none" w="med" len="med"/>
                       <a:tailEnd type="none" w="med" len="med"/>
                     </a:lnT>
-                    <a:lnB cmpd="sng" algn="ctr" cap="flat">
+                    <a:lnB cap="flat" cmpd="sng" algn="ctr">
                       <a:solidFill>
                         <a:srgbClr val="000000"/>
                       </a:solidFill>
@@ -5914,7 +5810,7 @@
                 </a:tc>
                 <a:tc>
                   <a:txBody>
-                    <a:bodyPr anchor="t" rtlCol="false"/>
+                    <a:bodyPr/>
                     <a:lstStyle/>
                     <a:p>
                       <a:pPr algn="l">
@@ -5932,7 +5828,7 @@
                     </a:p>
                   </a:txBody>
                   <a:tcPr>
-                    <a:lnL cmpd="sng" algn="ctr" cap="flat">
+                    <a:lnL cap="flat" cmpd="sng" algn="ctr">
                       <a:solidFill>
                         <a:srgbClr val="000000"/>
                       </a:solidFill>
@@ -5941,7 +5837,7 @@
                       <a:headEnd type="none" w="med" len="med"/>
                       <a:tailEnd type="none" w="med" len="med"/>
                     </a:lnL>
-                    <a:lnR cmpd="sng" algn="ctr" cap="flat">
+                    <a:lnR cap="flat" cmpd="sng" algn="ctr">
                       <a:solidFill>
                         <a:srgbClr val="000000"/>
                       </a:solidFill>
@@ -5950,7 +5846,7 @@
                       <a:headEnd type="none" w="med" len="med"/>
                       <a:tailEnd type="none" w="med" len="med"/>
                     </a:lnR>
-                    <a:lnT cmpd="sng" algn="ctr" cap="flat">
+                    <a:lnT cap="flat" cmpd="sng" algn="ctr">
                       <a:solidFill>
                         <a:srgbClr val="000000"/>
                       </a:solidFill>
@@ -5959,7 +5855,7 @@
                       <a:headEnd type="none" w="med" len="med"/>
                       <a:tailEnd type="none" w="med" len="med"/>
                     </a:lnT>
-                    <a:lnB cmpd="sng" algn="ctr" cap="flat">
+                    <a:lnB cap="flat" cmpd="sng" algn="ctr">
                       <a:solidFill>
                         <a:srgbClr val="000000"/>
                       </a:solidFill>
@@ -5973,11 +5869,16 @@
                     </a:solidFill>
                   </a:tcPr>
                 </a:tc>
+                <a:extLst>
+                  <a:ext uri="{0D108BD9-81ED-4DB2-BD59-A6C34878D82A}">
+                    <a16:rowId xmlns:a16="http://schemas.microsoft.com/office/drawing/2014/main" val="10000"/>
+                  </a:ext>
+                </a:extLst>
               </a:tr>
               <a:tr h="254000">
                 <a:tc>
                   <a:txBody>
-                    <a:bodyPr anchor="t" rtlCol="false"/>
+                    <a:bodyPr/>
                     <a:lstStyle/>
                     <a:p>
                       <a:pPr algn="l">
@@ -5995,7 +5896,7 @@
                     </a:p>
                   </a:txBody>
                   <a:tcPr>
-                    <a:lnL cmpd="sng" algn="ctr" cap="flat">
+                    <a:lnL cap="flat" cmpd="sng" algn="ctr">
                       <a:solidFill>
                         <a:srgbClr val="000000"/>
                       </a:solidFill>
@@ -6004,7 +5905,7 @@
                       <a:headEnd type="none" w="med" len="med"/>
                       <a:tailEnd type="none" w="med" len="med"/>
                     </a:lnL>
-                    <a:lnR cmpd="sng" algn="ctr" cap="flat">
+                    <a:lnR cap="flat" cmpd="sng" algn="ctr">
                       <a:solidFill>
                         <a:srgbClr val="000000"/>
                       </a:solidFill>
@@ -6013,7 +5914,7 @@
                       <a:headEnd type="none" w="med" len="med"/>
                       <a:tailEnd type="none" w="med" len="med"/>
                     </a:lnR>
-                    <a:lnT cmpd="sng" algn="ctr" cap="flat">
+                    <a:lnT cap="flat" cmpd="sng" algn="ctr">
                       <a:solidFill>
                         <a:srgbClr val="000000"/>
                       </a:solidFill>
@@ -6022,7 +5923,7 @@
                       <a:headEnd type="none" w="med" len="med"/>
                       <a:tailEnd type="none" w="med" len="med"/>
                     </a:lnT>
-                    <a:lnB cmpd="sng" algn="ctr" cap="flat">
+                    <a:lnB cap="flat" cmpd="sng" algn="ctr">
                       <a:solidFill>
                         <a:srgbClr val="000000"/>
                       </a:solidFill>
@@ -6038,7 +5939,7 @@
                 </a:tc>
                 <a:tc>
                   <a:txBody>
-                    <a:bodyPr anchor="t" rtlCol="false"/>
+                    <a:bodyPr/>
                     <a:lstStyle/>
                     <a:p>
                       <a:pPr algn="l">
@@ -6050,13 +5951,13 @@
                             <a:srgbClr val="000000"/>
                           </a:solidFill>
                         </a:rPr>
-                        <a:t>20.0</a:t>
+                        <a:t>225796.0</a:t>
                       </a:r>
                       <a:endParaRPr lang="en-US" sz="1100"/>
                     </a:p>
                   </a:txBody>
                   <a:tcPr>
-                    <a:lnL cmpd="sng" algn="ctr" cap="flat">
+                    <a:lnL cap="flat" cmpd="sng" algn="ctr">
                       <a:solidFill>
                         <a:srgbClr val="000000"/>
                       </a:solidFill>
@@ -6065,7 +5966,7 @@
                       <a:headEnd type="none" w="med" len="med"/>
                       <a:tailEnd type="none" w="med" len="med"/>
                     </a:lnL>
-                    <a:lnR cmpd="sng" algn="ctr" cap="flat">
+                    <a:lnR cap="flat" cmpd="sng" algn="ctr">
                       <a:solidFill>
                         <a:srgbClr val="000000"/>
                       </a:solidFill>
@@ -6074,7 +5975,7 @@
                       <a:headEnd type="none" w="med" len="med"/>
                       <a:tailEnd type="none" w="med" len="med"/>
                     </a:lnR>
-                    <a:lnT cmpd="sng" algn="ctr" cap="flat">
+                    <a:lnT cap="flat" cmpd="sng" algn="ctr">
                       <a:solidFill>
                         <a:srgbClr val="000000"/>
                       </a:solidFill>
@@ -6083,7 +5984,7 @@
                       <a:headEnd type="none" w="med" len="med"/>
                       <a:tailEnd type="none" w="med" len="med"/>
                     </a:lnT>
-                    <a:lnB cmpd="sng" algn="ctr" cap="flat">
+                    <a:lnB cap="flat" cmpd="sng" algn="ctr">
                       <a:solidFill>
                         <a:srgbClr val="000000"/>
                       </a:solidFill>
@@ -6099,7 +6000,7 @@
                 </a:tc>
                 <a:tc>
                   <a:txBody>
-                    <a:bodyPr anchor="t" rtlCol="false"/>
+                    <a:bodyPr/>
                     <a:lstStyle/>
                     <a:p>
                       <a:pPr algn="l">
@@ -6117,7 +6018,7 @@
                     </a:p>
                   </a:txBody>
                   <a:tcPr>
-                    <a:lnL cmpd="sng" algn="ctr" cap="flat">
+                    <a:lnL cap="flat" cmpd="sng" algn="ctr">
                       <a:solidFill>
                         <a:srgbClr val="000000"/>
                       </a:solidFill>
@@ -6126,7 +6027,7 @@
                       <a:headEnd type="none" w="med" len="med"/>
                       <a:tailEnd type="none" w="med" len="med"/>
                     </a:lnL>
-                    <a:lnR cmpd="sng" algn="ctr" cap="flat">
+                    <a:lnR cap="flat" cmpd="sng" algn="ctr">
                       <a:solidFill>
                         <a:srgbClr val="000000"/>
                       </a:solidFill>
@@ -6135,7 +6036,7 @@
                       <a:headEnd type="none" w="med" len="med"/>
                       <a:tailEnd type="none" w="med" len="med"/>
                     </a:lnR>
-                    <a:lnT cmpd="sng" algn="ctr" cap="flat">
+                    <a:lnT cap="flat" cmpd="sng" algn="ctr">
                       <a:solidFill>
                         <a:srgbClr val="000000"/>
                       </a:solidFill>
@@ -6144,7 +6045,7 @@
                       <a:headEnd type="none" w="med" len="med"/>
                       <a:tailEnd type="none" w="med" len="med"/>
                     </a:lnT>
-                    <a:lnB cmpd="sng" algn="ctr" cap="flat">
+                    <a:lnB cap="flat" cmpd="sng" algn="ctr">
                       <a:solidFill>
                         <a:srgbClr val="000000"/>
                       </a:solidFill>
@@ -6160,7 +6061,7 @@
                 </a:tc>
                 <a:tc>
                   <a:txBody>
-                    <a:bodyPr anchor="t" rtlCol="false"/>
+                    <a:bodyPr/>
                     <a:lstStyle/>
                     <a:p>
                       <a:pPr algn="l">
@@ -6172,13 +6073,13 @@
                             <a:srgbClr val="000000"/>
                           </a:solidFill>
                         </a:rPr>
-                        <a:t>8.40</a:t>
+                        <a:t>251.20</a:t>
                       </a:r>
                       <a:endParaRPr lang="en-US" sz="1100"/>
                     </a:p>
                   </a:txBody>
                   <a:tcPr>
-                    <a:lnL cmpd="sng" algn="ctr" cap="flat">
+                    <a:lnL cap="flat" cmpd="sng" algn="ctr">
                       <a:solidFill>
                         <a:srgbClr val="000000"/>
                       </a:solidFill>
@@ -6187,7 +6088,7 @@
                       <a:headEnd type="none" w="med" len="med"/>
                       <a:tailEnd type="none" w="med" len="med"/>
                     </a:lnL>
-                    <a:lnR cmpd="sng" algn="ctr" cap="flat">
+                    <a:lnR cap="flat" cmpd="sng" algn="ctr">
                       <a:solidFill>
                         <a:srgbClr val="000000"/>
                       </a:solidFill>
@@ -6196,7 +6097,7 @@
                       <a:headEnd type="none" w="med" len="med"/>
                       <a:tailEnd type="none" w="med" len="med"/>
                     </a:lnR>
-                    <a:lnT cmpd="sng" algn="ctr" cap="flat">
+                    <a:lnT cap="flat" cmpd="sng" algn="ctr">
                       <a:solidFill>
                         <a:srgbClr val="000000"/>
                       </a:solidFill>
@@ -6205,7 +6106,7 @@
                       <a:headEnd type="none" w="med" len="med"/>
                       <a:tailEnd type="none" w="med" len="med"/>
                     </a:lnT>
-                    <a:lnB cmpd="sng" algn="ctr" cap="flat">
+                    <a:lnB cap="flat" cmpd="sng" algn="ctr">
                       <a:solidFill>
                         <a:srgbClr val="000000"/>
                       </a:solidFill>
@@ -6221,7 +6122,7 @@
                 </a:tc>
                 <a:tc>
                   <a:txBody>
-                    <a:bodyPr anchor="t" rtlCol="false"/>
+                    <a:bodyPr/>
                     <a:lstStyle/>
                     <a:p>
                       <a:pPr algn="l">
@@ -6233,13 +6134,13 @@
                             <a:srgbClr val="000000"/>
                           </a:solidFill>
                         </a:rPr>
-                        <a:t>50.20</a:t>
+                        <a:t>4.90</a:t>
                       </a:r>
                       <a:endParaRPr lang="en-US" sz="1100"/>
                     </a:p>
                   </a:txBody>
                   <a:tcPr>
-                    <a:lnL cmpd="sng" algn="ctr" cap="flat">
+                    <a:lnL cap="flat" cmpd="sng" algn="ctr">
                       <a:solidFill>
                         <a:srgbClr val="000000"/>
                       </a:solidFill>
@@ -6248,7 +6149,7 @@
                       <a:headEnd type="none" w="med" len="med"/>
                       <a:tailEnd type="none" w="med" len="med"/>
                     </a:lnL>
-                    <a:lnR cmpd="sng" algn="ctr" cap="flat">
+                    <a:lnR cap="flat" cmpd="sng" algn="ctr">
                       <a:solidFill>
                         <a:srgbClr val="000000"/>
                       </a:solidFill>
@@ -6257,7 +6158,7 @@
                       <a:headEnd type="none" w="med" len="med"/>
                       <a:tailEnd type="none" w="med" len="med"/>
                     </a:lnR>
-                    <a:lnT cmpd="sng" algn="ctr" cap="flat">
+                    <a:lnT cap="flat" cmpd="sng" algn="ctr">
                       <a:solidFill>
                         <a:srgbClr val="000000"/>
                       </a:solidFill>
@@ -6266,7 +6167,7 @@
                       <a:headEnd type="none" w="med" len="med"/>
                       <a:tailEnd type="none" w="med" len="med"/>
                     </a:lnT>
-                    <a:lnB cmpd="sng" algn="ctr" cap="flat">
+                    <a:lnB cap="flat" cmpd="sng" algn="ctr">
                       <a:solidFill>
                         <a:srgbClr val="000000"/>
                       </a:solidFill>
@@ -6282,7 +6183,7 @@
                 </a:tc>
                 <a:tc>
                   <a:txBody>
-                    <a:bodyPr anchor="t" rtlCol="false"/>
+                    <a:bodyPr/>
                     <a:lstStyle/>
                     <a:p>
                       <a:pPr algn="l">
@@ -6294,13 +6195,13 @@
                             <a:srgbClr val="000000"/>
                           </a:solidFill>
                         </a:rPr>
-                        <a:t>142.50</a:t>
+                        <a:t>3.70</a:t>
                       </a:r>
                       <a:endParaRPr lang="en-US" sz="1100"/>
                     </a:p>
                   </a:txBody>
                   <a:tcPr>
-                    <a:lnL cmpd="sng" algn="ctr" cap="flat">
+                    <a:lnL cap="flat" cmpd="sng" algn="ctr">
                       <a:solidFill>
                         <a:srgbClr val="000000"/>
                       </a:solidFill>
@@ -6309,7 +6210,7 @@
                       <a:headEnd type="none" w="med" len="med"/>
                       <a:tailEnd type="none" w="med" len="med"/>
                     </a:lnL>
-                    <a:lnR cmpd="sng" algn="ctr" cap="flat">
+                    <a:lnR cap="flat" cmpd="sng" algn="ctr">
                       <a:solidFill>
                         <a:srgbClr val="000000"/>
                       </a:solidFill>
@@ -6318,7 +6219,7 @@
                       <a:headEnd type="none" w="med" len="med"/>
                       <a:tailEnd type="none" w="med" len="med"/>
                     </a:lnR>
-                    <a:lnT cmpd="sng" algn="ctr" cap="flat">
+                    <a:lnT cap="flat" cmpd="sng" algn="ctr">
                       <a:solidFill>
                         <a:srgbClr val="000000"/>
                       </a:solidFill>
@@ -6327,7 +6228,7 @@
                       <a:headEnd type="none" w="med" len="med"/>
                       <a:tailEnd type="none" w="med" len="med"/>
                     </a:lnT>
-                    <a:lnB cmpd="sng" algn="ctr" cap="flat">
+                    <a:lnB cap="flat" cmpd="sng" algn="ctr">
                       <a:solidFill>
                         <a:srgbClr val="000000"/>
                       </a:solidFill>
@@ -6343,7 +6244,7 @@
                 </a:tc>
                 <a:tc>
                   <a:txBody>
-                    <a:bodyPr anchor="t" rtlCol="false"/>
+                    <a:bodyPr/>
                     <a:lstStyle/>
                     <a:p>
                       <a:pPr algn="l">
@@ -6355,13 +6256,13 @@
                             <a:srgbClr val="000000"/>
                           </a:solidFill>
                         </a:rPr>
-                        <a:t>119.40</a:t>
+                        <a:t>4.00</a:t>
                       </a:r>
                       <a:endParaRPr lang="en-US" sz="1100"/>
                     </a:p>
                   </a:txBody>
                   <a:tcPr>
-                    <a:lnL cmpd="sng" algn="ctr" cap="flat">
+                    <a:lnL cap="flat" cmpd="sng" algn="ctr">
                       <a:solidFill>
                         <a:srgbClr val="000000"/>
                       </a:solidFill>
@@ -6370,7 +6271,7 @@
                       <a:headEnd type="none" w="med" len="med"/>
                       <a:tailEnd type="none" w="med" len="med"/>
                     </a:lnL>
-                    <a:lnR cmpd="sng" algn="ctr" cap="flat">
+                    <a:lnR cap="flat" cmpd="sng" algn="ctr">
                       <a:solidFill>
                         <a:srgbClr val="000000"/>
                       </a:solidFill>
@@ -6379,7 +6280,7 @@
                       <a:headEnd type="none" w="med" len="med"/>
                       <a:tailEnd type="none" w="med" len="med"/>
                     </a:lnR>
-                    <a:lnT cmpd="sng" algn="ctr" cap="flat">
+                    <a:lnT cap="flat" cmpd="sng" algn="ctr">
                       <a:solidFill>
                         <a:srgbClr val="000000"/>
                       </a:solidFill>
@@ -6388,7 +6289,7 @@
                       <a:headEnd type="none" w="med" len="med"/>
                       <a:tailEnd type="none" w="med" len="med"/>
                     </a:lnT>
-                    <a:lnB cmpd="sng" algn="ctr" cap="flat">
+                    <a:lnB cap="flat" cmpd="sng" algn="ctr">
                       <a:solidFill>
                         <a:srgbClr val="000000"/>
                       </a:solidFill>
@@ -6402,11 +6303,16 @@
                     </a:solidFill>
                   </a:tcPr>
                 </a:tc>
+                <a:extLst>
+                  <a:ext uri="{0D108BD9-81ED-4DB2-BD59-A6C34878D82A}">
+                    <a16:rowId xmlns:a16="http://schemas.microsoft.com/office/drawing/2014/main" val="10001"/>
+                  </a:ext>
+                </a:extLst>
               </a:tr>
               <a:tr h="254000">
                 <a:tc>
                   <a:txBody>
-                    <a:bodyPr anchor="t" rtlCol="false"/>
+                    <a:bodyPr/>
                     <a:lstStyle/>
                     <a:p>
                       <a:pPr algn="l">
@@ -6424,7 +6330,7 @@
                     </a:p>
                   </a:txBody>
                   <a:tcPr>
-                    <a:lnL cmpd="sng" algn="ctr" cap="flat">
+                    <a:lnL cap="flat" cmpd="sng" algn="ctr">
                       <a:solidFill>
                         <a:srgbClr val="000000"/>
                       </a:solidFill>
@@ -6433,7 +6339,7 @@
                       <a:headEnd type="none" w="med" len="med"/>
                       <a:tailEnd type="none" w="med" len="med"/>
                     </a:lnL>
-                    <a:lnR cmpd="sng" algn="ctr" cap="flat">
+                    <a:lnR cap="flat" cmpd="sng" algn="ctr">
                       <a:solidFill>
                         <a:srgbClr val="000000"/>
                       </a:solidFill>
@@ -6442,7 +6348,7 @@
                       <a:headEnd type="none" w="med" len="med"/>
                       <a:tailEnd type="none" w="med" len="med"/>
                     </a:lnR>
-                    <a:lnT cmpd="sng" algn="ctr" cap="flat">
+                    <a:lnT cap="flat" cmpd="sng" algn="ctr">
                       <a:solidFill>
                         <a:srgbClr val="000000"/>
                       </a:solidFill>
@@ -6451,7 +6357,7 @@
                       <a:headEnd type="none" w="med" len="med"/>
                       <a:tailEnd type="none" w="med" len="med"/>
                     </a:lnT>
-                    <a:lnB cmpd="sng" algn="ctr" cap="flat">
+                    <a:lnB cap="flat" cmpd="sng" algn="ctr">
                       <a:solidFill>
                         <a:srgbClr val="000000"/>
                       </a:solidFill>
@@ -6467,7 +6373,7 @@
                 </a:tc>
                 <a:tc>
                   <a:txBody>
-                    <a:bodyPr anchor="t" rtlCol="false"/>
+                    <a:bodyPr/>
                     <a:lstStyle/>
                     <a:p>
                       <a:pPr algn="l">
@@ -6479,13 +6385,13 @@
                             <a:srgbClr val="000000"/>
                           </a:solidFill>
                         </a:rPr>
-                        <a:t>20.0</a:t>
+                        <a:t>288408.0</a:t>
                       </a:r>
                       <a:endParaRPr lang="en-US" sz="1100"/>
                     </a:p>
                   </a:txBody>
                   <a:tcPr>
-                    <a:lnL cmpd="sng" algn="ctr" cap="flat">
+                    <a:lnL cap="flat" cmpd="sng" algn="ctr">
                       <a:solidFill>
                         <a:srgbClr val="000000"/>
                       </a:solidFill>
@@ -6494,7 +6400,7 @@
                       <a:headEnd type="none" w="med" len="med"/>
                       <a:tailEnd type="none" w="med" len="med"/>
                     </a:lnL>
-                    <a:lnR cmpd="sng" algn="ctr" cap="flat">
+                    <a:lnR cap="flat" cmpd="sng" algn="ctr">
                       <a:solidFill>
                         <a:srgbClr val="000000"/>
                       </a:solidFill>
@@ -6503,7 +6409,7 @@
                       <a:headEnd type="none" w="med" len="med"/>
                       <a:tailEnd type="none" w="med" len="med"/>
                     </a:lnR>
-                    <a:lnT cmpd="sng" algn="ctr" cap="flat">
+                    <a:lnT cap="flat" cmpd="sng" algn="ctr">
                       <a:solidFill>
                         <a:srgbClr val="000000"/>
                       </a:solidFill>
@@ -6512,7 +6418,7 @@
                       <a:headEnd type="none" w="med" len="med"/>
                       <a:tailEnd type="none" w="med" len="med"/>
                     </a:lnT>
-                    <a:lnB cmpd="sng" algn="ctr" cap="flat">
+                    <a:lnB cap="flat" cmpd="sng" algn="ctr">
                       <a:solidFill>
                         <a:srgbClr val="000000"/>
                       </a:solidFill>
@@ -6528,7 +6434,7 @@
                 </a:tc>
                 <a:tc>
                   <a:txBody>
-                    <a:bodyPr anchor="t" rtlCol="false"/>
+                    <a:bodyPr/>
                     <a:lstStyle/>
                     <a:p>
                       <a:pPr algn="l">
@@ -6546,7 +6452,7 @@
                     </a:p>
                   </a:txBody>
                   <a:tcPr>
-                    <a:lnL cmpd="sng" algn="ctr" cap="flat">
+                    <a:lnL cap="flat" cmpd="sng" algn="ctr">
                       <a:solidFill>
                         <a:srgbClr val="000000"/>
                       </a:solidFill>
@@ -6555,7 +6461,7 @@
                       <a:headEnd type="none" w="med" len="med"/>
                       <a:tailEnd type="none" w="med" len="med"/>
                     </a:lnL>
-                    <a:lnR cmpd="sng" algn="ctr" cap="flat">
+                    <a:lnR cap="flat" cmpd="sng" algn="ctr">
                       <a:solidFill>
                         <a:srgbClr val="000000"/>
                       </a:solidFill>
@@ -6564,7 +6470,7 @@
                       <a:headEnd type="none" w="med" len="med"/>
                       <a:tailEnd type="none" w="med" len="med"/>
                     </a:lnR>
-                    <a:lnT cmpd="sng" algn="ctr" cap="flat">
+                    <a:lnT cap="flat" cmpd="sng" algn="ctr">
                       <a:solidFill>
                         <a:srgbClr val="000000"/>
                       </a:solidFill>
@@ -6573,7 +6479,7 @@
                       <a:headEnd type="none" w="med" len="med"/>
                       <a:tailEnd type="none" w="med" len="med"/>
                     </a:lnT>
-                    <a:lnB cmpd="sng" algn="ctr" cap="flat">
+                    <a:lnB cap="flat" cmpd="sng" algn="ctr">
                       <a:solidFill>
                         <a:srgbClr val="000000"/>
                       </a:solidFill>
@@ -6589,7 +6495,7 @@
                 </a:tc>
                 <a:tc>
                   <a:txBody>
-                    <a:bodyPr anchor="t" rtlCol="false"/>
+                    <a:bodyPr/>
                     <a:lstStyle/>
                     <a:p>
                       <a:pPr algn="l">
@@ -6601,13 +6507,13 @@
                             <a:srgbClr val="000000"/>
                           </a:solidFill>
                         </a:rPr>
-                        <a:t>37.90</a:t>
+                        <a:t>320.70</a:t>
                       </a:r>
                       <a:endParaRPr lang="en-US" sz="1100"/>
                     </a:p>
                   </a:txBody>
                   <a:tcPr>
-                    <a:lnL cmpd="sng" algn="ctr" cap="flat">
+                    <a:lnL cap="flat" cmpd="sng" algn="ctr">
                       <a:solidFill>
                         <a:srgbClr val="000000"/>
                       </a:solidFill>
@@ -6616,7 +6522,7 @@
                       <a:headEnd type="none" w="med" len="med"/>
                       <a:tailEnd type="none" w="med" len="med"/>
                     </a:lnL>
-                    <a:lnR cmpd="sng" algn="ctr" cap="flat">
+                    <a:lnR cap="flat" cmpd="sng" algn="ctr">
                       <a:solidFill>
                         <a:srgbClr val="000000"/>
                       </a:solidFill>
@@ -6625,7 +6531,7 @@
                       <a:headEnd type="none" w="med" len="med"/>
                       <a:tailEnd type="none" w="med" len="med"/>
                     </a:lnR>
-                    <a:lnT cmpd="sng" algn="ctr" cap="flat">
+                    <a:lnT cap="flat" cmpd="sng" algn="ctr">
                       <a:solidFill>
                         <a:srgbClr val="000000"/>
                       </a:solidFill>
@@ -6634,7 +6540,7 @@
                       <a:headEnd type="none" w="med" len="med"/>
                       <a:tailEnd type="none" w="med" len="med"/>
                     </a:lnT>
-                    <a:lnB cmpd="sng" algn="ctr" cap="flat">
+                    <a:lnB cap="flat" cmpd="sng" algn="ctr">
                       <a:solidFill>
                         <a:srgbClr val="000000"/>
                       </a:solidFill>
@@ -6650,7 +6556,7 @@
                 </a:tc>
                 <a:tc>
                   <a:txBody>
-                    <a:bodyPr anchor="t" rtlCol="false"/>
+                    <a:bodyPr/>
                     <a:lstStyle/>
                     <a:p>
                       <a:pPr algn="l">
@@ -6662,13 +6568,13 @@
                             <a:srgbClr val="000000"/>
                           </a:solidFill>
                         </a:rPr>
-                        <a:t>26.40</a:t>
+                        <a:t>3.90</a:t>
                       </a:r>
                       <a:endParaRPr lang="en-US" sz="1100"/>
                     </a:p>
                   </a:txBody>
                   <a:tcPr>
-                    <a:lnL cmpd="sng" algn="ctr" cap="flat">
+                    <a:lnL cap="flat" cmpd="sng" algn="ctr">
                       <a:solidFill>
                         <a:srgbClr val="000000"/>
                       </a:solidFill>
@@ -6677,7 +6583,7 @@
                       <a:headEnd type="none" w="med" len="med"/>
                       <a:tailEnd type="none" w="med" len="med"/>
                     </a:lnL>
-                    <a:lnR cmpd="sng" algn="ctr" cap="flat">
+                    <a:lnR cap="flat" cmpd="sng" algn="ctr">
                       <a:solidFill>
                         <a:srgbClr val="000000"/>
                       </a:solidFill>
@@ -6686,7 +6592,7 @@
                       <a:headEnd type="none" w="med" len="med"/>
                       <a:tailEnd type="none" w="med" len="med"/>
                     </a:lnR>
-                    <a:lnT cmpd="sng" algn="ctr" cap="flat">
+                    <a:lnT cap="flat" cmpd="sng" algn="ctr">
                       <a:solidFill>
                         <a:srgbClr val="000000"/>
                       </a:solidFill>
@@ -6695,7 +6601,7 @@
                       <a:headEnd type="none" w="med" len="med"/>
                       <a:tailEnd type="none" w="med" len="med"/>
                     </a:lnT>
-                    <a:lnB cmpd="sng" algn="ctr" cap="flat">
+                    <a:lnB cap="flat" cmpd="sng" algn="ctr">
                       <a:solidFill>
                         <a:srgbClr val="000000"/>
                       </a:solidFill>
@@ -6711,7 +6617,7 @@
                 </a:tc>
                 <a:tc>
                   <a:txBody>
-                    <a:bodyPr anchor="t" rtlCol="false"/>
+                    <a:bodyPr/>
                     <a:lstStyle/>
                     <a:p>
                       <a:pPr algn="l">
@@ -6723,13 +6629,13 @@
                             <a:srgbClr val="000000"/>
                           </a:solidFill>
                         </a:rPr>
-                        <a:t>26.40</a:t>
+                        <a:t>2.90</a:t>
                       </a:r>
                       <a:endParaRPr lang="en-US" sz="1100"/>
                     </a:p>
                   </a:txBody>
                   <a:tcPr>
-                    <a:lnL cmpd="sng" algn="ctr" cap="flat">
+                    <a:lnL cap="flat" cmpd="sng" algn="ctr">
                       <a:solidFill>
                         <a:srgbClr val="000000"/>
                       </a:solidFill>
@@ -6738,7 +6644,7 @@
                       <a:headEnd type="none" w="med" len="med"/>
                       <a:tailEnd type="none" w="med" len="med"/>
                     </a:lnL>
-                    <a:lnR cmpd="sng" algn="ctr" cap="flat">
+                    <a:lnR cap="flat" cmpd="sng" algn="ctr">
                       <a:solidFill>
                         <a:srgbClr val="000000"/>
                       </a:solidFill>
@@ -6747,7 +6653,7 @@
                       <a:headEnd type="none" w="med" len="med"/>
                       <a:tailEnd type="none" w="med" len="med"/>
                     </a:lnR>
-                    <a:lnT cmpd="sng" algn="ctr" cap="flat">
+                    <a:lnT cap="flat" cmpd="sng" algn="ctr">
                       <a:solidFill>
                         <a:srgbClr val="000000"/>
                       </a:solidFill>
@@ -6756,7 +6662,7 @@
                       <a:headEnd type="none" w="med" len="med"/>
                       <a:tailEnd type="none" w="med" len="med"/>
                     </a:lnT>
-                    <a:lnB cmpd="sng" algn="ctr" cap="flat">
+                    <a:lnB cap="flat" cmpd="sng" algn="ctr">
                       <a:solidFill>
                         <a:srgbClr val="000000"/>
                       </a:solidFill>
@@ -6772,7 +6678,7 @@
                 </a:tc>
                 <a:tc>
                   <a:txBody>
-                    <a:bodyPr anchor="t" rtlCol="false"/>
+                    <a:bodyPr/>
                     <a:lstStyle/>
                     <a:p>
                       <a:pPr algn="l">
@@ -6784,13 +6690,13 @@
                             <a:srgbClr val="000000"/>
                           </a:solidFill>
                         </a:rPr>
-                        <a:t>26.40</a:t>
+                        <a:t>3.10</a:t>
                       </a:r>
                       <a:endParaRPr lang="en-US" sz="1100"/>
                     </a:p>
                   </a:txBody>
                   <a:tcPr>
-                    <a:lnL cmpd="sng" algn="ctr" cap="flat">
+                    <a:lnL cap="flat" cmpd="sng" algn="ctr">
                       <a:solidFill>
                         <a:srgbClr val="000000"/>
                       </a:solidFill>
@@ -6799,7 +6705,7 @@
                       <a:headEnd type="none" w="med" len="med"/>
                       <a:tailEnd type="none" w="med" len="med"/>
                     </a:lnL>
-                    <a:lnR cmpd="sng" algn="ctr" cap="flat">
+                    <a:lnR cap="flat" cmpd="sng" algn="ctr">
                       <a:solidFill>
                         <a:srgbClr val="000000"/>
                       </a:solidFill>
@@ -6808,7 +6714,7 @@
                       <a:headEnd type="none" w="med" len="med"/>
                       <a:tailEnd type="none" w="med" len="med"/>
                     </a:lnR>
-                    <a:lnT cmpd="sng" algn="ctr" cap="flat">
+                    <a:lnT cap="flat" cmpd="sng" algn="ctr">
                       <a:solidFill>
                         <a:srgbClr val="000000"/>
                       </a:solidFill>
@@ -6817,7 +6723,7 @@
                       <a:headEnd type="none" w="med" len="med"/>
                       <a:tailEnd type="none" w="med" len="med"/>
                     </a:lnT>
-                    <a:lnB cmpd="sng" algn="ctr" cap="flat">
+                    <a:lnB cap="flat" cmpd="sng" algn="ctr">
                       <a:solidFill>
                         <a:srgbClr val="000000"/>
                       </a:solidFill>
@@ -6831,11 +6737,16 @@
                     </a:solidFill>
                   </a:tcPr>
                 </a:tc>
+                <a:extLst>
+                  <a:ext uri="{0D108BD9-81ED-4DB2-BD59-A6C34878D82A}">
+                    <a16:rowId xmlns:a16="http://schemas.microsoft.com/office/drawing/2014/main" val="10002"/>
+                  </a:ext>
+                </a:extLst>
               </a:tr>
               <a:tr h="254000">
                 <a:tc>
                   <a:txBody>
-                    <a:bodyPr anchor="t" rtlCol="false"/>
+                    <a:bodyPr/>
                     <a:lstStyle/>
                     <a:p>
                       <a:pPr algn="l">
@@ -6853,7 +6764,7 @@
                     </a:p>
                   </a:txBody>
                   <a:tcPr>
-                    <a:lnL cmpd="sng" algn="ctr" cap="flat">
+                    <a:lnL cap="flat" cmpd="sng" algn="ctr">
                       <a:solidFill>
                         <a:srgbClr val="000000"/>
                       </a:solidFill>
@@ -6862,7 +6773,7 @@
                       <a:headEnd type="none" w="med" len="med"/>
                       <a:tailEnd type="none" w="med" len="med"/>
                     </a:lnL>
-                    <a:lnR cmpd="sng" algn="ctr" cap="flat">
+                    <a:lnR cap="flat" cmpd="sng" algn="ctr">
                       <a:solidFill>
                         <a:srgbClr val="000000"/>
                       </a:solidFill>
@@ -6871,7 +6782,7 @@
                       <a:headEnd type="none" w="med" len="med"/>
                       <a:tailEnd type="none" w="med" len="med"/>
                     </a:lnR>
-                    <a:lnT cmpd="sng" algn="ctr" cap="flat">
+                    <a:lnT cap="flat" cmpd="sng" algn="ctr">
                       <a:solidFill>
                         <a:srgbClr val="000000"/>
                       </a:solidFill>
@@ -6880,7 +6791,7 @@
                       <a:headEnd type="none" w="med" len="med"/>
                       <a:tailEnd type="none" w="med" len="med"/>
                     </a:lnT>
-                    <a:lnB cmpd="sng" algn="ctr" cap="flat">
+                    <a:lnB cap="flat" cmpd="sng" algn="ctr">
                       <a:solidFill>
                         <a:srgbClr val="000000"/>
                       </a:solidFill>
@@ -6896,7 +6807,7 @@
                 </a:tc>
                 <a:tc>
                   <a:txBody>
-                    <a:bodyPr anchor="t" rtlCol="false"/>
+                    <a:bodyPr/>
                     <a:lstStyle/>
                     <a:p>
                       <a:pPr algn="l">
@@ -6908,13 +6819,13 @@
                             <a:srgbClr val="000000"/>
                           </a:solidFill>
                         </a:rPr>
-                        <a:t>40.0</a:t>
+                        <a:t>337672.0</a:t>
                       </a:r>
                       <a:endParaRPr lang="en-US" sz="1100"/>
                     </a:p>
                   </a:txBody>
                   <a:tcPr>
-                    <a:lnL cmpd="sng" algn="ctr" cap="flat">
+                    <a:lnL cap="flat" cmpd="sng" algn="ctr">
                       <a:solidFill>
                         <a:srgbClr val="000000"/>
                       </a:solidFill>
@@ -6923,7 +6834,7 @@
                       <a:headEnd type="none" w="med" len="med"/>
                       <a:tailEnd type="none" w="med" len="med"/>
                     </a:lnL>
-                    <a:lnR cmpd="sng" algn="ctr" cap="flat">
+                    <a:lnR cap="flat" cmpd="sng" algn="ctr">
                       <a:solidFill>
                         <a:srgbClr val="000000"/>
                       </a:solidFill>
@@ -6932,7 +6843,7 @@
                       <a:headEnd type="none" w="med" len="med"/>
                       <a:tailEnd type="none" w="med" len="med"/>
                     </a:lnR>
-                    <a:lnT cmpd="sng" algn="ctr" cap="flat">
+                    <a:lnT cap="flat" cmpd="sng" algn="ctr">
                       <a:solidFill>
                         <a:srgbClr val="000000"/>
                       </a:solidFill>
@@ -6941,7 +6852,7 @@
                       <a:headEnd type="none" w="med" len="med"/>
                       <a:tailEnd type="none" w="med" len="med"/>
                     </a:lnT>
-                    <a:lnB cmpd="sng" algn="ctr" cap="flat">
+                    <a:lnB cap="flat" cmpd="sng" algn="ctr">
                       <a:solidFill>
                         <a:srgbClr val="000000"/>
                       </a:solidFill>
@@ -6957,7 +6868,7 @@
                 </a:tc>
                 <a:tc>
                   <a:txBody>
-                    <a:bodyPr anchor="t" rtlCol="false"/>
+                    <a:bodyPr/>
                     <a:lstStyle/>
                     <a:p>
                       <a:pPr algn="l">
@@ -6975,7 +6886,7 @@
                     </a:p>
                   </a:txBody>
                   <a:tcPr>
-                    <a:lnL cmpd="sng" algn="ctr" cap="flat">
+                    <a:lnL cap="flat" cmpd="sng" algn="ctr">
                       <a:solidFill>
                         <a:srgbClr val="000000"/>
                       </a:solidFill>
@@ -6984,7 +6895,7 @@
                       <a:headEnd type="none" w="med" len="med"/>
                       <a:tailEnd type="none" w="med" len="med"/>
                     </a:lnL>
-                    <a:lnR cmpd="sng" algn="ctr" cap="flat">
+                    <a:lnR cap="flat" cmpd="sng" algn="ctr">
                       <a:solidFill>
                         <a:srgbClr val="000000"/>
                       </a:solidFill>
@@ -6993,7 +6904,7 @@
                       <a:headEnd type="none" w="med" len="med"/>
                       <a:tailEnd type="none" w="med" len="med"/>
                     </a:lnR>
-                    <a:lnT cmpd="sng" algn="ctr" cap="flat">
+                    <a:lnT cap="flat" cmpd="sng" algn="ctr">
                       <a:solidFill>
                         <a:srgbClr val="000000"/>
                       </a:solidFill>
@@ -7002,7 +6913,7 @@
                       <a:headEnd type="none" w="med" len="med"/>
                       <a:tailEnd type="none" w="med" len="med"/>
                     </a:lnT>
-                    <a:lnB cmpd="sng" algn="ctr" cap="flat">
+                    <a:lnB cap="flat" cmpd="sng" algn="ctr">
                       <a:solidFill>
                         <a:srgbClr val="000000"/>
                       </a:solidFill>
@@ -7018,7 +6929,7 @@
                 </a:tc>
                 <a:tc>
                   <a:txBody>
-                    <a:bodyPr anchor="t" rtlCol="false"/>
+                    <a:bodyPr/>
                     <a:lstStyle/>
                     <a:p>
                       <a:pPr algn="l">
@@ -7030,13 +6941,13 @@
                             <a:srgbClr val="000000"/>
                           </a:solidFill>
                         </a:rPr>
-                        <a:t>15.40</a:t>
+                        <a:t>187.70</a:t>
                       </a:r>
                       <a:endParaRPr lang="en-US" sz="1100"/>
                     </a:p>
                   </a:txBody>
                   <a:tcPr>
-                    <a:lnL cmpd="sng" algn="ctr" cap="flat">
+                    <a:lnL cap="flat" cmpd="sng" algn="ctr">
                       <a:solidFill>
                         <a:srgbClr val="000000"/>
                       </a:solidFill>
@@ -7045,7 +6956,7 @@
                       <a:headEnd type="none" w="med" len="med"/>
                       <a:tailEnd type="none" w="med" len="med"/>
                     </a:lnL>
-                    <a:lnR cmpd="sng" algn="ctr" cap="flat">
+                    <a:lnR cap="flat" cmpd="sng" algn="ctr">
                       <a:solidFill>
                         <a:srgbClr val="000000"/>
                       </a:solidFill>
@@ -7054,7 +6965,7 @@
                       <a:headEnd type="none" w="med" len="med"/>
                       <a:tailEnd type="none" w="med" len="med"/>
                     </a:lnR>
-                    <a:lnT cmpd="sng" algn="ctr" cap="flat">
+                    <a:lnT cap="flat" cmpd="sng" algn="ctr">
                       <a:solidFill>
                         <a:srgbClr val="000000"/>
                       </a:solidFill>
@@ -7063,7 +6974,7 @@
                       <a:headEnd type="none" w="med" len="med"/>
                       <a:tailEnd type="none" w="med" len="med"/>
                     </a:lnT>
-                    <a:lnB cmpd="sng" algn="ctr" cap="flat">
+                    <a:lnB cap="flat" cmpd="sng" algn="ctr">
                       <a:solidFill>
                         <a:srgbClr val="000000"/>
                       </a:solidFill>
@@ -7079,7 +6990,7 @@
                 </a:tc>
                 <a:tc>
                   <a:txBody>
-                    <a:bodyPr anchor="t" rtlCol="false"/>
+                    <a:bodyPr/>
                     <a:lstStyle/>
                     <a:p>
                       <a:pPr algn="l">
@@ -7091,13 +7002,13 @@
                             <a:srgbClr val="000000"/>
                           </a:solidFill>
                         </a:rPr>
-                        <a:t>57.10</a:t>
+                        <a:t>6.70</a:t>
                       </a:r>
                       <a:endParaRPr lang="en-US" sz="1100"/>
                     </a:p>
                   </a:txBody>
                   <a:tcPr>
-                    <a:lnL cmpd="sng" algn="ctr" cap="flat">
+                    <a:lnL cap="flat" cmpd="sng" algn="ctr">
                       <a:solidFill>
                         <a:srgbClr val="000000"/>
                       </a:solidFill>
@@ -7106,7 +7017,7 @@
                       <a:headEnd type="none" w="med" len="med"/>
                       <a:tailEnd type="none" w="med" len="med"/>
                     </a:lnL>
-                    <a:lnR cmpd="sng" algn="ctr" cap="flat">
+                    <a:lnR cap="flat" cmpd="sng" algn="ctr">
                       <a:solidFill>
                         <a:srgbClr val="000000"/>
                       </a:solidFill>
@@ -7115,7 +7026,7 @@
                       <a:headEnd type="none" w="med" len="med"/>
                       <a:tailEnd type="none" w="med" len="med"/>
                     </a:lnR>
-                    <a:lnT cmpd="sng" algn="ctr" cap="flat">
+                    <a:lnT cap="flat" cmpd="sng" algn="ctr">
                       <a:solidFill>
                         <a:srgbClr val="000000"/>
                       </a:solidFill>
@@ -7124,7 +7035,7 @@
                       <a:headEnd type="none" w="med" len="med"/>
                       <a:tailEnd type="none" w="med" len="med"/>
                     </a:lnT>
-                    <a:lnB cmpd="sng" algn="ctr" cap="flat">
+                    <a:lnB cap="flat" cmpd="sng" algn="ctr">
                       <a:solidFill>
                         <a:srgbClr val="000000"/>
                       </a:solidFill>
@@ -7140,7 +7051,7 @@
                 </a:tc>
                 <a:tc>
                   <a:txBody>
-                    <a:bodyPr anchor="t" rtlCol="false"/>
+                    <a:bodyPr/>
                     <a:lstStyle/>
                     <a:p>
                       <a:pPr algn="l">
@@ -7152,13 +7063,13 @@
                             <a:srgbClr val="000000"/>
                           </a:solidFill>
                         </a:rPr>
-                        <a:t>67.40</a:t>
+                        <a:t>4.90</a:t>
                       </a:r>
                       <a:endParaRPr lang="en-US" sz="1100"/>
                     </a:p>
                   </a:txBody>
                   <a:tcPr>
-                    <a:lnL cmpd="sng" algn="ctr" cap="flat">
+                    <a:lnL cap="flat" cmpd="sng" algn="ctr">
                       <a:solidFill>
                         <a:srgbClr val="000000"/>
                       </a:solidFill>
@@ -7167,7 +7078,7 @@
                       <a:headEnd type="none" w="med" len="med"/>
                       <a:tailEnd type="none" w="med" len="med"/>
                     </a:lnL>
-                    <a:lnR cmpd="sng" algn="ctr" cap="flat">
+                    <a:lnR cap="flat" cmpd="sng" algn="ctr">
                       <a:solidFill>
                         <a:srgbClr val="000000"/>
                       </a:solidFill>
@@ -7176,7 +7087,7 @@
                       <a:headEnd type="none" w="med" len="med"/>
                       <a:tailEnd type="none" w="med" len="med"/>
                     </a:lnR>
-                    <a:lnT cmpd="sng" algn="ctr" cap="flat">
+                    <a:lnT cap="flat" cmpd="sng" algn="ctr">
                       <a:solidFill>
                         <a:srgbClr val="000000"/>
                       </a:solidFill>
@@ -7185,7 +7096,7 @@
                       <a:headEnd type="none" w="med" len="med"/>
                       <a:tailEnd type="none" w="med" len="med"/>
                     </a:lnT>
-                    <a:lnB cmpd="sng" algn="ctr" cap="flat">
+                    <a:lnB cap="flat" cmpd="sng" algn="ctr">
                       <a:solidFill>
                         <a:srgbClr val="000000"/>
                       </a:solidFill>
@@ -7201,7 +7112,7 @@
                 </a:tc>
                 <a:tc>
                   <a:txBody>
-                    <a:bodyPr anchor="t" rtlCol="false"/>
+                    <a:bodyPr/>
                     <a:lstStyle/>
                     <a:p>
                       <a:pPr algn="l">
@@ -7213,13 +7124,13 @@
                             <a:srgbClr val="000000"/>
                           </a:solidFill>
                         </a:rPr>
-                        <a:t>64.80</a:t>
+                        <a:t>5.30</a:t>
                       </a:r>
                       <a:endParaRPr lang="en-US" sz="1100"/>
                     </a:p>
                   </a:txBody>
                   <a:tcPr>
-                    <a:lnL cmpd="sng" algn="ctr" cap="flat">
+                    <a:lnL cap="flat" cmpd="sng" algn="ctr">
                       <a:solidFill>
                         <a:srgbClr val="000000"/>
                       </a:solidFill>
@@ -7228,7 +7139,7 @@
                       <a:headEnd type="none" w="med" len="med"/>
                       <a:tailEnd type="none" w="med" len="med"/>
                     </a:lnL>
-                    <a:lnR cmpd="sng" algn="ctr" cap="flat">
+                    <a:lnR cap="flat" cmpd="sng" algn="ctr">
                       <a:solidFill>
                         <a:srgbClr val="000000"/>
                       </a:solidFill>
@@ -7237,7 +7148,7 @@
                       <a:headEnd type="none" w="med" len="med"/>
                       <a:tailEnd type="none" w="med" len="med"/>
                     </a:lnR>
-                    <a:lnT cmpd="sng" algn="ctr" cap="flat">
+                    <a:lnT cap="flat" cmpd="sng" algn="ctr">
                       <a:solidFill>
                         <a:srgbClr val="000000"/>
                       </a:solidFill>
@@ -7246,7 +7157,7 @@
                       <a:headEnd type="none" w="med" len="med"/>
                       <a:tailEnd type="none" w="med" len="med"/>
                     </a:lnT>
-                    <a:lnB cmpd="sng" algn="ctr" cap="flat">
+                    <a:lnB cap="flat" cmpd="sng" algn="ctr">
                       <a:solidFill>
                         <a:srgbClr val="000000"/>
                       </a:solidFill>
@@ -7260,11 +7171,16 @@
                     </a:solidFill>
                   </a:tcPr>
                 </a:tc>
+                <a:extLst>
+                  <a:ext uri="{0D108BD9-81ED-4DB2-BD59-A6C34878D82A}">
+                    <a16:rowId xmlns:a16="http://schemas.microsoft.com/office/drawing/2014/main" val="10003"/>
+                  </a:ext>
+                </a:extLst>
               </a:tr>
               <a:tr h="254000">
                 <a:tc>
                   <a:txBody>
-                    <a:bodyPr anchor="t" rtlCol="false"/>
+                    <a:bodyPr/>
                     <a:lstStyle/>
                     <a:p>
                       <a:pPr algn="l">
@@ -7282,7 +7198,7 @@
                     </a:p>
                   </a:txBody>
                   <a:tcPr>
-                    <a:lnL cmpd="sng" algn="ctr" cap="flat">
+                    <a:lnL cap="flat" cmpd="sng" algn="ctr">
                       <a:solidFill>
                         <a:srgbClr val="000000"/>
                       </a:solidFill>
@@ -7291,7 +7207,7 @@
                       <a:headEnd type="none" w="med" len="med"/>
                       <a:tailEnd type="none" w="med" len="med"/>
                     </a:lnL>
-                    <a:lnR cmpd="sng" algn="ctr" cap="flat">
+                    <a:lnR cap="flat" cmpd="sng" algn="ctr">
                       <a:solidFill>
                         <a:srgbClr val="000000"/>
                       </a:solidFill>
@@ -7300,7 +7216,7 @@
                       <a:headEnd type="none" w="med" len="med"/>
                       <a:tailEnd type="none" w="med" len="med"/>
                     </a:lnR>
-                    <a:lnT cmpd="sng" algn="ctr" cap="flat">
+                    <a:lnT cap="flat" cmpd="sng" algn="ctr">
                       <a:solidFill>
                         <a:srgbClr val="000000"/>
                       </a:solidFill>
@@ -7309,7 +7225,7 @@
                       <a:headEnd type="none" w="med" len="med"/>
                       <a:tailEnd type="none" w="med" len="med"/>
                     </a:lnT>
-                    <a:lnB cmpd="sng" algn="ctr" cap="flat">
+                    <a:lnB cap="flat" cmpd="sng" algn="ctr">
                       <a:solidFill>
                         <a:srgbClr val="000000"/>
                       </a:solidFill>
@@ -7325,7 +7241,7 @@
                 </a:tc>
                 <a:tc>
                   <a:txBody>
-                    <a:bodyPr anchor="t" rtlCol="false"/>
+                    <a:bodyPr/>
                     <a:lstStyle/>
                     <a:p>
                       <a:pPr algn="l">
@@ -7337,13 +7253,13 @@
                             <a:srgbClr val="000000"/>
                           </a:solidFill>
                         </a:rPr>
-                        <a:t>40.0</a:t>
+                        <a:t>403472.0</a:t>
                       </a:r>
                       <a:endParaRPr lang="en-US" sz="1100"/>
                     </a:p>
                   </a:txBody>
                   <a:tcPr>
-                    <a:lnL cmpd="sng" algn="ctr" cap="flat">
+                    <a:lnL cap="flat" cmpd="sng" algn="ctr">
                       <a:solidFill>
                         <a:srgbClr val="000000"/>
                       </a:solidFill>
@@ -7352,7 +7268,7 @@
                       <a:headEnd type="none" w="med" len="med"/>
                       <a:tailEnd type="none" w="med" len="med"/>
                     </a:lnL>
-                    <a:lnR cmpd="sng" algn="ctr" cap="flat">
+                    <a:lnR cap="flat" cmpd="sng" algn="ctr">
                       <a:solidFill>
                         <a:srgbClr val="000000"/>
                       </a:solidFill>
@@ -7361,7 +7277,7 @@
                       <a:headEnd type="none" w="med" len="med"/>
                       <a:tailEnd type="none" w="med" len="med"/>
                     </a:lnR>
-                    <a:lnT cmpd="sng" algn="ctr" cap="flat">
+                    <a:lnT cap="flat" cmpd="sng" algn="ctr">
                       <a:solidFill>
                         <a:srgbClr val="000000"/>
                       </a:solidFill>
@@ -7370,7 +7286,7 @@
                       <a:headEnd type="none" w="med" len="med"/>
                       <a:tailEnd type="none" w="med" len="med"/>
                     </a:lnT>
-                    <a:lnB cmpd="sng" algn="ctr" cap="flat">
+                    <a:lnB cap="flat" cmpd="sng" algn="ctr">
                       <a:solidFill>
                         <a:srgbClr val="000000"/>
                       </a:solidFill>
@@ -7386,7 +7302,7 @@
                 </a:tc>
                 <a:tc>
                   <a:txBody>
-                    <a:bodyPr anchor="t" rtlCol="false"/>
+                    <a:bodyPr/>
                     <a:lstStyle/>
                     <a:p>
                       <a:pPr algn="l">
@@ -7404,7 +7320,7 @@
                     </a:p>
                   </a:txBody>
                   <a:tcPr>
-                    <a:lnL cmpd="sng" algn="ctr" cap="flat">
+                    <a:lnL cap="flat" cmpd="sng" algn="ctr">
                       <a:solidFill>
                         <a:srgbClr val="000000"/>
                       </a:solidFill>
@@ -7413,7 +7329,7 @@
                       <a:headEnd type="none" w="med" len="med"/>
                       <a:tailEnd type="none" w="med" len="med"/>
                     </a:lnL>
-                    <a:lnR cmpd="sng" algn="ctr" cap="flat">
+                    <a:lnR cap="flat" cmpd="sng" algn="ctr">
                       <a:solidFill>
                         <a:srgbClr val="000000"/>
                       </a:solidFill>
@@ -7422,7 +7338,7 @@
                       <a:headEnd type="none" w="med" len="med"/>
                       <a:tailEnd type="none" w="med" len="med"/>
                     </a:lnR>
-                    <a:lnT cmpd="sng" algn="ctr" cap="flat">
+                    <a:lnT cap="flat" cmpd="sng" algn="ctr">
                       <a:solidFill>
                         <a:srgbClr val="000000"/>
                       </a:solidFill>
@@ -7431,7 +7347,7 @@
                       <a:headEnd type="none" w="med" len="med"/>
                       <a:tailEnd type="none" w="med" len="med"/>
                     </a:lnT>
-                    <a:lnB cmpd="sng" algn="ctr" cap="flat">
+                    <a:lnB cap="flat" cmpd="sng" algn="ctr">
                       <a:solidFill>
                         <a:srgbClr val="000000"/>
                       </a:solidFill>
@@ -7447,7 +7363,7 @@
                 </a:tc>
                 <a:tc>
                   <a:txBody>
-                    <a:bodyPr anchor="t" rtlCol="false"/>
+                    <a:bodyPr/>
                     <a:lstStyle/>
                     <a:p>
                       <a:pPr algn="l">
@@ -7459,13 +7375,13 @@
                             <a:srgbClr val="000000"/>
                           </a:solidFill>
                         </a:rPr>
-                        <a:t>10.80</a:t>
+                        <a:t>224.20</a:t>
                       </a:r>
                       <a:endParaRPr lang="en-US" sz="1100"/>
                     </a:p>
                   </a:txBody>
                   <a:tcPr>
-                    <a:lnL cmpd="sng" algn="ctr" cap="flat">
+                    <a:lnL cap="flat" cmpd="sng" algn="ctr">
                       <a:solidFill>
                         <a:srgbClr val="000000"/>
                       </a:solidFill>
@@ -7474,7 +7390,7 @@
                       <a:headEnd type="none" w="med" len="med"/>
                       <a:tailEnd type="none" w="med" len="med"/>
                     </a:lnL>
-                    <a:lnR cmpd="sng" algn="ctr" cap="flat">
+                    <a:lnR cap="flat" cmpd="sng" algn="ctr">
                       <a:solidFill>
                         <a:srgbClr val="000000"/>
                       </a:solidFill>
@@ -7483,7 +7399,7 @@
                       <a:headEnd type="none" w="med" len="med"/>
                       <a:tailEnd type="none" w="med" len="med"/>
                     </a:lnR>
-                    <a:lnT cmpd="sng" algn="ctr" cap="flat">
+                    <a:lnT cap="flat" cmpd="sng" algn="ctr">
                       <a:solidFill>
                         <a:srgbClr val="000000"/>
                       </a:solidFill>
@@ -7492,7 +7408,7 @@
                       <a:headEnd type="none" w="med" len="med"/>
                       <a:tailEnd type="none" w="med" len="med"/>
                     </a:lnT>
-                    <a:lnB cmpd="sng" algn="ctr" cap="flat">
+                    <a:lnB cap="flat" cmpd="sng" algn="ctr">
                       <a:solidFill>
                         <a:srgbClr val="000000"/>
                       </a:solidFill>
@@ -7508,7 +7424,7 @@
                 </a:tc>
                 <a:tc>
                   <a:txBody>
-                    <a:bodyPr anchor="t" rtlCol="false"/>
+                    <a:bodyPr/>
                     <a:lstStyle/>
                     <a:p>
                       <a:pPr algn="l">
@@ -7520,13 +7436,13 @@
                             <a:srgbClr val="000000"/>
                           </a:solidFill>
                         </a:rPr>
-                        <a:t>104.80</a:t>
+                        <a:t>5.60</a:t>
                       </a:r>
                       <a:endParaRPr lang="en-US" sz="1100"/>
                     </a:p>
                   </a:txBody>
                   <a:tcPr>
-                    <a:lnL cmpd="sng" algn="ctr" cap="flat">
+                    <a:lnL cap="flat" cmpd="sng" algn="ctr">
                       <a:solidFill>
                         <a:srgbClr val="000000"/>
                       </a:solidFill>
@@ -7535,7 +7451,7 @@
                       <a:headEnd type="none" w="med" len="med"/>
                       <a:tailEnd type="none" w="med" len="med"/>
                     </a:lnL>
-                    <a:lnR cmpd="sng" algn="ctr" cap="flat">
+                    <a:lnR cap="flat" cmpd="sng" algn="ctr">
                       <a:solidFill>
                         <a:srgbClr val="000000"/>
                       </a:solidFill>
@@ -7544,7 +7460,7 @@
                       <a:headEnd type="none" w="med" len="med"/>
                       <a:tailEnd type="none" w="med" len="med"/>
                     </a:lnR>
-                    <a:lnT cmpd="sng" algn="ctr" cap="flat">
+                    <a:lnT cap="flat" cmpd="sng" algn="ctr">
                       <a:solidFill>
                         <a:srgbClr val="000000"/>
                       </a:solidFill>
@@ -7553,7 +7469,7 @@
                       <a:headEnd type="none" w="med" len="med"/>
                       <a:tailEnd type="none" w="med" len="med"/>
                     </a:lnT>
-                    <a:lnB cmpd="sng" algn="ctr" cap="flat">
+                    <a:lnB cap="flat" cmpd="sng" algn="ctr">
                       <a:solidFill>
                         <a:srgbClr val="000000"/>
                       </a:solidFill>
@@ -7569,7 +7485,7 @@
                 </a:tc>
                 <a:tc>
                   <a:txBody>
-                    <a:bodyPr anchor="t" rtlCol="false"/>
+                    <a:bodyPr/>
                     <a:lstStyle/>
                     <a:p>
                       <a:pPr algn="l">
@@ -7581,13 +7497,13 @@
                             <a:srgbClr val="000000"/>
                           </a:solidFill>
                         </a:rPr>
-                        <a:t>88.80</a:t>
+                        <a:t>4.10</a:t>
                       </a:r>
                       <a:endParaRPr lang="en-US" sz="1100"/>
                     </a:p>
                   </a:txBody>
                   <a:tcPr>
-                    <a:lnL cmpd="sng" algn="ctr" cap="flat">
+                    <a:lnL cap="flat" cmpd="sng" algn="ctr">
                       <a:solidFill>
                         <a:srgbClr val="000000"/>
                       </a:solidFill>
@@ -7596,7 +7512,7 @@
                       <a:headEnd type="none" w="med" len="med"/>
                       <a:tailEnd type="none" w="med" len="med"/>
                     </a:lnL>
-                    <a:lnR cmpd="sng" algn="ctr" cap="flat">
+                    <a:lnR cap="flat" cmpd="sng" algn="ctr">
                       <a:solidFill>
                         <a:srgbClr val="000000"/>
                       </a:solidFill>
@@ -7605,7 +7521,7 @@
                       <a:headEnd type="none" w="med" len="med"/>
                       <a:tailEnd type="none" w="med" len="med"/>
                     </a:lnR>
-                    <a:lnT cmpd="sng" algn="ctr" cap="flat">
+                    <a:lnT cap="flat" cmpd="sng" algn="ctr">
                       <a:solidFill>
                         <a:srgbClr val="000000"/>
                       </a:solidFill>
@@ -7614,7 +7530,7 @@
                       <a:headEnd type="none" w="med" len="med"/>
                       <a:tailEnd type="none" w="med" len="med"/>
                     </a:lnT>
-                    <a:lnB cmpd="sng" algn="ctr" cap="flat">
+                    <a:lnB cap="flat" cmpd="sng" algn="ctr">
                       <a:solidFill>
                         <a:srgbClr val="000000"/>
                       </a:solidFill>
@@ -7630,7 +7546,7 @@
                 </a:tc>
                 <a:tc>
                   <a:txBody>
-                    <a:bodyPr anchor="t" rtlCol="false"/>
+                    <a:bodyPr/>
                     <a:lstStyle/>
                     <a:p>
                       <a:pPr algn="l">
@@ -7642,13 +7558,13 @@
                             <a:srgbClr val="000000"/>
                           </a:solidFill>
                         </a:rPr>
-                        <a:t>92.80</a:t>
+                        <a:t>4.50</a:t>
                       </a:r>
                       <a:endParaRPr lang="en-US" sz="1100"/>
                     </a:p>
                   </a:txBody>
                   <a:tcPr>
-                    <a:lnL cmpd="sng" algn="ctr" cap="flat">
+                    <a:lnL cap="flat" cmpd="sng" algn="ctr">
                       <a:solidFill>
                         <a:srgbClr val="000000"/>
                       </a:solidFill>
@@ -7657,7 +7573,7 @@
                       <a:headEnd type="none" w="med" len="med"/>
                       <a:tailEnd type="none" w="med" len="med"/>
                     </a:lnL>
-                    <a:lnR cmpd="sng" algn="ctr" cap="flat">
+                    <a:lnR cap="flat" cmpd="sng" algn="ctr">
                       <a:solidFill>
                         <a:srgbClr val="000000"/>
                       </a:solidFill>
@@ -7666,7 +7582,7 @@
                       <a:headEnd type="none" w="med" len="med"/>
                       <a:tailEnd type="none" w="med" len="med"/>
                     </a:lnR>
-                    <a:lnT cmpd="sng" algn="ctr" cap="flat">
+                    <a:lnT cap="flat" cmpd="sng" algn="ctr">
                       <a:solidFill>
                         <a:srgbClr val="000000"/>
                       </a:solidFill>
@@ -7675,7 +7591,7 @@
                       <a:headEnd type="none" w="med" len="med"/>
                       <a:tailEnd type="none" w="med" len="med"/>
                     </a:lnT>
-                    <a:lnB cmpd="sng" algn="ctr" cap="flat">
+                    <a:lnB cap="flat" cmpd="sng" algn="ctr">
                       <a:solidFill>
                         <a:srgbClr val="000000"/>
                       </a:solidFill>
@@ -7689,11 +7605,16 @@
                     </a:solidFill>
                   </a:tcPr>
                 </a:tc>
+                <a:extLst>
+                  <a:ext uri="{0D108BD9-81ED-4DB2-BD59-A6C34878D82A}">
+                    <a16:rowId xmlns:a16="http://schemas.microsoft.com/office/drawing/2014/main" val="10004"/>
+                  </a:ext>
+                </a:extLst>
               </a:tr>
               <a:tr h="254000">
                 <a:tc>
                   <a:txBody>
-                    <a:bodyPr anchor="t" rtlCol="false"/>
+                    <a:bodyPr/>
                     <a:lstStyle/>
                     <a:p>
                       <a:pPr algn="l">
@@ -7711,7 +7632,7 @@
                     </a:p>
                   </a:txBody>
                   <a:tcPr>
-                    <a:lnL cmpd="sng" algn="ctr" cap="flat">
+                    <a:lnL cap="flat" cmpd="sng" algn="ctr">
                       <a:solidFill>
                         <a:srgbClr val="000000"/>
                       </a:solidFill>
@@ -7720,7 +7641,7 @@
                       <a:headEnd type="none" w="med" len="med"/>
                       <a:tailEnd type="none" w="med" len="med"/>
                     </a:lnL>
-                    <a:lnR cmpd="sng" algn="ctr" cap="flat">
+                    <a:lnR cap="flat" cmpd="sng" algn="ctr">
                       <a:solidFill>
                         <a:srgbClr val="000000"/>
                       </a:solidFill>
@@ -7729,7 +7650,7 @@
                       <a:headEnd type="none" w="med" len="med"/>
                       <a:tailEnd type="none" w="med" len="med"/>
                     </a:lnR>
-                    <a:lnT cmpd="sng" algn="ctr" cap="flat">
+                    <a:lnT cap="flat" cmpd="sng" algn="ctr">
                       <a:solidFill>
                         <a:srgbClr val="000000"/>
                       </a:solidFill>
@@ -7738,7 +7659,7 @@
                       <a:headEnd type="none" w="med" len="med"/>
                       <a:tailEnd type="none" w="med" len="med"/>
                     </a:lnT>
-                    <a:lnB cmpd="sng" algn="ctr" cap="flat">
+                    <a:lnB cap="flat" cmpd="sng" algn="ctr">
                       <a:solidFill>
                         <a:srgbClr val="000000"/>
                       </a:solidFill>
@@ -7754,7 +7675,7 @@
                 </a:tc>
                 <a:tc>
                   <a:txBody>
-                    <a:bodyPr anchor="t" rtlCol="false"/>
+                    <a:bodyPr/>
                     <a:lstStyle/>
                     <a:p>
                       <a:pPr algn="l">
@@ -7766,13 +7687,13 @@
                             <a:srgbClr val="000000"/>
                           </a:solidFill>
                         </a:rPr>
-                        <a:t>60.0</a:t>
+                        <a:t>435624.0</a:t>
                       </a:r>
                       <a:endParaRPr lang="en-US" sz="1100"/>
                     </a:p>
                   </a:txBody>
                   <a:tcPr>
-                    <a:lnL cmpd="sng" algn="ctr" cap="flat">
+                    <a:lnL cap="flat" cmpd="sng" algn="ctr">
                       <a:solidFill>
                         <a:srgbClr val="000000"/>
                       </a:solidFill>
@@ -7781,7 +7702,7 @@
                       <a:headEnd type="none" w="med" len="med"/>
                       <a:tailEnd type="none" w="med" len="med"/>
                     </a:lnL>
-                    <a:lnR cmpd="sng" algn="ctr" cap="flat">
+                    <a:lnR cap="flat" cmpd="sng" algn="ctr">
                       <a:solidFill>
                         <a:srgbClr val="000000"/>
                       </a:solidFill>
@@ -7790,7 +7711,7 @@
                       <a:headEnd type="none" w="med" len="med"/>
                       <a:tailEnd type="none" w="med" len="med"/>
                     </a:lnR>
-                    <a:lnT cmpd="sng" algn="ctr" cap="flat">
+                    <a:lnT cap="flat" cmpd="sng" algn="ctr">
                       <a:solidFill>
                         <a:srgbClr val="000000"/>
                       </a:solidFill>
@@ -7799,7 +7720,7 @@
                       <a:headEnd type="none" w="med" len="med"/>
                       <a:tailEnd type="none" w="med" len="med"/>
                     </a:lnT>
-                    <a:lnB cmpd="sng" algn="ctr" cap="flat">
+                    <a:lnB cap="flat" cmpd="sng" algn="ctr">
                       <a:solidFill>
                         <a:srgbClr val="000000"/>
                       </a:solidFill>
@@ -7815,7 +7736,7 @@
                 </a:tc>
                 <a:tc>
                   <a:txBody>
-                    <a:bodyPr anchor="t" rtlCol="false"/>
+                    <a:bodyPr/>
                     <a:lstStyle/>
                     <a:p>
                       <a:pPr algn="l">
@@ -7833,7 +7754,7 @@
                     </a:p>
                   </a:txBody>
                   <a:tcPr>
-                    <a:lnL cmpd="sng" algn="ctr" cap="flat">
+                    <a:lnL cap="flat" cmpd="sng" algn="ctr">
                       <a:solidFill>
                         <a:srgbClr val="000000"/>
                       </a:solidFill>
@@ -7842,7 +7763,7 @@
                       <a:headEnd type="none" w="med" len="med"/>
                       <a:tailEnd type="none" w="med" len="med"/>
                     </a:lnL>
-                    <a:lnR cmpd="sng" algn="ctr" cap="flat">
+                    <a:lnR cap="flat" cmpd="sng" algn="ctr">
                       <a:solidFill>
                         <a:srgbClr val="000000"/>
                       </a:solidFill>
@@ -7851,7 +7772,7 @@
                       <a:headEnd type="none" w="med" len="med"/>
                       <a:tailEnd type="none" w="med" len="med"/>
                     </a:lnR>
-                    <a:lnT cmpd="sng" algn="ctr" cap="flat">
+                    <a:lnT cap="flat" cmpd="sng" algn="ctr">
                       <a:solidFill>
                         <a:srgbClr val="000000"/>
                       </a:solidFill>
@@ -7860,7 +7781,7 @@
                       <a:headEnd type="none" w="med" len="med"/>
                       <a:tailEnd type="none" w="med" len="med"/>
                     </a:lnT>
-                    <a:lnB cmpd="sng" algn="ctr" cap="flat">
+                    <a:lnB cap="flat" cmpd="sng" algn="ctr">
                       <a:solidFill>
                         <a:srgbClr val="000000"/>
                       </a:solidFill>
@@ -7876,7 +7797,7 @@
                 </a:tc>
                 <a:tc>
                   <a:txBody>
-                    <a:bodyPr anchor="t" rtlCol="false"/>
+                    <a:bodyPr/>
                     <a:lstStyle/>
                     <a:p>
                       <a:pPr algn="l">
@@ -7888,13 +7809,13 @@
                             <a:srgbClr val="000000"/>
                           </a:solidFill>
                         </a:rPr>
-                        <a:t>13.40</a:t>
+                        <a:t>161.40</a:t>
                       </a:r>
                       <a:endParaRPr lang="en-US" sz="1100"/>
                     </a:p>
                   </a:txBody>
                   <a:tcPr>
-                    <a:lnL cmpd="sng" algn="ctr" cap="flat">
+                    <a:lnL cap="flat" cmpd="sng" algn="ctr">
                       <a:solidFill>
                         <a:srgbClr val="000000"/>
                       </a:solidFill>
@@ -7903,7 +7824,7 @@
                       <a:headEnd type="none" w="med" len="med"/>
                       <a:tailEnd type="none" w="med" len="med"/>
                     </a:lnL>
-                    <a:lnR cmpd="sng" algn="ctr" cap="flat">
+                    <a:lnR cap="flat" cmpd="sng" algn="ctr">
                       <a:solidFill>
                         <a:srgbClr val="000000"/>
                       </a:solidFill>
@@ -7912,7 +7833,7 @@
                       <a:headEnd type="none" w="med" len="med"/>
                       <a:tailEnd type="none" w="med" len="med"/>
                     </a:lnR>
-                    <a:lnT cmpd="sng" algn="ctr" cap="flat">
+                    <a:lnT cap="flat" cmpd="sng" algn="ctr">
                       <a:solidFill>
                         <a:srgbClr val="000000"/>
                       </a:solidFill>
@@ -7921,7 +7842,7 @@
                       <a:headEnd type="none" w="med" len="med"/>
                       <a:tailEnd type="none" w="med" len="med"/>
                     </a:lnT>
-                    <a:lnB cmpd="sng" algn="ctr" cap="flat">
+                    <a:lnB cap="flat" cmpd="sng" algn="ctr">
                       <a:solidFill>
                         <a:srgbClr val="000000"/>
                       </a:solidFill>
@@ -7937,7 +7858,7 @@
                 </a:tc>
                 <a:tc>
                   <a:txBody>
-                    <a:bodyPr anchor="t" rtlCol="false"/>
+                    <a:bodyPr/>
                     <a:lstStyle/>
                     <a:p>
                       <a:pPr algn="l">
@@ -7949,13 +7870,13 @@
                             <a:srgbClr val="000000"/>
                           </a:solidFill>
                         </a:rPr>
-                        <a:t>73.70</a:t>
+                        <a:t>7.70</a:t>
                       </a:r>
                       <a:endParaRPr lang="en-US" sz="1100"/>
                     </a:p>
                   </a:txBody>
                   <a:tcPr>
-                    <a:lnL cmpd="sng" algn="ctr" cap="flat">
+                    <a:lnL cap="flat" cmpd="sng" algn="ctr">
                       <a:solidFill>
                         <a:srgbClr val="000000"/>
                       </a:solidFill>
@@ -7964,7 +7885,7 @@
                       <a:headEnd type="none" w="med" len="med"/>
                       <a:tailEnd type="none" w="med" len="med"/>
                     </a:lnL>
-                    <a:lnR cmpd="sng" algn="ctr" cap="flat">
+                    <a:lnR cap="flat" cmpd="sng" algn="ctr">
                       <a:solidFill>
                         <a:srgbClr val="000000"/>
                       </a:solidFill>
@@ -7973,7 +7894,7 @@
                       <a:headEnd type="none" w="med" len="med"/>
                       <a:tailEnd type="none" w="med" len="med"/>
                     </a:lnR>
-                    <a:lnT cmpd="sng" algn="ctr" cap="flat">
+                    <a:lnT cap="flat" cmpd="sng" algn="ctr">
                       <a:solidFill>
                         <a:srgbClr val="000000"/>
                       </a:solidFill>
@@ -7982,7 +7903,7 @@
                       <a:headEnd type="none" w="med" len="med"/>
                       <a:tailEnd type="none" w="med" len="med"/>
                     </a:lnT>
-                    <a:lnB cmpd="sng" algn="ctr" cap="flat">
+                    <a:lnB cap="flat" cmpd="sng" algn="ctr">
                       <a:solidFill>
                         <a:srgbClr val="000000"/>
                       </a:solidFill>
@@ -7998,7 +7919,7 @@
                 </a:tc>
                 <a:tc>
                   <a:txBody>
-                    <a:bodyPr anchor="t" rtlCol="false"/>
+                    <a:bodyPr/>
                     <a:lstStyle/>
                     <a:p>
                       <a:pPr algn="l">
@@ -8010,13 +7931,13 @@
                             <a:srgbClr val="000000"/>
                           </a:solidFill>
                         </a:rPr>
-                        <a:t>75.20</a:t>
+                        <a:t>5.70</a:t>
                       </a:r>
                       <a:endParaRPr lang="en-US" sz="1100"/>
                     </a:p>
                   </a:txBody>
                   <a:tcPr>
-                    <a:lnL cmpd="sng" algn="ctr" cap="flat">
+                    <a:lnL cap="flat" cmpd="sng" algn="ctr">
                       <a:solidFill>
                         <a:srgbClr val="000000"/>
                       </a:solidFill>
@@ -8025,7 +7946,7 @@
                       <a:headEnd type="none" w="med" len="med"/>
                       <a:tailEnd type="none" w="med" len="med"/>
                     </a:lnL>
-                    <a:lnR cmpd="sng" algn="ctr" cap="flat">
+                    <a:lnR cap="flat" cmpd="sng" algn="ctr">
                       <a:solidFill>
                         <a:srgbClr val="000000"/>
                       </a:solidFill>
@@ -8034,7 +7955,7 @@
                       <a:headEnd type="none" w="med" len="med"/>
                       <a:tailEnd type="none" w="med" len="med"/>
                     </a:lnR>
-                    <a:lnT cmpd="sng" algn="ctr" cap="flat">
+                    <a:lnT cap="flat" cmpd="sng" algn="ctr">
                       <a:solidFill>
                         <a:srgbClr val="000000"/>
                       </a:solidFill>
@@ -8043,7 +7964,7 @@
                       <a:headEnd type="none" w="med" len="med"/>
                       <a:tailEnd type="none" w="med" len="med"/>
                     </a:lnT>
-                    <a:lnB cmpd="sng" algn="ctr" cap="flat">
+                    <a:lnB cap="flat" cmpd="sng" algn="ctr">
                       <a:solidFill>
                         <a:srgbClr val="000000"/>
                       </a:solidFill>
@@ -8059,7 +7980,7 @@
                 </a:tc>
                 <a:tc>
                   <a:txBody>
-                    <a:bodyPr anchor="t" rtlCol="false"/>
+                    <a:bodyPr/>
                     <a:lstStyle/>
                     <a:p>
                       <a:pPr algn="l">
@@ -8071,13 +7992,13 @@
                             <a:srgbClr val="000000"/>
                           </a:solidFill>
                         </a:rPr>
-                        <a:t>74.90</a:t>
+                        <a:t>6.20</a:t>
                       </a:r>
                       <a:endParaRPr lang="en-US" sz="1100"/>
                     </a:p>
                   </a:txBody>
                   <a:tcPr>
-                    <a:lnL cmpd="sng" algn="ctr" cap="flat">
+                    <a:lnL cap="flat" cmpd="sng" algn="ctr">
                       <a:solidFill>
                         <a:srgbClr val="000000"/>
                       </a:solidFill>
@@ -8086,7 +8007,7 @@
                       <a:headEnd type="none" w="med" len="med"/>
                       <a:tailEnd type="none" w="med" len="med"/>
                     </a:lnL>
-                    <a:lnR cmpd="sng" algn="ctr" cap="flat">
+                    <a:lnR cap="flat" cmpd="sng" algn="ctr">
                       <a:solidFill>
                         <a:srgbClr val="000000"/>
                       </a:solidFill>
@@ -8095,7 +8016,7 @@
                       <a:headEnd type="none" w="med" len="med"/>
                       <a:tailEnd type="none" w="med" len="med"/>
                     </a:lnR>
-                    <a:lnT cmpd="sng" algn="ctr" cap="flat">
+                    <a:lnT cap="flat" cmpd="sng" algn="ctr">
                       <a:solidFill>
                         <a:srgbClr val="000000"/>
                       </a:solidFill>
@@ -8104,7 +8025,7 @@
                       <a:headEnd type="none" w="med" len="med"/>
                       <a:tailEnd type="none" w="med" len="med"/>
                     </a:lnT>
-                    <a:lnB cmpd="sng" algn="ctr" cap="flat">
+                    <a:lnB cap="flat" cmpd="sng" algn="ctr">
                       <a:solidFill>
                         <a:srgbClr val="000000"/>
                       </a:solidFill>
@@ -8118,11 +8039,16 @@
                     </a:solidFill>
                   </a:tcPr>
                 </a:tc>
+                <a:extLst>
+                  <a:ext uri="{0D108BD9-81ED-4DB2-BD59-A6C34878D82A}">
+                    <a16:rowId xmlns:a16="http://schemas.microsoft.com/office/drawing/2014/main" val="10005"/>
+                  </a:ext>
+                </a:extLst>
               </a:tr>
               <a:tr h="254000">
                 <a:tc>
                   <a:txBody>
-                    <a:bodyPr anchor="t" rtlCol="false"/>
+                    <a:bodyPr/>
                     <a:lstStyle/>
                     <a:p>
                       <a:pPr algn="l">
@@ -8140,7 +8066,7 @@
                     </a:p>
                   </a:txBody>
                   <a:tcPr>
-                    <a:lnL cmpd="sng" algn="ctr" cap="flat">
+                    <a:lnL cap="flat" cmpd="sng" algn="ctr">
                       <a:solidFill>
                         <a:srgbClr val="000000"/>
                       </a:solidFill>
@@ -8149,7 +8075,7 @@
                       <a:headEnd type="none" w="med" len="med"/>
                       <a:tailEnd type="none" w="med" len="med"/>
                     </a:lnL>
-                    <a:lnR cmpd="sng" algn="ctr" cap="flat">
+                    <a:lnR cap="flat" cmpd="sng" algn="ctr">
                       <a:solidFill>
                         <a:srgbClr val="000000"/>
                       </a:solidFill>
@@ -8158,7 +8084,7 @@
                       <a:headEnd type="none" w="med" len="med"/>
                       <a:tailEnd type="none" w="med" len="med"/>
                     </a:lnR>
-                    <a:lnT cmpd="sng" algn="ctr" cap="flat">
+                    <a:lnT cap="flat" cmpd="sng" algn="ctr">
                       <a:solidFill>
                         <a:srgbClr val="000000"/>
                       </a:solidFill>
@@ -8167,7 +8093,7 @@
                       <a:headEnd type="none" w="med" len="med"/>
                       <a:tailEnd type="none" w="med" len="med"/>
                     </a:lnT>
-                    <a:lnB cmpd="sng" algn="ctr" cap="flat">
+                    <a:lnB cap="flat" cmpd="sng" algn="ctr">
                       <a:solidFill>
                         <a:srgbClr val="000000"/>
                       </a:solidFill>
@@ -8183,7 +8109,7 @@
                 </a:tc>
                 <a:tc>
                   <a:txBody>
-                    <a:bodyPr anchor="t" rtlCol="false"/>
+                    <a:bodyPr/>
                     <a:lstStyle/>
                     <a:p>
                       <a:pPr algn="l">
@@ -8195,13 +8121,13 @@
                             <a:srgbClr val="000000"/>
                           </a:solidFill>
                         </a:rPr>
-                        <a:t>60.0</a:t>
+                        <a:t>481700.0</a:t>
                       </a:r>
                       <a:endParaRPr lang="en-US" sz="1100"/>
                     </a:p>
                   </a:txBody>
                   <a:tcPr>
-                    <a:lnL cmpd="sng" algn="ctr" cap="flat">
+                    <a:lnL cap="flat" cmpd="sng" algn="ctr">
                       <a:solidFill>
                         <a:srgbClr val="000000"/>
                       </a:solidFill>
@@ -8210,7 +8136,7 @@
                       <a:headEnd type="none" w="med" len="med"/>
                       <a:tailEnd type="none" w="med" len="med"/>
                     </a:lnL>
-                    <a:lnR cmpd="sng" algn="ctr" cap="flat">
+                    <a:lnR cap="flat" cmpd="sng" algn="ctr">
                       <a:solidFill>
                         <a:srgbClr val="000000"/>
                       </a:solidFill>
@@ -8219,7 +8145,7 @@
                       <a:headEnd type="none" w="med" len="med"/>
                       <a:tailEnd type="none" w="med" len="med"/>
                     </a:lnR>
-                    <a:lnT cmpd="sng" algn="ctr" cap="flat">
+                    <a:lnT cap="flat" cmpd="sng" algn="ctr">
                       <a:solidFill>
                         <a:srgbClr val="000000"/>
                       </a:solidFill>
@@ -8228,7 +8154,7 @@
                       <a:headEnd type="none" w="med" len="med"/>
                       <a:tailEnd type="none" w="med" len="med"/>
                     </a:lnT>
-                    <a:lnB cmpd="sng" algn="ctr" cap="flat">
+                    <a:lnB cap="flat" cmpd="sng" algn="ctr">
                       <a:solidFill>
                         <a:srgbClr val="000000"/>
                       </a:solidFill>
@@ -8244,7 +8170,7 @@
                 </a:tc>
                 <a:tc>
                   <a:txBody>
-                    <a:bodyPr anchor="t" rtlCol="false"/>
+                    <a:bodyPr/>
                     <a:lstStyle/>
                     <a:p>
                       <a:pPr algn="l">
@@ -8262,7 +8188,7 @@
                     </a:p>
                   </a:txBody>
                   <a:tcPr>
-                    <a:lnL cmpd="sng" algn="ctr" cap="flat">
+                    <a:lnL cap="flat" cmpd="sng" algn="ctr">
                       <a:solidFill>
                         <a:srgbClr val="000000"/>
                       </a:solidFill>
@@ -8271,7 +8197,7 @@
                       <a:headEnd type="none" w="med" len="med"/>
                       <a:tailEnd type="none" w="med" len="med"/>
                     </a:lnL>
-                    <a:lnR cmpd="sng" algn="ctr" cap="flat">
+                    <a:lnR cap="flat" cmpd="sng" algn="ctr">
                       <a:solidFill>
                         <a:srgbClr val="000000"/>
                       </a:solidFill>
@@ -8280,7 +8206,7 @@
                       <a:headEnd type="none" w="med" len="med"/>
                       <a:tailEnd type="none" w="med" len="med"/>
                     </a:lnR>
-                    <a:lnT cmpd="sng" algn="ctr" cap="flat">
+                    <a:lnT cap="flat" cmpd="sng" algn="ctr">
                       <a:solidFill>
                         <a:srgbClr val="000000"/>
                       </a:solidFill>
@@ -8289,7 +8215,7 @@
                       <a:headEnd type="none" w="med" len="med"/>
                       <a:tailEnd type="none" w="med" len="med"/>
                     </a:lnT>
-                    <a:lnB cmpd="sng" algn="ctr" cap="flat">
+                    <a:lnB cap="flat" cmpd="sng" algn="ctr">
                       <a:solidFill>
                         <a:srgbClr val="000000"/>
                       </a:solidFill>
@@ -8305,7 +8231,7 @@
                 </a:tc>
                 <a:tc>
                   <a:txBody>
-                    <a:bodyPr anchor="t" rtlCol="false"/>
+                    <a:bodyPr/>
                     <a:lstStyle/>
                     <a:p>
                       <a:pPr algn="l">
@@ -8317,13 +8243,13 @@
                             <a:srgbClr val="000000"/>
                           </a:solidFill>
                         </a:rPr>
-                        <a:t>12.20</a:t>
+                        <a:t>178.40</a:t>
                       </a:r>
                       <a:endParaRPr lang="en-US" sz="1100"/>
                     </a:p>
                   </a:txBody>
                   <a:tcPr>
-                    <a:lnL cmpd="sng" algn="ctr" cap="flat">
+                    <a:lnL cap="flat" cmpd="sng" algn="ctr">
                       <a:solidFill>
                         <a:srgbClr val="000000"/>
                       </a:solidFill>
@@ -8332,7 +8258,7 @@
                       <a:headEnd type="none" w="med" len="med"/>
                       <a:tailEnd type="none" w="med" len="med"/>
                     </a:lnL>
-                    <a:lnR cmpd="sng" algn="ctr" cap="flat">
+                    <a:lnR cap="flat" cmpd="sng" algn="ctr">
                       <a:solidFill>
                         <a:srgbClr val="000000"/>
                       </a:solidFill>
@@ -8341,7 +8267,7 @@
                       <a:headEnd type="none" w="med" len="med"/>
                       <a:tailEnd type="none" w="med" len="med"/>
                     </a:lnR>
-                    <a:lnT cmpd="sng" algn="ctr" cap="flat">
+                    <a:lnT cap="flat" cmpd="sng" algn="ctr">
                       <a:solidFill>
                         <a:srgbClr val="000000"/>
                       </a:solidFill>
@@ -8350,7 +8276,7 @@
                       <a:headEnd type="none" w="med" len="med"/>
                       <a:tailEnd type="none" w="med" len="med"/>
                     </a:lnT>
-                    <a:lnB cmpd="sng" algn="ctr" cap="flat">
+                    <a:lnB cap="flat" cmpd="sng" algn="ctr">
                       <a:solidFill>
                         <a:srgbClr val="000000"/>
                       </a:solidFill>
@@ -8366,7 +8292,7 @@
                 </a:tc>
                 <a:tc>
                   <a:txBody>
-                    <a:bodyPr anchor="t" rtlCol="false"/>
+                    <a:bodyPr/>
                     <a:lstStyle/>
                     <a:p>
                       <a:pPr algn="l">
@@ -8378,13 +8304,13 @@
                             <a:srgbClr val="000000"/>
                           </a:solidFill>
                         </a:rPr>
-                        <a:t>60.50</a:t>
+                        <a:t>7.00</a:t>
                       </a:r>
                       <a:endParaRPr lang="en-US" sz="1100"/>
                     </a:p>
                   </a:txBody>
                   <a:tcPr>
-                    <a:lnL cmpd="sng" algn="ctr" cap="flat">
+                    <a:lnL cap="flat" cmpd="sng" algn="ctr">
                       <a:solidFill>
                         <a:srgbClr val="000000"/>
                       </a:solidFill>
@@ -8393,7 +8319,7 @@
                       <a:headEnd type="none" w="med" len="med"/>
                       <a:tailEnd type="none" w="med" len="med"/>
                     </a:lnL>
-                    <a:lnR cmpd="sng" algn="ctr" cap="flat">
+                    <a:lnR cap="flat" cmpd="sng" algn="ctr">
                       <a:solidFill>
                         <a:srgbClr val="000000"/>
                       </a:solidFill>
@@ -8402,7 +8328,7 @@
                       <a:headEnd type="none" w="med" len="med"/>
                       <a:tailEnd type="none" w="med" len="med"/>
                     </a:lnR>
-                    <a:lnT cmpd="sng" algn="ctr" cap="flat">
+                    <a:lnT cap="flat" cmpd="sng" algn="ctr">
                       <a:solidFill>
                         <a:srgbClr val="000000"/>
                       </a:solidFill>
@@ -8411,7 +8337,7 @@
                       <a:headEnd type="none" w="med" len="med"/>
                       <a:tailEnd type="none" w="med" len="med"/>
                     </a:lnT>
-                    <a:lnB cmpd="sng" algn="ctr" cap="flat">
+                    <a:lnB cap="flat" cmpd="sng" algn="ctr">
                       <a:solidFill>
                         <a:srgbClr val="000000"/>
                       </a:solidFill>
@@ -8427,7 +8353,7 @@
                 </a:tc>
                 <a:tc>
                   <a:txBody>
-                    <a:bodyPr anchor="t" rtlCol="false"/>
+                    <a:bodyPr/>
                     <a:lstStyle/>
                     <a:p>
                       <a:pPr algn="l">
@@ -8439,13 +8365,13 @@
                             <a:srgbClr val="000000"/>
                           </a:solidFill>
                         </a:rPr>
-                        <a:t>88.90</a:t>
+                        <a:t>5.10</a:t>
                       </a:r>
                       <a:endParaRPr lang="en-US" sz="1100"/>
                     </a:p>
                   </a:txBody>
                   <a:tcPr>
-                    <a:lnL cmpd="sng" algn="ctr" cap="flat">
+                    <a:lnL cap="flat" cmpd="sng" algn="ctr">
                       <a:solidFill>
                         <a:srgbClr val="000000"/>
                       </a:solidFill>
@@ -8454,7 +8380,7 @@
                       <a:headEnd type="none" w="med" len="med"/>
                       <a:tailEnd type="none" w="med" len="med"/>
                     </a:lnL>
-                    <a:lnR cmpd="sng" algn="ctr" cap="flat">
+                    <a:lnR cap="flat" cmpd="sng" algn="ctr">
                       <a:solidFill>
                         <a:srgbClr val="000000"/>
                       </a:solidFill>
@@ -8463,7 +8389,7 @@
                       <a:headEnd type="none" w="med" len="med"/>
                       <a:tailEnd type="none" w="med" len="med"/>
                     </a:lnR>
-                    <a:lnT cmpd="sng" algn="ctr" cap="flat">
+                    <a:lnT cap="flat" cmpd="sng" algn="ctr">
                       <a:solidFill>
                         <a:srgbClr val="000000"/>
                       </a:solidFill>
@@ -8472,7 +8398,7 @@
                       <a:headEnd type="none" w="med" len="med"/>
                       <a:tailEnd type="none" w="med" len="med"/>
                     </a:lnT>
-                    <a:lnB cmpd="sng" algn="ctr" cap="flat">
+                    <a:lnB cap="flat" cmpd="sng" algn="ctr">
                       <a:solidFill>
                         <a:srgbClr val="000000"/>
                       </a:solidFill>
@@ -8488,7 +8414,7 @@
                 </a:tc>
                 <a:tc>
                   <a:txBody>
-                    <a:bodyPr anchor="t" rtlCol="false"/>
+                    <a:bodyPr/>
                     <a:lstStyle/>
                     <a:p>
                       <a:pPr algn="l">
@@ -8500,13 +8426,13 @@
                             <a:srgbClr val="000000"/>
                           </a:solidFill>
                         </a:rPr>
-                        <a:t>81.80</a:t>
+                        <a:t>5.60</a:t>
                       </a:r>
                       <a:endParaRPr lang="en-US" sz="1100"/>
                     </a:p>
                   </a:txBody>
                   <a:tcPr>
-                    <a:lnL cmpd="sng" algn="ctr" cap="flat">
+                    <a:lnL cap="flat" cmpd="sng" algn="ctr">
                       <a:solidFill>
                         <a:srgbClr val="000000"/>
                       </a:solidFill>
@@ -8515,7 +8441,7 @@
                       <a:headEnd type="none" w="med" len="med"/>
                       <a:tailEnd type="none" w="med" len="med"/>
                     </a:lnL>
-                    <a:lnR cmpd="sng" algn="ctr" cap="flat">
+                    <a:lnR cap="flat" cmpd="sng" algn="ctr">
                       <a:solidFill>
                         <a:srgbClr val="000000"/>
                       </a:solidFill>
@@ -8524,7 +8450,7 @@
                       <a:headEnd type="none" w="med" len="med"/>
                       <a:tailEnd type="none" w="med" len="med"/>
                     </a:lnR>
-                    <a:lnT cmpd="sng" algn="ctr" cap="flat">
+                    <a:lnT cap="flat" cmpd="sng" algn="ctr">
                       <a:solidFill>
                         <a:srgbClr val="000000"/>
                       </a:solidFill>
@@ -8533,7 +8459,7 @@
                       <a:headEnd type="none" w="med" len="med"/>
                       <a:tailEnd type="none" w="med" len="med"/>
                     </a:lnT>
-                    <a:lnB cmpd="sng" algn="ctr" cap="flat">
+                    <a:lnB cap="flat" cmpd="sng" algn="ctr">
                       <a:solidFill>
                         <a:srgbClr val="000000"/>
                       </a:solidFill>
@@ -8547,11 +8473,16 @@
                     </a:solidFill>
                   </a:tcPr>
                 </a:tc>
+                <a:extLst>
+                  <a:ext uri="{0D108BD9-81ED-4DB2-BD59-A6C34878D82A}">
+                    <a16:rowId xmlns:a16="http://schemas.microsoft.com/office/drawing/2014/main" val="10006"/>
+                  </a:ext>
+                </a:extLst>
               </a:tr>
               <a:tr h="254000">
                 <a:tc>
                   <a:txBody>
-                    <a:bodyPr anchor="t" rtlCol="false"/>
+                    <a:bodyPr/>
                     <a:lstStyle/>
                     <a:p>
                       <a:pPr algn="l">
@@ -8569,7 +8500,7 @@
                     </a:p>
                   </a:txBody>
                   <a:tcPr>
-                    <a:lnL cmpd="sng" algn="ctr" cap="flat">
+                    <a:lnL cap="flat" cmpd="sng" algn="ctr">
                       <a:solidFill>
                         <a:srgbClr val="000000"/>
                       </a:solidFill>
@@ -8578,7 +8509,7 @@
                       <a:headEnd type="none" w="med" len="med"/>
                       <a:tailEnd type="none" w="med" len="med"/>
                     </a:lnL>
-                    <a:lnR cmpd="sng" algn="ctr" cap="flat">
+                    <a:lnR cap="flat" cmpd="sng" algn="ctr">
                       <a:solidFill>
                         <a:srgbClr val="000000"/>
                       </a:solidFill>
@@ -8587,7 +8518,7 @@
                       <a:headEnd type="none" w="med" len="med"/>
                       <a:tailEnd type="none" w="med" len="med"/>
                     </a:lnR>
-                    <a:lnT cmpd="sng" algn="ctr" cap="flat">
+                    <a:lnT cap="flat" cmpd="sng" algn="ctr">
                       <a:solidFill>
                         <a:srgbClr val="000000"/>
                       </a:solidFill>
@@ -8596,7 +8527,7 @@
                       <a:headEnd type="none" w="med" len="med"/>
                       <a:tailEnd type="none" w="med" len="med"/>
                     </a:lnT>
-                    <a:lnB cmpd="sng" algn="ctr" cap="flat">
+                    <a:lnB cap="flat" cmpd="sng" algn="ctr">
                       <a:solidFill>
                         <a:srgbClr val="000000"/>
                       </a:solidFill>
@@ -8612,7 +8543,7 @@
                 </a:tc>
                 <a:tc>
                   <a:txBody>
-                    <a:bodyPr anchor="t" rtlCol="false"/>
+                    <a:bodyPr/>
                     <a:lstStyle/>
                     <a:p>
                       <a:pPr algn="l">
@@ -8624,13 +8555,13 @@
                             <a:srgbClr val="000000"/>
                           </a:solidFill>
                         </a:rPr>
-                        <a:t>40.0</a:t>
+                        <a:t>573940.0</a:t>
                       </a:r>
                       <a:endParaRPr lang="en-US" sz="1100"/>
                     </a:p>
                   </a:txBody>
                   <a:tcPr>
-                    <a:lnL cmpd="sng" algn="ctr" cap="flat">
+                    <a:lnL cap="flat" cmpd="sng" algn="ctr">
                       <a:solidFill>
                         <a:srgbClr val="000000"/>
                       </a:solidFill>
@@ -8639,7 +8570,7 @@
                       <a:headEnd type="none" w="med" len="med"/>
                       <a:tailEnd type="none" w="med" len="med"/>
                     </a:lnL>
-                    <a:lnR cmpd="sng" algn="ctr" cap="flat">
+                    <a:lnR cap="flat" cmpd="sng" algn="ctr">
                       <a:solidFill>
                         <a:srgbClr val="000000"/>
                       </a:solidFill>
@@ -8648,7 +8579,7 @@
                       <a:headEnd type="none" w="med" len="med"/>
                       <a:tailEnd type="none" w="med" len="med"/>
                     </a:lnR>
-                    <a:lnT cmpd="sng" algn="ctr" cap="flat">
+                    <a:lnT cap="flat" cmpd="sng" algn="ctr">
                       <a:solidFill>
                         <a:srgbClr val="000000"/>
                       </a:solidFill>
@@ -8657,7 +8588,7 @@
                       <a:headEnd type="none" w="med" len="med"/>
                       <a:tailEnd type="none" w="med" len="med"/>
                     </a:lnT>
-                    <a:lnB cmpd="sng" algn="ctr" cap="flat">
+                    <a:lnB cap="flat" cmpd="sng" algn="ctr">
                       <a:solidFill>
                         <a:srgbClr val="000000"/>
                       </a:solidFill>
@@ -8673,7 +8604,7 @@
                 </a:tc>
                 <a:tc>
                   <a:txBody>
-                    <a:bodyPr anchor="t" rtlCol="false"/>
+                    <a:bodyPr/>
                     <a:lstStyle/>
                     <a:p>
                       <a:pPr algn="l">
@@ -8691,7 +8622,7 @@
                     </a:p>
                   </a:txBody>
                   <a:tcPr>
-                    <a:lnL cmpd="sng" algn="ctr" cap="flat">
+                    <a:lnL cap="flat" cmpd="sng" algn="ctr">
                       <a:solidFill>
                         <a:srgbClr val="000000"/>
                       </a:solidFill>
@@ -8700,7 +8631,7 @@
                       <a:headEnd type="none" w="med" len="med"/>
                       <a:tailEnd type="none" w="med" len="med"/>
                     </a:lnL>
-                    <a:lnR cmpd="sng" algn="ctr" cap="flat">
+                    <a:lnR cap="flat" cmpd="sng" algn="ctr">
                       <a:solidFill>
                         <a:srgbClr val="000000"/>
                       </a:solidFill>
@@ -8709,7 +8640,7 @@
                       <a:headEnd type="none" w="med" len="med"/>
                       <a:tailEnd type="none" w="med" len="med"/>
                     </a:lnR>
-                    <a:lnT cmpd="sng" algn="ctr" cap="flat">
+                    <a:lnT cap="flat" cmpd="sng" algn="ctr">
                       <a:solidFill>
                         <a:srgbClr val="000000"/>
                       </a:solidFill>
@@ -8718,7 +8649,7 @@
                       <a:headEnd type="none" w="med" len="med"/>
                       <a:tailEnd type="none" w="med" len="med"/>
                     </a:lnT>
-                    <a:lnB cmpd="sng" algn="ctr" cap="flat">
+                    <a:lnB cap="flat" cmpd="sng" algn="ctr">
                       <a:solidFill>
                         <a:srgbClr val="000000"/>
                       </a:solidFill>
@@ -8734,7 +8665,7 @@
                 </a:tc>
                 <a:tc>
                   <a:txBody>
-                    <a:bodyPr anchor="t" rtlCol="false"/>
+                    <a:bodyPr/>
                     <a:lstStyle/>
                     <a:p>
                       <a:pPr algn="l">
@@ -8746,13 +8677,13 @@
                             <a:srgbClr val="000000"/>
                           </a:solidFill>
                         </a:rPr>
-                        <a:t>86.30</a:t>
+                        <a:t>638.20</a:t>
                       </a:r>
                       <a:endParaRPr lang="en-US" sz="1100"/>
                     </a:p>
                   </a:txBody>
                   <a:tcPr>
-                    <a:lnL cmpd="sng" algn="ctr" cap="flat">
+                    <a:lnL cap="flat" cmpd="sng" algn="ctr">
                       <a:solidFill>
                         <a:srgbClr val="000000"/>
                       </a:solidFill>
@@ -8761,7 +8692,7 @@
                       <a:headEnd type="none" w="med" len="med"/>
                       <a:tailEnd type="none" w="med" len="med"/>
                     </a:lnL>
-                    <a:lnR cmpd="sng" algn="ctr" cap="flat">
+                    <a:lnR cap="flat" cmpd="sng" algn="ctr">
                       <a:solidFill>
                         <a:srgbClr val="000000"/>
                       </a:solidFill>
@@ -8770,7 +8701,7 @@
                       <a:headEnd type="none" w="med" len="med"/>
                       <a:tailEnd type="none" w="med" len="med"/>
                     </a:lnR>
-                    <a:lnT cmpd="sng" algn="ctr" cap="flat">
+                    <a:lnT cap="flat" cmpd="sng" algn="ctr">
                       <a:solidFill>
                         <a:srgbClr val="000000"/>
                       </a:solidFill>
@@ -8779,7 +8710,7 @@
                       <a:headEnd type="none" w="med" len="med"/>
                       <a:tailEnd type="none" w="med" len="med"/>
                     </a:lnT>
-                    <a:lnB cmpd="sng" algn="ctr" cap="flat">
+                    <a:lnB cap="flat" cmpd="sng" algn="ctr">
                       <a:solidFill>
                         <a:srgbClr val="000000"/>
                       </a:solidFill>
@@ -8795,7 +8726,7 @@
                 </a:tc>
                 <a:tc>
                   <a:txBody>
-                    <a:bodyPr anchor="t" rtlCol="false"/>
+                    <a:bodyPr/>
                     <a:lstStyle/>
                     <a:p>
                       <a:pPr algn="l">
@@ -8807,13 +8738,13 @@
                             <a:srgbClr val="000000"/>
                           </a:solidFill>
                         </a:rPr>
-                        <a:t>7.50</a:t>
+                        <a:t>1.70</a:t>
                       </a:r>
                       <a:endParaRPr lang="en-US" sz="1100"/>
                     </a:p>
                   </a:txBody>
                   <a:tcPr>
-                    <a:lnL cmpd="sng" algn="ctr" cap="flat">
+                    <a:lnL cap="flat" cmpd="sng" algn="ctr">
                       <a:solidFill>
                         <a:srgbClr val="000000"/>
                       </a:solidFill>
@@ -8822,7 +8753,7 @@
                       <a:headEnd type="none" w="med" len="med"/>
                       <a:tailEnd type="none" w="med" len="med"/>
                     </a:lnL>
-                    <a:lnR cmpd="sng" algn="ctr" cap="flat">
+                    <a:lnR cap="flat" cmpd="sng" algn="ctr">
                       <a:solidFill>
                         <a:srgbClr val="000000"/>
                       </a:solidFill>
@@ -8831,7 +8762,7 @@
                       <a:headEnd type="none" w="med" len="med"/>
                       <a:tailEnd type="none" w="med" len="med"/>
                     </a:lnR>
-                    <a:lnT cmpd="sng" algn="ctr" cap="flat">
+                    <a:lnT cap="flat" cmpd="sng" algn="ctr">
                       <a:solidFill>
                         <a:srgbClr val="000000"/>
                       </a:solidFill>
@@ -8840,7 +8771,7 @@
                       <a:headEnd type="none" w="med" len="med"/>
                       <a:tailEnd type="none" w="med" len="med"/>
                     </a:lnT>
-                    <a:lnB cmpd="sng" algn="ctr" cap="flat">
+                    <a:lnB cap="flat" cmpd="sng" algn="ctr">
                       <a:solidFill>
                         <a:srgbClr val="000000"/>
                       </a:solidFill>
@@ -8856,7 +8787,7 @@
                 </a:tc>
                 <a:tc>
                   <a:txBody>
-                    <a:bodyPr anchor="t" rtlCol="false"/>
+                    <a:bodyPr/>
                     <a:lstStyle/>
                     <a:p>
                       <a:pPr algn="l">
@@ -8868,13 +8799,13 @@
                             <a:srgbClr val="000000"/>
                           </a:solidFill>
                         </a:rPr>
-                        <a:t>13.00</a:t>
+                        <a:t>1.50</a:t>
                       </a:r>
                       <a:endParaRPr lang="en-US" sz="1100"/>
                     </a:p>
                   </a:txBody>
                   <a:tcPr>
-                    <a:lnL cmpd="sng" algn="ctr" cap="flat">
+                    <a:lnL cap="flat" cmpd="sng" algn="ctr">
                       <a:solidFill>
                         <a:srgbClr val="000000"/>
                       </a:solidFill>
@@ -8883,7 +8814,7 @@
                       <a:headEnd type="none" w="med" len="med"/>
                       <a:tailEnd type="none" w="med" len="med"/>
                     </a:lnL>
-                    <a:lnR cmpd="sng" algn="ctr" cap="flat">
+                    <a:lnR cap="flat" cmpd="sng" algn="ctr">
                       <a:solidFill>
                         <a:srgbClr val="000000"/>
                       </a:solidFill>
@@ -8892,7 +8823,7 @@
                       <a:headEnd type="none" w="med" len="med"/>
                       <a:tailEnd type="none" w="med" len="med"/>
                     </a:lnR>
-                    <a:lnT cmpd="sng" algn="ctr" cap="flat">
+                    <a:lnT cap="flat" cmpd="sng" algn="ctr">
                       <a:solidFill>
                         <a:srgbClr val="000000"/>
                       </a:solidFill>
@@ -8901,7 +8832,7 @@
                       <a:headEnd type="none" w="med" len="med"/>
                       <a:tailEnd type="none" w="med" len="med"/>
                     </a:lnT>
-                    <a:lnB cmpd="sng" algn="ctr" cap="flat">
+                    <a:lnB cap="flat" cmpd="sng" algn="ctr">
                       <a:solidFill>
                         <a:srgbClr val="000000"/>
                       </a:solidFill>
@@ -8917,7 +8848,7 @@
                 </a:tc>
                 <a:tc>
                   <a:txBody>
-                    <a:bodyPr anchor="t" rtlCol="false"/>
+                    <a:bodyPr/>
                     <a:lstStyle/>
                     <a:p>
                       <a:pPr algn="l">
@@ -8929,13 +8860,13 @@
                             <a:srgbClr val="000000"/>
                           </a:solidFill>
                         </a:rPr>
-                        <a:t>11.60</a:t>
+                        <a:t>1.60</a:t>
                       </a:r>
                       <a:endParaRPr lang="en-US" sz="1100"/>
                     </a:p>
                   </a:txBody>
                   <a:tcPr>
-                    <a:lnL cmpd="sng" algn="ctr" cap="flat">
+                    <a:lnL cap="flat" cmpd="sng" algn="ctr">
                       <a:solidFill>
                         <a:srgbClr val="000000"/>
                       </a:solidFill>
@@ -8944,7 +8875,7 @@
                       <a:headEnd type="none" w="med" len="med"/>
                       <a:tailEnd type="none" w="med" len="med"/>
                     </a:lnL>
-                    <a:lnR cmpd="sng" algn="ctr" cap="flat">
+                    <a:lnR cap="flat" cmpd="sng" algn="ctr">
                       <a:solidFill>
                         <a:srgbClr val="000000"/>
                       </a:solidFill>
@@ -8953,7 +8884,7 @@
                       <a:headEnd type="none" w="med" len="med"/>
                       <a:tailEnd type="none" w="med" len="med"/>
                     </a:lnR>
-                    <a:lnT cmpd="sng" algn="ctr" cap="flat">
+                    <a:lnT cap="flat" cmpd="sng" algn="ctr">
                       <a:solidFill>
                         <a:srgbClr val="000000"/>
                       </a:solidFill>
@@ -8962,7 +8893,7 @@
                       <a:headEnd type="none" w="med" len="med"/>
                       <a:tailEnd type="none" w="med" len="med"/>
                     </a:lnT>
-                    <a:lnB cmpd="sng" algn="ctr" cap="flat">
+                    <a:lnB cap="flat" cmpd="sng" algn="ctr">
                       <a:solidFill>
                         <a:srgbClr val="000000"/>
                       </a:solidFill>
@@ -8976,11 +8907,16 @@
                     </a:solidFill>
                   </a:tcPr>
                 </a:tc>
+                <a:extLst>
+                  <a:ext uri="{0D108BD9-81ED-4DB2-BD59-A6C34878D82A}">
+                    <a16:rowId xmlns:a16="http://schemas.microsoft.com/office/drawing/2014/main" val="10007"/>
+                  </a:ext>
+                </a:extLst>
               </a:tr>
               <a:tr h="254000">
                 <a:tc>
                   <a:txBody>
-                    <a:bodyPr anchor="t" rtlCol="false"/>
+                    <a:bodyPr/>
                     <a:lstStyle/>
                     <a:p>
                       <a:pPr algn="l">
@@ -8998,7 +8934,7 @@
                     </a:p>
                   </a:txBody>
                   <a:tcPr>
-                    <a:lnL cmpd="sng" algn="ctr" cap="flat">
+                    <a:lnL cap="flat" cmpd="sng" algn="ctr">
                       <a:solidFill>
                         <a:srgbClr val="000000"/>
                       </a:solidFill>
@@ -9007,7 +8943,7 @@
                       <a:headEnd type="none" w="med" len="med"/>
                       <a:tailEnd type="none" w="med" len="med"/>
                     </a:lnL>
-                    <a:lnR cmpd="sng" algn="ctr" cap="flat">
+                    <a:lnR cap="flat" cmpd="sng" algn="ctr">
                       <a:solidFill>
                         <a:srgbClr val="000000"/>
                       </a:solidFill>
@@ -9016,7 +8952,7 @@
                       <a:headEnd type="none" w="med" len="med"/>
                       <a:tailEnd type="none" w="med" len="med"/>
                     </a:lnR>
-                    <a:lnT cmpd="sng" algn="ctr" cap="flat">
+                    <a:lnT cap="flat" cmpd="sng" algn="ctr">
                       <a:solidFill>
                         <a:srgbClr val="000000"/>
                       </a:solidFill>
@@ -9025,7 +8961,7 @@
                       <a:headEnd type="none" w="med" len="med"/>
                       <a:tailEnd type="none" w="med" len="med"/>
                     </a:lnT>
-                    <a:lnB cmpd="sng" algn="ctr" cap="flat">
+                    <a:lnB cap="flat" cmpd="sng" algn="ctr">
                       <a:solidFill>
                         <a:srgbClr val="000000"/>
                       </a:solidFill>
@@ -9041,7 +8977,7 @@
                 </a:tc>
                 <a:tc>
                   <a:txBody>
-                    <a:bodyPr anchor="t" rtlCol="false"/>
+                    <a:bodyPr/>
                     <a:lstStyle/>
                     <a:p>
                       <a:pPr algn="l">
@@ -9053,13 +8989,13 @@
                             <a:srgbClr val="000000"/>
                           </a:solidFill>
                         </a:rPr>
-                        <a:t>56.0</a:t>
+                        <a:t>604440.0</a:t>
                       </a:r>
                       <a:endParaRPr lang="en-US" sz="1100"/>
                     </a:p>
                   </a:txBody>
                   <a:tcPr>
-                    <a:lnL cmpd="sng" algn="ctr" cap="flat">
+                    <a:lnL cap="flat" cmpd="sng" algn="ctr">
                       <a:solidFill>
                         <a:srgbClr val="000000"/>
                       </a:solidFill>
@@ -9068,7 +9004,7 @@
                       <a:headEnd type="none" w="med" len="med"/>
                       <a:tailEnd type="none" w="med" len="med"/>
                     </a:lnL>
-                    <a:lnR cmpd="sng" algn="ctr" cap="flat">
+                    <a:lnR cap="flat" cmpd="sng" algn="ctr">
                       <a:solidFill>
                         <a:srgbClr val="000000"/>
                       </a:solidFill>
@@ -9077,7 +9013,7 @@
                       <a:headEnd type="none" w="med" len="med"/>
                       <a:tailEnd type="none" w="med" len="med"/>
                     </a:lnR>
-                    <a:lnT cmpd="sng" algn="ctr" cap="flat">
+                    <a:lnT cap="flat" cmpd="sng" algn="ctr">
                       <a:solidFill>
                         <a:srgbClr val="000000"/>
                       </a:solidFill>
@@ -9086,7 +9022,7 @@
                       <a:headEnd type="none" w="med" len="med"/>
                       <a:tailEnd type="none" w="med" len="med"/>
                     </a:lnT>
-                    <a:lnB cmpd="sng" algn="ctr" cap="flat">
+                    <a:lnB cap="flat" cmpd="sng" algn="ctr">
                       <a:solidFill>
                         <a:srgbClr val="000000"/>
                       </a:solidFill>
@@ -9102,7 +9038,7 @@
                 </a:tc>
                 <a:tc>
                   <a:txBody>
-                    <a:bodyPr anchor="t" rtlCol="false"/>
+                    <a:bodyPr/>
                     <a:lstStyle/>
                     <a:p>
                       <a:pPr algn="l">
@@ -9120,7 +9056,7 @@
                     </a:p>
                   </a:txBody>
                   <a:tcPr>
-                    <a:lnL cmpd="sng" algn="ctr" cap="flat">
+                    <a:lnL cap="flat" cmpd="sng" algn="ctr">
                       <a:solidFill>
                         <a:srgbClr val="000000"/>
                       </a:solidFill>
@@ -9129,7 +9065,7 @@
                       <a:headEnd type="none" w="med" len="med"/>
                       <a:tailEnd type="none" w="med" len="med"/>
                     </a:lnL>
-                    <a:lnR cmpd="sng" algn="ctr" cap="flat">
+                    <a:lnR cap="flat" cmpd="sng" algn="ctr">
                       <a:solidFill>
                         <a:srgbClr val="000000"/>
                       </a:solidFill>
@@ -9138,7 +9074,7 @@
                       <a:headEnd type="none" w="med" len="med"/>
                       <a:tailEnd type="none" w="med" len="med"/>
                     </a:lnR>
-                    <a:lnT cmpd="sng" algn="ctr" cap="flat">
+                    <a:lnT cap="flat" cmpd="sng" algn="ctr">
                       <a:solidFill>
                         <a:srgbClr val="000000"/>
                       </a:solidFill>
@@ -9147,7 +9083,7 @@
                       <a:headEnd type="none" w="med" len="med"/>
                       <a:tailEnd type="none" w="med" len="med"/>
                     </a:lnT>
-                    <a:lnB cmpd="sng" algn="ctr" cap="flat">
+                    <a:lnB cap="flat" cmpd="sng" algn="ctr">
                       <a:solidFill>
                         <a:srgbClr val="000000"/>
                       </a:solidFill>
@@ -9163,7 +9099,7 @@
                 </a:tc>
                 <a:tc>
                   <a:txBody>
-                    <a:bodyPr anchor="t" rtlCol="false"/>
+                    <a:bodyPr/>
                     <a:lstStyle/>
                     <a:p>
                       <a:pPr algn="l">
@@ -9175,13 +9111,13 @@
                             <a:srgbClr val="000000"/>
                           </a:solidFill>
                         </a:rPr>
-                        <a:t>91.40</a:t>
+                        <a:t>672.00</a:t>
                       </a:r>
                       <a:endParaRPr lang="en-US" sz="1100"/>
                     </a:p>
                   </a:txBody>
                   <a:tcPr>
-                    <a:lnL cmpd="sng" algn="ctr" cap="flat">
+                    <a:lnL cap="flat" cmpd="sng" algn="ctr">
                       <a:solidFill>
                         <a:srgbClr val="000000"/>
                       </a:solidFill>
@@ -9190,7 +9126,7 @@
                       <a:headEnd type="none" w="med" len="med"/>
                       <a:tailEnd type="none" w="med" len="med"/>
                     </a:lnL>
-                    <a:lnR cmpd="sng" algn="ctr" cap="flat">
+                    <a:lnR cap="flat" cmpd="sng" algn="ctr">
                       <a:solidFill>
                         <a:srgbClr val="000000"/>
                       </a:solidFill>
@@ -9199,7 +9135,7 @@
                       <a:headEnd type="none" w="med" len="med"/>
                       <a:tailEnd type="none" w="med" len="med"/>
                     </a:lnR>
-                    <a:lnT cmpd="sng" algn="ctr" cap="flat">
+                    <a:lnT cap="flat" cmpd="sng" algn="ctr">
                       <a:solidFill>
                         <a:srgbClr val="000000"/>
                       </a:solidFill>
@@ -9208,7 +9144,7 @@
                       <a:headEnd type="none" w="med" len="med"/>
                       <a:tailEnd type="none" w="med" len="med"/>
                     </a:lnT>
-                    <a:lnB cmpd="sng" algn="ctr" cap="flat">
+                    <a:lnB cap="flat" cmpd="sng" algn="ctr">
                       <a:solidFill>
                         <a:srgbClr val="000000"/>
                       </a:solidFill>
@@ -9224,7 +9160,7 @@
                 </a:tc>
                 <a:tc>
                   <a:txBody>
-                    <a:bodyPr anchor="t" rtlCol="false"/>
+                    <a:bodyPr/>
                     <a:lstStyle/>
                     <a:p>
                       <a:pPr algn="l">
@@ -9236,13 +9172,13 @@
                             <a:srgbClr val="000000"/>
                           </a:solidFill>
                         </a:rPr>
-                        <a:t>9.80</a:t>
+                        <a:t>1.60</a:t>
                       </a:r>
                       <a:endParaRPr lang="en-US" sz="1100"/>
                     </a:p>
                   </a:txBody>
                   <a:tcPr>
-                    <a:lnL cmpd="sng" algn="ctr" cap="flat">
+                    <a:lnL cap="flat" cmpd="sng" algn="ctr">
                       <a:solidFill>
                         <a:srgbClr val="000000"/>
                       </a:solidFill>
@@ -9251,7 +9187,7 @@
                       <a:headEnd type="none" w="med" len="med"/>
                       <a:tailEnd type="none" w="med" len="med"/>
                     </a:lnL>
-                    <a:lnR cmpd="sng" algn="ctr" cap="flat">
+                    <a:lnR cap="flat" cmpd="sng" algn="ctr">
                       <a:solidFill>
                         <a:srgbClr val="000000"/>
                       </a:solidFill>
@@ -9260,7 +9196,7 @@
                       <a:headEnd type="none" w="med" len="med"/>
                       <a:tailEnd type="none" w="med" len="med"/>
                     </a:lnR>
-                    <a:lnT cmpd="sng" algn="ctr" cap="flat">
+                    <a:lnT cap="flat" cmpd="sng" algn="ctr">
                       <a:solidFill>
                         <a:srgbClr val="000000"/>
                       </a:solidFill>
@@ -9269,7 +9205,7 @@
                       <a:headEnd type="none" w="med" len="med"/>
                       <a:tailEnd type="none" w="med" len="med"/>
                     </a:lnT>
-                    <a:lnB cmpd="sng" algn="ctr" cap="flat">
+                    <a:lnB cap="flat" cmpd="sng" algn="ctr">
                       <a:solidFill>
                         <a:srgbClr val="000000"/>
                       </a:solidFill>
@@ -9285,7 +9221,7 @@
                 </a:tc>
                 <a:tc>
                   <a:txBody>
-                    <a:bodyPr anchor="t" rtlCol="false"/>
+                    <a:bodyPr/>
                     <a:lstStyle/>
                     <a:p>
                       <a:pPr algn="l">
@@ -9297,13 +9233,13 @@
                             <a:srgbClr val="000000"/>
                           </a:solidFill>
                         </a:rPr>
-                        <a:t>11.30</a:t>
+                        <a:t>1.50</a:t>
                       </a:r>
                       <a:endParaRPr lang="en-US" sz="1100"/>
                     </a:p>
                   </a:txBody>
                   <a:tcPr>
-                    <a:lnL cmpd="sng" algn="ctr" cap="flat">
+                    <a:lnL cap="flat" cmpd="sng" algn="ctr">
                       <a:solidFill>
                         <a:srgbClr val="000000"/>
                       </a:solidFill>
@@ -9312,7 +9248,7 @@
                       <a:headEnd type="none" w="med" len="med"/>
                       <a:tailEnd type="none" w="med" len="med"/>
                     </a:lnL>
-                    <a:lnR cmpd="sng" algn="ctr" cap="flat">
+                    <a:lnR cap="flat" cmpd="sng" algn="ctr">
                       <a:solidFill>
                         <a:srgbClr val="000000"/>
                       </a:solidFill>
@@ -9321,7 +9257,7 @@
                       <a:headEnd type="none" w="med" len="med"/>
                       <a:tailEnd type="none" w="med" len="med"/>
                     </a:lnR>
-                    <a:lnT cmpd="sng" algn="ctr" cap="flat">
+                    <a:lnT cap="flat" cmpd="sng" algn="ctr">
                       <a:solidFill>
                         <a:srgbClr val="000000"/>
                       </a:solidFill>
@@ -9330,7 +9266,7 @@
                       <a:headEnd type="none" w="med" len="med"/>
                       <a:tailEnd type="none" w="med" len="med"/>
                     </a:lnT>
-                    <a:lnB cmpd="sng" algn="ctr" cap="flat">
+                    <a:lnB cap="flat" cmpd="sng" algn="ctr">
                       <a:solidFill>
                         <a:srgbClr val="000000"/>
                       </a:solidFill>
@@ -9346,7 +9282,7 @@
                 </a:tc>
                 <a:tc>
                   <a:txBody>
-                    <a:bodyPr anchor="t" rtlCol="false"/>
+                    <a:bodyPr/>
                     <a:lstStyle/>
                     <a:p>
                       <a:pPr algn="l">
@@ -9358,13 +9294,13 @@
                             <a:srgbClr val="000000"/>
                           </a:solidFill>
                         </a:rPr>
-                        <a:t>10.90</a:t>
+                        <a:t>1.50</a:t>
                       </a:r>
                       <a:endParaRPr lang="en-US" sz="1100"/>
                     </a:p>
                   </a:txBody>
                   <a:tcPr>
-                    <a:lnL cmpd="sng" algn="ctr" cap="flat">
+                    <a:lnL cap="flat" cmpd="sng" algn="ctr">
                       <a:solidFill>
                         <a:srgbClr val="000000"/>
                       </a:solidFill>
@@ -9373,7 +9309,7 @@
                       <a:headEnd type="none" w="med" len="med"/>
                       <a:tailEnd type="none" w="med" len="med"/>
                     </a:lnL>
-                    <a:lnR cmpd="sng" algn="ctr" cap="flat">
+                    <a:lnR cap="flat" cmpd="sng" algn="ctr">
                       <a:solidFill>
                         <a:srgbClr val="000000"/>
                       </a:solidFill>
@@ -9382,7 +9318,7 @@
                       <a:headEnd type="none" w="med" len="med"/>
                       <a:tailEnd type="none" w="med" len="med"/>
                     </a:lnR>
-                    <a:lnT cmpd="sng" algn="ctr" cap="flat">
+                    <a:lnT cap="flat" cmpd="sng" algn="ctr">
                       <a:solidFill>
                         <a:srgbClr val="000000"/>
                       </a:solidFill>
@@ -9391,7 +9327,7 @@
                       <a:headEnd type="none" w="med" len="med"/>
                       <a:tailEnd type="none" w="med" len="med"/>
                     </a:lnT>
-                    <a:lnB cmpd="sng" algn="ctr" cap="flat">
+                    <a:lnB cap="flat" cmpd="sng" algn="ctr">
                       <a:solidFill>
                         <a:srgbClr val="000000"/>
                       </a:solidFill>
@@ -9405,11 +9341,16 @@
                     </a:solidFill>
                   </a:tcPr>
                 </a:tc>
+                <a:extLst>
+                  <a:ext uri="{0D108BD9-81ED-4DB2-BD59-A6C34878D82A}">
+                    <a16:rowId xmlns:a16="http://schemas.microsoft.com/office/drawing/2014/main" val="10008"/>
+                  </a:ext>
+                </a:extLst>
               </a:tr>
               <a:tr h="254000">
                 <a:tc>
                   <a:txBody>
-                    <a:bodyPr anchor="t" rtlCol="false"/>
+                    <a:bodyPr/>
                     <a:lstStyle/>
                     <a:p>
                       <a:pPr algn="l">
@@ -9427,7 +9368,7 @@
                     </a:p>
                   </a:txBody>
                   <a:tcPr>
-                    <a:lnL cmpd="sng" algn="ctr" cap="flat">
+                    <a:lnL cap="flat" cmpd="sng" algn="ctr">
                       <a:solidFill>
                         <a:srgbClr val="000000"/>
                       </a:solidFill>
@@ -9436,7 +9377,7 @@
                       <a:headEnd type="none" w="med" len="med"/>
                       <a:tailEnd type="none" w="med" len="med"/>
                     </a:lnL>
-                    <a:lnR cmpd="sng" algn="ctr" cap="flat">
+                    <a:lnR cap="flat" cmpd="sng" algn="ctr">
                       <a:solidFill>
                         <a:srgbClr val="000000"/>
                       </a:solidFill>
@@ -9445,7 +9386,7 @@
                       <a:headEnd type="none" w="med" len="med"/>
                       <a:tailEnd type="none" w="med" len="med"/>
                     </a:lnR>
-                    <a:lnT cmpd="sng" algn="ctr" cap="flat">
+                    <a:lnT cap="flat" cmpd="sng" algn="ctr">
                       <a:solidFill>
                         <a:srgbClr val="000000"/>
                       </a:solidFill>
@@ -9454,7 +9395,7 @@
                       <a:headEnd type="none" w="med" len="med"/>
                       <a:tailEnd type="none" w="med" len="med"/>
                     </a:lnT>
-                    <a:lnB cmpd="sng" algn="ctr" cap="flat">
+                    <a:lnB cap="flat" cmpd="sng" algn="ctr">
                       <a:solidFill>
                         <a:srgbClr val="000000"/>
                       </a:solidFill>
@@ -9470,7 +9411,7 @@
                 </a:tc>
                 <a:tc>
                   <a:txBody>
-                    <a:bodyPr anchor="t" rtlCol="false"/>
+                    <a:bodyPr/>
                     <a:lstStyle/>
                     <a:p>
                       <a:pPr algn="l">
@@ -9482,13 +9423,13 @@
                             <a:srgbClr val="000000"/>
                           </a:solidFill>
                         </a:rPr>
-                        <a:t>40.0</a:t>
+                        <a:t>935356.0</a:t>
                       </a:r>
                       <a:endParaRPr lang="en-US" sz="1100"/>
                     </a:p>
                   </a:txBody>
                   <a:tcPr>
-                    <a:lnL cmpd="sng" algn="ctr" cap="flat">
+                    <a:lnL cap="flat" cmpd="sng" algn="ctr">
                       <a:solidFill>
                         <a:srgbClr val="000000"/>
                       </a:solidFill>
@@ -9497,7 +9438,7 @@
                       <a:headEnd type="none" w="med" len="med"/>
                       <a:tailEnd type="none" w="med" len="med"/>
                     </a:lnL>
-                    <a:lnR cmpd="sng" algn="ctr" cap="flat">
+                    <a:lnR cap="flat" cmpd="sng" algn="ctr">
                       <a:solidFill>
                         <a:srgbClr val="000000"/>
                       </a:solidFill>
@@ -9506,7 +9447,7 @@
                       <a:headEnd type="none" w="med" len="med"/>
                       <a:tailEnd type="none" w="med" len="med"/>
                     </a:lnR>
-                    <a:lnT cmpd="sng" algn="ctr" cap="flat">
+                    <a:lnT cap="flat" cmpd="sng" algn="ctr">
                       <a:solidFill>
                         <a:srgbClr val="000000"/>
                       </a:solidFill>
@@ -9515,7 +9456,7 @@
                       <a:headEnd type="none" w="med" len="med"/>
                       <a:tailEnd type="none" w="med" len="med"/>
                     </a:lnT>
-                    <a:lnB cmpd="sng" algn="ctr" cap="flat">
+                    <a:lnB cap="flat" cmpd="sng" algn="ctr">
                       <a:solidFill>
                         <a:srgbClr val="000000"/>
                       </a:solidFill>
@@ -9531,7 +9472,7 @@
                 </a:tc>
                 <a:tc>
                   <a:txBody>
-                    <a:bodyPr anchor="t" rtlCol="false"/>
+                    <a:bodyPr/>
                     <a:lstStyle/>
                     <a:p>
                       <a:pPr algn="l">
@@ -9549,7 +9490,7 @@
                     </a:p>
                   </a:txBody>
                   <a:tcPr>
-                    <a:lnL cmpd="sng" algn="ctr" cap="flat">
+                    <a:lnL cap="flat" cmpd="sng" algn="ctr">
                       <a:solidFill>
                         <a:srgbClr val="000000"/>
                       </a:solidFill>
@@ -9558,7 +9499,7 @@
                       <a:headEnd type="none" w="med" len="med"/>
                       <a:tailEnd type="none" w="med" len="med"/>
                     </a:lnL>
-                    <a:lnR cmpd="sng" algn="ctr" cap="flat">
+                    <a:lnR cap="flat" cmpd="sng" algn="ctr">
                       <a:solidFill>
                         <a:srgbClr val="000000"/>
                       </a:solidFill>
@@ -9567,7 +9508,7 @@
                       <a:headEnd type="none" w="med" len="med"/>
                       <a:tailEnd type="none" w="med" len="med"/>
                     </a:lnR>
-                    <a:lnT cmpd="sng" algn="ctr" cap="flat">
+                    <a:lnT cap="flat" cmpd="sng" algn="ctr">
                       <a:solidFill>
                         <a:srgbClr val="000000"/>
                       </a:solidFill>
@@ -9576,7 +9517,7 @@
                       <a:headEnd type="none" w="med" len="med"/>
                       <a:tailEnd type="none" w="med" len="med"/>
                     </a:lnT>
-                    <a:lnB cmpd="sng" algn="ctr" cap="flat">
+                    <a:lnB cap="flat" cmpd="sng" algn="ctr">
                       <a:solidFill>
                         <a:srgbClr val="000000"/>
                       </a:solidFill>
@@ -9592,7 +9533,7 @@
                 </a:tc>
                 <a:tc>
                   <a:txBody>
-                    <a:bodyPr anchor="t" rtlCol="false"/>
+                    <a:bodyPr/>
                     <a:lstStyle/>
                     <a:p>
                       <a:pPr algn="l">
@@ -9604,13 +9545,13 @@
                             <a:srgbClr val="000000"/>
                           </a:solidFill>
                         </a:rPr>
-                        <a:t>25.60</a:t>
+                        <a:t>519.90</a:t>
                       </a:r>
                       <a:endParaRPr lang="en-US" sz="1100"/>
                     </a:p>
                   </a:txBody>
                   <a:tcPr>
-                    <a:lnL cmpd="sng" algn="ctr" cap="flat">
+                    <a:lnL cap="flat" cmpd="sng" algn="ctr">
                       <a:solidFill>
                         <a:srgbClr val="000000"/>
                       </a:solidFill>
@@ -9619,7 +9560,7 @@
                       <a:headEnd type="none" w="med" len="med"/>
                       <a:tailEnd type="none" w="med" len="med"/>
                     </a:lnL>
-                    <a:lnR cmpd="sng" algn="ctr" cap="flat">
+                    <a:lnR cap="flat" cmpd="sng" algn="ctr">
                       <a:solidFill>
                         <a:srgbClr val="000000"/>
                       </a:solidFill>
@@ -9628,7 +9569,7 @@
                       <a:headEnd type="none" w="med" len="med"/>
                       <a:tailEnd type="none" w="med" len="med"/>
                     </a:lnR>
-                    <a:lnT cmpd="sng" algn="ctr" cap="flat">
+                    <a:lnT cap="flat" cmpd="sng" algn="ctr">
                       <a:solidFill>
                         <a:srgbClr val="000000"/>
                       </a:solidFill>
@@ -9637,7 +9578,7 @@
                       <a:headEnd type="none" w="med" len="med"/>
                       <a:tailEnd type="none" w="med" len="med"/>
                     </a:lnT>
-                    <a:lnB cmpd="sng" algn="ctr" cap="flat">
+                    <a:lnB cap="flat" cmpd="sng" algn="ctr">
                       <a:solidFill>
                         <a:srgbClr val="000000"/>
                       </a:solidFill>
@@ -9653,7 +9594,7 @@
                 </a:tc>
                 <a:tc>
                   <a:txBody>
-                    <a:bodyPr anchor="t" rtlCol="false"/>
+                    <a:bodyPr/>
                     <a:lstStyle/>
                     <a:p>
                       <a:pPr algn="l">
@@ -9665,13 +9606,13 @@
                             <a:srgbClr val="000000"/>
                           </a:solidFill>
                         </a:rPr>
-                        <a:t>27.40</a:t>
+                        <a:t>2.00</a:t>
                       </a:r>
                       <a:endParaRPr lang="en-US" sz="1100"/>
                     </a:p>
                   </a:txBody>
                   <a:tcPr>
-                    <a:lnL cmpd="sng" algn="ctr" cap="flat">
+                    <a:lnL cap="flat" cmpd="sng" algn="ctr">
                       <a:solidFill>
                         <a:srgbClr val="000000"/>
                       </a:solidFill>
@@ -9680,7 +9621,7 @@
                       <a:headEnd type="none" w="med" len="med"/>
                       <a:tailEnd type="none" w="med" len="med"/>
                     </a:lnL>
-                    <a:lnR cmpd="sng" algn="ctr" cap="flat">
+                    <a:lnR cap="flat" cmpd="sng" algn="ctr">
                       <a:solidFill>
                         <a:srgbClr val="000000"/>
                       </a:solidFill>
@@ -9689,7 +9630,7 @@
                       <a:headEnd type="none" w="med" len="med"/>
                       <a:tailEnd type="none" w="med" len="med"/>
                     </a:lnR>
-                    <a:lnT cmpd="sng" algn="ctr" cap="flat">
+                    <a:lnT cap="flat" cmpd="sng" algn="ctr">
                       <a:solidFill>
                         <a:srgbClr val="000000"/>
                       </a:solidFill>
@@ -9698,7 +9639,7 @@
                       <a:headEnd type="none" w="med" len="med"/>
                       <a:tailEnd type="none" w="med" len="med"/>
                     </a:lnT>
-                    <a:lnB cmpd="sng" algn="ctr" cap="flat">
+                    <a:lnB cap="flat" cmpd="sng" algn="ctr">
                       <a:solidFill>
                         <a:srgbClr val="000000"/>
                       </a:solidFill>
@@ -9714,7 +9655,7 @@
                 </a:tc>
                 <a:tc>
                   <a:txBody>
-                    <a:bodyPr anchor="t" rtlCol="false"/>
+                    <a:bodyPr/>
                     <a:lstStyle/>
                     <a:p>
                       <a:pPr algn="l">
@@ -9726,13 +9667,13 @@
                             <a:srgbClr val="000000"/>
                           </a:solidFill>
                         </a:rPr>
-                        <a:t>43.10</a:t>
+                        <a:t>1.90</a:t>
                       </a:r>
                       <a:endParaRPr lang="en-US" sz="1100"/>
                     </a:p>
                   </a:txBody>
                   <a:tcPr>
-                    <a:lnL cmpd="sng" algn="ctr" cap="flat">
+                    <a:lnL cap="flat" cmpd="sng" algn="ctr">
                       <a:solidFill>
                         <a:srgbClr val="000000"/>
                       </a:solidFill>
@@ -9741,7 +9682,7 @@
                       <a:headEnd type="none" w="med" len="med"/>
                       <a:tailEnd type="none" w="med" len="med"/>
                     </a:lnL>
-                    <a:lnR cmpd="sng" algn="ctr" cap="flat">
+                    <a:lnR cap="flat" cmpd="sng" algn="ctr">
                       <a:solidFill>
                         <a:srgbClr val="000000"/>
                       </a:solidFill>
@@ -9750,7 +9691,7 @@
                       <a:headEnd type="none" w="med" len="med"/>
                       <a:tailEnd type="none" w="med" len="med"/>
                     </a:lnR>
-                    <a:lnT cmpd="sng" algn="ctr" cap="flat">
+                    <a:lnT cap="flat" cmpd="sng" algn="ctr">
                       <a:solidFill>
                         <a:srgbClr val="000000"/>
                       </a:solidFill>
@@ -9759,7 +9700,7 @@
                       <a:headEnd type="none" w="med" len="med"/>
                       <a:tailEnd type="none" w="med" len="med"/>
                     </a:lnT>
-                    <a:lnB cmpd="sng" algn="ctr" cap="flat">
+                    <a:lnB cap="flat" cmpd="sng" algn="ctr">
                       <a:solidFill>
                         <a:srgbClr val="000000"/>
                       </a:solidFill>
@@ -9775,7 +9716,7 @@
                 </a:tc>
                 <a:tc>
                   <a:txBody>
-                    <a:bodyPr anchor="t" rtlCol="false"/>
+                    <a:bodyPr/>
                     <a:lstStyle/>
                     <a:p>
                       <a:pPr algn="l">
@@ -9787,13 +9728,13 @@
                             <a:srgbClr val="000000"/>
                           </a:solidFill>
                         </a:rPr>
-                        <a:t>39.10</a:t>
+                        <a:t>1.90</a:t>
                       </a:r>
                       <a:endParaRPr lang="en-US" sz="1100"/>
                     </a:p>
                   </a:txBody>
                   <a:tcPr>
-                    <a:lnL cmpd="sng" algn="ctr" cap="flat">
+                    <a:lnL cap="flat" cmpd="sng" algn="ctr">
                       <a:solidFill>
                         <a:srgbClr val="000000"/>
                       </a:solidFill>
@@ -9802,7 +9743,7 @@
                       <a:headEnd type="none" w="med" len="med"/>
                       <a:tailEnd type="none" w="med" len="med"/>
                     </a:lnL>
-                    <a:lnR cmpd="sng" algn="ctr" cap="flat">
+                    <a:lnR cap="flat" cmpd="sng" algn="ctr">
                       <a:solidFill>
                         <a:srgbClr val="000000"/>
                       </a:solidFill>
@@ -9811,7 +9752,7 @@
                       <a:headEnd type="none" w="med" len="med"/>
                       <a:tailEnd type="none" w="med" len="med"/>
                     </a:lnR>
-                    <a:lnT cmpd="sng" algn="ctr" cap="flat">
+                    <a:lnT cap="flat" cmpd="sng" algn="ctr">
                       <a:solidFill>
                         <a:srgbClr val="000000"/>
                       </a:solidFill>
@@ -9820,7 +9761,7 @@
                       <a:headEnd type="none" w="med" len="med"/>
                       <a:tailEnd type="none" w="med" len="med"/>
                     </a:lnT>
-                    <a:lnB cmpd="sng" algn="ctr" cap="flat">
+                    <a:lnB cap="flat" cmpd="sng" algn="ctr">
                       <a:solidFill>
                         <a:srgbClr val="000000"/>
                       </a:solidFill>
@@ -9834,11 +9775,16 @@
                     </a:solidFill>
                   </a:tcPr>
                 </a:tc>
+                <a:extLst>
+                  <a:ext uri="{0D108BD9-81ED-4DB2-BD59-A6C34878D82A}">
+                    <a16:rowId xmlns:a16="http://schemas.microsoft.com/office/drawing/2014/main" val="10009"/>
+                  </a:ext>
+                </a:extLst>
               </a:tr>
               <a:tr h="254000">
                 <a:tc>
                   <a:txBody>
-                    <a:bodyPr anchor="t" rtlCol="false"/>
+                    <a:bodyPr/>
                     <a:lstStyle/>
                     <a:p>
                       <a:pPr algn="l">
@@ -9856,7 +9802,7 @@
                     </a:p>
                   </a:txBody>
                   <a:tcPr>
-                    <a:lnL cmpd="sng" algn="ctr" cap="flat">
+                    <a:lnL cap="flat" cmpd="sng" algn="ctr">
                       <a:solidFill>
                         <a:srgbClr val="000000"/>
                       </a:solidFill>
@@ -9865,7 +9811,7 @@
                       <a:headEnd type="none" w="med" len="med"/>
                       <a:tailEnd type="none" w="med" len="med"/>
                     </a:lnL>
-                    <a:lnR cmpd="sng" algn="ctr" cap="flat">
+                    <a:lnR cap="flat" cmpd="sng" algn="ctr">
                       <a:solidFill>
                         <a:srgbClr val="000000"/>
                       </a:solidFill>
@@ -9874,7 +9820,7 @@
                       <a:headEnd type="none" w="med" len="med"/>
                       <a:tailEnd type="none" w="med" len="med"/>
                     </a:lnR>
-                    <a:lnT cmpd="sng" algn="ctr" cap="flat">
+                    <a:lnT cap="flat" cmpd="sng" algn="ctr">
                       <a:solidFill>
                         <a:srgbClr val="000000"/>
                       </a:solidFill>
@@ -9883,7 +9829,7 @@
                       <a:headEnd type="none" w="med" len="med"/>
                       <a:tailEnd type="none" w="med" len="med"/>
                     </a:lnT>
-                    <a:lnB cmpd="sng" algn="ctr" cap="flat">
+                    <a:lnB cap="flat" cmpd="sng" algn="ctr">
                       <a:solidFill>
                         <a:srgbClr val="000000"/>
                       </a:solidFill>
@@ -9899,7 +9845,7 @@
                 </a:tc>
                 <a:tc>
                   <a:txBody>
-                    <a:bodyPr anchor="t" rtlCol="false"/>
+                    <a:bodyPr/>
                     <a:lstStyle/>
                     <a:p>
                       <a:pPr algn="l">
@@ -9911,13 +9857,13 @@
                             <a:srgbClr val="000000"/>
                           </a:solidFill>
                         </a:rPr>
-                        <a:t>40.0</a:t>
+                        <a:t>1036100.0</a:t>
                       </a:r>
                       <a:endParaRPr lang="en-US" sz="1100"/>
                     </a:p>
                   </a:txBody>
                   <a:tcPr>
-                    <a:lnL cmpd="sng" algn="ctr" cap="flat">
+                    <a:lnL cap="flat" cmpd="sng" algn="ctr">
                       <a:solidFill>
                         <a:srgbClr val="000000"/>
                       </a:solidFill>
@@ -9926,7 +9872,7 @@
                       <a:headEnd type="none" w="med" len="med"/>
                       <a:tailEnd type="none" w="med" len="med"/>
                     </a:lnL>
-                    <a:lnR cmpd="sng" algn="ctr" cap="flat">
+                    <a:lnR cap="flat" cmpd="sng" algn="ctr">
                       <a:solidFill>
                         <a:srgbClr val="000000"/>
                       </a:solidFill>
@@ -9935,7 +9881,7 @@
                       <a:headEnd type="none" w="med" len="med"/>
                       <a:tailEnd type="none" w="med" len="med"/>
                     </a:lnR>
-                    <a:lnT cmpd="sng" algn="ctr" cap="flat">
+                    <a:lnT cap="flat" cmpd="sng" algn="ctr">
                       <a:solidFill>
                         <a:srgbClr val="000000"/>
                       </a:solidFill>
@@ -9944,7 +9890,7 @@
                       <a:headEnd type="none" w="med" len="med"/>
                       <a:tailEnd type="none" w="med" len="med"/>
                     </a:lnT>
-                    <a:lnB cmpd="sng" algn="ctr" cap="flat">
+                    <a:lnB cap="flat" cmpd="sng" algn="ctr">
                       <a:solidFill>
                         <a:srgbClr val="000000"/>
                       </a:solidFill>
@@ -9960,7 +9906,7 @@
                 </a:tc>
                 <a:tc>
                   <a:txBody>
-                    <a:bodyPr anchor="t" rtlCol="false"/>
+                    <a:bodyPr/>
                     <a:lstStyle/>
                     <a:p>
                       <a:pPr algn="l">
@@ -9978,7 +9924,7 @@
                     </a:p>
                   </a:txBody>
                   <a:tcPr>
-                    <a:lnL cmpd="sng" algn="ctr" cap="flat">
+                    <a:lnL cap="flat" cmpd="sng" algn="ctr">
                       <a:solidFill>
                         <a:srgbClr val="000000"/>
                       </a:solidFill>
@@ -9987,7 +9933,7 @@
                       <a:headEnd type="none" w="med" len="med"/>
                       <a:tailEnd type="none" w="med" len="med"/>
                     </a:lnL>
-                    <a:lnR cmpd="sng" algn="ctr" cap="flat">
+                    <a:lnR cap="flat" cmpd="sng" algn="ctr">
                       <a:solidFill>
                         <a:srgbClr val="000000"/>
                       </a:solidFill>
@@ -9996,7 +9942,7 @@
                       <a:headEnd type="none" w="med" len="med"/>
                       <a:tailEnd type="none" w="med" len="med"/>
                     </a:lnR>
-                    <a:lnT cmpd="sng" algn="ctr" cap="flat">
+                    <a:lnT cap="flat" cmpd="sng" algn="ctr">
                       <a:solidFill>
                         <a:srgbClr val="000000"/>
                       </a:solidFill>
@@ -10005,7 +9951,7 @@
                       <a:headEnd type="none" w="med" len="med"/>
                       <a:tailEnd type="none" w="med" len="med"/>
                     </a:lnT>
-                    <a:lnB cmpd="sng" algn="ctr" cap="flat">
+                    <a:lnB cap="flat" cmpd="sng" algn="ctr">
                       <a:solidFill>
                         <a:srgbClr val="000000"/>
                       </a:solidFill>
@@ -10021,7 +9967,7 @@
                 </a:tc>
                 <a:tc>
                   <a:txBody>
-                    <a:bodyPr anchor="t" rtlCol="false"/>
+                    <a:bodyPr/>
                     <a:lstStyle/>
                     <a:p>
                       <a:pPr algn="l">
@@ -10033,13 +9979,13 @@
                             <a:srgbClr val="000000"/>
                           </a:solidFill>
                         </a:rPr>
-                        <a:t>33.90</a:t>
+                        <a:t>575.80</a:t>
                       </a:r>
                       <a:endParaRPr lang="en-US" sz="1100"/>
                     </a:p>
                   </a:txBody>
                   <a:tcPr>
-                    <a:lnL cmpd="sng" algn="ctr" cap="flat">
+                    <a:lnL cap="flat" cmpd="sng" algn="ctr">
                       <a:solidFill>
                         <a:srgbClr val="000000"/>
                       </a:solidFill>
@@ -10048,7 +9994,7 @@
                       <a:headEnd type="none" w="med" len="med"/>
                       <a:tailEnd type="none" w="med" len="med"/>
                     </a:lnL>
-                    <a:lnR cmpd="sng" algn="ctr" cap="flat">
+                    <a:lnR cap="flat" cmpd="sng" algn="ctr">
                       <a:solidFill>
                         <a:srgbClr val="000000"/>
                       </a:solidFill>
@@ -10057,7 +10003,7 @@
                       <a:headEnd type="none" w="med" len="med"/>
                       <a:tailEnd type="none" w="med" len="med"/>
                     </a:lnR>
-                    <a:lnT cmpd="sng" algn="ctr" cap="flat">
+                    <a:lnT cap="flat" cmpd="sng" algn="ctr">
                       <a:solidFill>
                         <a:srgbClr val="000000"/>
                       </a:solidFill>
@@ -10066,7 +10012,7 @@
                       <a:headEnd type="none" w="med" len="med"/>
                       <a:tailEnd type="none" w="med" len="med"/>
                     </a:lnT>
-                    <a:lnB cmpd="sng" algn="ctr" cap="flat">
+                    <a:lnB cap="flat" cmpd="sng" algn="ctr">
                       <a:solidFill>
                         <a:srgbClr val="000000"/>
                       </a:solidFill>
@@ -10082,7 +10028,7 @@
                 </a:tc>
                 <a:tc>
                   <a:txBody>
-                    <a:bodyPr anchor="t" rtlCol="false"/>
+                    <a:bodyPr/>
                     <a:lstStyle/>
                     <a:p>
                       <a:pPr algn="l">
@@ -10094,13 +10040,13 @@
                             <a:srgbClr val="000000"/>
                           </a:solidFill>
                         </a:rPr>
-                        <a:t>24.10</a:t>
+                        <a:t>1.80</a:t>
                       </a:r>
                       <a:endParaRPr lang="en-US" sz="1100"/>
                     </a:p>
                   </a:txBody>
                   <a:tcPr>
-                    <a:lnL cmpd="sng" algn="ctr" cap="flat">
+                    <a:lnL cap="flat" cmpd="sng" algn="ctr">
                       <a:solidFill>
                         <a:srgbClr val="000000"/>
                       </a:solidFill>
@@ -10109,7 +10055,7 @@
                       <a:headEnd type="none" w="med" len="med"/>
                       <a:tailEnd type="none" w="med" len="med"/>
                     </a:lnL>
-                    <a:lnR cmpd="sng" algn="ctr" cap="flat">
+                    <a:lnR cap="flat" cmpd="sng" algn="ctr">
                       <a:solidFill>
                         <a:srgbClr val="000000"/>
                       </a:solidFill>
@@ -10118,7 +10064,7 @@
                       <a:headEnd type="none" w="med" len="med"/>
                       <a:tailEnd type="none" w="med" len="med"/>
                     </a:lnR>
-                    <a:lnT cmpd="sng" algn="ctr" cap="flat">
+                    <a:lnT cap="flat" cmpd="sng" algn="ctr">
                       <a:solidFill>
                         <a:srgbClr val="000000"/>
                       </a:solidFill>
@@ -10127,7 +10073,7 @@
                       <a:headEnd type="none" w="med" len="med"/>
                       <a:tailEnd type="none" w="med" len="med"/>
                     </a:lnT>
-                    <a:lnB cmpd="sng" algn="ctr" cap="flat">
+                    <a:lnB cap="flat" cmpd="sng" algn="ctr">
                       <a:solidFill>
                         <a:srgbClr val="000000"/>
                       </a:solidFill>
@@ -10143,7 +10089,7 @@
                 </a:tc>
                 <a:tc>
                   <a:txBody>
-                    <a:bodyPr anchor="t" rtlCol="false"/>
+                    <a:bodyPr/>
                     <a:lstStyle/>
                     <a:p>
                       <a:pPr algn="l">
@@ -10155,13 +10101,13 @@
                             <a:srgbClr val="000000"/>
                           </a:solidFill>
                         </a:rPr>
-                        <a:t>31.30</a:t>
+                        <a:t>1.70</a:t>
                       </a:r>
                       <a:endParaRPr lang="en-US" sz="1100"/>
                     </a:p>
                   </a:txBody>
                   <a:tcPr>
-                    <a:lnL cmpd="sng" algn="ctr" cap="flat">
+                    <a:lnL cap="flat" cmpd="sng" algn="ctr">
                       <a:solidFill>
                         <a:srgbClr val="000000"/>
                       </a:solidFill>
@@ -10170,7 +10116,7 @@
                       <a:headEnd type="none" w="med" len="med"/>
                       <a:tailEnd type="none" w="med" len="med"/>
                     </a:lnL>
-                    <a:lnR cmpd="sng" algn="ctr" cap="flat">
+                    <a:lnR cap="flat" cmpd="sng" algn="ctr">
                       <a:solidFill>
                         <a:srgbClr val="000000"/>
                       </a:solidFill>
@@ -10179,7 +10125,7 @@
                       <a:headEnd type="none" w="med" len="med"/>
                       <a:tailEnd type="none" w="med" len="med"/>
                     </a:lnR>
-                    <a:lnT cmpd="sng" algn="ctr" cap="flat">
+                    <a:lnT cap="flat" cmpd="sng" algn="ctr">
                       <a:solidFill>
                         <a:srgbClr val="000000"/>
                       </a:solidFill>
@@ -10188,7 +10134,7 @@
                       <a:headEnd type="none" w="med" len="med"/>
                       <a:tailEnd type="none" w="med" len="med"/>
                     </a:lnT>
-                    <a:lnB cmpd="sng" algn="ctr" cap="flat">
+                    <a:lnB cap="flat" cmpd="sng" algn="ctr">
                       <a:solidFill>
                         <a:srgbClr val="000000"/>
                       </a:solidFill>
@@ -10204,7 +10150,7 @@
                 </a:tc>
                 <a:tc>
                   <a:txBody>
-                    <a:bodyPr anchor="t" rtlCol="false"/>
+                    <a:bodyPr/>
                     <a:lstStyle/>
                     <a:p>
                       <a:pPr algn="l">
@@ -10216,13 +10162,13 @@
                             <a:srgbClr val="000000"/>
                           </a:solidFill>
                         </a:rPr>
-                        <a:t>29.50</a:t>
+                        <a:t>1.70</a:t>
                       </a:r>
                       <a:endParaRPr lang="en-US" sz="1100"/>
                     </a:p>
                   </a:txBody>
                   <a:tcPr>
-                    <a:lnL cmpd="sng" algn="ctr" cap="flat">
+                    <a:lnL cap="flat" cmpd="sng" algn="ctr">
                       <a:solidFill>
                         <a:srgbClr val="000000"/>
                       </a:solidFill>
@@ -10231,7 +10177,7 @@
                       <a:headEnd type="none" w="med" len="med"/>
                       <a:tailEnd type="none" w="med" len="med"/>
                     </a:lnL>
-                    <a:lnR cmpd="sng" algn="ctr" cap="flat">
+                    <a:lnR cap="flat" cmpd="sng" algn="ctr">
                       <a:solidFill>
                         <a:srgbClr val="000000"/>
                       </a:solidFill>
@@ -10240,7 +10186,7 @@
                       <a:headEnd type="none" w="med" len="med"/>
                       <a:tailEnd type="none" w="med" len="med"/>
                     </a:lnR>
-                    <a:lnT cmpd="sng" algn="ctr" cap="flat">
+                    <a:lnT cap="flat" cmpd="sng" algn="ctr">
                       <a:solidFill>
                         <a:srgbClr val="000000"/>
                       </a:solidFill>
@@ -10249,7 +10195,7 @@
                       <a:headEnd type="none" w="med" len="med"/>
                       <a:tailEnd type="none" w="med" len="med"/>
                     </a:lnT>
-                    <a:lnB cmpd="sng" algn="ctr" cap="flat">
+                    <a:lnB cap="flat" cmpd="sng" algn="ctr">
                       <a:solidFill>
                         <a:srgbClr val="000000"/>
                       </a:solidFill>
@@ -10263,11 +10209,16 @@
                     </a:solidFill>
                   </a:tcPr>
                 </a:tc>
+                <a:extLst>
+                  <a:ext uri="{0D108BD9-81ED-4DB2-BD59-A6C34878D82A}">
+                    <a16:rowId xmlns:a16="http://schemas.microsoft.com/office/drawing/2014/main" val="10010"/>
+                  </a:ext>
+                </a:extLst>
               </a:tr>
               <a:tr h="254000">
                 <a:tc>
                   <a:txBody>
-                    <a:bodyPr anchor="t" rtlCol="false"/>
+                    <a:bodyPr/>
                     <a:lstStyle/>
                     <a:p>
                       <a:pPr algn="l">
@@ -10285,7 +10236,7 @@
                     </a:p>
                   </a:txBody>
                   <a:tcPr>
-                    <a:lnL cmpd="sng" algn="ctr" cap="flat">
+                    <a:lnL cap="flat" cmpd="sng" algn="ctr">
                       <a:solidFill>
                         <a:srgbClr val="000000"/>
                       </a:solidFill>
@@ -10294,7 +10245,7 @@
                       <a:headEnd type="none" w="med" len="med"/>
                       <a:tailEnd type="none" w="med" len="med"/>
                     </a:lnL>
-                    <a:lnR cmpd="sng" algn="ctr" cap="flat">
+                    <a:lnR cap="flat" cmpd="sng" algn="ctr">
                       <a:solidFill>
                         <a:srgbClr val="000000"/>
                       </a:solidFill>
@@ -10303,7 +10254,7 @@
                       <a:headEnd type="none" w="med" len="med"/>
                       <a:tailEnd type="none" w="med" len="med"/>
                     </a:lnR>
-                    <a:lnT cmpd="sng" algn="ctr" cap="flat">
+                    <a:lnT cap="flat" cmpd="sng" algn="ctr">
                       <a:solidFill>
                         <a:srgbClr val="000000"/>
                       </a:solidFill>
@@ -10312,7 +10263,7 @@
                       <a:headEnd type="none" w="med" len="med"/>
                       <a:tailEnd type="none" w="med" len="med"/>
                     </a:lnT>
-                    <a:lnB cmpd="sng" algn="ctr" cap="flat">
+                    <a:lnB cap="flat" cmpd="sng" algn="ctr">
                       <a:solidFill>
                         <a:srgbClr val="000000"/>
                       </a:solidFill>
@@ -10328,7 +10279,7 @@
                 </a:tc>
                 <a:tc>
                   <a:txBody>
-                    <a:bodyPr anchor="t" rtlCol="false"/>
+                    <a:bodyPr/>
                     <a:lstStyle/>
                     <a:p>
                       <a:pPr algn="l">
@@ -10340,13 +10291,13 @@
                             <a:srgbClr val="000000"/>
                           </a:solidFill>
                         </a:rPr>
-                        <a:t>80.0</a:t>
+                        <a:t>1311916.0</a:t>
                       </a:r>
                       <a:endParaRPr lang="en-US" sz="1100"/>
                     </a:p>
                   </a:txBody>
                   <a:tcPr>
-                    <a:lnL cmpd="sng" algn="ctr" cap="flat">
+                    <a:lnL cap="flat" cmpd="sng" algn="ctr">
                       <a:solidFill>
                         <a:srgbClr val="000000"/>
                       </a:solidFill>
@@ -10355,7 +10306,7 @@
                       <a:headEnd type="none" w="med" len="med"/>
                       <a:tailEnd type="none" w="med" len="med"/>
                     </a:lnL>
-                    <a:lnR cmpd="sng" algn="ctr" cap="flat">
+                    <a:lnR cap="flat" cmpd="sng" algn="ctr">
                       <a:solidFill>
                         <a:srgbClr val="000000"/>
                       </a:solidFill>
@@ -10364,7 +10315,7 @@
                       <a:headEnd type="none" w="med" len="med"/>
                       <a:tailEnd type="none" w="med" len="med"/>
                     </a:lnR>
-                    <a:lnT cmpd="sng" algn="ctr" cap="flat">
+                    <a:lnT cap="flat" cmpd="sng" algn="ctr">
                       <a:solidFill>
                         <a:srgbClr val="000000"/>
                       </a:solidFill>
@@ -10373,7 +10324,7 @@
                       <a:headEnd type="none" w="med" len="med"/>
                       <a:tailEnd type="none" w="med" len="med"/>
                     </a:lnT>
-                    <a:lnB cmpd="sng" algn="ctr" cap="flat">
+                    <a:lnB cap="flat" cmpd="sng" algn="ctr">
                       <a:solidFill>
                         <a:srgbClr val="000000"/>
                       </a:solidFill>
@@ -10389,7 +10340,7 @@
                 </a:tc>
                 <a:tc>
                   <a:txBody>
-                    <a:bodyPr anchor="t" rtlCol="false"/>
+                    <a:bodyPr/>
                     <a:lstStyle/>
                     <a:p>
                       <a:pPr algn="l">
@@ -10407,7 +10358,7 @@
                     </a:p>
                   </a:txBody>
                   <a:tcPr>
-                    <a:lnL cmpd="sng" algn="ctr" cap="flat">
+                    <a:lnL cap="flat" cmpd="sng" algn="ctr">
                       <a:solidFill>
                         <a:srgbClr val="000000"/>
                       </a:solidFill>
@@ -10416,7 +10367,7 @@
                       <a:headEnd type="none" w="med" len="med"/>
                       <a:tailEnd type="none" w="med" len="med"/>
                     </a:lnL>
-                    <a:lnR cmpd="sng" algn="ctr" cap="flat">
+                    <a:lnR cap="flat" cmpd="sng" algn="ctr">
                       <a:solidFill>
                         <a:srgbClr val="000000"/>
                       </a:solidFill>
@@ -10425,7 +10376,7 @@
                       <a:headEnd type="none" w="med" len="med"/>
                       <a:tailEnd type="none" w="med" len="med"/>
                     </a:lnR>
-                    <a:lnT cmpd="sng" algn="ctr" cap="flat">
+                    <a:lnT cap="flat" cmpd="sng" algn="ctr">
                       <a:solidFill>
                         <a:srgbClr val="000000"/>
                       </a:solidFill>
@@ -10434,7 +10385,7 @@
                       <a:headEnd type="none" w="med" len="med"/>
                       <a:tailEnd type="none" w="med" len="med"/>
                     </a:lnT>
-                    <a:lnB cmpd="sng" algn="ctr" cap="flat">
+                    <a:lnB cap="flat" cmpd="sng" algn="ctr">
                       <a:solidFill>
                         <a:srgbClr val="000000"/>
                       </a:solidFill>
@@ -10450,7 +10401,7 @@
                 </a:tc>
                 <a:tc>
                   <a:txBody>
-                    <a:bodyPr anchor="t" rtlCol="false"/>
+                    <a:bodyPr/>
                     <a:lstStyle/>
                     <a:p>
                       <a:pPr algn="l">
@@ -10462,13 +10413,13 @@
                             <a:srgbClr val="000000"/>
                           </a:solidFill>
                         </a:rPr>
-                        <a:t>88.10</a:t>
+                        <a:t>486.10</a:t>
                       </a:r>
                       <a:endParaRPr lang="en-US" sz="1100"/>
                     </a:p>
                   </a:txBody>
                   <a:tcPr>
-                    <a:lnL cmpd="sng" algn="ctr" cap="flat">
+                    <a:lnL cap="flat" cmpd="sng" algn="ctr">
                       <a:solidFill>
                         <a:srgbClr val="000000"/>
                       </a:solidFill>
@@ -10477,7 +10428,7 @@
                       <a:headEnd type="none" w="med" len="med"/>
                       <a:tailEnd type="none" w="med" len="med"/>
                     </a:lnL>
-                    <a:lnR cmpd="sng" algn="ctr" cap="flat">
+                    <a:lnR cap="flat" cmpd="sng" algn="ctr">
                       <a:solidFill>
                         <a:srgbClr val="000000"/>
                       </a:solidFill>
@@ -10486,7 +10437,7 @@
                       <a:headEnd type="none" w="med" len="med"/>
                       <a:tailEnd type="none" w="med" len="med"/>
                     </a:lnR>
-                    <a:lnT cmpd="sng" algn="ctr" cap="flat">
+                    <a:lnT cap="flat" cmpd="sng" algn="ctr">
                       <a:solidFill>
                         <a:srgbClr val="000000"/>
                       </a:solidFill>
@@ -10495,7 +10446,7 @@
                       <a:headEnd type="none" w="med" len="med"/>
                       <a:tailEnd type="none" w="med" len="med"/>
                     </a:lnT>
-                    <a:lnB cmpd="sng" algn="ctr" cap="flat">
+                    <a:lnB cap="flat" cmpd="sng" algn="ctr">
                       <a:solidFill>
                         <a:srgbClr val="000000"/>
                       </a:solidFill>
@@ -10511,7 +10462,7 @@
                 </a:tc>
                 <a:tc>
                   <a:txBody>
-                    <a:bodyPr anchor="t" rtlCol="false"/>
+                    <a:bodyPr/>
                     <a:lstStyle/>
                     <a:p>
                       <a:pPr algn="l">
@@ -10523,13 +10474,13 @@
                             <a:srgbClr val="000000"/>
                           </a:solidFill>
                         </a:rPr>
-                        <a:t>13.10</a:t>
+                        <a:t>2.20</a:t>
                       </a:r>
                       <a:endParaRPr lang="en-US" sz="1100"/>
                     </a:p>
                   </a:txBody>
                   <a:tcPr>
-                    <a:lnL cmpd="sng" algn="ctr" cap="flat">
+                    <a:lnL cap="flat" cmpd="sng" algn="ctr">
                       <a:solidFill>
                         <a:srgbClr val="000000"/>
                       </a:solidFill>
@@ -10538,7 +10489,7 @@
                       <a:headEnd type="none" w="med" len="med"/>
                       <a:tailEnd type="none" w="med" len="med"/>
                     </a:lnL>
-                    <a:lnR cmpd="sng" algn="ctr" cap="flat">
+                    <a:lnR cap="flat" cmpd="sng" algn="ctr">
                       <a:solidFill>
                         <a:srgbClr val="000000"/>
                       </a:solidFill>
@@ -10547,7 +10498,7 @@
                       <a:headEnd type="none" w="med" len="med"/>
                       <a:tailEnd type="none" w="med" len="med"/>
                     </a:lnR>
-                    <a:lnT cmpd="sng" algn="ctr" cap="flat">
+                    <a:lnT cap="flat" cmpd="sng" algn="ctr">
                       <a:solidFill>
                         <a:srgbClr val="000000"/>
                       </a:solidFill>
@@ -10556,7 +10507,7 @@
                       <a:headEnd type="none" w="med" len="med"/>
                       <a:tailEnd type="none" w="med" len="med"/>
                     </a:lnT>
-                    <a:lnB cmpd="sng" algn="ctr" cap="flat">
+                    <a:lnB cap="flat" cmpd="sng" algn="ctr">
                       <a:solidFill>
                         <a:srgbClr val="000000"/>
                       </a:solidFill>
@@ -10572,7 +10523,7 @@
                 </a:tc>
                 <a:tc>
                   <a:txBody>
-                    <a:bodyPr anchor="t" rtlCol="false"/>
+                    <a:bodyPr/>
                     <a:lstStyle/>
                     <a:p>
                       <a:pPr algn="l">
@@ -10584,13 +10535,13 @@
                             <a:srgbClr val="000000"/>
                           </a:solidFill>
                         </a:rPr>
-                        <a:t>10.80</a:t>
+                        <a:t>2.00</a:t>
                       </a:r>
                       <a:endParaRPr lang="en-US" sz="1100"/>
                     </a:p>
                   </a:txBody>
                   <a:tcPr>
-                    <a:lnL cmpd="sng" algn="ctr" cap="flat">
+                    <a:lnL cap="flat" cmpd="sng" algn="ctr">
                       <a:solidFill>
                         <a:srgbClr val="000000"/>
                       </a:solidFill>
@@ -10599,7 +10550,7 @@
                       <a:headEnd type="none" w="med" len="med"/>
                       <a:tailEnd type="none" w="med" len="med"/>
                     </a:lnL>
-                    <a:lnR cmpd="sng" algn="ctr" cap="flat">
+                    <a:lnR cap="flat" cmpd="sng" algn="ctr">
                       <a:solidFill>
                         <a:srgbClr val="000000"/>
                       </a:solidFill>
@@ -10608,7 +10559,7 @@
                       <a:headEnd type="none" w="med" len="med"/>
                       <a:tailEnd type="none" w="med" len="med"/>
                     </a:lnR>
-                    <a:lnT cmpd="sng" algn="ctr" cap="flat">
+                    <a:lnT cap="flat" cmpd="sng" algn="ctr">
                       <a:solidFill>
                         <a:srgbClr val="000000"/>
                       </a:solidFill>
@@ -10617,7 +10568,7 @@
                       <a:headEnd type="none" w="med" len="med"/>
                       <a:tailEnd type="none" w="med" len="med"/>
                     </a:lnT>
-                    <a:lnB cmpd="sng" algn="ctr" cap="flat">
+                    <a:lnB cap="flat" cmpd="sng" algn="ctr">
                       <a:solidFill>
                         <a:srgbClr val="000000"/>
                       </a:solidFill>
@@ -10633,7 +10584,7 @@
                 </a:tc>
                 <a:tc>
                   <a:txBody>
-                    <a:bodyPr anchor="t" rtlCol="false"/>
+                    <a:bodyPr/>
                     <a:lstStyle/>
                     <a:p>
                       <a:pPr algn="l">
@@ -10645,13 +10596,13 @@
                             <a:srgbClr val="000000"/>
                           </a:solidFill>
                         </a:rPr>
-                        <a:t>11.30</a:t>
+                        <a:t>2.10</a:t>
                       </a:r>
                       <a:endParaRPr lang="en-US" sz="1100"/>
                     </a:p>
                   </a:txBody>
                   <a:tcPr>
-                    <a:lnL cmpd="sng" algn="ctr" cap="flat">
+                    <a:lnL cap="flat" cmpd="sng" algn="ctr">
                       <a:solidFill>
                         <a:srgbClr val="000000"/>
                       </a:solidFill>
@@ -10660,7 +10611,7 @@
                       <a:headEnd type="none" w="med" len="med"/>
                       <a:tailEnd type="none" w="med" len="med"/>
                     </a:lnL>
-                    <a:lnR cmpd="sng" algn="ctr" cap="flat">
+                    <a:lnR cap="flat" cmpd="sng" algn="ctr">
                       <a:solidFill>
                         <a:srgbClr val="000000"/>
                       </a:solidFill>
@@ -10669,7 +10620,7 @@
                       <a:headEnd type="none" w="med" len="med"/>
                       <a:tailEnd type="none" w="med" len="med"/>
                     </a:lnR>
-                    <a:lnT cmpd="sng" algn="ctr" cap="flat">
+                    <a:lnT cap="flat" cmpd="sng" algn="ctr">
                       <a:solidFill>
                         <a:srgbClr val="000000"/>
                       </a:solidFill>
@@ -10678,7 +10629,7 @@
                       <a:headEnd type="none" w="med" len="med"/>
                       <a:tailEnd type="none" w="med" len="med"/>
                     </a:lnT>
-                    <a:lnB cmpd="sng" algn="ctr" cap="flat">
+                    <a:lnB cap="flat" cmpd="sng" algn="ctr">
                       <a:solidFill>
                         <a:srgbClr val="000000"/>
                       </a:solidFill>
@@ -10692,11 +10643,16 @@
                     </a:solidFill>
                   </a:tcPr>
                 </a:tc>
+                <a:extLst>
+                  <a:ext uri="{0D108BD9-81ED-4DB2-BD59-A6C34878D82A}">
+                    <a16:rowId xmlns:a16="http://schemas.microsoft.com/office/drawing/2014/main" val="10011"/>
+                  </a:ext>
+                </a:extLst>
               </a:tr>
               <a:tr h="254000">
                 <a:tc>
                   <a:txBody>
-                    <a:bodyPr anchor="t" rtlCol="false"/>
+                    <a:bodyPr/>
                     <a:lstStyle/>
                     <a:p>
                       <a:pPr algn="l">
@@ -10714,7 +10670,7 @@
                     </a:p>
                   </a:txBody>
                   <a:tcPr>
-                    <a:lnL cmpd="sng" algn="ctr" cap="flat">
+                    <a:lnL cap="flat" cmpd="sng" algn="ctr">
                       <a:solidFill>
                         <a:srgbClr val="000000"/>
                       </a:solidFill>
@@ -10723,7 +10679,7 @@
                       <a:headEnd type="none" w="med" len="med"/>
                       <a:tailEnd type="none" w="med" len="med"/>
                     </a:lnL>
-                    <a:lnR cmpd="sng" algn="ctr" cap="flat">
+                    <a:lnR cap="flat" cmpd="sng" algn="ctr">
                       <a:solidFill>
                         <a:srgbClr val="000000"/>
                       </a:solidFill>
@@ -10732,7 +10688,7 @@
                       <a:headEnd type="none" w="med" len="med"/>
                       <a:tailEnd type="none" w="med" len="med"/>
                     </a:lnR>
-                    <a:lnT cmpd="sng" algn="ctr" cap="flat">
+                    <a:lnT cap="flat" cmpd="sng" algn="ctr">
                       <a:solidFill>
                         <a:srgbClr val="000000"/>
                       </a:solidFill>
@@ -10741,7 +10697,7 @@
                       <a:headEnd type="none" w="med" len="med"/>
                       <a:tailEnd type="none" w="med" len="med"/>
                     </a:lnT>
-                    <a:lnB cmpd="sng" algn="ctr" cap="flat">
+                    <a:lnB cap="flat" cmpd="sng" algn="ctr">
                       <a:solidFill>
                         <a:srgbClr val="000000"/>
                       </a:solidFill>
@@ -10757,7 +10713,7 @@
                 </a:tc>
                 <a:tc>
                   <a:txBody>
-                    <a:bodyPr anchor="t" rtlCol="false"/>
+                    <a:bodyPr/>
                     <a:lstStyle/>
                     <a:p>
                       <a:pPr algn="l">
@@ -10769,13 +10725,13 @@
                             <a:srgbClr val="000000"/>
                           </a:solidFill>
                         </a:rPr>
-                        <a:t>60.0</a:t>
+                        <a:t>1402140.0</a:t>
                       </a:r>
                       <a:endParaRPr lang="en-US" sz="1100"/>
                     </a:p>
                   </a:txBody>
                   <a:tcPr>
-                    <a:lnL cmpd="sng" algn="ctr" cap="flat">
+                    <a:lnL cap="flat" cmpd="sng" algn="ctr">
                       <a:solidFill>
                         <a:srgbClr val="000000"/>
                       </a:solidFill>
@@ -10784,7 +10740,7 @@
                       <a:headEnd type="none" w="med" len="med"/>
                       <a:tailEnd type="none" w="med" len="med"/>
                     </a:lnL>
-                    <a:lnR cmpd="sng" algn="ctr" cap="flat">
+                    <a:lnR cap="flat" cmpd="sng" algn="ctr">
                       <a:solidFill>
                         <a:srgbClr val="000000"/>
                       </a:solidFill>
@@ -10793,7 +10749,7 @@
                       <a:headEnd type="none" w="med" len="med"/>
                       <a:tailEnd type="none" w="med" len="med"/>
                     </a:lnR>
-                    <a:lnT cmpd="sng" algn="ctr" cap="flat">
+                    <a:lnT cap="flat" cmpd="sng" algn="ctr">
                       <a:solidFill>
                         <a:srgbClr val="000000"/>
                       </a:solidFill>
@@ -10802,7 +10758,7 @@
                       <a:headEnd type="none" w="med" len="med"/>
                       <a:tailEnd type="none" w="med" len="med"/>
                     </a:lnT>
-                    <a:lnB cmpd="sng" algn="ctr" cap="flat">
+                    <a:lnB cap="flat" cmpd="sng" algn="ctr">
                       <a:solidFill>
                         <a:srgbClr val="000000"/>
                       </a:solidFill>
@@ -10818,7 +10774,7 @@
                 </a:tc>
                 <a:tc>
                   <a:txBody>
-                    <a:bodyPr anchor="t" rtlCol="false"/>
+                    <a:bodyPr/>
                     <a:lstStyle/>
                     <a:p>
                       <a:pPr algn="l">
@@ -10836,7 +10792,7 @@
                     </a:p>
                   </a:txBody>
                   <a:tcPr>
-                    <a:lnL cmpd="sng" algn="ctr" cap="flat">
+                    <a:lnL cap="flat" cmpd="sng" algn="ctr">
                       <a:solidFill>
                         <a:srgbClr val="000000"/>
                       </a:solidFill>
@@ -10845,7 +10801,7 @@
                       <a:headEnd type="none" w="med" len="med"/>
                       <a:tailEnd type="none" w="med" len="med"/>
                     </a:lnL>
-                    <a:lnR cmpd="sng" algn="ctr" cap="flat">
+                    <a:lnR cap="flat" cmpd="sng" algn="ctr">
                       <a:solidFill>
                         <a:srgbClr val="000000"/>
                       </a:solidFill>
@@ -10854,7 +10810,7 @@
                       <a:headEnd type="none" w="med" len="med"/>
                       <a:tailEnd type="none" w="med" len="med"/>
                     </a:lnR>
-                    <a:lnT cmpd="sng" algn="ctr" cap="flat">
+                    <a:lnT cap="flat" cmpd="sng" algn="ctr">
                       <a:solidFill>
                         <a:srgbClr val="000000"/>
                       </a:solidFill>
@@ -10863,7 +10819,7 @@
                       <a:headEnd type="none" w="med" len="med"/>
                       <a:tailEnd type="none" w="med" len="med"/>
                     </a:lnT>
-                    <a:lnB cmpd="sng" algn="ctr" cap="flat">
+                    <a:lnB cap="flat" cmpd="sng" algn="ctr">
                       <a:solidFill>
                         <a:srgbClr val="000000"/>
                       </a:solidFill>
@@ -10879,7 +10835,7 @@
                 </a:tc>
                 <a:tc>
                   <a:txBody>
-                    <a:bodyPr anchor="t" rtlCol="false"/>
+                    <a:bodyPr/>
                     <a:lstStyle/>
                     <a:p>
                       <a:pPr algn="l">
@@ -10891,13 +10847,13 @@
                             <a:srgbClr val="000000"/>
                           </a:solidFill>
                         </a:rPr>
-                        <a:t>18.00</a:t>
+                        <a:t>519.50</a:t>
                       </a:r>
                       <a:endParaRPr lang="en-US" sz="1100"/>
                     </a:p>
                   </a:txBody>
                   <a:tcPr>
-                    <a:lnL cmpd="sng" algn="ctr" cap="flat">
+                    <a:lnL cap="flat" cmpd="sng" algn="ctr">
                       <a:solidFill>
                         <a:srgbClr val="000000"/>
                       </a:solidFill>
@@ -10906,7 +10862,7 @@
                       <a:headEnd type="none" w="med" len="med"/>
                       <a:tailEnd type="none" w="med" len="med"/>
                     </a:lnL>
-                    <a:lnR cmpd="sng" algn="ctr" cap="flat">
+                    <a:lnR cap="flat" cmpd="sng" algn="ctr">
                       <a:solidFill>
                         <a:srgbClr val="000000"/>
                       </a:solidFill>
@@ -10915,7 +10871,7 @@
                       <a:headEnd type="none" w="med" len="med"/>
                       <a:tailEnd type="none" w="med" len="med"/>
                     </a:lnR>
-                    <a:lnT cmpd="sng" algn="ctr" cap="flat">
+                    <a:lnT cap="flat" cmpd="sng" algn="ctr">
                       <a:solidFill>
                         <a:srgbClr val="000000"/>
                       </a:solidFill>
@@ -10924,7 +10880,7 @@
                       <a:headEnd type="none" w="med" len="med"/>
                       <a:tailEnd type="none" w="med" len="med"/>
                     </a:lnT>
-                    <a:lnB cmpd="sng" algn="ctr" cap="flat">
+                    <a:lnB cap="flat" cmpd="sng" algn="ctr">
                       <a:solidFill>
                         <a:srgbClr val="000000"/>
                       </a:solidFill>
@@ -10940,7 +10896,7 @@
                 </a:tc>
                 <a:tc>
                   <a:txBody>
-                    <a:bodyPr anchor="t" rtlCol="false"/>
+                    <a:bodyPr/>
                     <a:lstStyle/>
                     <a:p>
                       <a:pPr algn="l">
@@ -10952,13 +10908,13 @@
                             <a:srgbClr val="000000"/>
                           </a:solidFill>
                         </a:rPr>
-                        <a:t>93.40</a:t>
+                        <a:t>2.00</a:t>
                       </a:r>
                       <a:endParaRPr lang="en-US" sz="1100"/>
                     </a:p>
                   </a:txBody>
                   <a:tcPr>
-                    <a:lnL cmpd="sng" algn="ctr" cap="flat">
+                    <a:lnL cap="flat" cmpd="sng" algn="ctr">
                       <a:solidFill>
                         <a:srgbClr val="000000"/>
                       </a:solidFill>
@@ -10967,7 +10923,7 @@
                       <a:headEnd type="none" w="med" len="med"/>
                       <a:tailEnd type="none" w="med" len="med"/>
                     </a:lnL>
-                    <a:lnR cmpd="sng" algn="ctr" cap="flat">
+                    <a:lnR cap="flat" cmpd="sng" algn="ctr">
                       <a:solidFill>
                         <a:srgbClr val="000000"/>
                       </a:solidFill>
@@ -10976,7 +10932,7 @@
                       <a:headEnd type="none" w="med" len="med"/>
                       <a:tailEnd type="none" w="med" len="med"/>
                     </a:lnR>
-                    <a:lnT cmpd="sng" algn="ctr" cap="flat">
+                    <a:lnT cap="flat" cmpd="sng" algn="ctr">
                       <a:solidFill>
                         <a:srgbClr val="000000"/>
                       </a:solidFill>
@@ -10985,7 +10941,7 @@
                       <a:headEnd type="none" w="med" len="med"/>
                       <a:tailEnd type="none" w="med" len="med"/>
                     </a:lnT>
-                    <a:lnB cmpd="sng" algn="ctr" cap="flat">
+                    <a:lnB cap="flat" cmpd="sng" algn="ctr">
                       <a:solidFill>
                         <a:srgbClr val="000000"/>
                       </a:solidFill>
@@ -11001,7 +10957,7 @@
                 </a:tc>
                 <a:tc>
                   <a:txBody>
-                    <a:bodyPr anchor="t" rtlCol="false"/>
+                    <a:bodyPr/>
                     <a:lstStyle/>
                     <a:p>
                       <a:pPr algn="l">
@@ -11013,13 +10969,13 @@
                             <a:srgbClr val="000000"/>
                           </a:solidFill>
                         </a:rPr>
-                        <a:t>42.90</a:t>
+                        <a:t>1.90</a:t>
                       </a:r>
                       <a:endParaRPr lang="en-US" sz="1100"/>
                     </a:p>
                   </a:txBody>
                   <a:tcPr>
-                    <a:lnL cmpd="sng" algn="ctr" cap="flat">
+                    <a:lnL cap="flat" cmpd="sng" algn="ctr">
                       <a:solidFill>
                         <a:srgbClr val="000000"/>
                       </a:solidFill>
@@ -11028,7 +10984,7 @@
                       <a:headEnd type="none" w="med" len="med"/>
                       <a:tailEnd type="none" w="med" len="med"/>
                     </a:lnL>
-                    <a:lnR cmpd="sng" algn="ctr" cap="flat">
+                    <a:lnR cap="flat" cmpd="sng" algn="ctr">
                       <a:solidFill>
                         <a:srgbClr val="000000"/>
                       </a:solidFill>
@@ -11037,7 +10993,7 @@
                       <a:headEnd type="none" w="med" len="med"/>
                       <a:tailEnd type="none" w="med" len="med"/>
                     </a:lnR>
-                    <a:lnT cmpd="sng" algn="ctr" cap="flat">
+                    <a:lnT cap="flat" cmpd="sng" algn="ctr">
                       <a:solidFill>
                         <a:srgbClr val="000000"/>
                       </a:solidFill>
@@ -11046,7 +11002,7 @@
                       <a:headEnd type="none" w="med" len="med"/>
                       <a:tailEnd type="none" w="med" len="med"/>
                     </a:lnT>
-                    <a:lnB cmpd="sng" algn="ctr" cap="flat">
+                    <a:lnB cap="flat" cmpd="sng" algn="ctr">
                       <a:solidFill>
                         <a:srgbClr val="000000"/>
                       </a:solidFill>
@@ -11062,7 +11018,7 @@
                 </a:tc>
                 <a:tc>
                   <a:txBody>
-                    <a:bodyPr anchor="t" rtlCol="false"/>
+                    <a:bodyPr/>
                     <a:lstStyle/>
                     <a:p>
                       <a:pPr algn="l">
@@ -11074,13 +11030,13 @@
                             <a:srgbClr val="000000"/>
                           </a:solidFill>
                         </a:rPr>
-                        <a:t>55.50</a:t>
+                        <a:t>1.90</a:t>
                       </a:r>
                       <a:endParaRPr lang="en-US" sz="1100"/>
                     </a:p>
                   </a:txBody>
                   <a:tcPr>
-                    <a:lnL cmpd="sng" algn="ctr" cap="flat">
+                    <a:lnL cap="flat" cmpd="sng" algn="ctr">
                       <a:solidFill>
                         <a:srgbClr val="000000"/>
                       </a:solidFill>
@@ -11089,7 +11045,7 @@
                       <a:headEnd type="none" w="med" len="med"/>
                       <a:tailEnd type="none" w="med" len="med"/>
                     </a:lnL>
-                    <a:lnR cmpd="sng" algn="ctr" cap="flat">
+                    <a:lnR cap="flat" cmpd="sng" algn="ctr">
                       <a:solidFill>
                         <a:srgbClr val="000000"/>
                       </a:solidFill>
@@ -11098,7 +11054,7 @@
                       <a:headEnd type="none" w="med" len="med"/>
                       <a:tailEnd type="none" w="med" len="med"/>
                     </a:lnR>
-                    <a:lnT cmpd="sng" algn="ctr" cap="flat">
+                    <a:lnT cap="flat" cmpd="sng" algn="ctr">
                       <a:solidFill>
                         <a:srgbClr val="000000"/>
                       </a:solidFill>
@@ -11107,7 +11063,7 @@
                       <a:headEnd type="none" w="med" len="med"/>
                       <a:tailEnd type="none" w="med" len="med"/>
                     </a:lnT>
-                    <a:lnB cmpd="sng" algn="ctr" cap="flat">
+                    <a:lnB cap="flat" cmpd="sng" algn="ctr">
                       <a:solidFill>
                         <a:srgbClr val="000000"/>
                       </a:solidFill>
@@ -11121,6 +11077,11 @@
                     </a:solidFill>
                   </a:tcPr>
                 </a:tc>
+                <a:extLst>
+                  <a:ext uri="{0D108BD9-81ED-4DB2-BD59-A6C34878D82A}">
+                    <a16:rowId xmlns:a16="http://schemas.microsoft.com/office/drawing/2014/main" val="10012"/>
+                  </a:ext>
+                </a:extLst>
               </a:tr>
             </a:tbl>
           </a:graphicData>
@@ -11135,7 +11096,7 @@
 </file>
 
 <file path=ppt/slides/slide8.xml><?xml version="1.0" encoding="utf-8"?>
-<p:sld xmlns:p="http://schemas.openxmlformats.org/presentationml/2006/main" xmlns:a="http://schemas.openxmlformats.org/drawingml/2006/main">
+<p:sld xmlns:a="http://schemas.openxmlformats.org/drawingml/2006/main" xmlns:r="http://schemas.openxmlformats.org/officeDocument/2006/relationships" xmlns:p="http://schemas.openxmlformats.org/presentationml/2006/main">
   <p:cSld>
     <p:spTree>
       <p:nvGrpSpPr>
@@ -11153,8 +11114,8 @@
       </p:grpSpPr>
       <p:sp>
         <p:nvSpPr>
-          <p:cNvPr name="TextBox 2" id="2"/>
-          <p:cNvSpPr txBox="true"/>
+          <p:cNvPr id="2" name="TextBox 2"/>
+          <p:cNvSpPr txBox="1"/>
           <p:nvPr/>
         </p:nvSpPr>
         <p:spPr>
@@ -11167,16 +11128,13 @@
           </a:prstGeom>
         </p:spPr>
         <p:txBody>
-          <a:bodyPr anchor="t" rtlCol="false" anchorCtr="true"/>
+          <a:bodyPr rtlCol="0" anchor="t" anchorCtr="1"/>
           <a:lstStyle/>
           <a:p>
             <a:pPr algn="l">
               <a:defRPr/>
             </a:pPr>
-            <a:r>
-              <a:rPr lang="en-US"/>
-              <a:t/>
-            </a:r>
+            <a:endParaRPr/>
           </a:p>
           <a:p>
             <a:pPr algn="l">
@@ -11195,33 +11153,75 @@
       </p:sp>
       <p:graphicFrame>
         <p:nvGraphicFramePr>
-          <p:cNvPr name="Table 3" id="3"/>
+          <p:cNvPr id="3" name="Table 3"/>
           <p:cNvGraphicFramePr>
-            <a:graphicFrameLocks noGrp="true"/>
+            <a:graphicFrameLocks noGrp="1"/>
           </p:cNvGraphicFramePr>
           <p:nvPr/>
         </p:nvGraphicFramePr>
         <p:xfrm>
           <a:off x="1397000" y="1270000"/>
-          <a:ext cx="5080000" cy="3810000"/>
+          <a:ext cx="6223000" cy="1828800"/>
         </p:xfrm>
         <a:graphic>
           <a:graphicData uri="http://schemas.openxmlformats.org/drawingml/2006/table">
             <a:tbl>
               <a:tblPr/>
               <a:tblGrid>
-                <a:gridCol w="889000"/>
-                <a:gridCol w="889000"/>
-                <a:gridCol w="889000"/>
-                <a:gridCol w="889000"/>
-                <a:gridCol w="889000"/>
-                <a:gridCol w="889000"/>
-                <a:gridCol w="889000"/>
+                <a:gridCol w="889000">
+                  <a:extLst>
+                    <a:ext uri="{9D8B030D-6E8A-4147-A177-3AD203B41FA5}">
+                      <a16:colId xmlns:a16="http://schemas.microsoft.com/office/drawing/2014/main" val="20000"/>
+                    </a:ext>
+                  </a:extLst>
+                </a:gridCol>
+                <a:gridCol w="889000">
+                  <a:extLst>
+                    <a:ext uri="{9D8B030D-6E8A-4147-A177-3AD203B41FA5}">
+                      <a16:colId xmlns:a16="http://schemas.microsoft.com/office/drawing/2014/main" val="20001"/>
+                    </a:ext>
+                  </a:extLst>
+                </a:gridCol>
+                <a:gridCol w="889000">
+                  <a:extLst>
+                    <a:ext uri="{9D8B030D-6E8A-4147-A177-3AD203B41FA5}">
+                      <a16:colId xmlns:a16="http://schemas.microsoft.com/office/drawing/2014/main" val="20002"/>
+                    </a:ext>
+                  </a:extLst>
+                </a:gridCol>
+                <a:gridCol w="889000">
+                  <a:extLst>
+                    <a:ext uri="{9D8B030D-6E8A-4147-A177-3AD203B41FA5}">
+                      <a16:colId xmlns:a16="http://schemas.microsoft.com/office/drawing/2014/main" val="20003"/>
+                    </a:ext>
+                  </a:extLst>
+                </a:gridCol>
+                <a:gridCol w="889000">
+                  <a:extLst>
+                    <a:ext uri="{9D8B030D-6E8A-4147-A177-3AD203B41FA5}">
+                      <a16:colId xmlns:a16="http://schemas.microsoft.com/office/drawing/2014/main" val="20004"/>
+                    </a:ext>
+                  </a:extLst>
+                </a:gridCol>
+                <a:gridCol w="889000">
+                  <a:extLst>
+                    <a:ext uri="{9D8B030D-6E8A-4147-A177-3AD203B41FA5}">
+                      <a16:colId xmlns:a16="http://schemas.microsoft.com/office/drawing/2014/main" val="20005"/>
+                    </a:ext>
+                  </a:extLst>
+                </a:gridCol>
+                <a:gridCol w="889000">
+                  <a:extLst>
+                    <a:ext uri="{9D8B030D-6E8A-4147-A177-3AD203B41FA5}">
+                      <a16:colId xmlns:a16="http://schemas.microsoft.com/office/drawing/2014/main" val="20006"/>
+                    </a:ext>
+                  </a:extLst>
+                </a:gridCol>
               </a:tblGrid>
               <a:tr h="254000">
                 <a:tc>
                   <a:txBody>
-                    <a:bodyPr anchor="t" rtlCol="false"/>
+                    <a:bodyPr/>
                     <a:lstStyle/>
                     <a:p>
                       <a:pPr algn="l">
@@ -11239,7 +11239,7 @@
                     </a:p>
                   </a:txBody>
                   <a:tcPr>
-                    <a:lnL cmpd="sng" algn="ctr" cap="flat">
+                    <a:lnL cap="flat" cmpd="sng" algn="ctr">
                       <a:solidFill>
                         <a:srgbClr val="000000"/>
                       </a:solidFill>
@@ -11248,7 +11248,7 @@
                       <a:headEnd type="none" w="med" len="med"/>
                       <a:tailEnd type="none" w="med" len="med"/>
                     </a:lnL>
-                    <a:lnR cmpd="sng" algn="ctr" cap="flat">
+                    <a:lnR cap="flat" cmpd="sng" algn="ctr">
                       <a:solidFill>
                         <a:srgbClr val="000000"/>
                       </a:solidFill>
@@ -11257,7 +11257,7 @@
                       <a:headEnd type="none" w="med" len="med"/>
                       <a:tailEnd type="none" w="med" len="med"/>
                     </a:lnR>
-                    <a:lnT cmpd="sng" algn="ctr" cap="flat">
+                    <a:lnT cap="flat" cmpd="sng" algn="ctr">
                       <a:solidFill>
                         <a:srgbClr val="000000"/>
                       </a:solidFill>
@@ -11266,7 +11266,7 @@
                       <a:headEnd type="none" w="med" len="med"/>
                       <a:tailEnd type="none" w="med" len="med"/>
                     </a:lnT>
-                    <a:lnB cmpd="sng" algn="ctr" cap="flat">
+                    <a:lnB cap="flat" cmpd="sng" algn="ctr">
                       <a:solidFill>
                         <a:srgbClr val="000000"/>
                       </a:solidFill>
@@ -11282,7 +11282,7 @@
                 </a:tc>
                 <a:tc>
                   <a:txBody>
-                    <a:bodyPr anchor="t" rtlCol="false"/>
+                    <a:bodyPr/>
                     <a:lstStyle/>
                     <a:p>
                       <a:pPr algn="l">
@@ -11300,7 +11300,7 @@
                     </a:p>
                   </a:txBody>
                   <a:tcPr>
-                    <a:lnL cmpd="sng" algn="ctr" cap="flat">
+                    <a:lnL cap="flat" cmpd="sng" algn="ctr">
                       <a:solidFill>
                         <a:srgbClr val="000000"/>
                       </a:solidFill>
@@ -11309,7 +11309,7 @@
                       <a:headEnd type="none" w="med" len="med"/>
                       <a:tailEnd type="none" w="med" len="med"/>
                     </a:lnL>
-                    <a:lnR cmpd="sng" algn="ctr" cap="flat">
+                    <a:lnR cap="flat" cmpd="sng" algn="ctr">
                       <a:solidFill>
                         <a:srgbClr val="000000"/>
                       </a:solidFill>
@@ -11318,7 +11318,7 @@
                       <a:headEnd type="none" w="med" len="med"/>
                       <a:tailEnd type="none" w="med" len="med"/>
                     </a:lnR>
-                    <a:lnT cmpd="sng" algn="ctr" cap="flat">
+                    <a:lnT cap="flat" cmpd="sng" algn="ctr">
                       <a:solidFill>
                         <a:srgbClr val="000000"/>
                       </a:solidFill>
@@ -11327,7 +11327,7 @@
                       <a:headEnd type="none" w="med" len="med"/>
                       <a:tailEnd type="none" w="med" len="med"/>
                     </a:lnT>
-                    <a:lnB cmpd="sng" algn="ctr" cap="flat">
+                    <a:lnB cap="flat" cmpd="sng" algn="ctr">
                       <a:solidFill>
                         <a:srgbClr val="000000"/>
                       </a:solidFill>
@@ -11343,7 +11343,7 @@
                 </a:tc>
                 <a:tc>
                   <a:txBody>
-                    <a:bodyPr anchor="t" rtlCol="false"/>
+                    <a:bodyPr/>
                     <a:lstStyle/>
                     <a:p>
                       <a:pPr algn="l">
@@ -11361,7 +11361,7 @@
                     </a:p>
                   </a:txBody>
                   <a:tcPr>
-                    <a:lnL cmpd="sng" algn="ctr" cap="flat">
+                    <a:lnL cap="flat" cmpd="sng" algn="ctr">
                       <a:solidFill>
                         <a:srgbClr val="000000"/>
                       </a:solidFill>
@@ -11370,7 +11370,7 @@
                       <a:headEnd type="none" w="med" len="med"/>
                       <a:tailEnd type="none" w="med" len="med"/>
                     </a:lnL>
-                    <a:lnR cmpd="sng" algn="ctr" cap="flat">
+                    <a:lnR cap="flat" cmpd="sng" algn="ctr">
                       <a:solidFill>
                         <a:srgbClr val="000000"/>
                       </a:solidFill>
@@ -11379,7 +11379,7 @@
                       <a:headEnd type="none" w="med" len="med"/>
                       <a:tailEnd type="none" w="med" len="med"/>
                     </a:lnR>
-                    <a:lnT cmpd="sng" algn="ctr" cap="flat">
+                    <a:lnT cap="flat" cmpd="sng" algn="ctr">
                       <a:solidFill>
                         <a:srgbClr val="000000"/>
                       </a:solidFill>
@@ -11388,7 +11388,7 @@
                       <a:headEnd type="none" w="med" len="med"/>
                       <a:tailEnd type="none" w="med" len="med"/>
                     </a:lnT>
-                    <a:lnB cmpd="sng" algn="ctr" cap="flat">
+                    <a:lnB cap="flat" cmpd="sng" algn="ctr">
                       <a:solidFill>
                         <a:srgbClr val="000000"/>
                       </a:solidFill>
@@ -11404,7 +11404,7 @@
                 </a:tc>
                 <a:tc>
                   <a:txBody>
-                    <a:bodyPr anchor="t" rtlCol="false"/>
+                    <a:bodyPr/>
                     <a:lstStyle/>
                     <a:p>
                       <a:pPr algn="l">
@@ -11422,7 +11422,7 @@
                     </a:p>
                   </a:txBody>
                   <a:tcPr>
-                    <a:lnL cmpd="sng" algn="ctr" cap="flat">
+                    <a:lnL cap="flat" cmpd="sng" algn="ctr">
                       <a:solidFill>
                         <a:srgbClr val="000000"/>
                       </a:solidFill>
@@ -11431,7 +11431,7 @@
                       <a:headEnd type="none" w="med" len="med"/>
                       <a:tailEnd type="none" w="med" len="med"/>
                     </a:lnL>
-                    <a:lnR cmpd="sng" algn="ctr" cap="flat">
+                    <a:lnR cap="flat" cmpd="sng" algn="ctr">
                       <a:solidFill>
                         <a:srgbClr val="000000"/>
                       </a:solidFill>
@@ -11440,7 +11440,7 @@
                       <a:headEnd type="none" w="med" len="med"/>
                       <a:tailEnd type="none" w="med" len="med"/>
                     </a:lnR>
-                    <a:lnT cmpd="sng" algn="ctr" cap="flat">
+                    <a:lnT cap="flat" cmpd="sng" algn="ctr">
                       <a:solidFill>
                         <a:srgbClr val="000000"/>
                       </a:solidFill>
@@ -11449,7 +11449,7 @@
                       <a:headEnd type="none" w="med" len="med"/>
                       <a:tailEnd type="none" w="med" len="med"/>
                     </a:lnT>
-                    <a:lnB cmpd="sng" algn="ctr" cap="flat">
+                    <a:lnB cap="flat" cmpd="sng" algn="ctr">
                       <a:solidFill>
                         <a:srgbClr val="000000"/>
                       </a:solidFill>
@@ -11465,7 +11465,7 @@
                 </a:tc>
                 <a:tc>
                   <a:txBody>
-                    <a:bodyPr anchor="t" rtlCol="false"/>
+                    <a:bodyPr/>
                     <a:lstStyle/>
                     <a:p>
                       <a:pPr algn="l">
@@ -11483,7 +11483,7 @@
                     </a:p>
                   </a:txBody>
                   <a:tcPr>
-                    <a:lnL cmpd="sng" algn="ctr" cap="flat">
+                    <a:lnL cap="flat" cmpd="sng" algn="ctr">
                       <a:solidFill>
                         <a:srgbClr val="000000"/>
                       </a:solidFill>
@@ -11492,7 +11492,7 @@
                       <a:headEnd type="none" w="med" len="med"/>
                       <a:tailEnd type="none" w="med" len="med"/>
                     </a:lnL>
-                    <a:lnR cmpd="sng" algn="ctr" cap="flat">
+                    <a:lnR cap="flat" cmpd="sng" algn="ctr">
                       <a:solidFill>
                         <a:srgbClr val="000000"/>
                       </a:solidFill>
@@ -11501,7 +11501,7 @@
                       <a:headEnd type="none" w="med" len="med"/>
                       <a:tailEnd type="none" w="med" len="med"/>
                     </a:lnR>
-                    <a:lnT cmpd="sng" algn="ctr" cap="flat">
+                    <a:lnT cap="flat" cmpd="sng" algn="ctr">
                       <a:solidFill>
                         <a:srgbClr val="000000"/>
                       </a:solidFill>
@@ -11510,7 +11510,7 @@
                       <a:headEnd type="none" w="med" len="med"/>
                       <a:tailEnd type="none" w="med" len="med"/>
                     </a:lnT>
-                    <a:lnB cmpd="sng" algn="ctr" cap="flat">
+                    <a:lnB cap="flat" cmpd="sng" algn="ctr">
                       <a:solidFill>
                         <a:srgbClr val="000000"/>
                       </a:solidFill>
@@ -11526,7 +11526,7 @@
                 </a:tc>
                 <a:tc>
                   <a:txBody>
-                    <a:bodyPr anchor="t" rtlCol="false"/>
+                    <a:bodyPr/>
                     <a:lstStyle/>
                     <a:p>
                       <a:pPr algn="l">
@@ -11544,7 +11544,7 @@
                     </a:p>
                   </a:txBody>
                   <a:tcPr>
-                    <a:lnL cmpd="sng" algn="ctr" cap="flat">
+                    <a:lnL cap="flat" cmpd="sng" algn="ctr">
                       <a:solidFill>
                         <a:srgbClr val="000000"/>
                       </a:solidFill>
@@ -11553,7 +11553,7 @@
                       <a:headEnd type="none" w="med" len="med"/>
                       <a:tailEnd type="none" w="med" len="med"/>
                     </a:lnL>
-                    <a:lnR cmpd="sng" algn="ctr" cap="flat">
+                    <a:lnR cap="flat" cmpd="sng" algn="ctr">
                       <a:solidFill>
                         <a:srgbClr val="000000"/>
                       </a:solidFill>
@@ -11562,7 +11562,7 @@
                       <a:headEnd type="none" w="med" len="med"/>
                       <a:tailEnd type="none" w="med" len="med"/>
                     </a:lnR>
-                    <a:lnT cmpd="sng" algn="ctr" cap="flat">
+                    <a:lnT cap="flat" cmpd="sng" algn="ctr">
                       <a:solidFill>
                         <a:srgbClr val="000000"/>
                       </a:solidFill>
@@ -11571,7 +11571,7 @@
                       <a:headEnd type="none" w="med" len="med"/>
                       <a:tailEnd type="none" w="med" len="med"/>
                     </a:lnT>
-                    <a:lnB cmpd="sng" algn="ctr" cap="flat">
+                    <a:lnB cap="flat" cmpd="sng" algn="ctr">
                       <a:solidFill>
                         <a:srgbClr val="000000"/>
                       </a:solidFill>
@@ -11587,7 +11587,7 @@
                 </a:tc>
                 <a:tc>
                   <a:txBody>
-                    <a:bodyPr anchor="t" rtlCol="false"/>
+                    <a:bodyPr/>
                     <a:lstStyle/>
                     <a:p>
                       <a:pPr algn="l">
@@ -11605,7 +11605,7 @@
                     </a:p>
                   </a:txBody>
                   <a:tcPr>
-                    <a:lnL cmpd="sng" algn="ctr" cap="flat">
+                    <a:lnL cap="flat" cmpd="sng" algn="ctr">
                       <a:solidFill>
                         <a:srgbClr val="000000"/>
                       </a:solidFill>
@@ -11614,7 +11614,7 @@
                       <a:headEnd type="none" w="med" len="med"/>
                       <a:tailEnd type="none" w="med" len="med"/>
                     </a:lnL>
-                    <a:lnR cmpd="sng" algn="ctr" cap="flat">
+                    <a:lnR cap="flat" cmpd="sng" algn="ctr">
                       <a:solidFill>
                         <a:srgbClr val="000000"/>
                       </a:solidFill>
@@ -11623,7 +11623,7 @@
                       <a:headEnd type="none" w="med" len="med"/>
                       <a:tailEnd type="none" w="med" len="med"/>
                     </a:lnR>
-                    <a:lnT cmpd="sng" algn="ctr" cap="flat">
+                    <a:lnT cap="flat" cmpd="sng" algn="ctr">
                       <a:solidFill>
                         <a:srgbClr val="000000"/>
                       </a:solidFill>
@@ -11632,7 +11632,7 @@
                       <a:headEnd type="none" w="med" len="med"/>
                       <a:tailEnd type="none" w="med" len="med"/>
                     </a:lnT>
-                    <a:lnB cmpd="sng" algn="ctr" cap="flat">
+                    <a:lnB cap="flat" cmpd="sng" algn="ctr">
                       <a:solidFill>
                         <a:srgbClr val="000000"/>
                       </a:solidFill>
@@ -11646,11 +11646,16 @@
                     </a:solidFill>
                   </a:tcPr>
                 </a:tc>
+                <a:extLst>
+                  <a:ext uri="{0D108BD9-81ED-4DB2-BD59-A6C34878D82A}">
+                    <a16:rowId xmlns:a16="http://schemas.microsoft.com/office/drawing/2014/main" val="10000"/>
+                  </a:ext>
+                </a:extLst>
               </a:tr>
               <a:tr h="254000">
                 <a:tc>
                   <a:txBody>
-                    <a:bodyPr anchor="t" rtlCol="false"/>
+                    <a:bodyPr/>
                     <a:lstStyle/>
                     <a:p>
                       <a:pPr algn="l">
@@ -11668,7 +11673,7 @@
                     </a:p>
                   </a:txBody>
                   <a:tcPr>
-                    <a:lnL cmpd="sng" algn="ctr" cap="flat">
+                    <a:lnL cap="flat" cmpd="sng" algn="ctr">
                       <a:solidFill>
                         <a:srgbClr val="000000"/>
                       </a:solidFill>
@@ -11677,7 +11682,7 @@
                       <a:headEnd type="none" w="med" len="med"/>
                       <a:tailEnd type="none" w="med" len="med"/>
                     </a:lnL>
-                    <a:lnR cmpd="sng" algn="ctr" cap="flat">
+                    <a:lnR cap="flat" cmpd="sng" algn="ctr">
                       <a:solidFill>
                         <a:srgbClr val="000000"/>
                       </a:solidFill>
@@ -11686,7 +11691,7 @@
                       <a:headEnd type="none" w="med" len="med"/>
                       <a:tailEnd type="none" w="med" len="med"/>
                     </a:lnR>
-                    <a:lnT cmpd="sng" algn="ctr" cap="flat">
+                    <a:lnT cap="flat" cmpd="sng" algn="ctr">
                       <a:solidFill>
                         <a:srgbClr val="000000"/>
                       </a:solidFill>
@@ -11695,7 +11700,7 @@
                       <a:headEnd type="none" w="med" len="med"/>
                       <a:tailEnd type="none" w="med" len="med"/>
                     </a:lnT>
-                    <a:lnB cmpd="sng" algn="ctr" cap="flat">
+                    <a:lnB cap="flat" cmpd="sng" algn="ctr">
                       <a:solidFill>
                         <a:srgbClr val="000000"/>
                       </a:solidFill>
@@ -11711,7 +11716,7 @@
                 </a:tc>
                 <a:tc>
                   <a:txBody>
-                    <a:bodyPr anchor="t" rtlCol="false"/>
+                    <a:bodyPr/>
                     <a:lstStyle/>
                     <a:p>
                       <a:pPr algn="l">
@@ -11723,13 +11728,13 @@
                             <a:srgbClr val="000000"/>
                           </a:solidFill>
                         </a:rPr>
-                        <a:t>40.0</a:t>
+                        <a:t>351116.0</a:t>
                       </a:r>
                       <a:endParaRPr lang="en-US" sz="1100"/>
                     </a:p>
                   </a:txBody>
                   <a:tcPr>
-                    <a:lnL cmpd="sng" algn="ctr" cap="flat">
+                    <a:lnL cap="flat" cmpd="sng" algn="ctr">
                       <a:solidFill>
                         <a:srgbClr val="000000"/>
                       </a:solidFill>
@@ -11738,7 +11743,7 @@
                       <a:headEnd type="none" w="med" len="med"/>
                       <a:tailEnd type="none" w="med" len="med"/>
                     </a:lnL>
-                    <a:lnR cmpd="sng" algn="ctr" cap="flat">
+                    <a:lnR cap="flat" cmpd="sng" algn="ctr">
                       <a:solidFill>
                         <a:srgbClr val="000000"/>
                       </a:solidFill>
@@ -11747,7 +11752,7 @@
                       <a:headEnd type="none" w="med" len="med"/>
                       <a:tailEnd type="none" w="med" len="med"/>
                     </a:lnR>
-                    <a:lnT cmpd="sng" algn="ctr" cap="flat">
+                    <a:lnT cap="flat" cmpd="sng" algn="ctr">
                       <a:solidFill>
                         <a:srgbClr val="000000"/>
                       </a:solidFill>
@@ -11756,7 +11761,7 @@
                       <a:headEnd type="none" w="med" len="med"/>
                       <a:tailEnd type="none" w="med" len="med"/>
                     </a:lnT>
-                    <a:lnB cmpd="sng" algn="ctr" cap="flat">
+                    <a:lnB cap="flat" cmpd="sng" algn="ctr">
                       <a:solidFill>
                         <a:srgbClr val="000000"/>
                       </a:solidFill>
@@ -11772,7 +11777,7 @@
                 </a:tc>
                 <a:tc>
                   <a:txBody>
-                    <a:bodyPr anchor="t" rtlCol="false"/>
+                    <a:bodyPr/>
                     <a:lstStyle/>
                     <a:p>
                       <a:pPr algn="l">
@@ -11790,7 +11795,7 @@
                     </a:p>
                   </a:txBody>
                   <a:tcPr>
-                    <a:lnL cmpd="sng" algn="ctr" cap="flat">
+                    <a:lnL cap="flat" cmpd="sng" algn="ctr">
                       <a:solidFill>
                         <a:srgbClr val="000000"/>
                       </a:solidFill>
@@ -11799,7 +11804,7 @@
                       <a:headEnd type="none" w="med" len="med"/>
                       <a:tailEnd type="none" w="med" len="med"/>
                     </a:lnL>
-                    <a:lnR cmpd="sng" algn="ctr" cap="flat">
+                    <a:lnR cap="flat" cmpd="sng" algn="ctr">
                       <a:solidFill>
                         <a:srgbClr val="000000"/>
                       </a:solidFill>
@@ -11808,7 +11813,7 @@
                       <a:headEnd type="none" w="med" len="med"/>
                       <a:tailEnd type="none" w="med" len="med"/>
                     </a:lnR>
-                    <a:lnT cmpd="sng" algn="ctr" cap="flat">
+                    <a:lnT cap="flat" cmpd="sng" algn="ctr">
                       <a:solidFill>
                         <a:srgbClr val="000000"/>
                       </a:solidFill>
@@ -11817,7 +11822,7 @@
                       <a:headEnd type="none" w="med" len="med"/>
                       <a:tailEnd type="none" w="med" len="med"/>
                     </a:lnT>
-                    <a:lnB cmpd="sng" algn="ctr" cap="flat">
+                    <a:lnB cap="flat" cmpd="sng" algn="ctr">
                       <a:solidFill>
                         <a:srgbClr val="000000"/>
                       </a:solidFill>
@@ -11833,7 +11838,7 @@
                 </a:tc>
                 <a:tc>
                   <a:txBody>
-                    <a:bodyPr anchor="t" rtlCol="false"/>
+                    <a:bodyPr/>
                     <a:lstStyle/>
                     <a:p>
                       <a:pPr algn="l">
@@ -11845,13 +11850,13 @@
                             <a:srgbClr val="000000"/>
                           </a:solidFill>
                         </a:rPr>
-                        <a:t>3.20</a:t>
+                        <a:t>195.10</a:t>
                       </a:r>
                       <a:endParaRPr lang="en-US" sz="1100"/>
                     </a:p>
                   </a:txBody>
                   <a:tcPr>
-                    <a:lnL cmpd="sng" algn="ctr" cap="flat">
+                    <a:lnL cap="flat" cmpd="sng" algn="ctr">
                       <a:solidFill>
                         <a:srgbClr val="000000"/>
                       </a:solidFill>
@@ -11860,7 +11865,7 @@
                       <a:headEnd type="none" w="med" len="med"/>
                       <a:tailEnd type="none" w="med" len="med"/>
                     </a:lnL>
-                    <a:lnR cmpd="sng" algn="ctr" cap="flat">
+                    <a:lnR cap="flat" cmpd="sng" algn="ctr">
                       <a:solidFill>
                         <a:srgbClr val="000000"/>
                       </a:solidFill>
@@ -11869,7 +11874,7 @@
                       <a:headEnd type="none" w="med" len="med"/>
                       <a:tailEnd type="none" w="med" len="med"/>
                     </a:lnR>
-                    <a:lnT cmpd="sng" algn="ctr" cap="flat">
+                    <a:lnT cap="flat" cmpd="sng" algn="ctr">
                       <a:solidFill>
                         <a:srgbClr val="000000"/>
                       </a:solidFill>
@@ -11878,7 +11883,7 @@
                       <a:headEnd type="none" w="med" len="med"/>
                       <a:tailEnd type="none" w="med" len="med"/>
                     </a:lnT>
-                    <a:lnB cmpd="sng" algn="ctr" cap="flat">
+                    <a:lnB cap="flat" cmpd="sng" algn="ctr">
                       <a:solidFill>
                         <a:srgbClr val="000000"/>
                       </a:solidFill>
@@ -11894,7 +11899,7 @@
                 </a:tc>
                 <a:tc>
                   <a:txBody>
-                    <a:bodyPr anchor="t" rtlCol="false"/>
+                    <a:bodyPr/>
                     <a:lstStyle/>
                     <a:p>
                       <a:pPr algn="l">
@@ -11906,13 +11911,13 @@
                             <a:srgbClr val="000000"/>
                           </a:solidFill>
                         </a:rPr>
-                        <a:t>116.00</a:t>
+                        <a:t>6.70</a:t>
                       </a:r>
                       <a:endParaRPr lang="en-US" sz="1100"/>
                     </a:p>
                   </a:txBody>
                   <a:tcPr>
-                    <a:lnL cmpd="sng" algn="ctr" cap="flat">
+                    <a:lnL cap="flat" cmpd="sng" algn="ctr">
                       <a:solidFill>
                         <a:srgbClr val="000000"/>
                       </a:solidFill>
@@ -11921,7 +11926,7 @@
                       <a:headEnd type="none" w="med" len="med"/>
                       <a:tailEnd type="none" w="med" len="med"/>
                     </a:lnL>
-                    <a:lnR cmpd="sng" algn="ctr" cap="flat">
+                    <a:lnR cap="flat" cmpd="sng" algn="ctr">
                       <a:solidFill>
                         <a:srgbClr val="000000"/>
                       </a:solidFill>
@@ -11930,7 +11935,7 @@
                       <a:headEnd type="none" w="med" len="med"/>
                       <a:tailEnd type="none" w="med" len="med"/>
                     </a:lnR>
-                    <a:lnT cmpd="sng" algn="ctr" cap="flat">
+                    <a:lnT cap="flat" cmpd="sng" algn="ctr">
                       <a:solidFill>
                         <a:srgbClr val="000000"/>
                       </a:solidFill>
@@ -11939,7 +11944,7 @@
                       <a:headEnd type="none" w="med" len="med"/>
                       <a:tailEnd type="none" w="med" len="med"/>
                     </a:lnT>
-                    <a:lnB cmpd="sng" algn="ctr" cap="flat">
+                    <a:lnB cap="flat" cmpd="sng" algn="ctr">
                       <a:solidFill>
                         <a:srgbClr val="000000"/>
                       </a:solidFill>
@@ -11955,7 +11960,7 @@
                 </a:tc>
                 <a:tc>
                   <a:txBody>
-                    <a:bodyPr anchor="t" rtlCol="false"/>
+                    <a:bodyPr/>
                     <a:lstStyle/>
                     <a:p>
                       <a:pPr algn="l">
@@ -11967,13 +11972,13 @@
                             <a:srgbClr val="000000"/>
                           </a:solidFill>
                         </a:rPr>
-                        <a:t>375.60</a:t>
+                        <a:t>4.60</a:t>
                       </a:r>
                       <a:endParaRPr lang="en-US" sz="1100"/>
                     </a:p>
                   </a:txBody>
                   <a:tcPr>
-                    <a:lnL cmpd="sng" algn="ctr" cap="flat">
+                    <a:lnL cap="flat" cmpd="sng" algn="ctr">
                       <a:solidFill>
                         <a:srgbClr val="000000"/>
                       </a:solidFill>
@@ -11982,7 +11987,7 @@
                       <a:headEnd type="none" w="med" len="med"/>
                       <a:tailEnd type="none" w="med" len="med"/>
                     </a:lnL>
-                    <a:lnR cmpd="sng" algn="ctr" cap="flat">
+                    <a:lnR cap="flat" cmpd="sng" algn="ctr">
                       <a:solidFill>
                         <a:srgbClr val="000000"/>
                       </a:solidFill>
@@ -11991,7 +11996,7 @@
                       <a:headEnd type="none" w="med" len="med"/>
                       <a:tailEnd type="none" w="med" len="med"/>
                     </a:lnR>
-                    <a:lnT cmpd="sng" algn="ctr" cap="flat">
+                    <a:lnT cap="flat" cmpd="sng" algn="ctr">
                       <a:solidFill>
                         <a:srgbClr val="000000"/>
                       </a:solidFill>
@@ -12000,7 +12005,7 @@
                       <a:headEnd type="none" w="med" len="med"/>
                       <a:tailEnd type="none" w="med" len="med"/>
                     </a:lnT>
-                    <a:lnB cmpd="sng" algn="ctr" cap="flat">
+                    <a:lnB cap="flat" cmpd="sng" algn="ctr">
                       <a:solidFill>
                         <a:srgbClr val="000000"/>
                       </a:solidFill>
@@ -12016,7 +12021,7 @@
                 </a:tc>
                 <a:tc>
                   <a:txBody>
-                    <a:bodyPr anchor="t" rtlCol="false"/>
+                    <a:bodyPr/>
                     <a:lstStyle/>
                     <a:p>
                       <a:pPr algn="l">
@@ -12028,13 +12033,13 @@
                             <a:srgbClr val="000000"/>
                           </a:solidFill>
                         </a:rPr>
-                        <a:t>310.70</a:t>
+                        <a:t>5.10</a:t>
                       </a:r>
                       <a:endParaRPr lang="en-US" sz="1100"/>
                     </a:p>
                   </a:txBody>
                   <a:tcPr>
-                    <a:lnL cmpd="sng" algn="ctr" cap="flat">
+                    <a:lnL cap="flat" cmpd="sng" algn="ctr">
                       <a:solidFill>
                         <a:srgbClr val="000000"/>
                       </a:solidFill>
@@ -12043,7 +12048,7 @@
                       <a:headEnd type="none" w="med" len="med"/>
                       <a:tailEnd type="none" w="med" len="med"/>
                     </a:lnL>
-                    <a:lnR cmpd="sng" algn="ctr" cap="flat">
+                    <a:lnR cap="flat" cmpd="sng" algn="ctr">
                       <a:solidFill>
                         <a:srgbClr val="000000"/>
                       </a:solidFill>
@@ -12052,7 +12057,7 @@
                       <a:headEnd type="none" w="med" len="med"/>
                       <a:tailEnd type="none" w="med" len="med"/>
                     </a:lnR>
-                    <a:lnT cmpd="sng" algn="ctr" cap="flat">
+                    <a:lnT cap="flat" cmpd="sng" algn="ctr">
                       <a:solidFill>
                         <a:srgbClr val="000000"/>
                       </a:solidFill>
@@ -12061,7 +12066,7 @@
                       <a:headEnd type="none" w="med" len="med"/>
                       <a:tailEnd type="none" w="med" len="med"/>
                     </a:lnT>
-                    <a:lnB cmpd="sng" algn="ctr" cap="flat">
+                    <a:lnB cap="flat" cmpd="sng" algn="ctr">
                       <a:solidFill>
                         <a:srgbClr val="000000"/>
                       </a:solidFill>
@@ -12075,11 +12080,16 @@
                     </a:solidFill>
                   </a:tcPr>
                 </a:tc>
+                <a:extLst>
+                  <a:ext uri="{0D108BD9-81ED-4DB2-BD59-A6C34878D82A}">
+                    <a16:rowId xmlns:a16="http://schemas.microsoft.com/office/drawing/2014/main" val="10001"/>
+                  </a:ext>
+                </a:extLst>
               </a:tr>
               <a:tr h="254000">
                 <a:tc>
                   <a:txBody>
-                    <a:bodyPr anchor="t" rtlCol="false"/>
+                    <a:bodyPr/>
                     <a:lstStyle/>
                     <a:p>
                       <a:pPr algn="l">
@@ -12097,7 +12107,7 @@
                     </a:p>
                   </a:txBody>
                   <a:tcPr>
-                    <a:lnL cmpd="sng" algn="ctr" cap="flat">
+                    <a:lnL cap="flat" cmpd="sng" algn="ctr">
                       <a:solidFill>
                         <a:srgbClr val="000000"/>
                       </a:solidFill>
@@ -12106,7 +12116,7 @@
                       <a:headEnd type="none" w="med" len="med"/>
                       <a:tailEnd type="none" w="med" len="med"/>
                     </a:lnL>
-                    <a:lnR cmpd="sng" algn="ctr" cap="flat">
+                    <a:lnR cap="flat" cmpd="sng" algn="ctr">
                       <a:solidFill>
                         <a:srgbClr val="000000"/>
                       </a:solidFill>
@@ -12115,7 +12125,7 @@
                       <a:headEnd type="none" w="med" len="med"/>
                       <a:tailEnd type="none" w="med" len="med"/>
                     </a:lnR>
-                    <a:lnT cmpd="sng" algn="ctr" cap="flat">
+                    <a:lnT cap="flat" cmpd="sng" algn="ctr">
                       <a:solidFill>
                         <a:srgbClr val="000000"/>
                       </a:solidFill>
@@ -12124,7 +12134,7 @@
                       <a:headEnd type="none" w="med" len="med"/>
                       <a:tailEnd type="none" w="med" len="med"/>
                     </a:lnT>
-                    <a:lnB cmpd="sng" algn="ctr" cap="flat">
+                    <a:lnB cap="flat" cmpd="sng" algn="ctr">
                       <a:solidFill>
                         <a:srgbClr val="000000"/>
                       </a:solidFill>
@@ -12140,7 +12150,7 @@
                 </a:tc>
                 <a:tc>
                   <a:txBody>
-                    <a:bodyPr anchor="t" rtlCol="false"/>
+                    <a:bodyPr/>
                     <a:lstStyle/>
                     <a:p>
                       <a:pPr algn="l">
@@ -12152,13 +12162,13 @@
                             <a:srgbClr val="000000"/>
                           </a:solidFill>
                         </a:rPr>
-                        <a:t>40.0</a:t>
+                        <a:t>344472.0</a:t>
                       </a:r>
                       <a:endParaRPr lang="en-US" sz="1100"/>
                     </a:p>
                   </a:txBody>
                   <a:tcPr>
-                    <a:lnL cmpd="sng" algn="ctr" cap="flat">
+                    <a:lnL cap="flat" cmpd="sng" algn="ctr">
                       <a:solidFill>
                         <a:srgbClr val="000000"/>
                       </a:solidFill>
@@ -12167,7 +12177,7 @@
                       <a:headEnd type="none" w="med" len="med"/>
                       <a:tailEnd type="none" w="med" len="med"/>
                     </a:lnL>
-                    <a:lnR cmpd="sng" algn="ctr" cap="flat">
+                    <a:lnR cap="flat" cmpd="sng" algn="ctr">
                       <a:solidFill>
                         <a:srgbClr val="000000"/>
                       </a:solidFill>
@@ -12176,7 +12186,7 @@
                       <a:headEnd type="none" w="med" len="med"/>
                       <a:tailEnd type="none" w="med" len="med"/>
                     </a:lnR>
-                    <a:lnT cmpd="sng" algn="ctr" cap="flat">
+                    <a:lnT cap="flat" cmpd="sng" algn="ctr">
                       <a:solidFill>
                         <a:srgbClr val="000000"/>
                       </a:solidFill>
@@ -12185,7 +12195,7 @@
                       <a:headEnd type="none" w="med" len="med"/>
                       <a:tailEnd type="none" w="med" len="med"/>
                     </a:lnT>
-                    <a:lnB cmpd="sng" algn="ctr" cap="flat">
+                    <a:lnB cap="flat" cmpd="sng" algn="ctr">
                       <a:solidFill>
                         <a:srgbClr val="000000"/>
                       </a:solidFill>
@@ -12201,7 +12211,7 @@
                 </a:tc>
                 <a:tc>
                   <a:txBody>
-                    <a:bodyPr anchor="t" rtlCol="false"/>
+                    <a:bodyPr/>
                     <a:lstStyle/>
                     <a:p>
                       <a:pPr algn="l">
@@ -12219,7 +12229,7 @@
                     </a:p>
                   </a:txBody>
                   <a:tcPr>
-                    <a:lnL cmpd="sng" algn="ctr" cap="flat">
+                    <a:lnL cap="flat" cmpd="sng" algn="ctr">
                       <a:solidFill>
                         <a:srgbClr val="000000"/>
                       </a:solidFill>
@@ -12228,7 +12238,7 @@
                       <a:headEnd type="none" w="med" len="med"/>
                       <a:tailEnd type="none" w="med" len="med"/>
                     </a:lnL>
-                    <a:lnR cmpd="sng" algn="ctr" cap="flat">
+                    <a:lnR cap="flat" cmpd="sng" algn="ctr">
                       <a:solidFill>
                         <a:srgbClr val="000000"/>
                       </a:solidFill>
@@ -12237,7 +12247,7 @@
                       <a:headEnd type="none" w="med" len="med"/>
                       <a:tailEnd type="none" w="med" len="med"/>
                     </a:lnR>
-                    <a:lnT cmpd="sng" algn="ctr" cap="flat">
+                    <a:lnT cap="flat" cmpd="sng" algn="ctr">
                       <a:solidFill>
                         <a:srgbClr val="000000"/>
                       </a:solidFill>
@@ -12246,7 +12256,7 @@
                       <a:headEnd type="none" w="med" len="med"/>
                       <a:tailEnd type="none" w="med" len="med"/>
                     </a:lnT>
-                    <a:lnB cmpd="sng" algn="ctr" cap="flat">
+                    <a:lnB cap="flat" cmpd="sng" algn="ctr">
                       <a:solidFill>
                         <a:srgbClr val="000000"/>
                       </a:solidFill>
@@ -12262,7 +12272,7 @@
                 </a:tc>
                 <a:tc>
                   <a:txBody>
-                    <a:bodyPr anchor="t" rtlCol="false"/>
+                    <a:bodyPr/>
                     <a:lstStyle/>
                     <a:p>
                       <a:pPr algn="l">
@@ -12274,13 +12284,13 @@
                             <a:srgbClr val="000000"/>
                           </a:solidFill>
                         </a:rPr>
-                        <a:t>15.00</a:t>
+                        <a:t>191.40</a:t>
                       </a:r>
                       <a:endParaRPr lang="en-US" sz="1100"/>
                     </a:p>
                   </a:txBody>
                   <a:tcPr>
-                    <a:lnL cmpd="sng" algn="ctr" cap="flat">
+                    <a:lnL cap="flat" cmpd="sng" algn="ctr">
                       <a:solidFill>
                         <a:srgbClr val="000000"/>
                       </a:solidFill>
@@ -12289,7 +12299,7 @@
                       <a:headEnd type="none" w="med" len="med"/>
                       <a:tailEnd type="none" w="med" len="med"/>
                     </a:lnL>
-                    <a:lnR cmpd="sng" algn="ctr" cap="flat">
+                    <a:lnR cap="flat" cmpd="sng" algn="ctr">
                       <a:solidFill>
                         <a:srgbClr val="000000"/>
                       </a:solidFill>
@@ -12298,7 +12308,7 @@
                       <a:headEnd type="none" w="med" len="med"/>
                       <a:tailEnd type="none" w="med" len="med"/>
                     </a:lnR>
-                    <a:lnT cmpd="sng" algn="ctr" cap="flat">
+                    <a:lnT cap="flat" cmpd="sng" algn="ctr">
                       <a:solidFill>
                         <a:srgbClr val="000000"/>
                       </a:solidFill>
@@ -12307,7 +12317,7 @@
                       <a:headEnd type="none" w="med" len="med"/>
                       <a:tailEnd type="none" w="med" len="med"/>
                     </a:lnT>
-                    <a:lnB cmpd="sng" algn="ctr" cap="flat">
+                    <a:lnB cap="flat" cmpd="sng" algn="ctr">
                       <a:solidFill>
                         <a:srgbClr val="000000"/>
                       </a:solidFill>
@@ -12323,7 +12333,7 @@
                 </a:tc>
                 <a:tc>
                   <a:txBody>
-                    <a:bodyPr anchor="t" rtlCol="false"/>
+                    <a:bodyPr/>
                     <a:lstStyle/>
                     <a:p>
                       <a:pPr algn="l">
@@ -12335,13 +12345,13 @@
                             <a:srgbClr val="000000"/>
                           </a:solidFill>
                         </a:rPr>
-                        <a:t>22.50</a:t>
+                        <a:t>6.80</a:t>
                       </a:r>
                       <a:endParaRPr lang="en-US" sz="1100"/>
                     </a:p>
                   </a:txBody>
                   <a:tcPr>
-                    <a:lnL cmpd="sng" algn="ctr" cap="flat">
+                    <a:lnL cap="flat" cmpd="sng" algn="ctr">
                       <a:solidFill>
                         <a:srgbClr val="000000"/>
                       </a:solidFill>
@@ -12350,7 +12360,7 @@
                       <a:headEnd type="none" w="med" len="med"/>
                       <a:tailEnd type="none" w="med" len="med"/>
                     </a:lnL>
-                    <a:lnR cmpd="sng" algn="ctr" cap="flat">
+                    <a:lnR cap="flat" cmpd="sng" algn="ctr">
                       <a:solidFill>
                         <a:srgbClr val="000000"/>
                       </a:solidFill>
@@ -12359,7 +12369,7 @@
                       <a:headEnd type="none" w="med" len="med"/>
                       <a:tailEnd type="none" w="med" len="med"/>
                     </a:lnR>
-                    <a:lnT cmpd="sng" algn="ctr" cap="flat">
+                    <a:lnT cap="flat" cmpd="sng" algn="ctr">
                       <a:solidFill>
                         <a:srgbClr val="000000"/>
                       </a:solidFill>
@@ -12368,7 +12378,7 @@
                       <a:headEnd type="none" w="med" len="med"/>
                       <a:tailEnd type="none" w="med" len="med"/>
                     </a:lnT>
-                    <a:lnB cmpd="sng" algn="ctr" cap="flat">
+                    <a:lnB cap="flat" cmpd="sng" algn="ctr">
                       <a:solidFill>
                         <a:srgbClr val="000000"/>
                       </a:solidFill>
@@ -12384,7 +12394,7 @@
                 </a:tc>
                 <a:tc>
                   <a:txBody>
-                    <a:bodyPr anchor="t" rtlCol="false"/>
+                    <a:bodyPr/>
                     <a:lstStyle/>
                     <a:p>
                       <a:pPr algn="l">
@@ -12396,13 +12406,13 @@
                             <a:srgbClr val="000000"/>
                           </a:solidFill>
                         </a:rPr>
-                        <a:t>81.40</a:t>
+                        <a:t>4.70</a:t>
                       </a:r>
                       <a:endParaRPr lang="en-US" sz="1100"/>
                     </a:p>
                   </a:txBody>
                   <a:tcPr>
-                    <a:lnL cmpd="sng" algn="ctr" cap="flat">
+                    <a:lnL cap="flat" cmpd="sng" algn="ctr">
                       <a:solidFill>
                         <a:srgbClr val="000000"/>
                       </a:solidFill>
@@ -12411,7 +12421,7 @@
                       <a:headEnd type="none" w="med" len="med"/>
                       <a:tailEnd type="none" w="med" len="med"/>
                     </a:lnL>
-                    <a:lnR cmpd="sng" algn="ctr" cap="flat">
+                    <a:lnR cap="flat" cmpd="sng" algn="ctr">
                       <a:solidFill>
                         <a:srgbClr val="000000"/>
                       </a:solidFill>
@@ -12420,7 +12430,7 @@
                       <a:headEnd type="none" w="med" len="med"/>
                       <a:tailEnd type="none" w="med" len="med"/>
                     </a:lnR>
-                    <a:lnT cmpd="sng" algn="ctr" cap="flat">
+                    <a:lnT cap="flat" cmpd="sng" algn="ctr">
                       <a:solidFill>
                         <a:srgbClr val="000000"/>
                       </a:solidFill>
@@ -12429,7 +12439,7 @@
                       <a:headEnd type="none" w="med" len="med"/>
                       <a:tailEnd type="none" w="med" len="med"/>
                     </a:lnT>
-                    <a:lnB cmpd="sng" algn="ctr" cap="flat">
+                    <a:lnB cap="flat" cmpd="sng" algn="ctr">
                       <a:solidFill>
                         <a:srgbClr val="000000"/>
                       </a:solidFill>
@@ -12445,7 +12455,7 @@
                 </a:tc>
                 <a:tc>
                   <a:txBody>
-                    <a:bodyPr anchor="t" rtlCol="false"/>
+                    <a:bodyPr/>
                     <a:lstStyle/>
                     <a:p>
                       <a:pPr algn="l">
@@ -12457,13 +12467,13 @@
                             <a:srgbClr val="000000"/>
                           </a:solidFill>
                         </a:rPr>
-                        <a:t>66.70</a:t>
+                        <a:t>5.20</a:t>
                       </a:r>
                       <a:endParaRPr lang="en-US" sz="1100"/>
                     </a:p>
                   </a:txBody>
                   <a:tcPr>
-                    <a:lnL cmpd="sng" algn="ctr" cap="flat">
+                    <a:lnL cap="flat" cmpd="sng" algn="ctr">
                       <a:solidFill>
                         <a:srgbClr val="000000"/>
                       </a:solidFill>
@@ -12472,7 +12482,7 @@
                       <a:headEnd type="none" w="med" len="med"/>
                       <a:tailEnd type="none" w="med" len="med"/>
                     </a:lnL>
-                    <a:lnR cmpd="sng" algn="ctr" cap="flat">
+                    <a:lnR cap="flat" cmpd="sng" algn="ctr">
                       <a:solidFill>
                         <a:srgbClr val="000000"/>
                       </a:solidFill>
@@ -12481,7 +12491,7 @@
                       <a:headEnd type="none" w="med" len="med"/>
                       <a:tailEnd type="none" w="med" len="med"/>
                     </a:lnR>
-                    <a:lnT cmpd="sng" algn="ctr" cap="flat">
+                    <a:lnT cap="flat" cmpd="sng" algn="ctr">
                       <a:solidFill>
                         <a:srgbClr val="000000"/>
                       </a:solidFill>
@@ -12490,7 +12500,7 @@
                       <a:headEnd type="none" w="med" len="med"/>
                       <a:tailEnd type="none" w="med" len="med"/>
                     </a:lnT>
-                    <a:lnB cmpd="sng" algn="ctr" cap="flat">
+                    <a:lnB cap="flat" cmpd="sng" algn="ctr">
                       <a:solidFill>
                         <a:srgbClr val="000000"/>
                       </a:solidFill>
@@ -12504,11 +12514,16 @@
                     </a:solidFill>
                   </a:tcPr>
                 </a:tc>
+                <a:extLst>
+                  <a:ext uri="{0D108BD9-81ED-4DB2-BD59-A6C34878D82A}">
+                    <a16:rowId xmlns:a16="http://schemas.microsoft.com/office/drawing/2014/main" val="10002"/>
+                  </a:ext>
+                </a:extLst>
               </a:tr>
               <a:tr h="254000">
                 <a:tc>
                   <a:txBody>
-                    <a:bodyPr anchor="t" rtlCol="false"/>
+                    <a:bodyPr/>
                     <a:lstStyle/>
                     <a:p>
                       <a:pPr algn="l">
@@ -12526,7 +12541,7 @@
                     </a:p>
                   </a:txBody>
                   <a:tcPr>
-                    <a:lnL cmpd="sng" algn="ctr" cap="flat">
+                    <a:lnL cap="flat" cmpd="sng" algn="ctr">
                       <a:solidFill>
                         <a:srgbClr val="000000"/>
                       </a:solidFill>
@@ -12535,7 +12550,7 @@
                       <a:headEnd type="none" w="med" len="med"/>
                       <a:tailEnd type="none" w="med" len="med"/>
                     </a:lnL>
-                    <a:lnR cmpd="sng" algn="ctr" cap="flat">
+                    <a:lnR cap="flat" cmpd="sng" algn="ctr">
                       <a:solidFill>
                         <a:srgbClr val="000000"/>
                       </a:solidFill>
@@ -12544,7 +12559,7 @@
                       <a:headEnd type="none" w="med" len="med"/>
                       <a:tailEnd type="none" w="med" len="med"/>
                     </a:lnR>
-                    <a:lnT cmpd="sng" algn="ctr" cap="flat">
+                    <a:lnT cap="flat" cmpd="sng" algn="ctr">
                       <a:solidFill>
                         <a:srgbClr val="000000"/>
                       </a:solidFill>
@@ -12553,7 +12568,7 @@
                       <a:headEnd type="none" w="med" len="med"/>
                       <a:tailEnd type="none" w="med" len="med"/>
                     </a:lnT>
-                    <a:lnB cmpd="sng" algn="ctr" cap="flat">
+                    <a:lnB cap="flat" cmpd="sng" algn="ctr">
                       <a:solidFill>
                         <a:srgbClr val="000000"/>
                       </a:solidFill>
@@ -12569,7 +12584,7 @@
                 </a:tc>
                 <a:tc>
                   <a:txBody>
-                    <a:bodyPr anchor="t" rtlCol="false"/>
+                    <a:bodyPr/>
                     <a:lstStyle/>
                     <a:p>
                       <a:pPr algn="l">
@@ -12581,13 +12596,13 @@
                             <a:srgbClr val="000000"/>
                           </a:solidFill>
                         </a:rPr>
-                        <a:t>56.0</a:t>
+                        <a:t>330048.0</a:t>
                       </a:r>
                       <a:endParaRPr lang="en-US" sz="1100"/>
                     </a:p>
                   </a:txBody>
                   <a:tcPr>
-                    <a:lnL cmpd="sng" algn="ctr" cap="flat">
+                    <a:lnL cap="flat" cmpd="sng" algn="ctr">
                       <a:solidFill>
                         <a:srgbClr val="000000"/>
                       </a:solidFill>
@@ -12596,7 +12611,7 @@
                       <a:headEnd type="none" w="med" len="med"/>
                       <a:tailEnd type="none" w="med" len="med"/>
                     </a:lnL>
-                    <a:lnR cmpd="sng" algn="ctr" cap="flat">
+                    <a:lnR cap="flat" cmpd="sng" algn="ctr">
                       <a:solidFill>
                         <a:srgbClr val="000000"/>
                       </a:solidFill>
@@ -12605,7 +12620,7 @@
                       <a:headEnd type="none" w="med" len="med"/>
                       <a:tailEnd type="none" w="med" len="med"/>
                     </a:lnR>
-                    <a:lnT cmpd="sng" algn="ctr" cap="flat">
+                    <a:lnT cap="flat" cmpd="sng" algn="ctr">
                       <a:solidFill>
                         <a:srgbClr val="000000"/>
                       </a:solidFill>
@@ -12614,7 +12629,7 @@
                       <a:headEnd type="none" w="med" len="med"/>
                       <a:tailEnd type="none" w="med" len="med"/>
                     </a:lnT>
-                    <a:lnB cmpd="sng" algn="ctr" cap="flat">
+                    <a:lnB cap="flat" cmpd="sng" algn="ctr">
                       <a:solidFill>
                         <a:srgbClr val="000000"/>
                       </a:solidFill>
@@ -12630,7 +12645,7 @@
                 </a:tc>
                 <a:tc>
                   <a:txBody>
-                    <a:bodyPr anchor="t" rtlCol="false"/>
+                    <a:bodyPr/>
                     <a:lstStyle/>
                     <a:p>
                       <a:pPr algn="l">
@@ -12648,7 +12663,7 @@
                     </a:p>
                   </a:txBody>
                   <a:tcPr>
-                    <a:lnL cmpd="sng" algn="ctr" cap="flat">
+                    <a:lnL cap="flat" cmpd="sng" algn="ctr">
                       <a:solidFill>
                         <a:srgbClr val="000000"/>
                       </a:solidFill>
@@ -12657,7 +12672,7 @@
                       <a:headEnd type="none" w="med" len="med"/>
                       <a:tailEnd type="none" w="med" len="med"/>
                     </a:lnL>
-                    <a:lnR cmpd="sng" algn="ctr" cap="flat">
+                    <a:lnR cap="flat" cmpd="sng" algn="ctr">
                       <a:solidFill>
                         <a:srgbClr val="000000"/>
                       </a:solidFill>
@@ -12666,7 +12681,7 @@
                       <a:headEnd type="none" w="med" len="med"/>
                       <a:tailEnd type="none" w="med" len="med"/>
                     </a:lnR>
-                    <a:lnT cmpd="sng" algn="ctr" cap="flat">
+                    <a:lnT cap="flat" cmpd="sng" algn="ctr">
                       <a:solidFill>
                         <a:srgbClr val="000000"/>
                       </a:solidFill>
@@ -12675,7 +12690,7 @@
                       <a:headEnd type="none" w="med" len="med"/>
                       <a:tailEnd type="none" w="med" len="med"/>
                     </a:lnT>
-                    <a:lnB cmpd="sng" algn="ctr" cap="flat">
+                    <a:lnB cap="flat" cmpd="sng" algn="ctr">
                       <a:solidFill>
                         <a:srgbClr val="000000"/>
                       </a:solidFill>
@@ -12691,7 +12706,7 @@
                 </a:tc>
                 <a:tc>
                   <a:txBody>
-                    <a:bodyPr anchor="t" rtlCol="false"/>
+                    <a:bodyPr/>
                     <a:lstStyle/>
                     <a:p>
                       <a:pPr algn="l">
@@ -12703,13 +12718,13 @@
                             <a:srgbClr val="000000"/>
                           </a:solidFill>
                         </a:rPr>
-                        <a:t>84.90</a:t>
+                        <a:t>183.40</a:t>
                       </a:r>
                       <a:endParaRPr lang="en-US" sz="1100"/>
                     </a:p>
                   </a:txBody>
                   <a:tcPr>
-                    <a:lnL cmpd="sng" algn="ctr" cap="flat">
+                    <a:lnL cap="flat" cmpd="sng" algn="ctr">
                       <a:solidFill>
                         <a:srgbClr val="000000"/>
                       </a:solidFill>
@@ -12718,7 +12733,7 @@
                       <a:headEnd type="none" w="med" len="med"/>
                       <a:tailEnd type="none" w="med" len="med"/>
                     </a:lnL>
-                    <a:lnR cmpd="sng" algn="ctr" cap="flat">
+                    <a:lnR cap="flat" cmpd="sng" algn="ctr">
                       <a:solidFill>
                         <a:srgbClr val="000000"/>
                       </a:solidFill>
@@ -12727,7 +12742,7 @@
                       <a:headEnd type="none" w="med" len="med"/>
                       <a:tailEnd type="none" w="med" len="med"/>
                     </a:lnR>
-                    <a:lnT cmpd="sng" algn="ctr" cap="flat">
+                    <a:lnT cap="flat" cmpd="sng" algn="ctr">
                       <a:solidFill>
                         <a:srgbClr val="000000"/>
                       </a:solidFill>
@@ -12736,7 +12751,7 @@
                       <a:headEnd type="none" w="med" len="med"/>
                       <a:tailEnd type="none" w="med" len="med"/>
                     </a:lnT>
-                    <a:lnB cmpd="sng" algn="ctr" cap="flat">
+                    <a:lnB cap="flat" cmpd="sng" algn="ctr">
                       <a:solidFill>
                         <a:srgbClr val="000000"/>
                       </a:solidFill>
@@ -12752,7 +12767,7 @@
                 </a:tc>
                 <a:tc>
                   <a:txBody>
-                    <a:bodyPr anchor="t" rtlCol="false"/>
+                    <a:bodyPr/>
                     <a:lstStyle/>
                     <a:p>
                       <a:pPr algn="l">
@@ -12764,13 +12779,13 @@
                             <a:srgbClr val="000000"/>
                           </a:solidFill>
                         </a:rPr>
-                        <a:t>16.30</a:t>
+                        <a:t>6.90</a:t>
                       </a:r>
                       <a:endParaRPr lang="en-US" sz="1100"/>
                     </a:p>
                   </a:txBody>
                   <a:tcPr>
-                    <a:lnL cmpd="sng" algn="ctr" cap="flat">
+                    <a:lnL cap="flat" cmpd="sng" algn="ctr">
                       <a:solidFill>
                         <a:srgbClr val="000000"/>
                       </a:solidFill>
@@ -12779,7 +12794,7 @@
                       <a:headEnd type="none" w="med" len="med"/>
                       <a:tailEnd type="none" w="med" len="med"/>
                     </a:lnL>
-                    <a:lnR cmpd="sng" algn="ctr" cap="flat">
+                    <a:lnR cap="flat" cmpd="sng" algn="ctr">
                       <a:solidFill>
                         <a:srgbClr val="000000"/>
                       </a:solidFill>
@@ -12788,7 +12803,7 @@
                       <a:headEnd type="none" w="med" len="med"/>
                       <a:tailEnd type="none" w="med" len="med"/>
                     </a:lnR>
-                    <a:lnT cmpd="sng" algn="ctr" cap="flat">
+                    <a:lnT cap="flat" cmpd="sng" algn="ctr">
                       <a:solidFill>
                         <a:srgbClr val="000000"/>
                       </a:solidFill>
@@ -12797,7 +12812,7 @@
                       <a:headEnd type="none" w="med" len="med"/>
                       <a:tailEnd type="none" w="med" len="med"/>
                     </a:lnT>
-                    <a:lnB cmpd="sng" algn="ctr" cap="flat">
+                    <a:lnB cap="flat" cmpd="sng" algn="ctr">
                       <a:solidFill>
                         <a:srgbClr val="000000"/>
                       </a:solidFill>
@@ -12813,7 +12828,7 @@
                 </a:tc>
                 <a:tc>
                   <a:txBody>
-                    <a:bodyPr anchor="t" rtlCol="false"/>
+                    <a:bodyPr/>
                     <a:lstStyle/>
                     <a:p>
                       <a:pPr algn="l">
@@ -12825,13 +12840,13 @@
                             <a:srgbClr val="000000"/>
                           </a:solidFill>
                         </a:rPr>
-                        <a:t>10.30</a:t>
+                        <a:t>5.00</a:t>
                       </a:r>
                       <a:endParaRPr lang="en-US" sz="1100"/>
                     </a:p>
                   </a:txBody>
                   <a:tcPr>
-                    <a:lnL cmpd="sng" algn="ctr" cap="flat">
+                    <a:lnL cap="flat" cmpd="sng" algn="ctr">
                       <a:solidFill>
                         <a:srgbClr val="000000"/>
                       </a:solidFill>
@@ -12840,7 +12855,7 @@
                       <a:headEnd type="none" w="med" len="med"/>
                       <a:tailEnd type="none" w="med" len="med"/>
                     </a:lnL>
-                    <a:lnR cmpd="sng" algn="ctr" cap="flat">
+                    <a:lnR cap="flat" cmpd="sng" algn="ctr">
                       <a:solidFill>
                         <a:srgbClr val="000000"/>
                       </a:solidFill>
@@ -12849,7 +12864,7 @@
                       <a:headEnd type="none" w="med" len="med"/>
                       <a:tailEnd type="none" w="med" len="med"/>
                     </a:lnR>
-                    <a:lnT cmpd="sng" algn="ctr" cap="flat">
+                    <a:lnT cap="flat" cmpd="sng" algn="ctr">
                       <a:solidFill>
                         <a:srgbClr val="000000"/>
                       </a:solidFill>
@@ -12858,7 +12873,7 @@
                       <a:headEnd type="none" w="med" len="med"/>
                       <a:tailEnd type="none" w="med" len="med"/>
                     </a:lnT>
-                    <a:lnB cmpd="sng" algn="ctr" cap="flat">
+                    <a:lnB cap="flat" cmpd="sng" algn="ctr">
                       <a:solidFill>
                         <a:srgbClr val="000000"/>
                       </a:solidFill>
@@ -12874,7 +12889,7 @@
                 </a:tc>
                 <a:tc>
                   <a:txBody>
-                    <a:bodyPr anchor="t" rtlCol="false"/>
+                    <a:bodyPr/>
                     <a:lstStyle/>
                     <a:p>
                       <a:pPr algn="l">
@@ -12886,13 +12901,13 @@
                             <a:srgbClr val="000000"/>
                           </a:solidFill>
                         </a:rPr>
-                        <a:t>11.80</a:t>
+                        <a:t>5.50</a:t>
                       </a:r>
                       <a:endParaRPr lang="en-US" sz="1100"/>
                     </a:p>
                   </a:txBody>
                   <a:tcPr>
-                    <a:lnL cmpd="sng" algn="ctr" cap="flat">
+                    <a:lnL cap="flat" cmpd="sng" algn="ctr">
                       <a:solidFill>
                         <a:srgbClr val="000000"/>
                       </a:solidFill>
@@ -12901,7 +12916,7 @@
                       <a:headEnd type="none" w="med" len="med"/>
                       <a:tailEnd type="none" w="med" len="med"/>
                     </a:lnL>
-                    <a:lnR cmpd="sng" algn="ctr" cap="flat">
+                    <a:lnR cap="flat" cmpd="sng" algn="ctr">
                       <a:solidFill>
                         <a:srgbClr val="000000"/>
                       </a:solidFill>
@@ -12910,7 +12925,7 @@
                       <a:headEnd type="none" w="med" len="med"/>
                       <a:tailEnd type="none" w="med" len="med"/>
                     </a:lnR>
-                    <a:lnT cmpd="sng" algn="ctr" cap="flat">
+                    <a:lnT cap="flat" cmpd="sng" algn="ctr">
                       <a:solidFill>
                         <a:srgbClr val="000000"/>
                       </a:solidFill>
@@ -12919,7 +12934,7 @@
                       <a:headEnd type="none" w="med" len="med"/>
                       <a:tailEnd type="none" w="med" len="med"/>
                     </a:lnT>
-                    <a:lnB cmpd="sng" algn="ctr" cap="flat">
+                    <a:lnB cap="flat" cmpd="sng" algn="ctr">
                       <a:solidFill>
                         <a:srgbClr val="000000"/>
                       </a:solidFill>
@@ -12933,6 +12948,11 @@
                     </a:solidFill>
                   </a:tcPr>
                 </a:tc>
+                <a:extLst>
+                  <a:ext uri="{0D108BD9-81ED-4DB2-BD59-A6C34878D82A}">
+                    <a16:rowId xmlns:a16="http://schemas.microsoft.com/office/drawing/2014/main" val="10003"/>
+                  </a:ext>
+                </a:extLst>
               </a:tr>
             </a:tbl>
           </a:graphicData>
@@ -12947,7 +12967,7 @@
 </file>
 
 <file path=ppt/slides/slide9.xml><?xml version="1.0" encoding="utf-8"?>
-<p:sld xmlns:p="http://schemas.openxmlformats.org/presentationml/2006/main" xmlns:a="http://schemas.openxmlformats.org/drawingml/2006/main">
+<p:sld xmlns:a="http://schemas.openxmlformats.org/drawingml/2006/main" xmlns:r="http://schemas.openxmlformats.org/officeDocument/2006/relationships" xmlns:p="http://schemas.openxmlformats.org/presentationml/2006/main">
   <p:cSld>
     <p:spTree>
       <p:nvGrpSpPr>
@@ -12965,8 +12985,8 @@
       </p:grpSpPr>
       <p:sp>
         <p:nvSpPr>
-          <p:cNvPr name="TextBox 2" id="2"/>
-          <p:cNvSpPr txBox="true"/>
+          <p:cNvPr id="64" name="TextBox 2"/>
+          <p:cNvSpPr txBox="1"/>
           <p:nvPr/>
         </p:nvSpPr>
         <p:spPr>
@@ -12979,23 +12999,20 @@
           </a:prstGeom>
         </p:spPr>
         <p:txBody>
-          <a:bodyPr anchor="t" rtlCol="false" anchorCtr="true"/>
+          <a:bodyPr rtlCol="0" anchor="t" anchorCtr="1"/>
           <a:lstStyle/>
+          <a:p>
+            <a:pPr algn="l">
+              <a:defRPr/>
+            </a:pPr>
+            <a:endParaRPr dirty="0"/>
+          </a:p>
           <a:p>
             <a:pPr algn="l">
               <a:defRPr/>
             </a:pPr>
             <a:r>
-              <a:rPr lang="en-US"/>
-              <a:t/>
-            </a:r>
-          </a:p>
-          <a:p>
-            <a:pPr algn="l">
-              <a:defRPr/>
-            </a:pPr>
-            <a:r>
-              <a:rPr lang="en-US" sz="2000">
+              <a:rPr lang="en-US" sz="2000" dirty="0">
                 <a:solidFill>
                   <a:srgbClr val="000000"/>
                 </a:solidFill>
@@ -13007,8 +13024,8 @@
       </p:sp>
       <p:sp>
         <p:nvSpPr>
-          <p:cNvPr name="TextBox 3" id="3"/>
-          <p:cNvSpPr txBox="true"/>
+          <p:cNvPr id="65" name="TextBox 3"/>
+          <p:cNvSpPr txBox="1"/>
           <p:nvPr/>
         </p:nvSpPr>
         <p:spPr>
@@ -13021,16 +13038,13 @@
           </a:prstGeom>
         </p:spPr>
         <p:txBody>
-          <a:bodyPr anchor="t" rtlCol="false" anchorCtr="true"/>
+          <a:bodyPr rtlCol="0" anchor="t" anchorCtr="1"/>
           <a:lstStyle/>
           <a:p>
             <a:pPr algn="l">
               <a:defRPr/>
             </a:pPr>
-            <a:r>
-              <a:rPr lang="en-US"/>
-              <a:t/>
-            </a:r>
+            <a:endParaRPr/>
           </a:p>
           <a:p>
             <a:pPr algn="l">
@@ -13049,8 +13063,8 @@
       </p:sp>
       <p:sp>
         <p:nvSpPr>
-          <p:cNvPr name="TextBox 4" id="4"/>
-          <p:cNvSpPr txBox="true"/>
+          <p:cNvPr id="66" name="TextBox 4"/>
+          <p:cNvSpPr txBox="1"/>
           <p:nvPr/>
         </p:nvSpPr>
         <p:spPr>
@@ -13063,16 +13077,13 @@
           </a:prstGeom>
         </p:spPr>
         <p:txBody>
-          <a:bodyPr anchor="t" rtlCol="false" anchorCtr="false"/>
+          <a:bodyPr rtlCol="0" anchor="t" anchorCtr="0"/>
           <a:lstStyle/>
           <a:p>
             <a:pPr algn="l">
               <a:defRPr/>
             </a:pPr>
-            <a:r>
-              <a:rPr lang="en-US"/>
-              <a:t/>
-            </a:r>
+            <a:endParaRPr/>
           </a:p>
           <a:p>
             <a:pPr algn="l">
@@ -13091,8 +13102,8 @@
       </p:sp>
       <p:sp>
         <p:nvSpPr>
-          <p:cNvPr name="TextBox 5" id="5"/>
-          <p:cNvSpPr txBox="true"/>
+          <p:cNvPr id="67" name="TextBox 5"/>
+          <p:cNvSpPr txBox="1"/>
           <p:nvPr/>
         </p:nvSpPr>
         <p:spPr>
@@ -13105,16 +13116,13 @@
           </a:prstGeom>
         </p:spPr>
         <p:txBody>
-          <a:bodyPr anchor="t" rtlCol="false" anchorCtr="false"/>
+          <a:bodyPr rtlCol="0" anchor="t" anchorCtr="0"/>
           <a:lstStyle/>
           <a:p>
             <a:pPr algn="l">
               <a:defRPr/>
             </a:pPr>
-            <a:r>
-              <a:rPr lang="en-US"/>
-              <a:t/>
-            </a:r>
+            <a:endParaRPr/>
           </a:p>
           <a:p>
             <a:pPr algn="l">
@@ -13133,8 +13141,8 @@
       </p:sp>
       <p:sp>
         <p:nvSpPr>
-          <p:cNvPr name="TextBox 6" id="6"/>
-          <p:cNvSpPr txBox="true"/>
+          <p:cNvPr id="68" name="TextBox 6"/>
+          <p:cNvSpPr txBox="1"/>
           <p:nvPr/>
         </p:nvSpPr>
         <p:spPr>
@@ -13147,16 +13155,13 @@
           </a:prstGeom>
         </p:spPr>
         <p:txBody>
-          <a:bodyPr anchor="t" rtlCol="false" anchorCtr="false"/>
+          <a:bodyPr rtlCol="0" anchor="t" anchorCtr="0"/>
           <a:lstStyle/>
           <a:p>
             <a:pPr algn="l">
               <a:defRPr/>
             </a:pPr>
-            <a:r>
-              <a:rPr lang="en-US"/>
-              <a:t/>
-            </a:r>
+            <a:endParaRPr/>
           </a:p>
           <a:p>
             <a:pPr algn="l">
@@ -13175,8 +13180,8 @@
       </p:sp>
       <p:sp>
         <p:nvSpPr>
-          <p:cNvPr name="TextBox 7" id="7"/>
-          <p:cNvSpPr txBox="true"/>
+          <p:cNvPr id="69" name="TextBox 7"/>
+          <p:cNvSpPr txBox="1"/>
           <p:nvPr/>
         </p:nvSpPr>
         <p:spPr>
@@ -13189,16 +13194,13 @@
           </a:prstGeom>
         </p:spPr>
         <p:txBody>
-          <a:bodyPr anchor="t" rtlCol="false" anchorCtr="false"/>
+          <a:bodyPr rtlCol="0" anchor="t" anchorCtr="0"/>
           <a:lstStyle/>
           <a:p>
             <a:pPr algn="l">
               <a:defRPr/>
             </a:pPr>
-            <a:r>
-              <a:rPr lang="en-US"/>
-              <a:t/>
-            </a:r>
+            <a:endParaRPr/>
           </a:p>
           <a:p>
             <a:pPr algn="l">
@@ -13217,8 +13219,8 @@
       </p:sp>
       <p:sp>
         <p:nvSpPr>
-          <p:cNvPr name="TextBox 8" id="8"/>
-          <p:cNvSpPr txBox="true"/>
+          <p:cNvPr id="70" name="TextBox 8"/>
+          <p:cNvSpPr txBox="1"/>
           <p:nvPr/>
         </p:nvSpPr>
         <p:spPr>
@@ -13231,16 +13233,13 @@
           </a:prstGeom>
         </p:spPr>
         <p:txBody>
-          <a:bodyPr anchor="t" rtlCol="false" anchorCtr="false"/>
+          <a:bodyPr rtlCol="0" anchor="t" anchorCtr="0"/>
           <a:lstStyle/>
           <a:p>
             <a:pPr algn="l">
               <a:defRPr/>
             </a:pPr>
-            <a:r>
-              <a:rPr lang="en-US"/>
-              <a:t/>
-            </a:r>
+            <a:endParaRPr/>
           </a:p>
           <a:p>
             <a:pPr algn="l">
@@ -13259,8 +13258,8 @@
       </p:sp>
       <p:sp>
         <p:nvSpPr>
-          <p:cNvPr name="TextBox 9" id="9"/>
-          <p:cNvSpPr txBox="true"/>
+          <p:cNvPr id="71" name="TextBox 9"/>
+          <p:cNvSpPr txBox="1"/>
           <p:nvPr/>
         </p:nvSpPr>
         <p:spPr>
@@ -13273,16 +13272,13 @@
           </a:prstGeom>
         </p:spPr>
         <p:txBody>
-          <a:bodyPr anchor="t" rtlCol="false" anchorCtr="false"/>
+          <a:bodyPr rtlCol="0" anchor="t" anchorCtr="0"/>
           <a:lstStyle/>
           <a:p>
             <a:pPr algn="l">
               <a:defRPr/>
             </a:pPr>
-            <a:r>
-              <a:rPr lang="en-US"/>
-              <a:t/>
-            </a:r>
+            <a:endParaRPr/>
           </a:p>
           <a:p>
             <a:pPr algn="l">
@@ -13301,8 +13297,8 @@
       </p:sp>
       <p:sp>
         <p:nvSpPr>
-          <p:cNvPr name="TextBox 10" id="10"/>
-          <p:cNvSpPr txBox="true"/>
+          <p:cNvPr id="72" name="TextBox 10"/>
+          <p:cNvSpPr txBox="1"/>
           <p:nvPr/>
         </p:nvSpPr>
         <p:spPr>
@@ -13315,16 +13311,13 @@
           </a:prstGeom>
         </p:spPr>
         <p:txBody>
-          <a:bodyPr anchor="t" rtlCol="false" anchorCtr="false"/>
+          <a:bodyPr rtlCol="0" anchor="t" anchorCtr="0"/>
           <a:lstStyle/>
           <a:p>
             <a:pPr algn="l">
               <a:defRPr/>
             </a:pPr>
-            <a:r>
-              <a:rPr lang="en-US"/>
-              <a:t/>
-            </a:r>
+            <a:endParaRPr/>
           </a:p>
           <a:p>
             <a:pPr algn="l">
@@ -13343,8 +13336,8 @@
       </p:sp>
       <p:sp>
         <p:nvSpPr>
-          <p:cNvPr name="TextBox 11" id="11"/>
-          <p:cNvSpPr txBox="true"/>
+          <p:cNvPr id="73" name="TextBox 11"/>
+          <p:cNvSpPr txBox="1"/>
           <p:nvPr/>
         </p:nvSpPr>
         <p:spPr>
@@ -13357,16 +13350,13 @@
           </a:prstGeom>
         </p:spPr>
         <p:txBody>
-          <a:bodyPr anchor="t" rtlCol="false" anchorCtr="true"/>
+          <a:bodyPr rtlCol="0" anchor="t" anchorCtr="1"/>
           <a:lstStyle/>
           <a:p>
             <a:pPr algn="l">
               <a:defRPr/>
             </a:pPr>
-            <a:r>
-              <a:rPr lang="en-US"/>
-              <a:t/>
-            </a:r>
+            <a:endParaRPr/>
           </a:p>
           <a:p>
             <a:pPr algn="l">
@@ -13385,8 +13375,8 @@
       </p:sp>
       <p:sp>
         <p:nvSpPr>
-          <p:cNvPr name="TextBox 12" id="12"/>
-          <p:cNvSpPr txBox="true"/>
+          <p:cNvPr id="74" name="TextBox 12"/>
+          <p:cNvSpPr txBox="1"/>
           <p:nvPr/>
         </p:nvSpPr>
         <p:spPr>
@@ -13399,16 +13389,13 @@
           </a:prstGeom>
         </p:spPr>
         <p:txBody>
-          <a:bodyPr anchor="t" rtlCol="false" anchorCtr="false"/>
+          <a:bodyPr rtlCol="0" anchor="t" anchorCtr="0"/>
           <a:lstStyle/>
           <a:p>
             <a:pPr algn="l">
               <a:defRPr/>
             </a:pPr>
-            <a:r>
-              <a:rPr lang="en-US"/>
-              <a:t/>
-            </a:r>
+            <a:endParaRPr/>
           </a:p>
           <a:p>
             <a:pPr algn="l">
@@ -13427,8 +13414,8 @@
       </p:sp>
       <p:sp>
         <p:nvSpPr>
-          <p:cNvPr name="TextBox 13" id="13"/>
-          <p:cNvSpPr txBox="true"/>
+          <p:cNvPr id="75" name="TextBox 13"/>
+          <p:cNvSpPr txBox="1"/>
           <p:nvPr/>
         </p:nvSpPr>
         <p:spPr>
@@ -13441,16 +13428,13 @@
           </a:prstGeom>
         </p:spPr>
         <p:txBody>
-          <a:bodyPr anchor="t" rtlCol="false" anchorCtr="true"/>
+          <a:bodyPr rtlCol="0" anchor="t" anchorCtr="1"/>
           <a:lstStyle/>
           <a:p>
             <a:pPr algn="l">
               <a:defRPr/>
             </a:pPr>
-            <a:r>
-              <a:rPr lang="en-US"/>
-              <a:t/>
-            </a:r>
+            <a:endParaRPr/>
           </a:p>
           <a:p>
             <a:pPr algn="l">
@@ -13469,8 +13453,8 @@
       </p:sp>
       <p:sp>
         <p:nvSpPr>
-          <p:cNvPr name="TextBox 14" id="14"/>
-          <p:cNvSpPr txBox="true"/>
+          <p:cNvPr id="76" name="TextBox 14"/>
+          <p:cNvSpPr txBox="1"/>
           <p:nvPr/>
         </p:nvSpPr>
         <p:spPr>
@@ -13483,16 +13467,13 @@
           </a:prstGeom>
         </p:spPr>
         <p:txBody>
-          <a:bodyPr anchor="t" rtlCol="false" anchorCtr="false"/>
+          <a:bodyPr rtlCol="0" anchor="t" anchorCtr="0"/>
           <a:lstStyle/>
           <a:p>
             <a:pPr algn="l">
               <a:defRPr/>
             </a:pPr>
-            <a:r>
-              <a:rPr lang="en-US"/>
-              <a:t/>
-            </a:r>
+            <a:endParaRPr/>
           </a:p>
           <a:p>
             <a:pPr algn="l">

--- a/couchbaseReport.pptx
+++ b/couchbaseReport.pptx
@@ -13,8 +13,6 @@
     <p:sldId id="261" r:id="rId7"/>
     <p:sldId id="262" r:id="rId8"/>
     <p:sldId id="263" r:id="rId9"/>
-    <p:sldId id="264" r:id="rId10"/>
-    <p:sldId id="265" r:id="rId11"/>
   </p:sldIdLst>
   <p:sldSz cx="9144000" cy="6858000" type="screen4x3"/>
   <p:notesSz cx="6858000" cy="9144000"/>
@@ -314,7 +312,7 @@
             <a:fld id="{1D8BD707-D9CF-40AE-B4C6-C98DA3205C09}" type="datetimeFigureOut">
               <a:rPr lang="en-US" smtClean="0"/>
               <a:pPr/>
-              <a:t>10/14/2024</a:t>
+              <a:t>10/18/2024</a:t>
             </a:fld>
             <a:endParaRPr lang="en-US"/>
           </a:p>
@@ -481,7 +479,7 @@
             <a:fld id="{1D8BD707-D9CF-40AE-B4C6-C98DA3205C09}" type="datetimeFigureOut">
               <a:rPr lang="en-US" smtClean="0"/>
               <a:pPr/>
-              <a:t>10/14/2024</a:t>
+              <a:t>10/18/2024</a:t>
             </a:fld>
             <a:endParaRPr lang="en-US"/>
           </a:p>
@@ -658,7 +656,7 @@
             <a:fld id="{1D8BD707-D9CF-40AE-B4C6-C98DA3205C09}" type="datetimeFigureOut">
               <a:rPr lang="en-US" smtClean="0"/>
               <a:pPr/>
-              <a:t>10/14/2024</a:t>
+              <a:t>10/18/2024</a:t>
             </a:fld>
             <a:endParaRPr lang="en-US"/>
           </a:p>
@@ -825,7 +823,7 @@
             <a:fld id="{1D8BD707-D9CF-40AE-B4C6-C98DA3205C09}" type="datetimeFigureOut">
               <a:rPr lang="en-US" smtClean="0"/>
               <a:pPr/>
-              <a:t>10/14/2024</a:t>
+              <a:t>10/18/2024</a:t>
             </a:fld>
             <a:endParaRPr lang="en-US"/>
           </a:p>
@@ -1068,7 +1066,7 @@
             <a:fld id="{1D8BD707-D9CF-40AE-B4C6-C98DA3205C09}" type="datetimeFigureOut">
               <a:rPr lang="en-US" smtClean="0"/>
               <a:pPr/>
-              <a:t>10/14/2024</a:t>
+              <a:t>10/18/2024</a:t>
             </a:fld>
             <a:endParaRPr lang="en-US"/>
           </a:p>
@@ -1353,7 +1351,7 @@
             <a:fld id="{1D8BD707-D9CF-40AE-B4C6-C98DA3205C09}" type="datetimeFigureOut">
               <a:rPr lang="en-US" smtClean="0"/>
               <a:pPr/>
-              <a:t>10/14/2024</a:t>
+              <a:t>10/18/2024</a:t>
             </a:fld>
             <a:endParaRPr lang="en-US"/>
           </a:p>
@@ -1772,7 +1770,7 @@
             <a:fld id="{1D8BD707-D9CF-40AE-B4C6-C98DA3205C09}" type="datetimeFigureOut">
               <a:rPr lang="en-US" smtClean="0"/>
               <a:pPr/>
-              <a:t>10/14/2024</a:t>
+              <a:t>10/18/2024</a:t>
             </a:fld>
             <a:endParaRPr lang="en-US"/>
           </a:p>
@@ -1887,7 +1885,7 @@
             <a:fld id="{1D8BD707-D9CF-40AE-B4C6-C98DA3205C09}" type="datetimeFigureOut">
               <a:rPr lang="en-US" smtClean="0"/>
               <a:pPr/>
-              <a:t>10/14/2024</a:t>
+              <a:t>10/18/2024</a:t>
             </a:fld>
             <a:endParaRPr lang="en-US"/>
           </a:p>
@@ -1979,7 +1977,7 @@
             <a:fld id="{1D8BD707-D9CF-40AE-B4C6-C98DA3205C09}" type="datetimeFigureOut">
               <a:rPr lang="en-US" smtClean="0"/>
               <a:pPr/>
-              <a:t>10/14/2024</a:t>
+              <a:t>10/18/2024</a:t>
             </a:fld>
             <a:endParaRPr lang="en-US"/>
           </a:p>
@@ -2253,7 +2251,7 @@
             <a:fld id="{1D8BD707-D9CF-40AE-B4C6-C98DA3205C09}" type="datetimeFigureOut">
               <a:rPr lang="en-US" smtClean="0"/>
               <a:pPr/>
-              <a:t>10/14/2024</a:t>
+              <a:t>10/18/2024</a:t>
             </a:fld>
             <a:endParaRPr lang="en-US"/>
           </a:p>
@@ -2503,7 +2501,7 @@
             <a:fld id="{1D8BD707-D9CF-40AE-B4C6-C98DA3205C09}" type="datetimeFigureOut">
               <a:rPr lang="en-US" smtClean="0"/>
               <a:pPr/>
-              <a:t>10/14/2024</a:t>
+              <a:t>10/18/2024</a:t>
             </a:fld>
             <a:endParaRPr lang="en-US"/>
           </a:p>
@@ -2713,7 +2711,7 @@
             <a:fld id="{1D8BD707-D9CF-40AE-B4C6-C98DA3205C09}" type="datetimeFigureOut">
               <a:rPr lang="en-US" smtClean="0"/>
               <a:pPr/>
-              <a:t>10/14/2024</a:t>
+              <a:t>10/18/2024</a:t>
             </a:fld>
             <a:endParaRPr lang="en-US"/>
           </a:p>
@@ -3218,70 +3216,6 @@
 </p:sld>
 </file>
 
-<file path=ppt/slides/slide10.xml><?xml version="1.0" encoding="utf-8"?>
-<p:sld xmlns:a="http://schemas.openxmlformats.org/drawingml/2006/main" xmlns:r="http://schemas.openxmlformats.org/officeDocument/2006/relationships" xmlns:p="http://schemas.openxmlformats.org/presentationml/2006/main">
-  <p:cSld>
-    <p:spTree>
-      <p:nvGrpSpPr>
-        <p:cNvPr id="1" name=""/>
-        <p:cNvGrpSpPr/>
-        <p:nvPr/>
-      </p:nvGrpSpPr>
-      <p:grpSpPr>
-        <a:xfrm>
-          <a:off x="0" y="0"/>
-          <a:ext cx="0" cy="0"/>
-          <a:chOff x="0" y="0"/>
-          <a:chExt cx="0" cy="0"/>
-        </a:xfrm>
-      </p:grpSpPr>
-      <p:sp>
-        <p:nvSpPr>
-          <p:cNvPr id="2" name="TextBox 2"/>
-          <p:cNvSpPr txBox="1"/>
-          <p:nvPr/>
-        </p:nvSpPr>
-        <p:spPr>
-          <a:xfrm>
-            <a:off x="1397000" y="2540000"/>
-            <a:ext cx="6350000" cy="635000"/>
-          </a:xfrm>
-          <a:prstGeom prst="rect">
-            <a:avLst/>
-          </a:prstGeom>
-        </p:spPr>
-        <p:txBody>
-          <a:bodyPr rtlCol="0" anchor="t" anchorCtr="1"/>
-          <a:lstStyle/>
-          <a:p>
-            <a:pPr algn="l">
-              <a:defRPr/>
-            </a:pPr>
-            <a:endParaRPr/>
-          </a:p>
-          <a:p>
-            <a:pPr algn="l">
-              <a:defRPr/>
-            </a:pPr>
-            <a:r>
-              <a:rPr lang="en-US" sz="2800">
-                <a:solidFill>
-                  <a:srgbClr val="000000"/>
-                </a:solidFill>
-              </a:rPr>
-              <a:t>THANK YOU FOR YOUR ATTENTION!</a:t>
-            </a:r>
-          </a:p>
-        </p:txBody>
-      </p:sp>
-    </p:spTree>
-  </p:cSld>
-  <p:clrMapOvr>
-    <a:masterClrMapping/>
-  </p:clrMapOvr>
-</p:sld>
-</file>
-
 <file path=ppt/slides/slide2.xml><?xml version="1.0" encoding="utf-8"?>
 <p:sld xmlns:a="http://schemas.openxmlformats.org/drawingml/2006/main" xmlns:r="http://schemas.openxmlformats.org/officeDocument/2006/relationships" xmlns:p="http://schemas.openxmlformats.org/presentationml/2006/main">
   <p:cSld>
@@ -3527,7 +3461,7 @@
         </p:nvSpPr>
         <p:spPr>
           <a:xfrm>
-            <a:off x="1397000" y="127000"/>
+            <a:off x="1397000" y="-127000"/>
             <a:ext cx="6350000" cy="635000"/>
           </a:xfrm>
           <a:prstGeom prst="rect">
@@ -3548,7 +3482,7 @@
               <a:defRPr/>
             </a:pPr>
             <a:r>
-              <a:rPr lang="en-US" sz="2300">
+              <a:rPr lang="en-US" sz="2000">
                 <a:solidFill>
                   <a:srgbClr val="000000"/>
                 </a:solidFill>
@@ -3566,7 +3500,7 @@
         </p:nvSpPr>
         <p:spPr>
           <a:xfrm>
-            <a:off x="1397000" y="762000"/>
+            <a:off x="1397000" y="381000"/>
             <a:ext cx="6350000" cy="635000"/>
           </a:xfrm>
           <a:prstGeom prst="rect">
@@ -3587,7 +3521,7 @@
               <a:defRPr/>
             </a:pPr>
             <a:r>
-              <a:rPr lang="en-US" sz="2000">
+              <a:rPr lang="en-US" sz="1400">
                 <a:solidFill>
                   <a:srgbClr val="000000"/>
                 </a:solidFill>
@@ -3605,7 +3539,7 @@
         </p:nvSpPr>
         <p:spPr>
           <a:xfrm>
-            <a:off x="1397000" y="1143000"/>
+            <a:off x="1397000" y="698500"/>
             <a:ext cx="6350000" cy="635000"/>
           </a:xfrm>
           <a:prstGeom prst="rect">
@@ -3626,7 +3560,7 @@
               <a:defRPr/>
             </a:pPr>
             <a:r>
-              <a:rPr lang="en-US" sz="1800">
+              <a:rPr lang="en-US" sz="1200">
                 <a:solidFill>
                   <a:srgbClr val="404040"/>
                 </a:solidFill>
@@ -3644,7 +3578,7 @@
         </p:nvSpPr>
         <p:spPr>
           <a:xfrm>
-            <a:off x="1397000" y="1714500"/>
+            <a:off x="1397000" y="1016000"/>
             <a:ext cx="6350000" cy="635000"/>
           </a:xfrm>
           <a:prstGeom prst="rect">
@@ -3665,7 +3599,7 @@
               <a:defRPr/>
             </a:pPr>
             <a:r>
-              <a:rPr lang="en-US" sz="1800">
+              <a:rPr lang="en-US" sz="1200">
                 <a:solidFill>
                   <a:srgbClr val="404040"/>
                 </a:solidFill>
@@ -3683,7 +3617,7 @@
         </p:nvSpPr>
         <p:spPr>
           <a:xfrm>
-            <a:off x="1397000" y="2413000"/>
+            <a:off x="1397000" y="1333500"/>
             <a:ext cx="6350000" cy="635000"/>
           </a:xfrm>
           <a:prstGeom prst="rect">
@@ -3704,7 +3638,7 @@
               <a:defRPr/>
             </a:pPr>
             <a:r>
-              <a:rPr lang="en-US" sz="2000">
+              <a:rPr lang="en-US" sz="1400">
                 <a:solidFill>
                   <a:srgbClr val="000000"/>
                 </a:solidFill>
@@ -3717,6 +3651,123 @@
       <p:sp>
         <p:nvSpPr>
           <p:cNvPr id="7" name="TextBox 7"/>
+          <p:cNvSpPr txBox="1"/>
+          <p:nvPr/>
+        </p:nvSpPr>
+        <p:spPr>
+          <a:xfrm>
+            <a:off x="1397000" y="1651000"/>
+            <a:ext cx="6350000" cy="635000"/>
+          </a:xfrm>
+          <a:prstGeom prst="rect">
+            <a:avLst/>
+          </a:prstGeom>
+        </p:spPr>
+        <p:txBody>
+          <a:bodyPr rtlCol="0" anchor="t" anchorCtr="0"/>
+          <a:lstStyle/>
+          <a:p>
+            <a:pPr algn="l">
+              <a:defRPr/>
+            </a:pPr>
+            <a:endParaRPr/>
+          </a:p>
+          <a:p>
+            <a:pPr algn="l">
+              <a:defRPr/>
+            </a:pPr>
+            <a:r>
+              <a:rPr lang="en-US" sz="1200">
+                <a:solidFill>
+                  <a:srgbClr val="404040"/>
+                </a:solidFill>
+              </a:rPr>
+              <a:t>• Multi-threaded Java Application: Each thread uploads a JSON file and retrieves it.</a:t>
+            </a:r>
+          </a:p>
+        </p:txBody>
+      </p:sp>
+      <p:sp>
+        <p:nvSpPr>
+          <p:cNvPr id="8" name="TextBox 8"/>
+          <p:cNvSpPr txBox="1"/>
+          <p:nvPr/>
+        </p:nvSpPr>
+        <p:spPr>
+          <a:xfrm>
+            <a:off x="1397000" y="1968500"/>
+            <a:ext cx="6350000" cy="635000"/>
+          </a:xfrm>
+          <a:prstGeom prst="rect">
+            <a:avLst/>
+          </a:prstGeom>
+        </p:spPr>
+        <p:txBody>
+          <a:bodyPr rtlCol="0" anchor="t" anchorCtr="0"/>
+          <a:lstStyle/>
+          <a:p>
+            <a:pPr algn="l">
+              <a:defRPr/>
+            </a:pPr>
+            <a:endParaRPr/>
+          </a:p>
+          <a:p>
+            <a:pPr algn="l">
+              <a:defRPr/>
+            </a:pPr>
+            <a:r>
+              <a:rPr lang="en-US" sz="1200">
+                <a:solidFill>
+                  <a:srgbClr val="404040"/>
+                </a:solidFill>
+              </a:rPr>
+              <a:t>• Test Duration: The load tests were executed for 3 minutes.</a:t>
+            </a:r>
+          </a:p>
+        </p:txBody>
+      </p:sp>
+      <p:sp>
+        <p:nvSpPr>
+          <p:cNvPr id="9" name="TextBox 9"/>
+          <p:cNvSpPr txBox="1"/>
+          <p:nvPr/>
+        </p:nvSpPr>
+        <p:spPr>
+          <a:xfrm>
+            <a:off x="1397000" y="2286000"/>
+            <a:ext cx="6350000" cy="635000"/>
+          </a:xfrm>
+          <a:prstGeom prst="rect">
+            <a:avLst/>
+          </a:prstGeom>
+        </p:spPr>
+        <p:txBody>
+          <a:bodyPr rtlCol="0" anchor="t" anchorCtr="0"/>
+          <a:lstStyle/>
+          <a:p>
+            <a:pPr algn="l">
+              <a:defRPr/>
+            </a:pPr>
+            <a:endParaRPr/>
+          </a:p>
+          <a:p>
+            <a:pPr algn="l">
+              <a:defRPr/>
+            </a:pPr>
+            <a:r>
+              <a:rPr lang="en-US" sz="1200">
+                <a:solidFill>
+                  <a:srgbClr val="404040"/>
+                </a:solidFill>
+              </a:rPr>
+              <a:t>• Operations Performed: Each thread performed one upload followed by three retrieve operations of the uploaded file by key.</a:t>
+            </a:r>
+          </a:p>
+        </p:txBody>
+      </p:sp>
+      <p:sp>
+        <p:nvSpPr>
+          <p:cNvPr id="10" name="TextBox 10"/>
           <p:cNvSpPr txBox="1"/>
           <p:nvPr/>
         </p:nvSpPr>
@@ -3730,7 +3781,7 @@
           </a:prstGeom>
         </p:spPr>
         <p:txBody>
-          <a:bodyPr rtlCol="0" anchor="t" anchorCtr="0"/>
+          <a:bodyPr rtlCol="0" anchor="t" anchorCtr="1"/>
           <a:lstStyle/>
           <a:p>
             <a:pPr algn="l">
@@ -3743,25 +3794,25 @@
               <a:defRPr/>
             </a:pPr>
             <a:r>
-              <a:rPr lang="en-US" sz="1800">
+              <a:rPr lang="en-US" sz="1400">
                 <a:solidFill>
-                  <a:srgbClr val="404040"/>
+                  <a:srgbClr val="000000"/>
                 </a:solidFill>
               </a:rPr>
-              <a:t>• Multi-threaded Java Application: Each thread uploads a JSON file and retrieves it.</a:t>
-            </a:r>
-          </a:p>
-        </p:txBody>
-      </p:sp>
-      <p:sp>
-        <p:nvSpPr>
-          <p:cNvPr id="8" name="TextBox 8"/>
+              <a:t>3. Asynchronous Load Testing:</a:t>
+            </a:r>
+          </a:p>
+        </p:txBody>
+      </p:sp>
+      <p:sp>
+        <p:nvSpPr>
+          <p:cNvPr id="11" name="TextBox 11"/>
           <p:cNvSpPr txBox="1"/>
           <p:nvPr/>
         </p:nvSpPr>
         <p:spPr>
           <a:xfrm>
-            <a:off x="1397000" y="3365500"/>
+            <a:off x="1397000" y="3175000"/>
             <a:ext cx="6350000" cy="635000"/>
           </a:xfrm>
           <a:prstGeom prst="rect">
@@ -3782,25 +3833,25 @@
               <a:defRPr/>
             </a:pPr>
             <a:r>
-              <a:rPr lang="en-US" sz="1800">
+              <a:rPr lang="en-US" sz="1200">
                 <a:solidFill>
                   <a:srgbClr val="404040"/>
                 </a:solidFill>
               </a:rPr>
-              <a:t>• Test Duration: The load tests were executed for 3 minutes.</a:t>
-            </a:r>
-          </a:p>
-        </p:txBody>
-      </p:sp>
-      <p:sp>
-        <p:nvSpPr>
-          <p:cNvPr id="9" name="TextBox 9"/>
+              <a:t>• Purpose: Enhance efficiency and scalability of database interactions.</a:t>
+            </a:r>
+          </a:p>
+        </p:txBody>
+      </p:sp>
+      <p:sp>
+        <p:nvSpPr>
+          <p:cNvPr id="12" name="TextBox 12"/>
           <p:cNvSpPr txBox="1"/>
           <p:nvPr/>
         </p:nvSpPr>
         <p:spPr>
           <a:xfrm>
-            <a:off x="1397000" y="3683000"/>
+            <a:off x="1397000" y="3492500"/>
             <a:ext cx="6350000" cy="635000"/>
           </a:xfrm>
           <a:prstGeom prst="rect">
@@ -3821,25 +3872,25 @@
               <a:defRPr/>
             </a:pPr>
             <a:r>
-              <a:rPr lang="en-US" sz="1800">
+              <a:rPr lang="en-US" sz="1200">
                 <a:solidFill>
                   <a:srgbClr val="404040"/>
                 </a:solidFill>
               </a:rPr>
-              <a:t>• Operations Performed: Each thread performed one upload followed by three retrieve operations of the uploaded file by key.</a:t>
-            </a:r>
-          </a:p>
-        </p:txBody>
-      </p:sp>
-      <p:sp>
-        <p:nvSpPr>
-          <p:cNvPr id="10" name="TextBox 10"/>
+              <a:t>• Improved Throughput: Non-blocking I/O allows concurrent processing of multiple requests.</a:t>
+            </a:r>
+          </a:p>
+        </p:txBody>
+      </p:sp>
+      <p:sp>
+        <p:nvSpPr>
+          <p:cNvPr id="13" name="TextBox 13"/>
           <p:cNvSpPr txBox="1"/>
           <p:nvPr/>
         </p:nvSpPr>
         <p:spPr>
           <a:xfrm>
-            <a:off x="1397000" y="4381500"/>
+            <a:off x="1397000" y="3810000"/>
             <a:ext cx="6350000" cy="635000"/>
           </a:xfrm>
           <a:prstGeom prst="rect">
@@ -3847,7 +3898,7 @@
           </a:prstGeom>
         </p:spPr>
         <p:txBody>
-          <a:bodyPr rtlCol="0" anchor="t" anchorCtr="1"/>
+          <a:bodyPr rtlCol="0" anchor="t" anchorCtr="0"/>
           <a:lstStyle/>
           <a:p>
             <a:pPr algn="l">
@@ -3860,25 +3911,25 @@
               <a:defRPr/>
             </a:pPr>
             <a:r>
-              <a:rPr lang="en-US" sz="2000">
+              <a:rPr lang="en-US" sz="1200">
                 <a:solidFill>
-                  <a:srgbClr val="000000"/>
+                  <a:srgbClr val="404040"/>
                 </a:solidFill>
               </a:rPr>
-              <a:t>3. Monitoring:</a:t>
-            </a:r>
-          </a:p>
-        </p:txBody>
-      </p:sp>
-      <p:sp>
-        <p:nvSpPr>
-          <p:cNvPr id="11" name="TextBox 11"/>
+              <a:t>• Enhanced Resource Utilization: Optimizes CPU and memory usage by reducing idle time.</a:t>
+            </a:r>
+          </a:p>
+        </p:txBody>
+      </p:sp>
+      <p:sp>
+        <p:nvSpPr>
+          <p:cNvPr id="14" name="TextBox 14"/>
           <p:cNvSpPr txBox="1"/>
           <p:nvPr/>
         </p:nvSpPr>
         <p:spPr>
           <a:xfrm>
-            <a:off x="1397000" y="4699000"/>
+            <a:off x="1397000" y="4127500"/>
             <a:ext cx="6350000" cy="635000"/>
           </a:xfrm>
           <a:prstGeom prst="rect">
@@ -3899,25 +3950,25 @@
               <a:defRPr/>
             </a:pPr>
             <a:r>
-              <a:rPr lang="en-US" sz="1800">
+              <a:rPr lang="en-US" sz="1200">
                 <a:solidFill>
                   <a:srgbClr val="404040"/>
                 </a:solidFill>
               </a:rPr>
-              <a:t>• Metrics Collection: Micrometer was used to collect application performance metrics.</a:t>
-            </a:r>
-          </a:p>
-        </p:txBody>
-      </p:sp>
-      <p:sp>
-        <p:nvSpPr>
-          <p:cNvPr id="12" name="TextBox 12"/>
+              <a:t>• Simulated Concurrent Load: Reflects real-world scenarios of multiple simultaneous users.</a:t>
+            </a:r>
+          </a:p>
+        </p:txBody>
+      </p:sp>
+      <p:sp>
+        <p:nvSpPr>
+          <p:cNvPr id="15" name="TextBox 15"/>
           <p:cNvSpPr txBox="1"/>
           <p:nvPr/>
         </p:nvSpPr>
         <p:spPr>
           <a:xfrm>
-            <a:off x="1397000" y="5334000"/>
+            <a:off x="1397000" y="4445000"/>
             <a:ext cx="6350000" cy="635000"/>
           </a:xfrm>
           <a:prstGeom prst="rect">
@@ -3931,32 +3982,32 @@
             <a:pPr algn="l">
               <a:defRPr/>
             </a:pPr>
-            <a:endParaRPr/>
-          </a:p>
-          <a:p>
-            <a:pPr algn="l">
-              <a:defRPr/>
-            </a:pPr>
-            <a:r>
-              <a:rPr lang="en-US" sz="1800">
+            <a:endParaRPr dirty="0"/>
+          </a:p>
+          <a:p>
+            <a:pPr algn="l">
+              <a:defRPr/>
+            </a:pPr>
+            <a:r>
+              <a:rPr lang="en-US" sz="1200" dirty="0">
                 <a:solidFill>
                   <a:srgbClr val="404040"/>
                 </a:solidFill>
               </a:rPr>
-              <a:t>• Metrics Storage: Prometheus was utilized for storing the collected metrics.</a:t>
-            </a:r>
-          </a:p>
-        </p:txBody>
-      </p:sp>
-      <p:sp>
-        <p:nvSpPr>
-          <p:cNvPr id="13" name="TextBox 13"/>
+              <a:t>• Expected Outcomes: Higher load capacity for comprehensive performance evaluation.</a:t>
+            </a:r>
+          </a:p>
+        </p:txBody>
+      </p:sp>
+      <p:sp>
+        <p:nvSpPr>
+          <p:cNvPr id="16" name="TextBox 16"/>
           <p:cNvSpPr txBox="1"/>
           <p:nvPr/>
         </p:nvSpPr>
         <p:spPr>
           <a:xfrm>
-            <a:off x="1397000" y="5969000"/>
+            <a:off x="1397000" y="4762500"/>
             <a:ext cx="6350000" cy="635000"/>
           </a:xfrm>
           <a:prstGeom prst="rect">
@@ -3964,6 +4015,45 @@
           </a:prstGeom>
         </p:spPr>
         <p:txBody>
+          <a:bodyPr rtlCol="0" anchor="t" anchorCtr="1"/>
+          <a:lstStyle/>
+          <a:p>
+            <a:pPr algn="l">
+              <a:defRPr/>
+            </a:pPr>
+            <a:endParaRPr/>
+          </a:p>
+          <a:p>
+            <a:pPr algn="l">
+              <a:defRPr/>
+            </a:pPr>
+            <a:r>
+              <a:rPr lang="en-US" sz="1400">
+                <a:solidFill>
+                  <a:srgbClr val="000000"/>
+                </a:solidFill>
+              </a:rPr>
+              <a:t>4. Monitoring:</a:t>
+            </a:r>
+          </a:p>
+        </p:txBody>
+      </p:sp>
+      <p:sp>
+        <p:nvSpPr>
+          <p:cNvPr id="17" name="TextBox 17"/>
+          <p:cNvSpPr txBox="1"/>
+          <p:nvPr/>
+        </p:nvSpPr>
+        <p:spPr>
+          <a:xfrm>
+            <a:off x="1397000" y="5080000"/>
+            <a:ext cx="6350000" cy="635000"/>
+          </a:xfrm>
+          <a:prstGeom prst="rect">
+            <a:avLst/>
+          </a:prstGeom>
+        </p:spPr>
+        <p:txBody>
           <a:bodyPr rtlCol="0" anchor="t" anchorCtr="0"/>
           <a:lstStyle/>
           <a:p>
@@ -3977,7 +4067,85 @@
               <a:defRPr/>
             </a:pPr>
             <a:r>
-              <a:rPr lang="en-US" sz="1800">
+              <a:rPr lang="en-US" sz="1200">
+                <a:solidFill>
+                  <a:srgbClr val="404040"/>
+                </a:solidFill>
+              </a:rPr>
+              <a:t>• Metrics Collection: Micrometer was used to collect application performance metrics.</a:t>
+            </a:r>
+          </a:p>
+        </p:txBody>
+      </p:sp>
+      <p:sp>
+        <p:nvSpPr>
+          <p:cNvPr id="18" name="TextBox 18"/>
+          <p:cNvSpPr txBox="1"/>
+          <p:nvPr/>
+        </p:nvSpPr>
+        <p:spPr>
+          <a:xfrm>
+            <a:off x="1397000" y="5397500"/>
+            <a:ext cx="6350000" cy="635000"/>
+          </a:xfrm>
+          <a:prstGeom prst="rect">
+            <a:avLst/>
+          </a:prstGeom>
+        </p:spPr>
+        <p:txBody>
+          <a:bodyPr rtlCol="0" anchor="t" anchorCtr="0"/>
+          <a:lstStyle/>
+          <a:p>
+            <a:pPr algn="l">
+              <a:defRPr/>
+            </a:pPr>
+            <a:endParaRPr/>
+          </a:p>
+          <a:p>
+            <a:pPr algn="l">
+              <a:defRPr/>
+            </a:pPr>
+            <a:r>
+              <a:rPr lang="en-US" sz="1200">
+                <a:solidFill>
+                  <a:srgbClr val="404040"/>
+                </a:solidFill>
+              </a:rPr>
+              <a:t>• Metrics Storage: Prometheus was utilized for storing the collected metrics.</a:t>
+            </a:r>
+          </a:p>
+        </p:txBody>
+      </p:sp>
+      <p:sp>
+        <p:nvSpPr>
+          <p:cNvPr id="19" name="TextBox 19"/>
+          <p:cNvSpPr txBox="1"/>
+          <p:nvPr/>
+        </p:nvSpPr>
+        <p:spPr>
+          <a:xfrm>
+            <a:off x="1397000" y="5715000"/>
+            <a:ext cx="6350000" cy="635000"/>
+          </a:xfrm>
+          <a:prstGeom prst="rect">
+            <a:avLst/>
+          </a:prstGeom>
+        </p:spPr>
+        <p:txBody>
+          <a:bodyPr rtlCol="0" anchor="t" anchorCtr="0"/>
+          <a:lstStyle/>
+          <a:p>
+            <a:pPr algn="l">
+              <a:defRPr/>
+            </a:pPr>
+            <a:endParaRPr/>
+          </a:p>
+          <a:p>
+            <a:pPr algn="l">
+              <a:defRPr/>
+            </a:pPr>
+            <a:r>
+              <a:rPr lang="en-US" sz="1200">
                 <a:solidFill>
                   <a:srgbClr val="404040"/>
                 </a:solidFill>
@@ -4202,46 +4370,7 @@
                   <a:srgbClr val="404040"/>
                 </a:solidFill>
               </a:rPr>
-              <a:t>• Thread Pool Scenarios: Tests varying the number of threads used for load operations from 5 to 15, use 2 JSON files of different sizes (1 kb and 25 kb), write to unique or shared keys and use Couchbase default connection pool size.</a:t>
-            </a:r>
-          </a:p>
-        </p:txBody>
-      </p:sp>
-      <p:sp>
-        <p:nvSpPr>
-          <p:cNvPr id="7" name="TextBox 7"/>
-          <p:cNvSpPr txBox="1"/>
-          <p:nvPr/>
-        </p:nvSpPr>
-        <p:spPr>
-          <a:xfrm>
-            <a:off x="1397000" y="3492500"/>
-            <a:ext cx="6350000" cy="635000"/>
-          </a:xfrm>
-          <a:prstGeom prst="rect">
-            <a:avLst/>
-          </a:prstGeom>
-        </p:spPr>
-        <p:txBody>
-          <a:bodyPr rtlCol="0" anchor="t" anchorCtr="0"/>
-          <a:lstStyle/>
-          <a:p>
-            <a:pPr algn="l">
-              <a:defRPr/>
-            </a:pPr>
-            <a:endParaRPr/>
-          </a:p>
-          <a:p>
-            <a:pPr algn="l">
-              <a:defRPr/>
-            </a:pPr>
-            <a:r>
-              <a:rPr lang="en-US" sz="1800">
-                <a:solidFill>
-                  <a:srgbClr val="404040"/>
-                </a:solidFill>
-              </a:rPr>
-              <a:t>• Connection Pool Scenarios: Tests evaluating performance with a fixed number of threads (10), use JSON files of same size (25 kb), unique keys, connection pool size vary from 5 to 15.</a:t>
+              <a:t>• Thread Pool Scenarios: Tests varying the number of threads used for load operations from 1 to 3, use JSON files of 1 kb size, write to unique keys and use Couchbase default connection pool size.</a:t>
             </a:r>
           </a:p>
         </p:txBody>
@@ -4300,12 +4429,12 @@
               <a:defRPr/>
             </a:pPr>
             <a:r>
-              <a:rPr lang="en-US" sz="2800">
+              <a:rPr lang="en-US" sz="3000">
                 <a:solidFill>
                   <a:srgbClr val="000000"/>
                 </a:solidFill>
               </a:rPr>
-              <a:t>Specific Scenarios</a:t>
+              <a:t>Results Overview</a:t>
             </a:r>
           </a:p>
         </p:txBody>
@@ -4318,7 +4447,7 @@
         </p:nvSpPr>
         <p:spPr>
           <a:xfrm>
-            <a:off x="1397000" y="762000"/>
+            <a:off x="1397000" y="635000"/>
             <a:ext cx="6350000" cy="635000"/>
           </a:xfrm>
           <a:prstGeom prst="rect">
@@ -4339,12 +4468,12 @@
               <a:defRPr/>
             </a:pPr>
             <a:r>
-              <a:rPr lang="en-US" sz="1400">
+              <a:rPr lang="en-US" sz="1800">
                 <a:solidFill>
                   <a:srgbClr val="404040"/>
                 </a:solidFill>
               </a:rPr>
-              <a:t>  Scenario 1: 5 threads, 25 kb JSON, unique keys.</a:t>
+              <a:t>This section provides an overview of the performance metrics observed during the Couchbase load testing.</a:t>
             </a:r>
           </a:p>
         </p:txBody>
@@ -4357,7 +4486,7 @@
         </p:nvSpPr>
         <p:spPr>
           <a:xfrm>
-            <a:off x="1397000" y="1143000"/>
+            <a:off x="1397000" y="1270000"/>
             <a:ext cx="6350000" cy="635000"/>
           </a:xfrm>
           <a:prstGeom prst="rect">
@@ -4365,7 +4494,7 @@
           </a:prstGeom>
         </p:spPr>
         <p:txBody>
-          <a:bodyPr rtlCol="0" anchor="t" anchorCtr="0"/>
+          <a:bodyPr rtlCol="0" anchor="t" anchorCtr="1"/>
           <a:lstStyle/>
           <a:p>
             <a:pPr algn="l">
@@ -4378,12 +4507,12 @@
               <a:defRPr/>
             </a:pPr>
             <a:r>
-              <a:rPr lang="en-US" sz="1400">
+              <a:rPr lang="en-US" sz="2000">
                 <a:solidFill>
-                  <a:srgbClr val="404040"/>
+                  <a:srgbClr val="000000"/>
                 </a:solidFill>
               </a:rPr>
-              <a:t>  Scenario 2: 5 threads, 25 kb JSON, shared key.</a:t>
+              <a:t>Key Performance Metrics:</a:t>
             </a:r>
           </a:p>
         </p:txBody>
@@ -4396,7 +4525,7 @@
         </p:nvSpPr>
         <p:spPr>
           <a:xfrm>
-            <a:off x="1397000" y="1524000"/>
+            <a:off x="1397000" y="1651000"/>
             <a:ext cx="6350000" cy="635000"/>
           </a:xfrm>
           <a:prstGeom prst="rect">
@@ -4417,12 +4546,12 @@
               <a:defRPr/>
             </a:pPr>
             <a:r>
-              <a:rPr lang="en-US" sz="1400">
+              <a:rPr lang="en-US" sz="1800">
                 <a:solidFill>
                   <a:srgbClr val="404040"/>
                 </a:solidFill>
               </a:rPr>
-              <a:t>  Scenario 3: 10 threads, 25 kb JSON, unique keys.</a:t>
+              <a:t>• Average Latency of PUT Operations: Average latency measured in milliseconds.</a:t>
             </a:r>
           </a:p>
         </p:txBody>
@@ -4435,7 +4564,7 @@
         </p:nvSpPr>
         <p:spPr>
           <a:xfrm>
-            <a:off x="1397000" y="1905000"/>
+            <a:off x="1397000" y="2159000"/>
             <a:ext cx="6350000" cy="635000"/>
           </a:xfrm>
           <a:prstGeom prst="rect">
@@ -4456,12 +4585,12 @@
               <a:defRPr/>
             </a:pPr>
             <a:r>
-              <a:rPr lang="en-US" sz="1400">
+              <a:rPr lang="en-US" sz="1800">
                 <a:solidFill>
                   <a:srgbClr val="404040"/>
                 </a:solidFill>
               </a:rPr>
-              <a:t>  Scenario 4: 10 threads, 25 kb JSON, shared key.</a:t>
+              <a:t>• Average Latency of GET Operations: Average latency measured in milliseconds.</a:t>
             </a:r>
           </a:p>
         </p:txBody>
@@ -4469,45 +4598,6 @@
       <p:sp>
         <p:nvSpPr>
           <p:cNvPr id="7" name="TextBox 7"/>
-          <p:cNvSpPr txBox="1"/>
-          <p:nvPr/>
-        </p:nvSpPr>
-        <p:spPr>
-          <a:xfrm>
-            <a:off x="1397000" y="2286000"/>
-            <a:ext cx="6350000" cy="635000"/>
-          </a:xfrm>
-          <a:prstGeom prst="rect">
-            <a:avLst/>
-          </a:prstGeom>
-        </p:spPr>
-        <p:txBody>
-          <a:bodyPr rtlCol="0" anchor="t" anchorCtr="0"/>
-          <a:lstStyle/>
-          <a:p>
-            <a:pPr algn="l">
-              <a:defRPr/>
-            </a:pPr>
-            <a:endParaRPr/>
-          </a:p>
-          <a:p>
-            <a:pPr algn="l">
-              <a:defRPr/>
-            </a:pPr>
-            <a:r>
-              <a:rPr lang="en-US" sz="1400">
-                <a:solidFill>
-                  <a:srgbClr val="404040"/>
-                </a:solidFill>
-              </a:rPr>
-              <a:t>  Scenario 5: 15 threads, 25 kb JSON, unique keys.</a:t>
-            </a:r>
-          </a:p>
-        </p:txBody>
-      </p:sp>
-      <p:sp>
-        <p:nvSpPr>
-          <p:cNvPr id="8" name="TextBox 8"/>
           <p:cNvSpPr txBox="1"/>
           <p:nvPr/>
         </p:nvSpPr>
@@ -4534,25 +4624,25 @@
               <a:defRPr/>
             </a:pPr>
             <a:r>
-              <a:rPr lang="en-US" sz="1400">
+              <a:rPr lang="en-US" sz="1800">
                 <a:solidFill>
                   <a:srgbClr val="404040"/>
                 </a:solidFill>
               </a:rPr>
-              <a:t>  Scenario 6: 15 threads, 25 kb JSON, shared key.</a:t>
-            </a:r>
-          </a:p>
-        </p:txBody>
-      </p:sp>
-      <p:sp>
-        <p:nvSpPr>
-          <p:cNvPr id="9" name="TextBox 9"/>
+              <a:t>• Overall Average Response Time: Overall average response time measured in milliseconds.</a:t>
+            </a:r>
+          </a:p>
+        </p:txBody>
+      </p:sp>
+      <p:sp>
+        <p:nvSpPr>
+          <p:cNvPr id="8" name="TextBox 8"/>
           <p:cNvSpPr txBox="1"/>
           <p:nvPr/>
         </p:nvSpPr>
         <p:spPr>
           <a:xfrm>
-            <a:off x="1397000" y="3048000"/>
+            <a:off x="1397000" y="3175000"/>
             <a:ext cx="6350000" cy="635000"/>
           </a:xfrm>
           <a:prstGeom prst="rect">
@@ -4573,25 +4663,25 @@
               <a:defRPr/>
             </a:pPr>
             <a:r>
-              <a:rPr lang="en-US" sz="1400">
+              <a:rPr lang="en-US" sz="1800">
                 <a:solidFill>
                   <a:srgbClr val="404040"/>
                 </a:solidFill>
               </a:rPr>
-              <a:t>  Scenario 7: 5 threads, 1 kb JSON, unique keys.</a:t>
-            </a:r>
-          </a:p>
-        </p:txBody>
-      </p:sp>
-      <p:sp>
-        <p:nvSpPr>
-          <p:cNvPr id="10" name="TextBox 10"/>
+              <a:t>• Transactions Per Second (TPS): Total successful transactions processed per second.</a:t>
+            </a:r>
+          </a:p>
+        </p:txBody>
+      </p:sp>
+      <p:sp>
+        <p:nvSpPr>
+          <p:cNvPr id="9" name="TextBox 9"/>
           <p:cNvSpPr txBox="1"/>
           <p:nvPr/>
         </p:nvSpPr>
         <p:spPr>
           <a:xfrm>
-            <a:off x="1397000" y="3429000"/>
+            <a:off x="1397000" y="3683000"/>
             <a:ext cx="6350000" cy="635000"/>
           </a:xfrm>
           <a:prstGeom prst="rect">
@@ -4612,58 +4702,19 @@
               <a:defRPr/>
             </a:pPr>
             <a:r>
-              <a:rPr lang="en-US" sz="1400">
+              <a:rPr lang="en-US" sz="1800">
                 <a:solidFill>
                   <a:srgbClr val="404040"/>
                 </a:solidFill>
               </a:rPr>
-              <a:t>  Scenario 8: 5 threads, 1 kb JSON, shared key.</a:t>
-            </a:r>
-          </a:p>
-        </p:txBody>
-      </p:sp>
-      <p:sp>
-        <p:nvSpPr>
-          <p:cNvPr id="11" name="TextBox 11"/>
-          <p:cNvSpPr txBox="1"/>
-          <p:nvPr/>
-        </p:nvSpPr>
-        <p:spPr>
-          <a:xfrm>
-            <a:off x="1397000" y="3810000"/>
-            <a:ext cx="6350000" cy="635000"/>
-          </a:xfrm>
-          <a:prstGeom prst="rect">
-            <a:avLst/>
-          </a:prstGeom>
-        </p:spPr>
-        <p:txBody>
-          <a:bodyPr rtlCol="0" anchor="t" anchorCtr="0"/>
-          <a:lstStyle/>
-          <a:p>
-            <a:pPr algn="l">
-              <a:defRPr/>
-            </a:pPr>
-            <a:endParaRPr/>
-          </a:p>
-          <a:p>
-            <a:pPr algn="l">
-              <a:defRPr/>
-            </a:pPr>
-            <a:r>
-              <a:rPr lang="en-US" sz="1400">
-                <a:solidFill>
-                  <a:srgbClr val="404040"/>
-                </a:solidFill>
-              </a:rPr>
-              <a:t>  Scenario 9: 10 threads, 1 kb JSON, unique keys.</a:t>
-            </a:r>
-          </a:p>
-        </p:txBody>
-      </p:sp>
-      <p:sp>
-        <p:nvSpPr>
-          <p:cNvPr id="12" name="TextBox 12"/>
+              <a:t>• Total Error Rate: Total error rate observed during the testing phase in percentage.</a:t>
+            </a:r>
+          </a:p>
+        </p:txBody>
+      </p:sp>
+      <p:sp>
+        <p:nvSpPr>
+          <p:cNvPr id="10" name="TextBox 10"/>
           <p:cNvSpPr txBox="1"/>
           <p:nvPr/>
         </p:nvSpPr>
@@ -4690,25 +4741,25 @@
               <a:defRPr/>
             </a:pPr>
             <a:r>
-              <a:rPr lang="en-US" sz="1400">
+              <a:rPr lang="en-US" sz="1800">
                 <a:solidFill>
                   <a:srgbClr val="404040"/>
                 </a:solidFill>
               </a:rPr>
-              <a:t>  Scenario 10: 10 threads, 1 kb JSON, shared key.</a:t>
-            </a:r>
-          </a:p>
-        </p:txBody>
-      </p:sp>
-      <p:sp>
-        <p:nvSpPr>
-          <p:cNvPr id="13" name="TextBox 13"/>
+              <a:t>• Total Number of Successful Operations: Total successful operations executed.</a:t>
+            </a:r>
+          </a:p>
+        </p:txBody>
+      </p:sp>
+      <p:sp>
+        <p:nvSpPr>
+          <p:cNvPr id="11" name="TextBox 11"/>
           <p:cNvSpPr txBox="1"/>
           <p:nvPr/>
         </p:nvSpPr>
         <p:spPr>
           <a:xfrm>
-            <a:off x="1397000" y="4572000"/>
+            <a:off x="1397000" y="4699000"/>
             <a:ext cx="6350000" cy="635000"/>
           </a:xfrm>
           <a:prstGeom prst="rect">
@@ -4729,168 +4780,12 @@
               <a:defRPr/>
             </a:pPr>
             <a:r>
-              <a:rPr lang="en-US" sz="1400">
+              <a:rPr lang="en-US" sz="1800">
                 <a:solidFill>
                   <a:srgbClr val="404040"/>
                 </a:solidFill>
               </a:rPr>
-              <a:t>  Scenario 11: 15 threads, 1 kb JSON, unique keys.</a:t>
-            </a:r>
-          </a:p>
-        </p:txBody>
-      </p:sp>
-      <p:sp>
-        <p:nvSpPr>
-          <p:cNvPr id="14" name="TextBox 14"/>
-          <p:cNvSpPr txBox="1"/>
-          <p:nvPr/>
-        </p:nvSpPr>
-        <p:spPr>
-          <a:xfrm>
-            <a:off x="1397000" y="4953000"/>
-            <a:ext cx="6350000" cy="635000"/>
-          </a:xfrm>
-          <a:prstGeom prst="rect">
-            <a:avLst/>
-          </a:prstGeom>
-        </p:spPr>
-        <p:txBody>
-          <a:bodyPr rtlCol="0" anchor="t" anchorCtr="0"/>
-          <a:lstStyle/>
-          <a:p>
-            <a:pPr algn="l">
-              <a:defRPr/>
-            </a:pPr>
-            <a:endParaRPr/>
-          </a:p>
-          <a:p>
-            <a:pPr algn="l">
-              <a:defRPr/>
-            </a:pPr>
-            <a:r>
-              <a:rPr lang="en-US" sz="1400">
-                <a:solidFill>
-                  <a:srgbClr val="404040"/>
-                </a:solidFill>
-              </a:rPr>
-              <a:t>  Scenario 12: 15 threads, 1 kb JSON, shared key.</a:t>
-            </a:r>
-          </a:p>
-        </p:txBody>
-      </p:sp>
-      <p:sp>
-        <p:nvSpPr>
-          <p:cNvPr id="15" name="TextBox 15"/>
-          <p:cNvSpPr txBox="1"/>
-          <p:nvPr/>
-        </p:nvSpPr>
-        <p:spPr>
-          <a:xfrm>
-            <a:off x="1397000" y="5334000"/>
-            <a:ext cx="6350000" cy="635000"/>
-          </a:xfrm>
-          <a:prstGeom prst="rect">
-            <a:avLst/>
-          </a:prstGeom>
-        </p:spPr>
-        <p:txBody>
-          <a:bodyPr rtlCol="0" anchor="t" anchorCtr="0"/>
-          <a:lstStyle/>
-          <a:p>
-            <a:pPr algn="l">
-              <a:defRPr/>
-            </a:pPr>
-            <a:endParaRPr/>
-          </a:p>
-          <a:p>
-            <a:pPr algn="l">
-              <a:defRPr/>
-            </a:pPr>
-            <a:r>
-              <a:rPr lang="en-US" sz="1400">
-                <a:solidFill>
-                  <a:srgbClr val="404040"/>
-                </a:solidFill>
-              </a:rPr>
-              <a:t>  Scenario 13: 10 threads, 25 kb JSON, unique key, connection pool size 5.</a:t>
-            </a:r>
-          </a:p>
-        </p:txBody>
-      </p:sp>
-      <p:sp>
-        <p:nvSpPr>
-          <p:cNvPr id="16" name="TextBox 16"/>
-          <p:cNvSpPr txBox="1"/>
-          <p:nvPr/>
-        </p:nvSpPr>
-        <p:spPr>
-          <a:xfrm>
-            <a:off x="1397000" y="5715000"/>
-            <a:ext cx="6350000" cy="635000"/>
-          </a:xfrm>
-          <a:prstGeom prst="rect">
-            <a:avLst/>
-          </a:prstGeom>
-        </p:spPr>
-        <p:txBody>
-          <a:bodyPr rtlCol="0" anchor="t" anchorCtr="0"/>
-          <a:lstStyle/>
-          <a:p>
-            <a:pPr algn="l">
-              <a:defRPr/>
-            </a:pPr>
-            <a:endParaRPr/>
-          </a:p>
-          <a:p>
-            <a:pPr algn="l">
-              <a:defRPr/>
-            </a:pPr>
-            <a:r>
-              <a:rPr lang="en-US" sz="1400">
-                <a:solidFill>
-                  <a:srgbClr val="404040"/>
-                </a:solidFill>
-              </a:rPr>
-              <a:t>  Scenario 14: 10 threads, 25 kb JSON, unique key, connection pool size 10.</a:t>
-            </a:r>
-          </a:p>
-        </p:txBody>
-      </p:sp>
-      <p:sp>
-        <p:nvSpPr>
-          <p:cNvPr id="17" name="TextBox 17"/>
-          <p:cNvSpPr txBox="1"/>
-          <p:nvPr/>
-        </p:nvSpPr>
-        <p:spPr>
-          <a:xfrm>
-            <a:off x="1397000" y="6096000"/>
-            <a:ext cx="6350000" cy="635000"/>
-          </a:xfrm>
-          <a:prstGeom prst="rect">
-            <a:avLst/>
-          </a:prstGeom>
-        </p:spPr>
-        <p:txBody>
-          <a:bodyPr rtlCol="0" anchor="t" anchorCtr="0"/>
-          <a:lstStyle/>
-          <a:p>
-            <a:pPr algn="l">
-              <a:defRPr/>
-            </a:pPr>
-            <a:endParaRPr/>
-          </a:p>
-          <a:p>
-            <a:pPr algn="l">
-              <a:defRPr/>
-            </a:pPr>
-            <a:r>
-              <a:rPr lang="en-US" sz="1400">
-                <a:solidFill>
-                  <a:srgbClr val="404040"/>
-                </a:solidFill>
-              </a:rPr>
-              <a:t>  Scenario 15: 15 threads, 25 kb JSON, unique key, connection pool size 15.</a:t>
+              <a:t>These metrics provide insights into Couchbase's performance under load and areas for potential optimization.</a:t>
             </a:r>
           </a:p>
         </p:txBody>
@@ -4949,421 +4844,6 @@
               <a:defRPr/>
             </a:pPr>
             <a:r>
-              <a:rPr lang="en-US" sz="3000">
-                <a:solidFill>
-                  <a:srgbClr val="000000"/>
-                </a:solidFill>
-              </a:rPr>
-              <a:t>Results Overview</a:t>
-            </a:r>
-          </a:p>
-        </p:txBody>
-      </p:sp>
-      <p:sp>
-        <p:nvSpPr>
-          <p:cNvPr id="3" name="TextBox 3"/>
-          <p:cNvSpPr txBox="1"/>
-          <p:nvPr/>
-        </p:nvSpPr>
-        <p:spPr>
-          <a:xfrm>
-            <a:off x="1397000" y="635000"/>
-            <a:ext cx="6350000" cy="635000"/>
-          </a:xfrm>
-          <a:prstGeom prst="rect">
-            <a:avLst/>
-          </a:prstGeom>
-        </p:spPr>
-        <p:txBody>
-          <a:bodyPr rtlCol="0" anchor="t" anchorCtr="0"/>
-          <a:lstStyle/>
-          <a:p>
-            <a:pPr algn="l">
-              <a:defRPr/>
-            </a:pPr>
-            <a:endParaRPr/>
-          </a:p>
-          <a:p>
-            <a:pPr algn="l">
-              <a:defRPr/>
-            </a:pPr>
-            <a:r>
-              <a:rPr lang="en-US" sz="1800">
-                <a:solidFill>
-                  <a:srgbClr val="404040"/>
-                </a:solidFill>
-              </a:rPr>
-              <a:t>This section provides an overview of the performance metrics observed during the Couchbase load testing.</a:t>
-            </a:r>
-          </a:p>
-        </p:txBody>
-      </p:sp>
-      <p:sp>
-        <p:nvSpPr>
-          <p:cNvPr id="4" name="TextBox 4"/>
-          <p:cNvSpPr txBox="1"/>
-          <p:nvPr/>
-        </p:nvSpPr>
-        <p:spPr>
-          <a:xfrm>
-            <a:off x="1397000" y="1270000"/>
-            <a:ext cx="6350000" cy="635000"/>
-          </a:xfrm>
-          <a:prstGeom prst="rect">
-            <a:avLst/>
-          </a:prstGeom>
-        </p:spPr>
-        <p:txBody>
-          <a:bodyPr rtlCol="0" anchor="t" anchorCtr="1"/>
-          <a:lstStyle/>
-          <a:p>
-            <a:pPr algn="l">
-              <a:defRPr/>
-            </a:pPr>
-            <a:endParaRPr/>
-          </a:p>
-          <a:p>
-            <a:pPr algn="l">
-              <a:defRPr/>
-            </a:pPr>
-            <a:r>
-              <a:rPr lang="en-US" sz="2000">
-                <a:solidFill>
-                  <a:srgbClr val="000000"/>
-                </a:solidFill>
-              </a:rPr>
-              <a:t>Key Performance Metrics:</a:t>
-            </a:r>
-          </a:p>
-        </p:txBody>
-      </p:sp>
-      <p:sp>
-        <p:nvSpPr>
-          <p:cNvPr id="5" name="TextBox 5"/>
-          <p:cNvSpPr txBox="1"/>
-          <p:nvPr/>
-        </p:nvSpPr>
-        <p:spPr>
-          <a:xfrm>
-            <a:off x="1397000" y="1651000"/>
-            <a:ext cx="6350000" cy="635000"/>
-          </a:xfrm>
-          <a:prstGeom prst="rect">
-            <a:avLst/>
-          </a:prstGeom>
-        </p:spPr>
-        <p:txBody>
-          <a:bodyPr rtlCol="0" anchor="t" anchorCtr="0"/>
-          <a:lstStyle/>
-          <a:p>
-            <a:pPr algn="l">
-              <a:defRPr/>
-            </a:pPr>
-            <a:endParaRPr/>
-          </a:p>
-          <a:p>
-            <a:pPr algn="l">
-              <a:defRPr/>
-            </a:pPr>
-            <a:r>
-              <a:rPr lang="en-US" sz="1800">
-                <a:solidFill>
-                  <a:srgbClr val="404040"/>
-                </a:solidFill>
-              </a:rPr>
-              <a:t>• Average Latency of PUT Operations: Average latency measured in milliseconds.</a:t>
-            </a:r>
-          </a:p>
-        </p:txBody>
-      </p:sp>
-      <p:sp>
-        <p:nvSpPr>
-          <p:cNvPr id="6" name="TextBox 6"/>
-          <p:cNvSpPr txBox="1"/>
-          <p:nvPr/>
-        </p:nvSpPr>
-        <p:spPr>
-          <a:xfrm>
-            <a:off x="1397000" y="2159000"/>
-            <a:ext cx="6350000" cy="635000"/>
-          </a:xfrm>
-          <a:prstGeom prst="rect">
-            <a:avLst/>
-          </a:prstGeom>
-        </p:spPr>
-        <p:txBody>
-          <a:bodyPr rtlCol="0" anchor="t" anchorCtr="0"/>
-          <a:lstStyle/>
-          <a:p>
-            <a:pPr algn="l">
-              <a:defRPr/>
-            </a:pPr>
-            <a:endParaRPr/>
-          </a:p>
-          <a:p>
-            <a:pPr algn="l">
-              <a:defRPr/>
-            </a:pPr>
-            <a:r>
-              <a:rPr lang="en-US" sz="1800">
-                <a:solidFill>
-                  <a:srgbClr val="404040"/>
-                </a:solidFill>
-              </a:rPr>
-              <a:t>• Average Latency of GET Operations: Average latency measured in milliseconds.</a:t>
-            </a:r>
-          </a:p>
-        </p:txBody>
-      </p:sp>
-      <p:sp>
-        <p:nvSpPr>
-          <p:cNvPr id="7" name="TextBox 7"/>
-          <p:cNvSpPr txBox="1"/>
-          <p:nvPr/>
-        </p:nvSpPr>
-        <p:spPr>
-          <a:xfrm>
-            <a:off x="1397000" y="2667000"/>
-            <a:ext cx="6350000" cy="635000"/>
-          </a:xfrm>
-          <a:prstGeom prst="rect">
-            <a:avLst/>
-          </a:prstGeom>
-        </p:spPr>
-        <p:txBody>
-          <a:bodyPr rtlCol="0" anchor="t" anchorCtr="0"/>
-          <a:lstStyle/>
-          <a:p>
-            <a:pPr algn="l">
-              <a:defRPr/>
-            </a:pPr>
-            <a:endParaRPr/>
-          </a:p>
-          <a:p>
-            <a:pPr algn="l">
-              <a:defRPr/>
-            </a:pPr>
-            <a:r>
-              <a:rPr lang="en-US" sz="1800">
-                <a:solidFill>
-                  <a:srgbClr val="404040"/>
-                </a:solidFill>
-              </a:rPr>
-              <a:t>• Overall Average Response Time: Overall average response time measured in milliseconds.</a:t>
-            </a:r>
-          </a:p>
-        </p:txBody>
-      </p:sp>
-      <p:sp>
-        <p:nvSpPr>
-          <p:cNvPr id="8" name="TextBox 8"/>
-          <p:cNvSpPr txBox="1"/>
-          <p:nvPr/>
-        </p:nvSpPr>
-        <p:spPr>
-          <a:xfrm>
-            <a:off x="1397000" y="3175000"/>
-            <a:ext cx="6350000" cy="635000"/>
-          </a:xfrm>
-          <a:prstGeom prst="rect">
-            <a:avLst/>
-          </a:prstGeom>
-        </p:spPr>
-        <p:txBody>
-          <a:bodyPr rtlCol="0" anchor="t" anchorCtr="0"/>
-          <a:lstStyle/>
-          <a:p>
-            <a:pPr algn="l">
-              <a:defRPr/>
-            </a:pPr>
-            <a:endParaRPr/>
-          </a:p>
-          <a:p>
-            <a:pPr algn="l">
-              <a:defRPr/>
-            </a:pPr>
-            <a:r>
-              <a:rPr lang="en-US" sz="1800">
-                <a:solidFill>
-                  <a:srgbClr val="404040"/>
-                </a:solidFill>
-              </a:rPr>
-              <a:t>• Transactions Per Second (TPS): Total successful transactions processed per second.</a:t>
-            </a:r>
-          </a:p>
-        </p:txBody>
-      </p:sp>
-      <p:sp>
-        <p:nvSpPr>
-          <p:cNvPr id="9" name="TextBox 9"/>
-          <p:cNvSpPr txBox="1"/>
-          <p:nvPr/>
-        </p:nvSpPr>
-        <p:spPr>
-          <a:xfrm>
-            <a:off x="1397000" y="3683000"/>
-            <a:ext cx="6350000" cy="635000"/>
-          </a:xfrm>
-          <a:prstGeom prst="rect">
-            <a:avLst/>
-          </a:prstGeom>
-        </p:spPr>
-        <p:txBody>
-          <a:bodyPr rtlCol="0" anchor="t" anchorCtr="0"/>
-          <a:lstStyle/>
-          <a:p>
-            <a:pPr algn="l">
-              <a:defRPr/>
-            </a:pPr>
-            <a:endParaRPr/>
-          </a:p>
-          <a:p>
-            <a:pPr algn="l">
-              <a:defRPr/>
-            </a:pPr>
-            <a:r>
-              <a:rPr lang="en-US" sz="1800">
-                <a:solidFill>
-                  <a:srgbClr val="404040"/>
-                </a:solidFill>
-              </a:rPr>
-              <a:t>• Total Error Rate: Total error rate observed during the testing phase in percentage.</a:t>
-            </a:r>
-          </a:p>
-        </p:txBody>
-      </p:sp>
-      <p:sp>
-        <p:nvSpPr>
-          <p:cNvPr id="10" name="TextBox 10"/>
-          <p:cNvSpPr txBox="1"/>
-          <p:nvPr/>
-        </p:nvSpPr>
-        <p:spPr>
-          <a:xfrm>
-            <a:off x="1397000" y="4191000"/>
-            <a:ext cx="6350000" cy="635000"/>
-          </a:xfrm>
-          <a:prstGeom prst="rect">
-            <a:avLst/>
-          </a:prstGeom>
-        </p:spPr>
-        <p:txBody>
-          <a:bodyPr rtlCol="0" anchor="t" anchorCtr="0"/>
-          <a:lstStyle/>
-          <a:p>
-            <a:pPr algn="l">
-              <a:defRPr/>
-            </a:pPr>
-            <a:endParaRPr/>
-          </a:p>
-          <a:p>
-            <a:pPr algn="l">
-              <a:defRPr/>
-            </a:pPr>
-            <a:r>
-              <a:rPr lang="en-US" sz="1800">
-                <a:solidFill>
-                  <a:srgbClr val="404040"/>
-                </a:solidFill>
-              </a:rPr>
-              <a:t>• Total Number of Successful Operations: Total successful operations executed.</a:t>
-            </a:r>
-          </a:p>
-        </p:txBody>
-      </p:sp>
-      <p:sp>
-        <p:nvSpPr>
-          <p:cNvPr id="11" name="TextBox 11"/>
-          <p:cNvSpPr txBox="1"/>
-          <p:nvPr/>
-        </p:nvSpPr>
-        <p:spPr>
-          <a:xfrm>
-            <a:off x="1397000" y="4699000"/>
-            <a:ext cx="6350000" cy="635000"/>
-          </a:xfrm>
-          <a:prstGeom prst="rect">
-            <a:avLst/>
-          </a:prstGeom>
-        </p:spPr>
-        <p:txBody>
-          <a:bodyPr rtlCol="0" anchor="t" anchorCtr="0"/>
-          <a:lstStyle/>
-          <a:p>
-            <a:pPr algn="l">
-              <a:defRPr/>
-            </a:pPr>
-            <a:endParaRPr/>
-          </a:p>
-          <a:p>
-            <a:pPr algn="l">
-              <a:defRPr/>
-            </a:pPr>
-            <a:r>
-              <a:rPr lang="en-US" sz="1800">
-                <a:solidFill>
-                  <a:srgbClr val="404040"/>
-                </a:solidFill>
-              </a:rPr>
-              <a:t>These metrics provide insights into Couchbase's performance under load and areas for potential optimization.</a:t>
-            </a:r>
-          </a:p>
-        </p:txBody>
-      </p:sp>
-    </p:spTree>
-  </p:cSld>
-  <p:clrMapOvr>
-    <a:masterClrMapping/>
-  </p:clrMapOvr>
-</p:sld>
-</file>
-
-<file path=ppt/slides/slide7.xml><?xml version="1.0" encoding="utf-8"?>
-<p:sld xmlns:a="http://schemas.openxmlformats.org/drawingml/2006/main" xmlns:r="http://schemas.openxmlformats.org/officeDocument/2006/relationships" xmlns:p="http://schemas.openxmlformats.org/presentationml/2006/main">
-  <p:cSld>
-    <p:spTree>
-      <p:nvGrpSpPr>
-        <p:cNvPr id="1" name=""/>
-        <p:cNvGrpSpPr/>
-        <p:nvPr/>
-      </p:nvGrpSpPr>
-      <p:grpSpPr>
-        <a:xfrm>
-          <a:off x="0" y="0"/>
-          <a:ext cx="0" cy="0"/>
-          <a:chOff x="0" y="0"/>
-          <a:chExt cx="0" cy="0"/>
-        </a:xfrm>
-      </p:grpSpPr>
-      <p:sp>
-        <p:nvSpPr>
-          <p:cNvPr id="2" name="TextBox 2"/>
-          <p:cNvSpPr txBox="1"/>
-          <p:nvPr/>
-        </p:nvSpPr>
-        <p:spPr>
-          <a:xfrm>
-            <a:off x="1397000" y="0"/>
-            <a:ext cx="6350000" cy="635000"/>
-          </a:xfrm>
-          <a:prstGeom prst="rect">
-            <a:avLst/>
-          </a:prstGeom>
-        </p:spPr>
-        <p:txBody>
-          <a:bodyPr rtlCol="0" anchor="t" anchorCtr="1"/>
-          <a:lstStyle/>
-          <a:p>
-            <a:pPr algn="l">
-              <a:defRPr/>
-            </a:pPr>
-            <a:endParaRPr/>
-          </a:p>
-          <a:p>
-            <a:pPr algn="l">
-              <a:defRPr/>
-            </a:pPr>
-            <a:r>
               <a:rPr lang="en-US" sz="2400">
                 <a:solidFill>
                   <a:srgbClr val="000000"/>
@@ -5383,8 +4863,8 @@
           <p:nvPr/>
         </p:nvGraphicFramePr>
         <p:xfrm>
-          <a:off x="1397000" y="762000"/>
-          <a:ext cx="6223000" cy="5943600"/>
+          <a:off x="1397000" y="2032000"/>
+          <a:ext cx="6223000" cy="1554480"/>
         </p:xfrm>
         <a:graphic>
           <a:graphicData uri="http://schemas.openxmlformats.org/drawingml/2006/table">
@@ -5451,14 +4931,14 @@
                         <a:defRPr/>
                       </a:pPr>
                       <a:r>
-                        <a:rPr lang="en-US" sz="800">
+                        <a:rPr lang="en-US" sz="800" dirty="0">
                           <a:solidFill>
                             <a:srgbClr val="000000"/>
                           </a:solidFill>
                         </a:rPr>
                         <a:t>Scenario ID</a:t>
                       </a:r>
-                      <a:endParaRPr lang="en-US" sz="1100"/>
+                      <a:endParaRPr lang="en-US" sz="1100" dirty="0"/>
                     </a:p>
                   </a:txBody>
                   <a:tcPr>
@@ -5817,14 +5297,30 @@
                         <a:defRPr/>
                       </a:pPr>
                       <a:r>
-                        <a:rPr lang="en-US" sz="800">
+                        <a:rPr lang="en-US" sz="800" dirty="0">
                           <a:solidFill>
                             <a:srgbClr val="000000"/>
                           </a:solidFill>
                         </a:rPr>
-                        <a:t>Overall Average Response Time (ms)</a:t>
+                        <a:t>Overall Average Response Time (</a:t>
                       </a:r>
-                      <a:endParaRPr lang="en-US" sz="1100"/>
+                      <a:r>
+                        <a:rPr lang="en-US" sz="800" dirty="0" err="1">
+                          <a:solidFill>
+                            <a:srgbClr val="000000"/>
+                          </a:solidFill>
+                        </a:rPr>
+                        <a:t>ms</a:t>
+                      </a:r>
+                      <a:r>
+                        <a:rPr lang="en-US" sz="800" dirty="0">
+                          <a:solidFill>
+                            <a:srgbClr val="000000"/>
+                          </a:solidFill>
+                        </a:rPr>
+                        <a:t>)</a:t>
+                      </a:r>
+                      <a:endParaRPr lang="en-US" sz="1100" dirty="0"/>
                     </a:p>
                   </a:txBody>
                   <a:tcPr>
@@ -5881,18 +5377,7 @@
                     <a:bodyPr/>
                     <a:lstStyle/>
                     <a:p>
-                      <a:pPr algn="l">
-                        <a:defRPr/>
-                      </a:pPr>
-                      <a:r>
-                        <a:rPr lang="en-US" sz="800">
-                          <a:solidFill>
-                            <a:srgbClr val="000000"/>
-                          </a:solidFill>
-                        </a:rPr>
-                        <a:t>Scenario 1: threads=5,25kb,unique keys</a:t>
-                      </a:r>
-                      <a:endParaRPr lang="en-US" sz="1100"/>
+                      <a:endParaRPr lang="ru-RU"/>
                     </a:p>
                   </a:txBody>
                   <a:tcPr>
@@ -5942,18 +5427,7 @@
                     <a:bodyPr/>
                     <a:lstStyle/>
                     <a:p>
-                      <a:pPr algn="l">
-                        <a:defRPr/>
-                      </a:pPr>
-                      <a:r>
-                        <a:rPr lang="en-US" sz="800">
-                          <a:solidFill>
-                            <a:srgbClr val="000000"/>
-                          </a:solidFill>
-                        </a:rPr>
-                        <a:t>225796.0</a:t>
-                      </a:r>
-                      <a:endParaRPr lang="en-US" sz="1100"/>
+                      <a:endParaRPr lang="ru-RU"/>
                     </a:p>
                   </a:txBody>
                   <a:tcPr>
@@ -6003,18 +5477,7 @@
                     <a:bodyPr/>
                     <a:lstStyle/>
                     <a:p>
-                      <a:pPr algn="l">
-                        <a:defRPr/>
-                      </a:pPr>
-                      <a:r>
-                        <a:rPr lang="en-US" sz="800">
-                          <a:solidFill>
-                            <a:srgbClr val="000000"/>
-                          </a:solidFill>
-                        </a:rPr>
-                        <a:t>0.00</a:t>
-                      </a:r>
-                      <a:endParaRPr lang="en-US" sz="1100"/>
+                      <a:endParaRPr lang="ru-RU"/>
                     </a:p>
                   </a:txBody>
                   <a:tcPr>
@@ -6064,18 +5527,7 @@
                     <a:bodyPr/>
                     <a:lstStyle/>
                     <a:p>
-                      <a:pPr algn="l">
-                        <a:defRPr/>
-                      </a:pPr>
-                      <a:r>
-                        <a:rPr lang="en-US" sz="800">
-                          <a:solidFill>
-                            <a:srgbClr val="000000"/>
-                          </a:solidFill>
-                        </a:rPr>
-                        <a:t>251.20</a:t>
-                      </a:r>
-                      <a:endParaRPr lang="en-US" sz="1100"/>
+                      <a:endParaRPr lang="ru-RU"/>
                     </a:p>
                   </a:txBody>
                   <a:tcPr>
@@ -6125,18 +5577,7 @@
                     <a:bodyPr/>
                     <a:lstStyle/>
                     <a:p>
-                      <a:pPr algn="l">
-                        <a:defRPr/>
-                      </a:pPr>
-                      <a:r>
-                        <a:rPr lang="en-US" sz="800">
-                          <a:solidFill>
-                            <a:srgbClr val="000000"/>
-                          </a:solidFill>
-                        </a:rPr>
-                        <a:t>4.90</a:t>
-                      </a:r>
-                      <a:endParaRPr lang="en-US" sz="1100"/>
+                      <a:endParaRPr lang="ru-RU"/>
                     </a:p>
                   </a:txBody>
                   <a:tcPr>
@@ -6186,18 +5627,7 @@
                     <a:bodyPr/>
                     <a:lstStyle/>
                     <a:p>
-                      <a:pPr algn="l">
-                        <a:defRPr/>
-                      </a:pPr>
-                      <a:r>
-                        <a:rPr lang="en-US" sz="800">
-                          <a:solidFill>
-                            <a:srgbClr val="000000"/>
-                          </a:solidFill>
-                        </a:rPr>
-                        <a:t>3.70</a:t>
-                      </a:r>
-                      <a:endParaRPr lang="en-US" sz="1100"/>
+                      <a:endParaRPr lang="ru-RU"/>
                     </a:p>
                   </a:txBody>
                   <a:tcPr>
@@ -6247,18 +5677,7 @@
                     <a:bodyPr/>
                     <a:lstStyle/>
                     <a:p>
-                      <a:pPr algn="l">
-                        <a:defRPr/>
-                      </a:pPr>
-                      <a:r>
-                        <a:rPr lang="en-US" sz="800">
-                          <a:solidFill>
-                            <a:srgbClr val="000000"/>
-                          </a:solidFill>
-                        </a:rPr>
-                        <a:t>4.00</a:t>
-                      </a:r>
-                      <a:endParaRPr lang="en-US" sz="1100"/>
+                      <a:endParaRPr lang="ru-RU"/>
                     </a:p>
                   </a:txBody>
                   <a:tcPr>
@@ -6315,18 +5734,7 @@
                     <a:bodyPr/>
                     <a:lstStyle/>
                     <a:p>
-                      <a:pPr algn="l">
-                        <a:defRPr/>
-                      </a:pPr>
-                      <a:r>
-                        <a:rPr lang="en-US" sz="800">
-                          <a:solidFill>
-                            <a:srgbClr val="000000"/>
-                          </a:solidFill>
-                        </a:rPr>
-                        <a:t>Scenario 2: threads=5,25kb,shared key</a:t>
-                      </a:r>
-                      <a:endParaRPr lang="en-US" sz="1100"/>
+                      <a:endParaRPr lang="ru-RU"/>
                     </a:p>
                   </a:txBody>
                   <a:tcPr>
@@ -6376,18 +5784,7 @@
                     <a:bodyPr/>
                     <a:lstStyle/>
                     <a:p>
-                      <a:pPr algn="l">
-                        <a:defRPr/>
-                      </a:pPr>
-                      <a:r>
-                        <a:rPr lang="en-US" sz="800">
-                          <a:solidFill>
-                            <a:srgbClr val="000000"/>
-                          </a:solidFill>
-                        </a:rPr>
-                        <a:t>288408.0</a:t>
-                      </a:r>
-                      <a:endParaRPr lang="en-US" sz="1100"/>
+                      <a:endParaRPr lang="ru-RU"/>
                     </a:p>
                   </a:txBody>
                   <a:tcPr>
@@ -6437,18 +5834,7 @@
                     <a:bodyPr/>
                     <a:lstStyle/>
                     <a:p>
-                      <a:pPr algn="l">
-                        <a:defRPr/>
-                      </a:pPr>
-                      <a:r>
-                        <a:rPr lang="en-US" sz="800">
-                          <a:solidFill>
-                            <a:srgbClr val="000000"/>
-                          </a:solidFill>
-                        </a:rPr>
-                        <a:t>0.00</a:t>
-                      </a:r>
-                      <a:endParaRPr lang="en-US" sz="1100"/>
+                      <a:endParaRPr lang="ru-RU"/>
                     </a:p>
                   </a:txBody>
                   <a:tcPr>
@@ -6498,18 +5884,7 @@
                     <a:bodyPr/>
                     <a:lstStyle/>
                     <a:p>
-                      <a:pPr algn="l">
-                        <a:defRPr/>
-                      </a:pPr>
-                      <a:r>
-                        <a:rPr lang="en-US" sz="800">
-                          <a:solidFill>
-                            <a:srgbClr val="000000"/>
-                          </a:solidFill>
-                        </a:rPr>
-                        <a:t>320.70</a:t>
-                      </a:r>
-                      <a:endParaRPr lang="en-US" sz="1100"/>
+                      <a:endParaRPr lang="ru-RU"/>
                     </a:p>
                   </a:txBody>
                   <a:tcPr>
@@ -6559,18 +5934,7 @@
                     <a:bodyPr/>
                     <a:lstStyle/>
                     <a:p>
-                      <a:pPr algn="l">
-                        <a:defRPr/>
-                      </a:pPr>
-                      <a:r>
-                        <a:rPr lang="en-US" sz="800">
-                          <a:solidFill>
-                            <a:srgbClr val="000000"/>
-                          </a:solidFill>
-                        </a:rPr>
-                        <a:t>3.90</a:t>
-                      </a:r>
-                      <a:endParaRPr lang="en-US" sz="1100"/>
+                      <a:endParaRPr lang="ru-RU"/>
                     </a:p>
                   </a:txBody>
                   <a:tcPr>
@@ -6620,18 +5984,7 @@
                     <a:bodyPr/>
                     <a:lstStyle/>
                     <a:p>
-                      <a:pPr algn="l">
-                        <a:defRPr/>
-                      </a:pPr>
-                      <a:r>
-                        <a:rPr lang="en-US" sz="800">
-                          <a:solidFill>
-                            <a:srgbClr val="000000"/>
-                          </a:solidFill>
-                        </a:rPr>
-                        <a:t>2.90</a:t>
-                      </a:r>
-                      <a:endParaRPr lang="en-US" sz="1100"/>
+                      <a:endParaRPr lang="ru-RU"/>
                     </a:p>
                   </a:txBody>
                   <a:tcPr>
@@ -6681,18 +6034,7 @@
                     <a:bodyPr/>
                     <a:lstStyle/>
                     <a:p>
-                      <a:pPr algn="l">
-                        <a:defRPr/>
-                      </a:pPr>
-                      <a:r>
-                        <a:rPr lang="en-US" sz="800">
-                          <a:solidFill>
-                            <a:srgbClr val="000000"/>
-                          </a:solidFill>
-                        </a:rPr>
-                        <a:t>3.10</a:t>
-                      </a:r>
-                      <a:endParaRPr lang="en-US" sz="1100"/>
+                      <a:endParaRPr lang="ru-RU"/>
                     </a:p>
                   </a:txBody>
                   <a:tcPr>
@@ -6749,18 +6091,7 @@
                     <a:bodyPr/>
                     <a:lstStyle/>
                     <a:p>
-                      <a:pPr algn="l">
-                        <a:defRPr/>
-                      </a:pPr>
-                      <a:r>
-                        <a:rPr lang="en-US" sz="800">
-                          <a:solidFill>
-                            <a:srgbClr val="000000"/>
-                          </a:solidFill>
-                        </a:rPr>
-                        <a:t>Scenario 3: threads=10,25kb,unique keys</a:t>
-                      </a:r>
-                      <a:endParaRPr lang="en-US" sz="1100"/>
+                      <a:endParaRPr lang="ru-RU"/>
                     </a:p>
                   </a:txBody>
                   <a:tcPr>
@@ -6810,18 +6141,7 @@
                     <a:bodyPr/>
                     <a:lstStyle/>
                     <a:p>
-                      <a:pPr algn="l">
-                        <a:defRPr/>
-                      </a:pPr>
-                      <a:r>
-                        <a:rPr lang="en-US" sz="800">
-                          <a:solidFill>
-                            <a:srgbClr val="000000"/>
-                          </a:solidFill>
-                        </a:rPr>
-                        <a:t>337672.0</a:t>
-                      </a:r>
-                      <a:endParaRPr lang="en-US" sz="1100"/>
+                      <a:endParaRPr lang="ru-RU"/>
                     </a:p>
                   </a:txBody>
                   <a:tcPr>
@@ -6871,18 +6191,7 @@
                     <a:bodyPr/>
                     <a:lstStyle/>
                     <a:p>
-                      <a:pPr algn="l">
-                        <a:defRPr/>
-                      </a:pPr>
-                      <a:r>
-                        <a:rPr lang="en-US" sz="800">
-                          <a:solidFill>
-                            <a:srgbClr val="000000"/>
-                          </a:solidFill>
-                        </a:rPr>
-                        <a:t>0.00</a:t>
-                      </a:r>
-                      <a:endParaRPr lang="en-US" sz="1100"/>
+                      <a:endParaRPr lang="ru-RU"/>
                     </a:p>
                   </a:txBody>
                   <a:tcPr>
@@ -6932,18 +6241,7 @@
                     <a:bodyPr/>
                     <a:lstStyle/>
                     <a:p>
-                      <a:pPr algn="l">
-                        <a:defRPr/>
-                      </a:pPr>
-                      <a:r>
-                        <a:rPr lang="en-US" sz="800">
-                          <a:solidFill>
-                            <a:srgbClr val="000000"/>
-                          </a:solidFill>
-                        </a:rPr>
-                        <a:t>187.70</a:t>
-                      </a:r>
-                      <a:endParaRPr lang="en-US" sz="1100"/>
+                      <a:endParaRPr lang="ru-RU"/>
                     </a:p>
                   </a:txBody>
                   <a:tcPr>
@@ -6993,18 +6291,7 @@
                     <a:bodyPr/>
                     <a:lstStyle/>
                     <a:p>
-                      <a:pPr algn="l">
-                        <a:defRPr/>
-                      </a:pPr>
-                      <a:r>
-                        <a:rPr lang="en-US" sz="800">
-                          <a:solidFill>
-                            <a:srgbClr val="000000"/>
-                          </a:solidFill>
-                        </a:rPr>
-                        <a:t>6.70</a:t>
-                      </a:r>
-                      <a:endParaRPr lang="en-US" sz="1100"/>
+                      <a:endParaRPr lang="ru-RU"/>
                     </a:p>
                   </a:txBody>
                   <a:tcPr>
@@ -7054,18 +6341,7 @@
                     <a:bodyPr/>
                     <a:lstStyle/>
                     <a:p>
-                      <a:pPr algn="l">
-                        <a:defRPr/>
-                      </a:pPr>
-                      <a:r>
-                        <a:rPr lang="en-US" sz="800">
-                          <a:solidFill>
-                            <a:srgbClr val="000000"/>
-                          </a:solidFill>
-                        </a:rPr>
-                        <a:t>4.90</a:t>
-                      </a:r>
-                      <a:endParaRPr lang="en-US" sz="1100"/>
+                      <a:endParaRPr lang="ru-RU"/>
                     </a:p>
                   </a:txBody>
                   <a:tcPr>
@@ -7115,18 +6391,7 @@
                     <a:bodyPr/>
                     <a:lstStyle/>
                     <a:p>
-                      <a:pPr algn="l">
-                        <a:defRPr/>
-                      </a:pPr>
-                      <a:r>
-                        <a:rPr lang="en-US" sz="800">
-                          <a:solidFill>
-                            <a:srgbClr val="000000"/>
-                          </a:solidFill>
-                        </a:rPr>
-                        <a:t>5.30</a:t>
-                      </a:r>
-                      <a:endParaRPr lang="en-US" sz="1100"/>
+                      <a:endParaRPr lang="ru-RU" dirty="0"/>
                     </a:p>
                   </a:txBody>
                   <a:tcPr>
@@ -7177,3990 +6442,20 @@
                   </a:ext>
                 </a:extLst>
               </a:tr>
-              <a:tr h="254000">
-                <a:tc>
-                  <a:txBody>
-                    <a:bodyPr/>
-                    <a:lstStyle/>
-                    <a:p>
-                      <a:pPr algn="l">
-                        <a:defRPr/>
-                      </a:pPr>
-                      <a:r>
-                        <a:rPr lang="en-US" sz="800">
-                          <a:solidFill>
-                            <a:srgbClr val="000000"/>
-                          </a:solidFill>
-                        </a:rPr>
-                        <a:t>Scenario 4: threads=10,25kb,shared key</a:t>
-                      </a:r>
-                      <a:endParaRPr lang="en-US" sz="1100"/>
-                    </a:p>
-                  </a:txBody>
-                  <a:tcPr>
-                    <a:lnL cap="flat" cmpd="sng" algn="ctr">
-                      <a:solidFill>
-                        <a:srgbClr val="000000"/>
-                      </a:solidFill>
-                      <a:prstDash val="solid"/>
-                      <a:round/>
-                      <a:headEnd type="none" w="med" len="med"/>
-                      <a:tailEnd type="none" w="med" len="med"/>
-                    </a:lnL>
-                    <a:lnR cap="flat" cmpd="sng" algn="ctr">
-                      <a:solidFill>
-                        <a:srgbClr val="000000"/>
-                      </a:solidFill>
-                      <a:prstDash val="solid"/>
-                      <a:round/>
-                      <a:headEnd type="none" w="med" len="med"/>
-                      <a:tailEnd type="none" w="med" len="med"/>
-                    </a:lnR>
-                    <a:lnT cap="flat" cmpd="sng" algn="ctr">
-                      <a:solidFill>
-                        <a:srgbClr val="000000"/>
-                      </a:solidFill>
-                      <a:prstDash val="solid"/>
-                      <a:round/>
-                      <a:headEnd type="none" w="med" len="med"/>
-                      <a:tailEnd type="none" w="med" len="med"/>
-                    </a:lnT>
-                    <a:lnB cap="flat" cmpd="sng" algn="ctr">
-                      <a:solidFill>
-                        <a:srgbClr val="000000"/>
-                      </a:solidFill>
-                      <a:prstDash val="solid"/>
-                      <a:round/>
-                      <a:headEnd type="none" w="med" len="med"/>
-                      <a:tailEnd type="none" w="med" len="med"/>
-                    </a:lnB>
-                    <a:solidFill>
-                      <a:srgbClr val="FFFFFF"/>
-                    </a:solidFill>
-                  </a:tcPr>
-                </a:tc>
-                <a:tc>
-                  <a:txBody>
-                    <a:bodyPr/>
-                    <a:lstStyle/>
-                    <a:p>
-                      <a:pPr algn="l">
-                        <a:defRPr/>
-                      </a:pPr>
-                      <a:r>
-                        <a:rPr lang="en-US" sz="800">
-                          <a:solidFill>
-                            <a:srgbClr val="000000"/>
-                          </a:solidFill>
-                        </a:rPr>
-                        <a:t>403472.0</a:t>
-                      </a:r>
-                      <a:endParaRPr lang="en-US" sz="1100"/>
-                    </a:p>
-                  </a:txBody>
-                  <a:tcPr>
-                    <a:lnL cap="flat" cmpd="sng" algn="ctr">
-                      <a:solidFill>
-                        <a:srgbClr val="000000"/>
-                      </a:solidFill>
-                      <a:prstDash val="solid"/>
-                      <a:round/>
-                      <a:headEnd type="none" w="med" len="med"/>
-                      <a:tailEnd type="none" w="med" len="med"/>
-                    </a:lnL>
-                    <a:lnR cap="flat" cmpd="sng" algn="ctr">
-                      <a:solidFill>
-                        <a:srgbClr val="000000"/>
-                      </a:solidFill>
-                      <a:prstDash val="solid"/>
-                      <a:round/>
-                      <a:headEnd type="none" w="med" len="med"/>
-                      <a:tailEnd type="none" w="med" len="med"/>
-                    </a:lnR>
-                    <a:lnT cap="flat" cmpd="sng" algn="ctr">
-                      <a:solidFill>
-                        <a:srgbClr val="000000"/>
-                      </a:solidFill>
-                      <a:prstDash val="solid"/>
-                      <a:round/>
-                      <a:headEnd type="none" w="med" len="med"/>
-                      <a:tailEnd type="none" w="med" len="med"/>
-                    </a:lnT>
-                    <a:lnB cap="flat" cmpd="sng" algn="ctr">
-                      <a:solidFill>
-                        <a:srgbClr val="000000"/>
-                      </a:solidFill>
-                      <a:prstDash val="solid"/>
-                      <a:round/>
-                      <a:headEnd type="none" w="med" len="med"/>
-                      <a:tailEnd type="none" w="med" len="med"/>
-                    </a:lnB>
-                    <a:solidFill>
-                      <a:srgbClr val="FFFFFF"/>
-                    </a:solidFill>
-                  </a:tcPr>
-                </a:tc>
-                <a:tc>
-                  <a:txBody>
-                    <a:bodyPr/>
-                    <a:lstStyle/>
-                    <a:p>
-                      <a:pPr algn="l">
-                        <a:defRPr/>
-                      </a:pPr>
-                      <a:r>
-                        <a:rPr lang="en-US" sz="800">
-                          <a:solidFill>
-                            <a:srgbClr val="000000"/>
-                          </a:solidFill>
-                        </a:rPr>
-                        <a:t>0.00</a:t>
-                      </a:r>
-                      <a:endParaRPr lang="en-US" sz="1100"/>
-                    </a:p>
-                  </a:txBody>
-                  <a:tcPr>
-                    <a:lnL cap="flat" cmpd="sng" algn="ctr">
-                      <a:solidFill>
-                        <a:srgbClr val="000000"/>
-                      </a:solidFill>
-                      <a:prstDash val="solid"/>
-                      <a:round/>
-                      <a:headEnd type="none" w="med" len="med"/>
-                      <a:tailEnd type="none" w="med" len="med"/>
-                    </a:lnL>
-                    <a:lnR cap="flat" cmpd="sng" algn="ctr">
-                      <a:solidFill>
-                        <a:srgbClr val="000000"/>
-                      </a:solidFill>
-                      <a:prstDash val="solid"/>
-                      <a:round/>
-                      <a:headEnd type="none" w="med" len="med"/>
-                      <a:tailEnd type="none" w="med" len="med"/>
-                    </a:lnR>
-                    <a:lnT cap="flat" cmpd="sng" algn="ctr">
-                      <a:solidFill>
-                        <a:srgbClr val="000000"/>
-                      </a:solidFill>
-                      <a:prstDash val="solid"/>
-                      <a:round/>
-                      <a:headEnd type="none" w="med" len="med"/>
-                      <a:tailEnd type="none" w="med" len="med"/>
-                    </a:lnT>
-                    <a:lnB cap="flat" cmpd="sng" algn="ctr">
-                      <a:solidFill>
-                        <a:srgbClr val="000000"/>
-                      </a:solidFill>
-                      <a:prstDash val="solid"/>
-                      <a:round/>
-                      <a:headEnd type="none" w="med" len="med"/>
-                      <a:tailEnd type="none" w="med" len="med"/>
-                    </a:lnB>
-                    <a:solidFill>
-                      <a:srgbClr val="FFFFFF"/>
-                    </a:solidFill>
-                  </a:tcPr>
-                </a:tc>
-                <a:tc>
-                  <a:txBody>
-                    <a:bodyPr/>
-                    <a:lstStyle/>
-                    <a:p>
-                      <a:pPr algn="l">
-                        <a:defRPr/>
-                      </a:pPr>
-                      <a:r>
-                        <a:rPr lang="en-US" sz="800">
-                          <a:solidFill>
-                            <a:srgbClr val="000000"/>
-                          </a:solidFill>
-                        </a:rPr>
-                        <a:t>224.20</a:t>
-                      </a:r>
-                      <a:endParaRPr lang="en-US" sz="1100"/>
-                    </a:p>
-                  </a:txBody>
-                  <a:tcPr>
-                    <a:lnL cap="flat" cmpd="sng" algn="ctr">
-                      <a:solidFill>
-                        <a:srgbClr val="000000"/>
-                      </a:solidFill>
-                      <a:prstDash val="solid"/>
-                      <a:round/>
-                      <a:headEnd type="none" w="med" len="med"/>
-                      <a:tailEnd type="none" w="med" len="med"/>
-                    </a:lnL>
-                    <a:lnR cap="flat" cmpd="sng" algn="ctr">
-                      <a:solidFill>
-                        <a:srgbClr val="000000"/>
-                      </a:solidFill>
-                      <a:prstDash val="solid"/>
-                      <a:round/>
-                      <a:headEnd type="none" w="med" len="med"/>
-                      <a:tailEnd type="none" w="med" len="med"/>
-                    </a:lnR>
-                    <a:lnT cap="flat" cmpd="sng" algn="ctr">
-                      <a:solidFill>
-                        <a:srgbClr val="000000"/>
-                      </a:solidFill>
-                      <a:prstDash val="solid"/>
-                      <a:round/>
-                      <a:headEnd type="none" w="med" len="med"/>
-                      <a:tailEnd type="none" w="med" len="med"/>
-                    </a:lnT>
-                    <a:lnB cap="flat" cmpd="sng" algn="ctr">
-                      <a:solidFill>
-                        <a:srgbClr val="000000"/>
-                      </a:solidFill>
-                      <a:prstDash val="solid"/>
-                      <a:round/>
-                      <a:headEnd type="none" w="med" len="med"/>
-                      <a:tailEnd type="none" w="med" len="med"/>
-                    </a:lnB>
-                    <a:solidFill>
-                      <a:srgbClr val="FFFFFF"/>
-                    </a:solidFill>
-                  </a:tcPr>
-                </a:tc>
-                <a:tc>
-                  <a:txBody>
-                    <a:bodyPr/>
-                    <a:lstStyle/>
-                    <a:p>
-                      <a:pPr algn="l">
-                        <a:defRPr/>
-                      </a:pPr>
-                      <a:r>
-                        <a:rPr lang="en-US" sz="800">
-                          <a:solidFill>
-                            <a:srgbClr val="000000"/>
-                          </a:solidFill>
-                        </a:rPr>
-                        <a:t>5.60</a:t>
-                      </a:r>
-                      <a:endParaRPr lang="en-US" sz="1100"/>
-                    </a:p>
-                  </a:txBody>
-                  <a:tcPr>
-                    <a:lnL cap="flat" cmpd="sng" algn="ctr">
-                      <a:solidFill>
-                        <a:srgbClr val="000000"/>
-                      </a:solidFill>
-                      <a:prstDash val="solid"/>
-                      <a:round/>
-                      <a:headEnd type="none" w="med" len="med"/>
-                      <a:tailEnd type="none" w="med" len="med"/>
-                    </a:lnL>
-                    <a:lnR cap="flat" cmpd="sng" algn="ctr">
-                      <a:solidFill>
-                        <a:srgbClr val="000000"/>
-                      </a:solidFill>
-                      <a:prstDash val="solid"/>
-                      <a:round/>
-                      <a:headEnd type="none" w="med" len="med"/>
-                      <a:tailEnd type="none" w="med" len="med"/>
-                    </a:lnR>
-                    <a:lnT cap="flat" cmpd="sng" algn="ctr">
-                      <a:solidFill>
-                        <a:srgbClr val="000000"/>
-                      </a:solidFill>
-                      <a:prstDash val="solid"/>
-                      <a:round/>
-                      <a:headEnd type="none" w="med" len="med"/>
-                      <a:tailEnd type="none" w="med" len="med"/>
-                    </a:lnT>
-                    <a:lnB cap="flat" cmpd="sng" algn="ctr">
-                      <a:solidFill>
-                        <a:srgbClr val="000000"/>
-                      </a:solidFill>
-                      <a:prstDash val="solid"/>
-                      <a:round/>
-                      <a:headEnd type="none" w="med" len="med"/>
-                      <a:tailEnd type="none" w="med" len="med"/>
-                    </a:lnB>
-                    <a:solidFill>
-                      <a:srgbClr val="FFFFFF"/>
-                    </a:solidFill>
-                  </a:tcPr>
-                </a:tc>
-                <a:tc>
-                  <a:txBody>
-                    <a:bodyPr/>
-                    <a:lstStyle/>
-                    <a:p>
-                      <a:pPr algn="l">
-                        <a:defRPr/>
-                      </a:pPr>
-                      <a:r>
-                        <a:rPr lang="en-US" sz="800">
-                          <a:solidFill>
-                            <a:srgbClr val="000000"/>
-                          </a:solidFill>
-                        </a:rPr>
-                        <a:t>4.10</a:t>
-                      </a:r>
-                      <a:endParaRPr lang="en-US" sz="1100"/>
-                    </a:p>
-                  </a:txBody>
-                  <a:tcPr>
-                    <a:lnL cap="flat" cmpd="sng" algn="ctr">
-                      <a:solidFill>
-                        <a:srgbClr val="000000"/>
-                      </a:solidFill>
-                      <a:prstDash val="solid"/>
-                      <a:round/>
-                      <a:headEnd type="none" w="med" len="med"/>
-                      <a:tailEnd type="none" w="med" len="med"/>
-                    </a:lnL>
-                    <a:lnR cap="flat" cmpd="sng" algn="ctr">
-                      <a:solidFill>
-                        <a:srgbClr val="000000"/>
-                      </a:solidFill>
-                      <a:prstDash val="solid"/>
-                      <a:round/>
-                      <a:headEnd type="none" w="med" len="med"/>
-                      <a:tailEnd type="none" w="med" len="med"/>
-                    </a:lnR>
-                    <a:lnT cap="flat" cmpd="sng" algn="ctr">
-                      <a:solidFill>
-                        <a:srgbClr val="000000"/>
-                      </a:solidFill>
-                      <a:prstDash val="solid"/>
-                      <a:round/>
-                      <a:headEnd type="none" w="med" len="med"/>
-                      <a:tailEnd type="none" w="med" len="med"/>
-                    </a:lnT>
-                    <a:lnB cap="flat" cmpd="sng" algn="ctr">
-                      <a:solidFill>
-                        <a:srgbClr val="000000"/>
-                      </a:solidFill>
-                      <a:prstDash val="solid"/>
-                      <a:round/>
-                      <a:headEnd type="none" w="med" len="med"/>
-                      <a:tailEnd type="none" w="med" len="med"/>
-                    </a:lnB>
-                    <a:solidFill>
-                      <a:srgbClr val="FFFFFF"/>
-                    </a:solidFill>
-                  </a:tcPr>
-                </a:tc>
-                <a:tc>
-                  <a:txBody>
-                    <a:bodyPr/>
-                    <a:lstStyle/>
-                    <a:p>
-                      <a:pPr algn="l">
-                        <a:defRPr/>
-                      </a:pPr>
-                      <a:r>
-                        <a:rPr lang="en-US" sz="800">
-                          <a:solidFill>
-                            <a:srgbClr val="000000"/>
-                          </a:solidFill>
-                        </a:rPr>
-                        <a:t>4.50</a:t>
-                      </a:r>
-                      <a:endParaRPr lang="en-US" sz="1100"/>
-                    </a:p>
-                  </a:txBody>
-                  <a:tcPr>
-                    <a:lnL cap="flat" cmpd="sng" algn="ctr">
-                      <a:solidFill>
-                        <a:srgbClr val="000000"/>
-                      </a:solidFill>
-                      <a:prstDash val="solid"/>
-                      <a:round/>
-                      <a:headEnd type="none" w="med" len="med"/>
-                      <a:tailEnd type="none" w="med" len="med"/>
-                    </a:lnL>
-                    <a:lnR cap="flat" cmpd="sng" algn="ctr">
-                      <a:solidFill>
-                        <a:srgbClr val="000000"/>
-                      </a:solidFill>
-                      <a:prstDash val="solid"/>
-                      <a:round/>
-                      <a:headEnd type="none" w="med" len="med"/>
-                      <a:tailEnd type="none" w="med" len="med"/>
-                    </a:lnR>
-                    <a:lnT cap="flat" cmpd="sng" algn="ctr">
-                      <a:solidFill>
-                        <a:srgbClr val="000000"/>
-                      </a:solidFill>
-                      <a:prstDash val="solid"/>
-                      <a:round/>
-                      <a:headEnd type="none" w="med" len="med"/>
-                      <a:tailEnd type="none" w="med" len="med"/>
-                    </a:lnT>
-                    <a:lnB cap="flat" cmpd="sng" algn="ctr">
-                      <a:solidFill>
-                        <a:srgbClr val="000000"/>
-                      </a:solidFill>
-                      <a:prstDash val="solid"/>
-                      <a:round/>
-                      <a:headEnd type="none" w="med" len="med"/>
-                      <a:tailEnd type="none" w="med" len="med"/>
-                    </a:lnB>
-                    <a:solidFill>
-                      <a:srgbClr val="FFFFFF"/>
-                    </a:solidFill>
-                  </a:tcPr>
-                </a:tc>
-                <a:extLst>
-                  <a:ext uri="{0D108BD9-81ED-4DB2-BD59-A6C34878D82A}">
-                    <a16:rowId xmlns:a16="http://schemas.microsoft.com/office/drawing/2014/main" val="10004"/>
-                  </a:ext>
-                </a:extLst>
-              </a:tr>
-              <a:tr h="254000">
-                <a:tc>
-                  <a:txBody>
-                    <a:bodyPr/>
-                    <a:lstStyle/>
-                    <a:p>
-                      <a:pPr algn="l">
-                        <a:defRPr/>
-                      </a:pPr>
-                      <a:r>
-                        <a:rPr lang="en-US" sz="800">
-                          <a:solidFill>
-                            <a:srgbClr val="000000"/>
-                          </a:solidFill>
-                        </a:rPr>
-                        <a:t>Scenario 5: threads=15,25kb,unique keys</a:t>
-                      </a:r>
-                      <a:endParaRPr lang="en-US" sz="1100"/>
-                    </a:p>
-                  </a:txBody>
-                  <a:tcPr>
-                    <a:lnL cap="flat" cmpd="sng" algn="ctr">
-                      <a:solidFill>
-                        <a:srgbClr val="000000"/>
-                      </a:solidFill>
-                      <a:prstDash val="solid"/>
-                      <a:round/>
-                      <a:headEnd type="none" w="med" len="med"/>
-                      <a:tailEnd type="none" w="med" len="med"/>
-                    </a:lnL>
-                    <a:lnR cap="flat" cmpd="sng" algn="ctr">
-                      <a:solidFill>
-                        <a:srgbClr val="000000"/>
-                      </a:solidFill>
-                      <a:prstDash val="solid"/>
-                      <a:round/>
-                      <a:headEnd type="none" w="med" len="med"/>
-                      <a:tailEnd type="none" w="med" len="med"/>
-                    </a:lnR>
-                    <a:lnT cap="flat" cmpd="sng" algn="ctr">
-                      <a:solidFill>
-                        <a:srgbClr val="000000"/>
-                      </a:solidFill>
-                      <a:prstDash val="solid"/>
-                      <a:round/>
-                      <a:headEnd type="none" w="med" len="med"/>
-                      <a:tailEnd type="none" w="med" len="med"/>
-                    </a:lnT>
-                    <a:lnB cap="flat" cmpd="sng" algn="ctr">
-                      <a:solidFill>
-                        <a:srgbClr val="000000"/>
-                      </a:solidFill>
-                      <a:prstDash val="solid"/>
-                      <a:round/>
-                      <a:headEnd type="none" w="med" len="med"/>
-                      <a:tailEnd type="none" w="med" len="med"/>
-                    </a:lnB>
-                    <a:solidFill>
-                      <a:srgbClr val="FFFFFF"/>
-                    </a:solidFill>
-                  </a:tcPr>
-                </a:tc>
-                <a:tc>
-                  <a:txBody>
-                    <a:bodyPr/>
-                    <a:lstStyle/>
-                    <a:p>
-                      <a:pPr algn="l">
-                        <a:defRPr/>
-                      </a:pPr>
-                      <a:r>
-                        <a:rPr lang="en-US" sz="800">
-                          <a:solidFill>
-                            <a:srgbClr val="000000"/>
-                          </a:solidFill>
-                        </a:rPr>
-                        <a:t>435624.0</a:t>
-                      </a:r>
-                      <a:endParaRPr lang="en-US" sz="1100"/>
-                    </a:p>
-                  </a:txBody>
-                  <a:tcPr>
-                    <a:lnL cap="flat" cmpd="sng" algn="ctr">
-                      <a:solidFill>
-                        <a:srgbClr val="000000"/>
-                      </a:solidFill>
-                      <a:prstDash val="solid"/>
-                      <a:round/>
-                      <a:headEnd type="none" w="med" len="med"/>
-                      <a:tailEnd type="none" w="med" len="med"/>
-                    </a:lnL>
-                    <a:lnR cap="flat" cmpd="sng" algn="ctr">
-                      <a:solidFill>
-                        <a:srgbClr val="000000"/>
-                      </a:solidFill>
-                      <a:prstDash val="solid"/>
-                      <a:round/>
-                      <a:headEnd type="none" w="med" len="med"/>
-                      <a:tailEnd type="none" w="med" len="med"/>
-                    </a:lnR>
-                    <a:lnT cap="flat" cmpd="sng" algn="ctr">
-                      <a:solidFill>
-                        <a:srgbClr val="000000"/>
-                      </a:solidFill>
-                      <a:prstDash val="solid"/>
-                      <a:round/>
-                      <a:headEnd type="none" w="med" len="med"/>
-                      <a:tailEnd type="none" w="med" len="med"/>
-                    </a:lnT>
-                    <a:lnB cap="flat" cmpd="sng" algn="ctr">
-                      <a:solidFill>
-                        <a:srgbClr val="000000"/>
-                      </a:solidFill>
-                      <a:prstDash val="solid"/>
-                      <a:round/>
-                      <a:headEnd type="none" w="med" len="med"/>
-                      <a:tailEnd type="none" w="med" len="med"/>
-                    </a:lnB>
-                    <a:solidFill>
-                      <a:srgbClr val="FFFFFF"/>
-                    </a:solidFill>
-                  </a:tcPr>
-                </a:tc>
-                <a:tc>
-                  <a:txBody>
-                    <a:bodyPr/>
-                    <a:lstStyle/>
-                    <a:p>
-                      <a:pPr algn="l">
-                        <a:defRPr/>
-                      </a:pPr>
-                      <a:r>
-                        <a:rPr lang="en-US" sz="800">
-                          <a:solidFill>
-                            <a:srgbClr val="000000"/>
-                          </a:solidFill>
-                        </a:rPr>
-                        <a:t>0.00</a:t>
-                      </a:r>
-                      <a:endParaRPr lang="en-US" sz="1100"/>
-                    </a:p>
-                  </a:txBody>
-                  <a:tcPr>
-                    <a:lnL cap="flat" cmpd="sng" algn="ctr">
-                      <a:solidFill>
-                        <a:srgbClr val="000000"/>
-                      </a:solidFill>
-                      <a:prstDash val="solid"/>
-                      <a:round/>
-                      <a:headEnd type="none" w="med" len="med"/>
-                      <a:tailEnd type="none" w="med" len="med"/>
-                    </a:lnL>
-                    <a:lnR cap="flat" cmpd="sng" algn="ctr">
-                      <a:solidFill>
-                        <a:srgbClr val="000000"/>
-                      </a:solidFill>
-                      <a:prstDash val="solid"/>
-                      <a:round/>
-                      <a:headEnd type="none" w="med" len="med"/>
-                      <a:tailEnd type="none" w="med" len="med"/>
-                    </a:lnR>
-                    <a:lnT cap="flat" cmpd="sng" algn="ctr">
-                      <a:solidFill>
-                        <a:srgbClr val="000000"/>
-                      </a:solidFill>
-                      <a:prstDash val="solid"/>
-                      <a:round/>
-                      <a:headEnd type="none" w="med" len="med"/>
-                      <a:tailEnd type="none" w="med" len="med"/>
-                    </a:lnT>
-                    <a:lnB cap="flat" cmpd="sng" algn="ctr">
-                      <a:solidFill>
-                        <a:srgbClr val="000000"/>
-                      </a:solidFill>
-                      <a:prstDash val="solid"/>
-                      <a:round/>
-                      <a:headEnd type="none" w="med" len="med"/>
-                      <a:tailEnd type="none" w="med" len="med"/>
-                    </a:lnB>
-                    <a:solidFill>
-                      <a:srgbClr val="FFFFFF"/>
-                    </a:solidFill>
-                  </a:tcPr>
-                </a:tc>
-                <a:tc>
-                  <a:txBody>
-                    <a:bodyPr/>
-                    <a:lstStyle/>
-                    <a:p>
-                      <a:pPr algn="l">
-                        <a:defRPr/>
-                      </a:pPr>
-                      <a:r>
-                        <a:rPr lang="en-US" sz="800">
-                          <a:solidFill>
-                            <a:srgbClr val="000000"/>
-                          </a:solidFill>
-                        </a:rPr>
-                        <a:t>161.40</a:t>
-                      </a:r>
-                      <a:endParaRPr lang="en-US" sz="1100"/>
-                    </a:p>
-                  </a:txBody>
-                  <a:tcPr>
-                    <a:lnL cap="flat" cmpd="sng" algn="ctr">
-                      <a:solidFill>
-                        <a:srgbClr val="000000"/>
-                      </a:solidFill>
-                      <a:prstDash val="solid"/>
-                      <a:round/>
-                      <a:headEnd type="none" w="med" len="med"/>
-                      <a:tailEnd type="none" w="med" len="med"/>
-                    </a:lnL>
-                    <a:lnR cap="flat" cmpd="sng" algn="ctr">
-                      <a:solidFill>
-                        <a:srgbClr val="000000"/>
-                      </a:solidFill>
-                      <a:prstDash val="solid"/>
-                      <a:round/>
-                      <a:headEnd type="none" w="med" len="med"/>
-                      <a:tailEnd type="none" w="med" len="med"/>
-                    </a:lnR>
-                    <a:lnT cap="flat" cmpd="sng" algn="ctr">
-                      <a:solidFill>
-                        <a:srgbClr val="000000"/>
-                      </a:solidFill>
-                      <a:prstDash val="solid"/>
-                      <a:round/>
-                      <a:headEnd type="none" w="med" len="med"/>
-                      <a:tailEnd type="none" w="med" len="med"/>
-                    </a:lnT>
-                    <a:lnB cap="flat" cmpd="sng" algn="ctr">
-                      <a:solidFill>
-                        <a:srgbClr val="000000"/>
-                      </a:solidFill>
-                      <a:prstDash val="solid"/>
-                      <a:round/>
-                      <a:headEnd type="none" w="med" len="med"/>
-                      <a:tailEnd type="none" w="med" len="med"/>
-                    </a:lnB>
-                    <a:solidFill>
-                      <a:srgbClr val="FFFFFF"/>
-                    </a:solidFill>
-                  </a:tcPr>
-                </a:tc>
-                <a:tc>
-                  <a:txBody>
-                    <a:bodyPr/>
-                    <a:lstStyle/>
-                    <a:p>
-                      <a:pPr algn="l">
-                        <a:defRPr/>
-                      </a:pPr>
-                      <a:r>
-                        <a:rPr lang="en-US" sz="800">
-                          <a:solidFill>
-                            <a:srgbClr val="000000"/>
-                          </a:solidFill>
-                        </a:rPr>
-                        <a:t>7.70</a:t>
-                      </a:r>
-                      <a:endParaRPr lang="en-US" sz="1100"/>
-                    </a:p>
-                  </a:txBody>
-                  <a:tcPr>
-                    <a:lnL cap="flat" cmpd="sng" algn="ctr">
-                      <a:solidFill>
-                        <a:srgbClr val="000000"/>
-                      </a:solidFill>
-                      <a:prstDash val="solid"/>
-                      <a:round/>
-                      <a:headEnd type="none" w="med" len="med"/>
-                      <a:tailEnd type="none" w="med" len="med"/>
-                    </a:lnL>
-                    <a:lnR cap="flat" cmpd="sng" algn="ctr">
-                      <a:solidFill>
-                        <a:srgbClr val="000000"/>
-                      </a:solidFill>
-                      <a:prstDash val="solid"/>
-                      <a:round/>
-                      <a:headEnd type="none" w="med" len="med"/>
-                      <a:tailEnd type="none" w="med" len="med"/>
-                    </a:lnR>
-                    <a:lnT cap="flat" cmpd="sng" algn="ctr">
-                      <a:solidFill>
-                        <a:srgbClr val="000000"/>
-                      </a:solidFill>
-                      <a:prstDash val="solid"/>
-                      <a:round/>
-                      <a:headEnd type="none" w="med" len="med"/>
-                      <a:tailEnd type="none" w="med" len="med"/>
-                    </a:lnT>
-                    <a:lnB cap="flat" cmpd="sng" algn="ctr">
-                      <a:solidFill>
-                        <a:srgbClr val="000000"/>
-                      </a:solidFill>
-                      <a:prstDash val="solid"/>
-                      <a:round/>
-                      <a:headEnd type="none" w="med" len="med"/>
-                      <a:tailEnd type="none" w="med" len="med"/>
-                    </a:lnB>
-                    <a:solidFill>
-                      <a:srgbClr val="FFFFFF"/>
-                    </a:solidFill>
-                  </a:tcPr>
-                </a:tc>
-                <a:tc>
-                  <a:txBody>
-                    <a:bodyPr/>
-                    <a:lstStyle/>
-                    <a:p>
-                      <a:pPr algn="l">
-                        <a:defRPr/>
-                      </a:pPr>
-                      <a:r>
-                        <a:rPr lang="en-US" sz="800">
-                          <a:solidFill>
-                            <a:srgbClr val="000000"/>
-                          </a:solidFill>
-                        </a:rPr>
-                        <a:t>5.70</a:t>
-                      </a:r>
-                      <a:endParaRPr lang="en-US" sz="1100"/>
-                    </a:p>
-                  </a:txBody>
-                  <a:tcPr>
-                    <a:lnL cap="flat" cmpd="sng" algn="ctr">
-                      <a:solidFill>
-                        <a:srgbClr val="000000"/>
-                      </a:solidFill>
-                      <a:prstDash val="solid"/>
-                      <a:round/>
-                      <a:headEnd type="none" w="med" len="med"/>
-                      <a:tailEnd type="none" w="med" len="med"/>
-                    </a:lnL>
-                    <a:lnR cap="flat" cmpd="sng" algn="ctr">
-                      <a:solidFill>
-                        <a:srgbClr val="000000"/>
-                      </a:solidFill>
-                      <a:prstDash val="solid"/>
-                      <a:round/>
-                      <a:headEnd type="none" w="med" len="med"/>
-                      <a:tailEnd type="none" w="med" len="med"/>
-                    </a:lnR>
-                    <a:lnT cap="flat" cmpd="sng" algn="ctr">
-                      <a:solidFill>
-                        <a:srgbClr val="000000"/>
-                      </a:solidFill>
-                      <a:prstDash val="solid"/>
-                      <a:round/>
-                      <a:headEnd type="none" w="med" len="med"/>
-                      <a:tailEnd type="none" w="med" len="med"/>
-                    </a:lnT>
-                    <a:lnB cap="flat" cmpd="sng" algn="ctr">
-                      <a:solidFill>
-                        <a:srgbClr val="000000"/>
-                      </a:solidFill>
-                      <a:prstDash val="solid"/>
-                      <a:round/>
-                      <a:headEnd type="none" w="med" len="med"/>
-                      <a:tailEnd type="none" w="med" len="med"/>
-                    </a:lnB>
-                    <a:solidFill>
-                      <a:srgbClr val="FFFFFF"/>
-                    </a:solidFill>
-                  </a:tcPr>
-                </a:tc>
-                <a:tc>
-                  <a:txBody>
-                    <a:bodyPr/>
-                    <a:lstStyle/>
-                    <a:p>
-                      <a:pPr algn="l">
-                        <a:defRPr/>
-                      </a:pPr>
-                      <a:r>
-                        <a:rPr lang="en-US" sz="800">
-                          <a:solidFill>
-                            <a:srgbClr val="000000"/>
-                          </a:solidFill>
-                        </a:rPr>
-                        <a:t>6.20</a:t>
-                      </a:r>
-                      <a:endParaRPr lang="en-US" sz="1100"/>
-                    </a:p>
-                  </a:txBody>
-                  <a:tcPr>
-                    <a:lnL cap="flat" cmpd="sng" algn="ctr">
-                      <a:solidFill>
-                        <a:srgbClr val="000000"/>
-                      </a:solidFill>
-                      <a:prstDash val="solid"/>
-                      <a:round/>
-                      <a:headEnd type="none" w="med" len="med"/>
-                      <a:tailEnd type="none" w="med" len="med"/>
-                    </a:lnL>
-                    <a:lnR cap="flat" cmpd="sng" algn="ctr">
-                      <a:solidFill>
-                        <a:srgbClr val="000000"/>
-                      </a:solidFill>
-                      <a:prstDash val="solid"/>
-                      <a:round/>
-                      <a:headEnd type="none" w="med" len="med"/>
-                      <a:tailEnd type="none" w="med" len="med"/>
-                    </a:lnR>
-                    <a:lnT cap="flat" cmpd="sng" algn="ctr">
-                      <a:solidFill>
-                        <a:srgbClr val="000000"/>
-                      </a:solidFill>
-                      <a:prstDash val="solid"/>
-                      <a:round/>
-                      <a:headEnd type="none" w="med" len="med"/>
-                      <a:tailEnd type="none" w="med" len="med"/>
-                    </a:lnT>
-                    <a:lnB cap="flat" cmpd="sng" algn="ctr">
-                      <a:solidFill>
-                        <a:srgbClr val="000000"/>
-                      </a:solidFill>
-                      <a:prstDash val="solid"/>
-                      <a:round/>
-                      <a:headEnd type="none" w="med" len="med"/>
-                      <a:tailEnd type="none" w="med" len="med"/>
-                    </a:lnB>
-                    <a:solidFill>
-                      <a:srgbClr val="FFFFFF"/>
-                    </a:solidFill>
-                  </a:tcPr>
-                </a:tc>
-                <a:extLst>
-                  <a:ext uri="{0D108BD9-81ED-4DB2-BD59-A6C34878D82A}">
-                    <a16:rowId xmlns:a16="http://schemas.microsoft.com/office/drawing/2014/main" val="10005"/>
-                  </a:ext>
-                </a:extLst>
-              </a:tr>
-              <a:tr h="254000">
-                <a:tc>
-                  <a:txBody>
-                    <a:bodyPr/>
-                    <a:lstStyle/>
-                    <a:p>
-                      <a:pPr algn="l">
-                        <a:defRPr/>
-                      </a:pPr>
-                      <a:r>
-                        <a:rPr lang="en-US" sz="800">
-                          <a:solidFill>
-                            <a:srgbClr val="000000"/>
-                          </a:solidFill>
-                        </a:rPr>
-                        <a:t>Scenario 6: threads=15,25kb,shared key</a:t>
-                      </a:r>
-                      <a:endParaRPr lang="en-US" sz="1100"/>
-                    </a:p>
-                  </a:txBody>
-                  <a:tcPr>
-                    <a:lnL cap="flat" cmpd="sng" algn="ctr">
-                      <a:solidFill>
-                        <a:srgbClr val="000000"/>
-                      </a:solidFill>
-                      <a:prstDash val="solid"/>
-                      <a:round/>
-                      <a:headEnd type="none" w="med" len="med"/>
-                      <a:tailEnd type="none" w="med" len="med"/>
-                    </a:lnL>
-                    <a:lnR cap="flat" cmpd="sng" algn="ctr">
-                      <a:solidFill>
-                        <a:srgbClr val="000000"/>
-                      </a:solidFill>
-                      <a:prstDash val="solid"/>
-                      <a:round/>
-                      <a:headEnd type="none" w="med" len="med"/>
-                      <a:tailEnd type="none" w="med" len="med"/>
-                    </a:lnR>
-                    <a:lnT cap="flat" cmpd="sng" algn="ctr">
-                      <a:solidFill>
-                        <a:srgbClr val="000000"/>
-                      </a:solidFill>
-                      <a:prstDash val="solid"/>
-                      <a:round/>
-                      <a:headEnd type="none" w="med" len="med"/>
-                      <a:tailEnd type="none" w="med" len="med"/>
-                    </a:lnT>
-                    <a:lnB cap="flat" cmpd="sng" algn="ctr">
-                      <a:solidFill>
-                        <a:srgbClr val="000000"/>
-                      </a:solidFill>
-                      <a:prstDash val="solid"/>
-                      <a:round/>
-                      <a:headEnd type="none" w="med" len="med"/>
-                      <a:tailEnd type="none" w="med" len="med"/>
-                    </a:lnB>
-                    <a:solidFill>
-                      <a:srgbClr val="FFFFFF"/>
-                    </a:solidFill>
-                  </a:tcPr>
-                </a:tc>
-                <a:tc>
-                  <a:txBody>
-                    <a:bodyPr/>
-                    <a:lstStyle/>
-                    <a:p>
-                      <a:pPr algn="l">
-                        <a:defRPr/>
-                      </a:pPr>
-                      <a:r>
-                        <a:rPr lang="en-US" sz="800">
-                          <a:solidFill>
-                            <a:srgbClr val="000000"/>
-                          </a:solidFill>
-                        </a:rPr>
-                        <a:t>481700.0</a:t>
-                      </a:r>
-                      <a:endParaRPr lang="en-US" sz="1100"/>
-                    </a:p>
-                  </a:txBody>
-                  <a:tcPr>
-                    <a:lnL cap="flat" cmpd="sng" algn="ctr">
-                      <a:solidFill>
-                        <a:srgbClr val="000000"/>
-                      </a:solidFill>
-                      <a:prstDash val="solid"/>
-                      <a:round/>
-                      <a:headEnd type="none" w="med" len="med"/>
-                      <a:tailEnd type="none" w="med" len="med"/>
-                    </a:lnL>
-                    <a:lnR cap="flat" cmpd="sng" algn="ctr">
-                      <a:solidFill>
-                        <a:srgbClr val="000000"/>
-                      </a:solidFill>
-                      <a:prstDash val="solid"/>
-                      <a:round/>
-                      <a:headEnd type="none" w="med" len="med"/>
-                      <a:tailEnd type="none" w="med" len="med"/>
-                    </a:lnR>
-                    <a:lnT cap="flat" cmpd="sng" algn="ctr">
-                      <a:solidFill>
-                        <a:srgbClr val="000000"/>
-                      </a:solidFill>
-                      <a:prstDash val="solid"/>
-                      <a:round/>
-                      <a:headEnd type="none" w="med" len="med"/>
-                      <a:tailEnd type="none" w="med" len="med"/>
-                    </a:lnT>
-                    <a:lnB cap="flat" cmpd="sng" algn="ctr">
-                      <a:solidFill>
-                        <a:srgbClr val="000000"/>
-                      </a:solidFill>
-                      <a:prstDash val="solid"/>
-                      <a:round/>
-                      <a:headEnd type="none" w="med" len="med"/>
-                      <a:tailEnd type="none" w="med" len="med"/>
-                    </a:lnB>
-                    <a:solidFill>
-                      <a:srgbClr val="FFFFFF"/>
-                    </a:solidFill>
-                  </a:tcPr>
-                </a:tc>
-                <a:tc>
-                  <a:txBody>
-                    <a:bodyPr/>
-                    <a:lstStyle/>
-                    <a:p>
-                      <a:pPr algn="l">
-                        <a:defRPr/>
-                      </a:pPr>
-                      <a:r>
-                        <a:rPr lang="en-US" sz="800">
-                          <a:solidFill>
-                            <a:srgbClr val="000000"/>
-                          </a:solidFill>
-                        </a:rPr>
-                        <a:t>0.00</a:t>
-                      </a:r>
-                      <a:endParaRPr lang="en-US" sz="1100"/>
-                    </a:p>
-                  </a:txBody>
-                  <a:tcPr>
-                    <a:lnL cap="flat" cmpd="sng" algn="ctr">
-                      <a:solidFill>
-                        <a:srgbClr val="000000"/>
-                      </a:solidFill>
-                      <a:prstDash val="solid"/>
-                      <a:round/>
-                      <a:headEnd type="none" w="med" len="med"/>
-                      <a:tailEnd type="none" w="med" len="med"/>
-                    </a:lnL>
-                    <a:lnR cap="flat" cmpd="sng" algn="ctr">
-                      <a:solidFill>
-                        <a:srgbClr val="000000"/>
-                      </a:solidFill>
-                      <a:prstDash val="solid"/>
-                      <a:round/>
-                      <a:headEnd type="none" w="med" len="med"/>
-                      <a:tailEnd type="none" w="med" len="med"/>
-                    </a:lnR>
-                    <a:lnT cap="flat" cmpd="sng" algn="ctr">
-                      <a:solidFill>
-                        <a:srgbClr val="000000"/>
-                      </a:solidFill>
-                      <a:prstDash val="solid"/>
-                      <a:round/>
-                      <a:headEnd type="none" w="med" len="med"/>
-                      <a:tailEnd type="none" w="med" len="med"/>
-                    </a:lnT>
-                    <a:lnB cap="flat" cmpd="sng" algn="ctr">
-                      <a:solidFill>
-                        <a:srgbClr val="000000"/>
-                      </a:solidFill>
-                      <a:prstDash val="solid"/>
-                      <a:round/>
-                      <a:headEnd type="none" w="med" len="med"/>
-                      <a:tailEnd type="none" w="med" len="med"/>
-                    </a:lnB>
-                    <a:solidFill>
-                      <a:srgbClr val="FFFFFF"/>
-                    </a:solidFill>
-                  </a:tcPr>
-                </a:tc>
-                <a:tc>
-                  <a:txBody>
-                    <a:bodyPr/>
-                    <a:lstStyle/>
-                    <a:p>
-                      <a:pPr algn="l">
-                        <a:defRPr/>
-                      </a:pPr>
-                      <a:r>
-                        <a:rPr lang="en-US" sz="800">
-                          <a:solidFill>
-                            <a:srgbClr val="000000"/>
-                          </a:solidFill>
-                        </a:rPr>
-                        <a:t>178.40</a:t>
-                      </a:r>
-                      <a:endParaRPr lang="en-US" sz="1100"/>
-                    </a:p>
-                  </a:txBody>
-                  <a:tcPr>
-                    <a:lnL cap="flat" cmpd="sng" algn="ctr">
-                      <a:solidFill>
-                        <a:srgbClr val="000000"/>
-                      </a:solidFill>
-                      <a:prstDash val="solid"/>
-                      <a:round/>
-                      <a:headEnd type="none" w="med" len="med"/>
-                      <a:tailEnd type="none" w="med" len="med"/>
-                    </a:lnL>
-                    <a:lnR cap="flat" cmpd="sng" algn="ctr">
-                      <a:solidFill>
-                        <a:srgbClr val="000000"/>
-                      </a:solidFill>
-                      <a:prstDash val="solid"/>
-                      <a:round/>
-                      <a:headEnd type="none" w="med" len="med"/>
-                      <a:tailEnd type="none" w="med" len="med"/>
-                    </a:lnR>
-                    <a:lnT cap="flat" cmpd="sng" algn="ctr">
-                      <a:solidFill>
-                        <a:srgbClr val="000000"/>
-                      </a:solidFill>
-                      <a:prstDash val="solid"/>
-                      <a:round/>
-                      <a:headEnd type="none" w="med" len="med"/>
-                      <a:tailEnd type="none" w="med" len="med"/>
-                    </a:lnT>
-                    <a:lnB cap="flat" cmpd="sng" algn="ctr">
-                      <a:solidFill>
-                        <a:srgbClr val="000000"/>
-                      </a:solidFill>
-                      <a:prstDash val="solid"/>
-                      <a:round/>
-                      <a:headEnd type="none" w="med" len="med"/>
-                      <a:tailEnd type="none" w="med" len="med"/>
-                    </a:lnB>
-                    <a:solidFill>
-                      <a:srgbClr val="FFFFFF"/>
-                    </a:solidFill>
-                  </a:tcPr>
-                </a:tc>
-                <a:tc>
-                  <a:txBody>
-                    <a:bodyPr/>
-                    <a:lstStyle/>
-                    <a:p>
-                      <a:pPr algn="l">
-                        <a:defRPr/>
-                      </a:pPr>
-                      <a:r>
-                        <a:rPr lang="en-US" sz="800">
-                          <a:solidFill>
-                            <a:srgbClr val="000000"/>
-                          </a:solidFill>
-                        </a:rPr>
-                        <a:t>7.00</a:t>
-                      </a:r>
-                      <a:endParaRPr lang="en-US" sz="1100"/>
-                    </a:p>
-                  </a:txBody>
-                  <a:tcPr>
-                    <a:lnL cap="flat" cmpd="sng" algn="ctr">
-                      <a:solidFill>
-                        <a:srgbClr val="000000"/>
-                      </a:solidFill>
-                      <a:prstDash val="solid"/>
-                      <a:round/>
-                      <a:headEnd type="none" w="med" len="med"/>
-                      <a:tailEnd type="none" w="med" len="med"/>
-                    </a:lnL>
-                    <a:lnR cap="flat" cmpd="sng" algn="ctr">
-                      <a:solidFill>
-                        <a:srgbClr val="000000"/>
-                      </a:solidFill>
-                      <a:prstDash val="solid"/>
-                      <a:round/>
-                      <a:headEnd type="none" w="med" len="med"/>
-                      <a:tailEnd type="none" w="med" len="med"/>
-                    </a:lnR>
-                    <a:lnT cap="flat" cmpd="sng" algn="ctr">
-                      <a:solidFill>
-                        <a:srgbClr val="000000"/>
-                      </a:solidFill>
-                      <a:prstDash val="solid"/>
-                      <a:round/>
-                      <a:headEnd type="none" w="med" len="med"/>
-                      <a:tailEnd type="none" w="med" len="med"/>
-                    </a:lnT>
-                    <a:lnB cap="flat" cmpd="sng" algn="ctr">
-                      <a:solidFill>
-                        <a:srgbClr val="000000"/>
-                      </a:solidFill>
-                      <a:prstDash val="solid"/>
-                      <a:round/>
-                      <a:headEnd type="none" w="med" len="med"/>
-                      <a:tailEnd type="none" w="med" len="med"/>
-                    </a:lnB>
-                    <a:solidFill>
-                      <a:srgbClr val="FFFFFF"/>
-                    </a:solidFill>
-                  </a:tcPr>
-                </a:tc>
-                <a:tc>
-                  <a:txBody>
-                    <a:bodyPr/>
-                    <a:lstStyle/>
-                    <a:p>
-                      <a:pPr algn="l">
-                        <a:defRPr/>
-                      </a:pPr>
-                      <a:r>
-                        <a:rPr lang="en-US" sz="800">
-                          <a:solidFill>
-                            <a:srgbClr val="000000"/>
-                          </a:solidFill>
-                        </a:rPr>
-                        <a:t>5.10</a:t>
-                      </a:r>
-                      <a:endParaRPr lang="en-US" sz="1100"/>
-                    </a:p>
-                  </a:txBody>
-                  <a:tcPr>
-                    <a:lnL cap="flat" cmpd="sng" algn="ctr">
-                      <a:solidFill>
-                        <a:srgbClr val="000000"/>
-                      </a:solidFill>
-                      <a:prstDash val="solid"/>
-                      <a:round/>
-                      <a:headEnd type="none" w="med" len="med"/>
-                      <a:tailEnd type="none" w="med" len="med"/>
-                    </a:lnL>
-                    <a:lnR cap="flat" cmpd="sng" algn="ctr">
-                      <a:solidFill>
-                        <a:srgbClr val="000000"/>
-                      </a:solidFill>
-                      <a:prstDash val="solid"/>
-                      <a:round/>
-                      <a:headEnd type="none" w="med" len="med"/>
-                      <a:tailEnd type="none" w="med" len="med"/>
-                    </a:lnR>
-                    <a:lnT cap="flat" cmpd="sng" algn="ctr">
-                      <a:solidFill>
-                        <a:srgbClr val="000000"/>
-                      </a:solidFill>
-                      <a:prstDash val="solid"/>
-                      <a:round/>
-                      <a:headEnd type="none" w="med" len="med"/>
-                      <a:tailEnd type="none" w="med" len="med"/>
-                    </a:lnT>
-                    <a:lnB cap="flat" cmpd="sng" algn="ctr">
-                      <a:solidFill>
-                        <a:srgbClr val="000000"/>
-                      </a:solidFill>
-                      <a:prstDash val="solid"/>
-                      <a:round/>
-                      <a:headEnd type="none" w="med" len="med"/>
-                      <a:tailEnd type="none" w="med" len="med"/>
-                    </a:lnB>
-                    <a:solidFill>
-                      <a:srgbClr val="FFFFFF"/>
-                    </a:solidFill>
-                  </a:tcPr>
-                </a:tc>
-                <a:tc>
-                  <a:txBody>
-                    <a:bodyPr/>
-                    <a:lstStyle/>
-                    <a:p>
-                      <a:pPr algn="l">
-                        <a:defRPr/>
-                      </a:pPr>
-                      <a:r>
-                        <a:rPr lang="en-US" sz="800">
-                          <a:solidFill>
-                            <a:srgbClr val="000000"/>
-                          </a:solidFill>
-                        </a:rPr>
-                        <a:t>5.60</a:t>
-                      </a:r>
-                      <a:endParaRPr lang="en-US" sz="1100"/>
-                    </a:p>
-                  </a:txBody>
-                  <a:tcPr>
-                    <a:lnL cap="flat" cmpd="sng" algn="ctr">
-                      <a:solidFill>
-                        <a:srgbClr val="000000"/>
-                      </a:solidFill>
-                      <a:prstDash val="solid"/>
-                      <a:round/>
-                      <a:headEnd type="none" w="med" len="med"/>
-                      <a:tailEnd type="none" w="med" len="med"/>
-                    </a:lnL>
-                    <a:lnR cap="flat" cmpd="sng" algn="ctr">
-                      <a:solidFill>
-                        <a:srgbClr val="000000"/>
-                      </a:solidFill>
-                      <a:prstDash val="solid"/>
-                      <a:round/>
-                      <a:headEnd type="none" w="med" len="med"/>
-                      <a:tailEnd type="none" w="med" len="med"/>
-                    </a:lnR>
-                    <a:lnT cap="flat" cmpd="sng" algn="ctr">
-                      <a:solidFill>
-                        <a:srgbClr val="000000"/>
-                      </a:solidFill>
-                      <a:prstDash val="solid"/>
-                      <a:round/>
-                      <a:headEnd type="none" w="med" len="med"/>
-                      <a:tailEnd type="none" w="med" len="med"/>
-                    </a:lnT>
-                    <a:lnB cap="flat" cmpd="sng" algn="ctr">
-                      <a:solidFill>
-                        <a:srgbClr val="000000"/>
-                      </a:solidFill>
-                      <a:prstDash val="solid"/>
-                      <a:round/>
-                      <a:headEnd type="none" w="med" len="med"/>
-                      <a:tailEnd type="none" w="med" len="med"/>
-                    </a:lnB>
-                    <a:solidFill>
-                      <a:srgbClr val="FFFFFF"/>
-                    </a:solidFill>
-                  </a:tcPr>
-                </a:tc>
-                <a:extLst>
-                  <a:ext uri="{0D108BD9-81ED-4DB2-BD59-A6C34878D82A}">
-                    <a16:rowId xmlns:a16="http://schemas.microsoft.com/office/drawing/2014/main" val="10006"/>
-                  </a:ext>
-                </a:extLst>
-              </a:tr>
-              <a:tr h="254000">
-                <a:tc>
-                  <a:txBody>
-                    <a:bodyPr/>
-                    <a:lstStyle/>
-                    <a:p>
-                      <a:pPr algn="l">
-                        <a:defRPr/>
-                      </a:pPr>
-                      <a:r>
-                        <a:rPr lang="en-US" sz="800">
-                          <a:solidFill>
-                            <a:srgbClr val="000000"/>
-                          </a:solidFill>
-                        </a:rPr>
-                        <a:t>Scenario 7: threads=5,1kb,unique keys</a:t>
-                      </a:r>
-                      <a:endParaRPr lang="en-US" sz="1100"/>
-                    </a:p>
-                  </a:txBody>
-                  <a:tcPr>
-                    <a:lnL cap="flat" cmpd="sng" algn="ctr">
-                      <a:solidFill>
-                        <a:srgbClr val="000000"/>
-                      </a:solidFill>
-                      <a:prstDash val="solid"/>
-                      <a:round/>
-                      <a:headEnd type="none" w="med" len="med"/>
-                      <a:tailEnd type="none" w="med" len="med"/>
-                    </a:lnL>
-                    <a:lnR cap="flat" cmpd="sng" algn="ctr">
-                      <a:solidFill>
-                        <a:srgbClr val="000000"/>
-                      </a:solidFill>
-                      <a:prstDash val="solid"/>
-                      <a:round/>
-                      <a:headEnd type="none" w="med" len="med"/>
-                      <a:tailEnd type="none" w="med" len="med"/>
-                    </a:lnR>
-                    <a:lnT cap="flat" cmpd="sng" algn="ctr">
-                      <a:solidFill>
-                        <a:srgbClr val="000000"/>
-                      </a:solidFill>
-                      <a:prstDash val="solid"/>
-                      <a:round/>
-                      <a:headEnd type="none" w="med" len="med"/>
-                      <a:tailEnd type="none" w="med" len="med"/>
-                    </a:lnT>
-                    <a:lnB cap="flat" cmpd="sng" algn="ctr">
-                      <a:solidFill>
-                        <a:srgbClr val="000000"/>
-                      </a:solidFill>
-                      <a:prstDash val="solid"/>
-                      <a:round/>
-                      <a:headEnd type="none" w="med" len="med"/>
-                      <a:tailEnd type="none" w="med" len="med"/>
-                    </a:lnB>
-                    <a:solidFill>
-                      <a:srgbClr val="FFFFFF"/>
-                    </a:solidFill>
-                  </a:tcPr>
-                </a:tc>
-                <a:tc>
-                  <a:txBody>
-                    <a:bodyPr/>
-                    <a:lstStyle/>
-                    <a:p>
-                      <a:pPr algn="l">
-                        <a:defRPr/>
-                      </a:pPr>
-                      <a:r>
-                        <a:rPr lang="en-US" sz="800">
-                          <a:solidFill>
-                            <a:srgbClr val="000000"/>
-                          </a:solidFill>
-                        </a:rPr>
-                        <a:t>573940.0</a:t>
-                      </a:r>
-                      <a:endParaRPr lang="en-US" sz="1100"/>
-                    </a:p>
-                  </a:txBody>
-                  <a:tcPr>
-                    <a:lnL cap="flat" cmpd="sng" algn="ctr">
-                      <a:solidFill>
-                        <a:srgbClr val="000000"/>
-                      </a:solidFill>
-                      <a:prstDash val="solid"/>
-                      <a:round/>
-                      <a:headEnd type="none" w="med" len="med"/>
-                      <a:tailEnd type="none" w="med" len="med"/>
-                    </a:lnL>
-                    <a:lnR cap="flat" cmpd="sng" algn="ctr">
-                      <a:solidFill>
-                        <a:srgbClr val="000000"/>
-                      </a:solidFill>
-                      <a:prstDash val="solid"/>
-                      <a:round/>
-                      <a:headEnd type="none" w="med" len="med"/>
-                      <a:tailEnd type="none" w="med" len="med"/>
-                    </a:lnR>
-                    <a:lnT cap="flat" cmpd="sng" algn="ctr">
-                      <a:solidFill>
-                        <a:srgbClr val="000000"/>
-                      </a:solidFill>
-                      <a:prstDash val="solid"/>
-                      <a:round/>
-                      <a:headEnd type="none" w="med" len="med"/>
-                      <a:tailEnd type="none" w="med" len="med"/>
-                    </a:lnT>
-                    <a:lnB cap="flat" cmpd="sng" algn="ctr">
-                      <a:solidFill>
-                        <a:srgbClr val="000000"/>
-                      </a:solidFill>
-                      <a:prstDash val="solid"/>
-                      <a:round/>
-                      <a:headEnd type="none" w="med" len="med"/>
-                      <a:tailEnd type="none" w="med" len="med"/>
-                    </a:lnB>
-                    <a:solidFill>
-                      <a:srgbClr val="FFFFFF"/>
-                    </a:solidFill>
-                  </a:tcPr>
-                </a:tc>
-                <a:tc>
-                  <a:txBody>
-                    <a:bodyPr/>
-                    <a:lstStyle/>
-                    <a:p>
-                      <a:pPr algn="l">
-                        <a:defRPr/>
-                      </a:pPr>
-                      <a:r>
-                        <a:rPr lang="en-US" sz="800">
-                          <a:solidFill>
-                            <a:srgbClr val="000000"/>
-                          </a:solidFill>
-                        </a:rPr>
-                        <a:t>0.00</a:t>
-                      </a:r>
-                      <a:endParaRPr lang="en-US" sz="1100"/>
-                    </a:p>
-                  </a:txBody>
-                  <a:tcPr>
-                    <a:lnL cap="flat" cmpd="sng" algn="ctr">
-                      <a:solidFill>
-                        <a:srgbClr val="000000"/>
-                      </a:solidFill>
-                      <a:prstDash val="solid"/>
-                      <a:round/>
-                      <a:headEnd type="none" w="med" len="med"/>
-                      <a:tailEnd type="none" w="med" len="med"/>
-                    </a:lnL>
-                    <a:lnR cap="flat" cmpd="sng" algn="ctr">
-                      <a:solidFill>
-                        <a:srgbClr val="000000"/>
-                      </a:solidFill>
-                      <a:prstDash val="solid"/>
-                      <a:round/>
-                      <a:headEnd type="none" w="med" len="med"/>
-                      <a:tailEnd type="none" w="med" len="med"/>
-                    </a:lnR>
-                    <a:lnT cap="flat" cmpd="sng" algn="ctr">
-                      <a:solidFill>
-                        <a:srgbClr val="000000"/>
-                      </a:solidFill>
-                      <a:prstDash val="solid"/>
-                      <a:round/>
-                      <a:headEnd type="none" w="med" len="med"/>
-                      <a:tailEnd type="none" w="med" len="med"/>
-                    </a:lnT>
-                    <a:lnB cap="flat" cmpd="sng" algn="ctr">
-                      <a:solidFill>
-                        <a:srgbClr val="000000"/>
-                      </a:solidFill>
-                      <a:prstDash val="solid"/>
-                      <a:round/>
-                      <a:headEnd type="none" w="med" len="med"/>
-                      <a:tailEnd type="none" w="med" len="med"/>
-                    </a:lnB>
-                    <a:solidFill>
-                      <a:srgbClr val="FFFFFF"/>
-                    </a:solidFill>
-                  </a:tcPr>
-                </a:tc>
-                <a:tc>
-                  <a:txBody>
-                    <a:bodyPr/>
-                    <a:lstStyle/>
-                    <a:p>
-                      <a:pPr algn="l">
-                        <a:defRPr/>
-                      </a:pPr>
-                      <a:r>
-                        <a:rPr lang="en-US" sz="800">
-                          <a:solidFill>
-                            <a:srgbClr val="000000"/>
-                          </a:solidFill>
-                        </a:rPr>
-                        <a:t>638.20</a:t>
-                      </a:r>
-                      <a:endParaRPr lang="en-US" sz="1100"/>
-                    </a:p>
-                  </a:txBody>
-                  <a:tcPr>
-                    <a:lnL cap="flat" cmpd="sng" algn="ctr">
-                      <a:solidFill>
-                        <a:srgbClr val="000000"/>
-                      </a:solidFill>
-                      <a:prstDash val="solid"/>
-                      <a:round/>
-                      <a:headEnd type="none" w="med" len="med"/>
-                      <a:tailEnd type="none" w="med" len="med"/>
-                    </a:lnL>
-                    <a:lnR cap="flat" cmpd="sng" algn="ctr">
-                      <a:solidFill>
-                        <a:srgbClr val="000000"/>
-                      </a:solidFill>
-                      <a:prstDash val="solid"/>
-                      <a:round/>
-                      <a:headEnd type="none" w="med" len="med"/>
-                      <a:tailEnd type="none" w="med" len="med"/>
-                    </a:lnR>
-                    <a:lnT cap="flat" cmpd="sng" algn="ctr">
-                      <a:solidFill>
-                        <a:srgbClr val="000000"/>
-                      </a:solidFill>
-                      <a:prstDash val="solid"/>
-                      <a:round/>
-                      <a:headEnd type="none" w="med" len="med"/>
-                      <a:tailEnd type="none" w="med" len="med"/>
-                    </a:lnT>
-                    <a:lnB cap="flat" cmpd="sng" algn="ctr">
-                      <a:solidFill>
-                        <a:srgbClr val="000000"/>
-                      </a:solidFill>
-                      <a:prstDash val="solid"/>
-                      <a:round/>
-                      <a:headEnd type="none" w="med" len="med"/>
-                      <a:tailEnd type="none" w="med" len="med"/>
-                    </a:lnB>
-                    <a:solidFill>
-                      <a:srgbClr val="FFFFFF"/>
-                    </a:solidFill>
-                  </a:tcPr>
-                </a:tc>
-                <a:tc>
-                  <a:txBody>
-                    <a:bodyPr/>
-                    <a:lstStyle/>
-                    <a:p>
-                      <a:pPr algn="l">
-                        <a:defRPr/>
-                      </a:pPr>
-                      <a:r>
-                        <a:rPr lang="en-US" sz="800">
-                          <a:solidFill>
-                            <a:srgbClr val="000000"/>
-                          </a:solidFill>
-                        </a:rPr>
-                        <a:t>1.70</a:t>
-                      </a:r>
-                      <a:endParaRPr lang="en-US" sz="1100"/>
-                    </a:p>
-                  </a:txBody>
-                  <a:tcPr>
-                    <a:lnL cap="flat" cmpd="sng" algn="ctr">
-                      <a:solidFill>
-                        <a:srgbClr val="000000"/>
-                      </a:solidFill>
-                      <a:prstDash val="solid"/>
-                      <a:round/>
-                      <a:headEnd type="none" w="med" len="med"/>
-                      <a:tailEnd type="none" w="med" len="med"/>
-                    </a:lnL>
-                    <a:lnR cap="flat" cmpd="sng" algn="ctr">
-                      <a:solidFill>
-                        <a:srgbClr val="000000"/>
-                      </a:solidFill>
-                      <a:prstDash val="solid"/>
-                      <a:round/>
-                      <a:headEnd type="none" w="med" len="med"/>
-                      <a:tailEnd type="none" w="med" len="med"/>
-                    </a:lnR>
-                    <a:lnT cap="flat" cmpd="sng" algn="ctr">
-                      <a:solidFill>
-                        <a:srgbClr val="000000"/>
-                      </a:solidFill>
-                      <a:prstDash val="solid"/>
-                      <a:round/>
-                      <a:headEnd type="none" w="med" len="med"/>
-                      <a:tailEnd type="none" w="med" len="med"/>
-                    </a:lnT>
-                    <a:lnB cap="flat" cmpd="sng" algn="ctr">
-                      <a:solidFill>
-                        <a:srgbClr val="000000"/>
-                      </a:solidFill>
-                      <a:prstDash val="solid"/>
-                      <a:round/>
-                      <a:headEnd type="none" w="med" len="med"/>
-                      <a:tailEnd type="none" w="med" len="med"/>
-                    </a:lnB>
-                    <a:solidFill>
-                      <a:srgbClr val="FFFFFF"/>
-                    </a:solidFill>
-                  </a:tcPr>
-                </a:tc>
-                <a:tc>
-                  <a:txBody>
-                    <a:bodyPr/>
-                    <a:lstStyle/>
-                    <a:p>
-                      <a:pPr algn="l">
-                        <a:defRPr/>
-                      </a:pPr>
-                      <a:r>
-                        <a:rPr lang="en-US" sz="800">
-                          <a:solidFill>
-                            <a:srgbClr val="000000"/>
-                          </a:solidFill>
-                        </a:rPr>
-                        <a:t>1.50</a:t>
-                      </a:r>
-                      <a:endParaRPr lang="en-US" sz="1100"/>
-                    </a:p>
-                  </a:txBody>
-                  <a:tcPr>
-                    <a:lnL cap="flat" cmpd="sng" algn="ctr">
-                      <a:solidFill>
-                        <a:srgbClr val="000000"/>
-                      </a:solidFill>
-                      <a:prstDash val="solid"/>
-                      <a:round/>
-                      <a:headEnd type="none" w="med" len="med"/>
-                      <a:tailEnd type="none" w="med" len="med"/>
-                    </a:lnL>
-                    <a:lnR cap="flat" cmpd="sng" algn="ctr">
-                      <a:solidFill>
-                        <a:srgbClr val="000000"/>
-                      </a:solidFill>
-                      <a:prstDash val="solid"/>
-                      <a:round/>
-                      <a:headEnd type="none" w="med" len="med"/>
-                      <a:tailEnd type="none" w="med" len="med"/>
-                    </a:lnR>
-                    <a:lnT cap="flat" cmpd="sng" algn="ctr">
-                      <a:solidFill>
-                        <a:srgbClr val="000000"/>
-                      </a:solidFill>
-                      <a:prstDash val="solid"/>
-                      <a:round/>
-                      <a:headEnd type="none" w="med" len="med"/>
-                      <a:tailEnd type="none" w="med" len="med"/>
-                    </a:lnT>
-                    <a:lnB cap="flat" cmpd="sng" algn="ctr">
-                      <a:solidFill>
-                        <a:srgbClr val="000000"/>
-                      </a:solidFill>
-                      <a:prstDash val="solid"/>
-                      <a:round/>
-                      <a:headEnd type="none" w="med" len="med"/>
-                      <a:tailEnd type="none" w="med" len="med"/>
-                    </a:lnB>
-                    <a:solidFill>
-                      <a:srgbClr val="FFFFFF"/>
-                    </a:solidFill>
-                  </a:tcPr>
-                </a:tc>
-                <a:tc>
-                  <a:txBody>
-                    <a:bodyPr/>
-                    <a:lstStyle/>
-                    <a:p>
-                      <a:pPr algn="l">
-                        <a:defRPr/>
-                      </a:pPr>
-                      <a:r>
-                        <a:rPr lang="en-US" sz="800">
-                          <a:solidFill>
-                            <a:srgbClr val="000000"/>
-                          </a:solidFill>
-                        </a:rPr>
-                        <a:t>1.60</a:t>
-                      </a:r>
-                      <a:endParaRPr lang="en-US" sz="1100"/>
-                    </a:p>
-                  </a:txBody>
-                  <a:tcPr>
-                    <a:lnL cap="flat" cmpd="sng" algn="ctr">
-                      <a:solidFill>
-                        <a:srgbClr val="000000"/>
-                      </a:solidFill>
-                      <a:prstDash val="solid"/>
-                      <a:round/>
-                      <a:headEnd type="none" w="med" len="med"/>
-                      <a:tailEnd type="none" w="med" len="med"/>
-                    </a:lnL>
-                    <a:lnR cap="flat" cmpd="sng" algn="ctr">
-                      <a:solidFill>
-                        <a:srgbClr val="000000"/>
-                      </a:solidFill>
-                      <a:prstDash val="solid"/>
-                      <a:round/>
-                      <a:headEnd type="none" w="med" len="med"/>
-                      <a:tailEnd type="none" w="med" len="med"/>
-                    </a:lnR>
-                    <a:lnT cap="flat" cmpd="sng" algn="ctr">
-                      <a:solidFill>
-                        <a:srgbClr val="000000"/>
-                      </a:solidFill>
-                      <a:prstDash val="solid"/>
-                      <a:round/>
-                      <a:headEnd type="none" w="med" len="med"/>
-                      <a:tailEnd type="none" w="med" len="med"/>
-                    </a:lnT>
-                    <a:lnB cap="flat" cmpd="sng" algn="ctr">
-                      <a:solidFill>
-                        <a:srgbClr val="000000"/>
-                      </a:solidFill>
-                      <a:prstDash val="solid"/>
-                      <a:round/>
-                      <a:headEnd type="none" w="med" len="med"/>
-                      <a:tailEnd type="none" w="med" len="med"/>
-                    </a:lnB>
-                    <a:solidFill>
-                      <a:srgbClr val="FFFFFF"/>
-                    </a:solidFill>
-                  </a:tcPr>
-                </a:tc>
-                <a:extLst>
-                  <a:ext uri="{0D108BD9-81ED-4DB2-BD59-A6C34878D82A}">
-                    <a16:rowId xmlns:a16="http://schemas.microsoft.com/office/drawing/2014/main" val="10007"/>
-                  </a:ext>
-                </a:extLst>
-              </a:tr>
-              <a:tr h="254000">
-                <a:tc>
-                  <a:txBody>
-                    <a:bodyPr/>
-                    <a:lstStyle/>
-                    <a:p>
-                      <a:pPr algn="l">
-                        <a:defRPr/>
-                      </a:pPr>
-                      <a:r>
-                        <a:rPr lang="en-US" sz="800">
-                          <a:solidFill>
-                            <a:srgbClr val="000000"/>
-                          </a:solidFill>
-                        </a:rPr>
-                        <a:t>Scenario 8: threads=5,1kb,shared key</a:t>
-                      </a:r>
-                      <a:endParaRPr lang="en-US" sz="1100"/>
-                    </a:p>
-                  </a:txBody>
-                  <a:tcPr>
-                    <a:lnL cap="flat" cmpd="sng" algn="ctr">
-                      <a:solidFill>
-                        <a:srgbClr val="000000"/>
-                      </a:solidFill>
-                      <a:prstDash val="solid"/>
-                      <a:round/>
-                      <a:headEnd type="none" w="med" len="med"/>
-                      <a:tailEnd type="none" w="med" len="med"/>
-                    </a:lnL>
-                    <a:lnR cap="flat" cmpd="sng" algn="ctr">
-                      <a:solidFill>
-                        <a:srgbClr val="000000"/>
-                      </a:solidFill>
-                      <a:prstDash val="solid"/>
-                      <a:round/>
-                      <a:headEnd type="none" w="med" len="med"/>
-                      <a:tailEnd type="none" w="med" len="med"/>
-                    </a:lnR>
-                    <a:lnT cap="flat" cmpd="sng" algn="ctr">
-                      <a:solidFill>
-                        <a:srgbClr val="000000"/>
-                      </a:solidFill>
-                      <a:prstDash val="solid"/>
-                      <a:round/>
-                      <a:headEnd type="none" w="med" len="med"/>
-                      <a:tailEnd type="none" w="med" len="med"/>
-                    </a:lnT>
-                    <a:lnB cap="flat" cmpd="sng" algn="ctr">
-                      <a:solidFill>
-                        <a:srgbClr val="000000"/>
-                      </a:solidFill>
-                      <a:prstDash val="solid"/>
-                      <a:round/>
-                      <a:headEnd type="none" w="med" len="med"/>
-                      <a:tailEnd type="none" w="med" len="med"/>
-                    </a:lnB>
-                    <a:solidFill>
-                      <a:srgbClr val="FFFFFF"/>
-                    </a:solidFill>
-                  </a:tcPr>
-                </a:tc>
-                <a:tc>
-                  <a:txBody>
-                    <a:bodyPr/>
-                    <a:lstStyle/>
-                    <a:p>
-                      <a:pPr algn="l">
-                        <a:defRPr/>
-                      </a:pPr>
-                      <a:r>
-                        <a:rPr lang="en-US" sz="800">
-                          <a:solidFill>
-                            <a:srgbClr val="000000"/>
-                          </a:solidFill>
-                        </a:rPr>
-                        <a:t>604440.0</a:t>
-                      </a:r>
-                      <a:endParaRPr lang="en-US" sz="1100"/>
-                    </a:p>
-                  </a:txBody>
-                  <a:tcPr>
-                    <a:lnL cap="flat" cmpd="sng" algn="ctr">
-                      <a:solidFill>
-                        <a:srgbClr val="000000"/>
-                      </a:solidFill>
-                      <a:prstDash val="solid"/>
-                      <a:round/>
-                      <a:headEnd type="none" w="med" len="med"/>
-                      <a:tailEnd type="none" w="med" len="med"/>
-                    </a:lnL>
-                    <a:lnR cap="flat" cmpd="sng" algn="ctr">
-                      <a:solidFill>
-                        <a:srgbClr val="000000"/>
-                      </a:solidFill>
-                      <a:prstDash val="solid"/>
-                      <a:round/>
-                      <a:headEnd type="none" w="med" len="med"/>
-                      <a:tailEnd type="none" w="med" len="med"/>
-                    </a:lnR>
-                    <a:lnT cap="flat" cmpd="sng" algn="ctr">
-                      <a:solidFill>
-                        <a:srgbClr val="000000"/>
-                      </a:solidFill>
-                      <a:prstDash val="solid"/>
-                      <a:round/>
-                      <a:headEnd type="none" w="med" len="med"/>
-                      <a:tailEnd type="none" w="med" len="med"/>
-                    </a:lnT>
-                    <a:lnB cap="flat" cmpd="sng" algn="ctr">
-                      <a:solidFill>
-                        <a:srgbClr val="000000"/>
-                      </a:solidFill>
-                      <a:prstDash val="solid"/>
-                      <a:round/>
-                      <a:headEnd type="none" w="med" len="med"/>
-                      <a:tailEnd type="none" w="med" len="med"/>
-                    </a:lnB>
-                    <a:solidFill>
-                      <a:srgbClr val="FFFFFF"/>
-                    </a:solidFill>
-                  </a:tcPr>
-                </a:tc>
-                <a:tc>
-                  <a:txBody>
-                    <a:bodyPr/>
-                    <a:lstStyle/>
-                    <a:p>
-                      <a:pPr algn="l">
-                        <a:defRPr/>
-                      </a:pPr>
-                      <a:r>
-                        <a:rPr lang="en-US" sz="800">
-                          <a:solidFill>
-                            <a:srgbClr val="000000"/>
-                          </a:solidFill>
-                        </a:rPr>
-                        <a:t>0.00</a:t>
-                      </a:r>
-                      <a:endParaRPr lang="en-US" sz="1100"/>
-                    </a:p>
-                  </a:txBody>
-                  <a:tcPr>
-                    <a:lnL cap="flat" cmpd="sng" algn="ctr">
-                      <a:solidFill>
-                        <a:srgbClr val="000000"/>
-                      </a:solidFill>
-                      <a:prstDash val="solid"/>
-                      <a:round/>
-                      <a:headEnd type="none" w="med" len="med"/>
-                      <a:tailEnd type="none" w="med" len="med"/>
-                    </a:lnL>
-                    <a:lnR cap="flat" cmpd="sng" algn="ctr">
-                      <a:solidFill>
-                        <a:srgbClr val="000000"/>
-                      </a:solidFill>
-                      <a:prstDash val="solid"/>
-                      <a:round/>
-                      <a:headEnd type="none" w="med" len="med"/>
-                      <a:tailEnd type="none" w="med" len="med"/>
-                    </a:lnR>
-                    <a:lnT cap="flat" cmpd="sng" algn="ctr">
-                      <a:solidFill>
-                        <a:srgbClr val="000000"/>
-                      </a:solidFill>
-                      <a:prstDash val="solid"/>
-                      <a:round/>
-                      <a:headEnd type="none" w="med" len="med"/>
-                      <a:tailEnd type="none" w="med" len="med"/>
-                    </a:lnT>
-                    <a:lnB cap="flat" cmpd="sng" algn="ctr">
-                      <a:solidFill>
-                        <a:srgbClr val="000000"/>
-                      </a:solidFill>
-                      <a:prstDash val="solid"/>
-                      <a:round/>
-                      <a:headEnd type="none" w="med" len="med"/>
-                      <a:tailEnd type="none" w="med" len="med"/>
-                    </a:lnB>
-                    <a:solidFill>
-                      <a:srgbClr val="FFFFFF"/>
-                    </a:solidFill>
-                  </a:tcPr>
-                </a:tc>
-                <a:tc>
-                  <a:txBody>
-                    <a:bodyPr/>
-                    <a:lstStyle/>
-                    <a:p>
-                      <a:pPr algn="l">
-                        <a:defRPr/>
-                      </a:pPr>
-                      <a:r>
-                        <a:rPr lang="en-US" sz="800">
-                          <a:solidFill>
-                            <a:srgbClr val="000000"/>
-                          </a:solidFill>
-                        </a:rPr>
-                        <a:t>672.00</a:t>
-                      </a:r>
-                      <a:endParaRPr lang="en-US" sz="1100"/>
-                    </a:p>
-                  </a:txBody>
-                  <a:tcPr>
-                    <a:lnL cap="flat" cmpd="sng" algn="ctr">
-                      <a:solidFill>
-                        <a:srgbClr val="000000"/>
-                      </a:solidFill>
-                      <a:prstDash val="solid"/>
-                      <a:round/>
-                      <a:headEnd type="none" w="med" len="med"/>
-                      <a:tailEnd type="none" w="med" len="med"/>
-                    </a:lnL>
-                    <a:lnR cap="flat" cmpd="sng" algn="ctr">
-                      <a:solidFill>
-                        <a:srgbClr val="000000"/>
-                      </a:solidFill>
-                      <a:prstDash val="solid"/>
-                      <a:round/>
-                      <a:headEnd type="none" w="med" len="med"/>
-                      <a:tailEnd type="none" w="med" len="med"/>
-                    </a:lnR>
-                    <a:lnT cap="flat" cmpd="sng" algn="ctr">
-                      <a:solidFill>
-                        <a:srgbClr val="000000"/>
-                      </a:solidFill>
-                      <a:prstDash val="solid"/>
-                      <a:round/>
-                      <a:headEnd type="none" w="med" len="med"/>
-                      <a:tailEnd type="none" w="med" len="med"/>
-                    </a:lnT>
-                    <a:lnB cap="flat" cmpd="sng" algn="ctr">
-                      <a:solidFill>
-                        <a:srgbClr val="000000"/>
-                      </a:solidFill>
-                      <a:prstDash val="solid"/>
-                      <a:round/>
-                      <a:headEnd type="none" w="med" len="med"/>
-                      <a:tailEnd type="none" w="med" len="med"/>
-                    </a:lnB>
-                    <a:solidFill>
-                      <a:srgbClr val="FFFFFF"/>
-                    </a:solidFill>
-                  </a:tcPr>
-                </a:tc>
-                <a:tc>
-                  <a:txBody>
-                    <a:bodyPr/>
-                    <a:lstStyle/>
-                    <a:p>
-                      <a:pPr algn="l">
-                        <a:defRPr/>
-                      </a:pPr>
-                      <a:r>
-                        <a:rPr lang="en-US" sz="800">
-                          <a:solidFill>
-                            <a:srgbClr val="000000"/>
-                          </a:solidFill>
-                        </a:rPr>
-                        <a:t>1.60</a:t>
-                      </a:r>
-                      <a:endParaRPr lang="en-US" sz="1100"/>
-                    </a:p>
-                  </a:txBody>
-                  <a:tcPr>
-                    <a:lnL cap="flat" cmpd="sng" algn="ctr">
-                      <a:solidFill>
-                        <a:srgbClr val="000000"/>
-                      </a:solidFill>
-                      <a:prstDash val="solid"/>
-                      <a:round/>
-                      <a:headEnd type="none" w="med" len="med"/>
-                      <a:tailEnd type="none" w="med" len="med"/>
-                    </a:lnL>
-                    <a:lnR cap="flat" cmpd="sng" algn="ctr">
-                      <a:solidFill>
-                        <a:srgbClr val="000000"/>
-                      </a:solidFill>
-                      <a:prstDash val="solid"/>
-                      <a:round/>
-                      <a:headEnd type="none" w="med" len="med"/>
-                      <a:tailEnd type="none" w="med" len="med"/>
-                    </a:lnR>
-                    <a:lnT cap="flat" cmpd="sng" algn="ctr">
-                      <a:solidFill>
-                        <a:srgbClr val="000000"/>
-                      </a:solidFill>
-                      <a:prstDash val="solid"/>
-                      <a:round/>
-                      <a:headEnd type="none" w="med" len="med"/>
-                      <a:tailEnd type="none" w="med" len="med"/>
-                    </a:lnT>
-                    <a:lnB cap="flat" cmpd="sng" algn="ctr">
-                      <a:solidFill>
-                        <a:srgbClr val="000000"/>
-                      </a:solidFill>
-                      <a:prstDash val="solid"/>
-                      <a:round/>
-                      <a:headEnd type="none" w="med" len="med"/>
-                      <a:tailEnd type="none" w="med" len="med"/>
-                    </a:lnB>
-                    <a:solidFill>
-                      <a:srgbClr val="FFFFFF"/>
-                    </a:solidFill>
-                  </a:tcPr>
-                </a:tc>
-                <a:tc>
-                  <a:txBody>
-                    <a:bodyPr/>
-                    <a:lstStyle/>
-                    <a:p>
-                      <a:pPr algn="l">
-                        <a:defRPr/>
-                      </a:pPr>
-                      <a:r>
-                        <a:rPr lang="en-US" sz="800">
-                          <a:solidFill>
-                            <a:srgbClr val="000000"/>
-                          </a:solidFill>
-                        </a:rPr>
-                        <a:t>1.50</a:t>
-                      </a:r>
-                      <a:endParaRPr lang="en-US" sz="1100"/>
-                    </a:p>
-                  </a:txBody>
-                  <a:tcPr>
-                    <a:lnL cap="flat" cmpd="sng" algn="ctr">
-                      <a:solidFill>
-                        <a:srgbClr val="000000"/>
-                      </a:solidFill>
-                      <a:prstDash val="solid"/>
-                      <a:round/>
-                      <a:headEnd type="none" w="med" len="med"/>
-                      <a:tailEnd type="none" w="med" len="med"/>
-                    </a:lnL>
-                    <a:lnR cap="flat" cmpd="sng" algn="ctr">
-                      <a:solidFill>
-                        <a:srgbClr val="000000"/>
-                      </a:solidFill>
-                      <a:prstDash val="solid"/>
-                      <a:round/>
-                      <a:headEnd type="none" w="med" len="med"/>
-                      <a:tailEnd type="none" w="med" len="med"/>
-                    </a:lnR>
-                    <a:lnT cap="flat" cmpd="sng" algn="ctr">
-                      <a:solidFill>
-                        <a:srgbClr val="000000"/>
-                      </a:solidFill>
-                      <a:prstDash val="solid"/>
-                      <a:round/>
-                      <a:headEnd type="none" w="med" len="med"/>
-                      <a:tailEnd type="none" w="med" len="med"/>
-                    </a:lnT>
-                    <a:lnB cap="flat" cmpd="sng" algn="ctr">
-                      <a:solidFill>
-                        <a:srgbClr val="000000"/>
-                      </a:solidFill>
-                      <a:prstDash val="solid"/>
-                      <a:round/>
-                      <a:headEnd type="none" w="med" len="med"/>
-                      <a:tailEnd type="none" w="med" len="med"/>
-                    </a:lnB>
-                    <a:solidFill>
-                      <a:srgbClr val="FFFFFF"/>
-                    </a:solidFill>
-                  </a:tcPr>
-                </a:tc>
-                <a:tc>
-                  <a:txBody>
-                    <a:bodyPr/>
-                    <a:lstStyle/>
-                    <a:p>
-                      <a:pPr algn="l">
-                        <a:defRPr/>
-                      </a:pPr>
-                      <a:r>
-                        <a:rPr lang="en-US" sz="800">
-                          <a:solidFill>
-                            <a:srgbClr val="000000"/>
-                          </a:solidFill>
-                        </a:rPr>
-                        <a:t>1.50</a:t>
-                      </a:r>
-                      <a:endParaRPr lang="en-US" sz="1100"/>
-                    </a:p>
-                  </a:txBody>
-                  <a:tcPr>
-                    <a:lnL cap="flat" cmpd="sng" algn="ctr">
-                      <a:solidFill>
-                        <a:srgbClr val="000000"/>
-                      </a:solidFill>
-                      <a:prstDash val="solid"/>
-                      <a:round/>
-                      <a:headEnd type="none" w="med" len="med"/>
-                      <a:tailEnd type="none" w="med" len="med"/>
-                    </a:lnL>
-                    <a:lnR cap="flat" cmpd="sng" algn="ctr">
-                      <a:solidFill>
-                        <a:srgbClr val="000000"/>
-                      </a:solidFill>
-                      <a:prstDash val="solid"/>
-                      <a:round/>
-                      <a:headEnd type="none" w="med" len="med"/>
-                      <a:tailEnd type="none" w="med" len="med"/>
-                    </a:lnR>
-                    <a:lnT cap="flat" cmpd="sng" algn="ctr">
-                      <a:solidFill>
-                        <a:srgbClr val="000000"/>
-                      </a:solidFill>
-                      <a:prstDash val="solid"/>
-                      <a:round/>
-                      <a:headEnd type="none" w="med" len="med"/>
-                      <a:tailEnd type="none" w="med" len="med"/>
-                    </a:lnT>
-                    <a:lnB cap="flat" cmpd="sng" algn="ctr">
-                      <a:solidFill>
-                        <a:srgbClr val="000000"/>
-                      </a:solidFill>
-                      <a:prstDash val="solid"/>
-                      <a:round/>
-                      <a:headEnd type="none" w="med" len="med"/>
-                      <a:tailEnd type="none" w="med" len="med"/>
-                    </a:lnB>
-                    <a:solidFill>
-                      <a:srgbClr val="FFFFFF"/>
-                    </a:solidFill>
-                  </a:tcPr>
-                </a:tc>
-                <a:extLst>
-                  <a:ext uri="{0D108BD9-81ED-4DB2-BD59-A6C34878D82A}">
-                    <a16:rowId xmlns:a16="http://schemas.microsoft.com/office/drawing/2014/main" val="10008"/>
-                  </a:ext>
-                </a:extLst>
-              </a:tr>
-              <a:tr h="254000">
-                <a:tc>
-                  <a:txBody>
-                    <a:bodyPr/>
-                    <a:lstStyle/>
-                    <a:p>
-                      <a:pPr algn="l">
-                        <a:defRPr/>
-                      </a:pPr>
-                      <a:r>
-                        <a:rPr lang="en-US" sz="800">
-                          <a:solidFill>
-                            <a:srgbClr val="000000"/>
-                          </a:solidFill>
-                        </a:rPr>
-                        <a:t>Scenario 9: threads=10,1kb,unique keys</a:t>
-                      </a:r>
-                      <a:endParaRPr lang="en-US" sz="1100"/>
-                    </a:p>
-                  </a:txBody>
-                  <a:tcPr>
-                    <a:lnL cap="flat" cmpd="sng" algn="ctr">
-                      <a:solidFill>
-                        <a:srgbClr val="000000"/>
-                      </a:solidFill>
-                      <a:prstDash val="solid"/>
-                      <a:round/>
-                      <a:headEnd type="none" w="med" len="med"/>
-                      <a:tailEnd type="none" w="med" len="med"/>
-                    </a:lnL>
-                    <a:lnR cap="flat" cmpd="sng" algn="ctr">
-                      <a:solidFill>
-                        <a:srgbClr val="000000"/>
-                      </a:solidFill>
-                      <a:prstDash val="solid"/>
-                      <a:round/>
-                      <a:headEnd type="none" w="med" len="med"/>
-                      <a:tailEnd type="none" w="med" len="med"/>
-                    </a:lnR>
-                    <a:lnT cap="flat" cmpd="sng" algn="ctr">
-                      <a:solidFill>
-                        <a:srgbClr val="000000"/>
-                      </a:solidFill>
-                      <a:prstDash val="solid"/>
-                      <a:round/>
-                      <a:headEnd type="none" w="med" len="med"/>
-                      <a:tailEnd type="none" w="med" len="med"/>
-                    </a:lnT>
-                    <a:lnB cap="flat" cmpd="sng" algn="ctr">
-                      <a:solidFill>
-                        <a:srgbClr val="000000"/>
-                      </a:solidFill>
-                      <a:prstDash val="solid"/>
-                      <a:round/>
-                      <a:headEnd type="none" w="med" len="med"/>
-                      <a:tailEnd type="none" w="med" len="med"/>
-                    </a:lnB>
-                    <a:solidFill>
-                      <a:srgbClr val="FFFFFF"/>
-                    </a:solidFill>
-                  </a:tcPr>
-                </a:tc>
-                <a:tc>
-                  <a:txBody>
-                    <a:bodyPr/>
-                    <a:lstStyle/>
-                    <a:p>
-                      <a:pPr algn="l">
-                        <a:defRPr/>
-                      </a:pPr>
-                      <a:r>
-                        <a:rPr lang="en-US" sz="800">
-                          <a:solidFill>
-                            <a:srgbClr val="000000"/>
-                          </a:solidFill>
-                        </a:rPr>
-                        <a:t>935356.0</a:t>
-                      </a:r>
-                      <a:endParaRPr lang="en-US" sz="1100"/>
-                    </a:p>
-                  </a:txBody>
-                  <a:tcPr>
-                    <a:lnL cap="flat" cmpd="sng" algn="ctr">
-                      <a:solidFill>
-                        <a:srgbClr val="000000"/>
-                      </a:solidFill>
-                      <a:prstDash val="solid"/>
-                      <a:round/>
-                      <a:headEnd type="none" w="med" len="med"/>
-                      <a:tailEnd type="none" w="med" len="med"/>
-                    </a:lnL>
-                    <a:lnR cap="flat" cmpd="sng" algn="ctr">
-                      <a:solidFill>
-                        <a:srgbClr val="000000"/>
-                      </a:solidFill>
-                      <a:prstDash val="solid"/>
-                      <a:round/>
-                      <a:headEnd type="none" w="med" len="med"/>
-                      <a:tailEnd type="none" w="med" len="med"/>
-                    </a:lnR>
-                    <a:lnT cap="flat" cmpd="sng" algn="ctr">
-                      <a:solidFill>
-                        <a:srgbClr val="000000"/>
-                      </a:solidFill>
-                      <a:prstDash val="solid"/>
-                      <a:round/>
-                      <a:headEnd type="none" w="med" len="med"/>
-                      <a:tailEnd type="none" w="med" len="med"/>
-                    </a:lnT>
-                    <a:lnB cap="flat" cmpd="sng" algn="ctr">
-                      <a:solidFill>
-                        <a:srgbClr val="000000"/>
-                      </a:solidFill>
-                      <a:prstDash val="solid"/>
-                      <a:round/>
-                      <a:headEnd type="none" w="med" len="med"/>
-                      <a:tailEnd type="none" w="med" len="med"/>
-                    </a:lnB>
-                    <a:solidFill>
-                      <a:srgbClr val="FFFFFF"/>
-                    </a:solidFill>
-                  </a:tcPr>
-                </a:tc>
-                <a:tc>
-                  <a:txBody>
-                    <a:bodyPr/>
-                    <a:lstStyle/>
-                    <a:p>
-                      <a:pPr algn="l">
-                        <a:defRPr/>
-                      </a:pPr>
-                      <a:r>
-                        <a:rPr lang="en-US" sz="800">
-                          <a:solidFill>
-                            <a:srgbClr val="000000"/>
-                          </a:solidFill>
-                        </a:rPr>
-                        <a:t>0.00</a:t>
-                      </a:r>
-                      <a:endParaRPr lang="en-US" sz="1100"/>
-                    </a:p>
-                  </a:txBody>
-                  <a:tcPr>
-                    <a:lnL cap="flat" cmpd="sng" algn="ctr">
-                      <a:solidFill>
-                        <a:srgbClr val="000000"/>
-                      </a:solidFill>
-                      <a:prstDash val="solid"/>
-                      <a:round/>
-                      <a:headEnd type="none" w="med" len="med"/>
-                      <a:tailEnd type="none" w="med" len="med"/>
-                    </a:lnL>
-                    <a:lnR cap="flat" cmpd="sng" algn="ctr">
-                      <a:solidFill>
-                        <a:srgbClr val="000000"/>
-                      </a:solidFill>
-                      <a:prstDash val="solid"/>
-                      <a:round/>
-                      <a:headEnd type="none" w="med" len="med"/>
-                      <a:tailEnd type="none" w="med" len="med"/>
-                    </a:lnR>
-                    <a:lnT cap="flat" cmpd="sng" algn="ctr">
-                      <a:solidFill>
-                        <a:srgbClr val="000000"/>
-                      </a:solidFill>
-                      <a:prstDash val="solid"/>
-                      <a:round/>
-                      <a:headEnd type="none" w="med" len="med"/>
-                      <a:tailEnd type="none" w="med" len="med"/>
-                    </a:lnT>
-                    <a:lnB cap="flat" cmpd="sng" algn="ctr">
-                      <a:solidFill>
-                        <a:srgbClr val="000000"/>
-                      </a:solidFill>
-                      <a:prstDash val="solid"/>
-                      <a:round/>
-                      <a:headEnd type="none" w="med" len="med"/>
-                      <a:tailEnd type="none" w="med" len="med"/>
-                    </a:lnB>
-                    <a:solidFill>
-                      <a:srgbClr val="FFFFFF"/>
-                    </a:solidFill>
-                  </a:tcPr>
-                </a:tc>
-                <a:tc>
-                  <a:txBody>
-                    <a:bodyPr/>
-                    <a:lstStyle/>
-                    <a:p>
-                      <a:pPr algn="l">
-                        <a:defRPr/>
-                      </a:pPr>
-                      <a:r>
-                        <a:rPr lang="en-US" sz="800">
-                          <a:solidFill>
-                            <a:srgbClr val="000000"/>
-                          </a:solidFill>
-                        </a:rPr>
-                        <a:t>519.90</a:t>
-                      </a:r>
-                      <a:endParaRPr lang="en-US" sz="1100"/>
-                    </a:p>
-                  </a:txBody>
-                  <a:tcPr>
-                    <a:lnL cap="flat" cmpd="sng" algn="ctr">
-                      <a:solidFill>
-                        <a:srgbClr val="000000"/>
-                      </a:solidFill>
-                      <a:prstDash val="solid"/>
-                      <a:round/>
-                      <a:headEnd type="none" w="med" len="med"/>
-                      <a:tailEnd type="none" w="med" len="med"/>
-                    </a:lnL>
-                    <a:lnR cap="flat" cmpd="sng" algn="ctr">
-                      <a:solidFill>
-                        <a:srgbClr val="000000"/>
-                      </a:solidFill>
-                      <a:prstDash val="solid"/>
-                      <a:round/>
-                      <a:headEnd type="none" w="med" len="med"/>
-                      <a:tailEnd type="none" w="med" len="med"/>
-                    </a:lnR>
-                    <a:lnT cap="flat" cmpd="sng" algn="ctr">
-                      <a:solidFill>
-                        <a:srgbClr val="000000"/>
-                      </a:solidFill>
-                      <a:prstDash val="solid"/>
-                      <a:round/>
-                      <a:headEnd type="none" w="med" len="med"/>
-                      <a:tailEnd type="none" w="med" len="med"/>
-                    </a:lnT>
-                    <a:lnB cap="flat" cmpd="sng" algn="ctr">
-                      <a:solidFill>
-                        <a:srgbClr val="000000"/>
-                      </a:solidFill>
-                      <a:prstDash val="solid"/>
-                      <a:round/>
-                      <a:headEnd type="none" w="med" len="med"/>
-                      <a:tailEnd type="none" w="med" len="med"/>
-                    </a:lnB>
-                    <a:solidFill>
-                      <a:srgbClr val="FFFFFF"/>
-                    </a:solidFill>
-                  </a:tcPr>
-                </a:tc>
-                <a:tc>
-                  <a:txBody>
-                    <a:bodyPr/>
-                    <a:lstStyle/>
-                    <a:p>
-                      <a:pPr algn="l">
-                        <a:defRPr/>
-                      </a:pPr>
-                      <a:r>
-                        <a:rPr lang="en-US" sz="800">
-                          <a:solidFill>
-                            <a:srgbClr val="000000"/>
-                          </a:solidFill>
-                        </a:rPr>
-                        <a:t>2.00</a:t>
-                      </a:r>
-                      <a:endParaRPr lang="en-US" sz="1100"/>
-                    </a:p>
-                  </a:txBody>
-                  <a:tcPr>
-                    <a:lnL cap="flat" cmpd="sng" algn="ctr">
-                      <a:solidFill>
-                        <a:srgbClr val="000000"/>
-                      </a:solidFill>
-                      <a:prstDash val="solid"/>
-                      <a:round/>
-                      <a:headEnd type="none" w="med" len="med"/>
-                      <a:tailEnd type="none" w="med" len="med"/>
-                    </a:lnL>
-                    <a:lnR cap="flat" cmpd="sng" algn="ctr">
-                      <a:solidFill>
-                        <a:srgbClr val="000000"/>
-                      </a:solidFill>
-                      <a:prstDash val="solid"/>
-                      <a:round/>
-                      <a:headEnd type="none" w="med" len="med"/>
-                      <a:tailEnd type="none" w="med" len="med"/>
-                    </a:lnR>
-                    <a:lnT cap="flat" cmpd="sng" algn="ctr">
-                      <a:solidFill>
-                        <a:srgbClr val="000000"/>
-                      </a:solidFill>
-                      <a:prstDash val="solid"/>
-                      <a:round/>
-                      <a:headEnd type="none" w="med" len="med"/>
-                      <a:tailEnd type="none" w="med" len="med"/>
-                    </a:lnT>
-                    <a:lnB cap="flat" cmpd="sng" algn="ctr">
-                      <a:solidFill>
-                        <a:srgbClr val="000000"/>
-                      </a:solidFill>
-                      <a:prstDash val="solid"/>
-                      <a:round/>
-                      <a:headEnd type="none" w="med" len="med"/>
-                      <a:tailEnd type="none" w="med" len="med"/>
-                    </a:lnB>
-                    <a:solidFill>
-                      <a:srgbClr val="FFFFFF"/>
-                    </a:solidFill>
-                  </a:tcPr>
-                </a:tc>
-                <a:tc>
-                  <a:txBody>
-                    <a:bodyPr/>
-                    <a:lstStyle/>
-                    <a:p>
-                      <a:pPr algn="l">
-                        <a:defRPr/>
-                      </a:pPr>
-                      <a:r>
-                        <a:rPr lang="en-US" sz="800">
-                          <a:solidFill>
-                            <a:srgbClr val="000000"/>
-                          </a:solidFill>
-                        </a:rPr>
-                        <a:t>1.90</a:t>
-                      </a:r>
-                      <a:endParaRPr lang="en-US" sz="1100"/>
-                    </a:p>
-                  </a:txBody>
-                  <a:tcPr>
-                    <a:lnL cap="flat" cmpd="sng" algn="ctr">
-                      <a:solidFill>
-                        <a:srgbClr val="000000"/>
-                      </a:solidFill>
-                      <a:prstDash val="solid"/>
-                      <a:round/>
-                      <a:headEnd type="none" w="med" len="med"/>
-                      <a:tailEnd type="none" w="med" len="med"/>
-                    </a:lnL>
-                    <a:lnR cap="flat" cmpd="sng" algn="ctr">
-                      <a:solidFill>
-                        <a:srgbClr val="000000"/>
-                      </a:solidFill>
-                      <a:prstDash val="solid"/>
-                      <a:round/>
-                      <a:headEnd type="none" w="med" len="med"/>
-                      <a:tailEnd type="none" w="med" len="med"/>
-                    </a:lnR>
-                    <a:lnT cap="flat" cmpd="sng" algn="ctr">
-                      <a:solidFill>
-                        <a:srgbClr val="000000"/>
-                      </a:solidFill>
-                      <a:prstDash val="solid"/>
-                      <a:round/>
-                      <a:headEnd type="none" w="med" len="med"/>
-                      <a:tailEnd type="none" w="med" len="med"/>
-                    </a:lnT>
-                    <a:lnB cap="flat" cmpd="sng" algn="ctr">
-                      <a:solidFill>
-                        <a:srgbClr val="000000"/>
-                      </a:solidFill>
-                      <a:prstDash val="solid"/>
-                      <a:round/>
-                      <a:headEnd type="none" w="med" len="med"/>
-                      <a:tailEnd type="none" w="med" len="med"/>
-                    </a:lnB>
-                    <a:solidFill>
-                      <a:srgbClr val="FFFFFF"/>
-                    </a:solidFill>
-                  </a:tcPr>
-                </a:tc>
-                <a:tc>
-                  <a:txBody>
-                    <a:bodyPr/>
-                    <a:lstStyle/>
-                    <a:p>
-                      <a:pPr algn="l">
-                        <a:defRPr/>
-                      </a:pPr>
-                      <a:r>
-                        <a:rPr lang="en-US" sz="800">
-                          <a:solidFill>
-                            <a:srgbClr val="000000"/>
-                          </a:solidFill>
-                        </a:rPr>
-                        <a:t>1.90</a:t>
-                      </a:r>
-                      <a:endParaRPr lang="en-US" sz="1100"/>
-                    </a:p>
-                  </a:txBody>
-                  <a:tcPr>
-                    <a:lnL cap="flat" cmpd="sng" algn="ctr">
-                      <a:solidFill>
-                        <a:srgbClr val="000000"/>
-                      </a:solidFill>
-                      <a:prstDash val="solid"/>
-                      <a:round/>
-                      <a:headEnd type="none" w="med" len="med"/>
-                      <a:tailEnd type="none" w="med" len="med"/>
-                    </a:lnL>
-                    <a:lnR cap="flat" cmpd="sng" algn="ctr">
-                      <a:solidFill>
-                        <a:srgbClr val="000000"/>
-                      </a:solidFill>
-                      <a:prstDash val="solid"/>
-                      <a:round/>
-                      <a:headEnd type="none" w="med" len="med"/>
-                      <a:tailEnd type="none" w="med" len="med"/>
-                    </a:lnR>
-                    <a:lnT cap="flat" cmpd="sng" algn="ctr">
-                      <a:solidFill>
-                        <a:srgbClr val="000000"/>
-                      </a:solidFill>
-                      <a:prstDash val="solid"/>
-                      <a:round/>
-                      <a:headEnd type="none" w="med" len="med"/>
-                      <a:tailEnd type="none" w="med" len="med"/>
-                    </a:lnT>
-                    <a:lnB cap="flat" cmpd="sng" algn="ctr">
-                      <a:solidFill>
-                        <a:srgbClr val="000000"/>
-                      </a:solidFill>
-                      <a:prstDash val="solid"/>
-                      <a:round/>
-                      <a:headEnd type="none" w="med" len="med"/>
-                      <a:tailEnd type="none" w="med" len="med"/>
-                    </a:lnB>
-                    <a:solidFill>
-                      <a:srgbClr val="FFFFFF"/>
-                    </a:solidFill>
-                  </a:tcPr>
-                </a:tc>
-                <a:extLst>
-                  <a:ext uri="{0D108BD9-81ED-4DB2-BD59-A6C34878D82A}">
-                    <a16:rowId xmlns:a16="http://schemas.microsoft.com/office/drawing/2014/main" val="10009"/>
-                  </a:ext>
-                </a:extLst>
-              </a:tr>
-              <a:tr h="254000">
-                <a:tc>
-                  <a:txBody>
-                    <a:bodyPr/>
-                    <a:lstStyle/>
-                    <a:p>
-                      <a:pPr algn="l">
-                        <a:defRPr/>
-                      </a:pPr>
-                      <a:r>
-                        <a:rPr lang="en-US" sz="800">
-                          <a:solidFill>
-                            <a:srgbClr val="000000"/>
-                          </a:solidFill>
-                        </a:rPr>
-                        <a:t>Scenario 10: threads=10,1kb,shared key</a:t>
-                      </a:r>
-                      <a:endParaRPr lang="en-US" sz="1100"/>
-                    </a:p>
-                  </a:txBody>
-                  <a:tcPr>
-                    <a:lnL cap="flat" cmpd="sng" algn="ctr">
-                      <a:solidFill>
-                        <a:srgbClr val="000000"/>
-                      </a:solidFill>
-                      <a:prstDash val="solid"/>
-                      <a:round/>
-                      <a:headEnd type="none" w="med" len="med"/>
-                      <a:tailEnd type="none" w="med" len="med"/>
-                    </a:lnL>
-                    <a:lnR cap="flat" cmpd="sng" algn="ctr">
-                      <a:solidFill>
-                        <a:srgbClr val="000000"/>
-                      </a:solidFill>
-                      <a:prstDash val="solid"/>
-                      <a:round/>
-                      <a:headEnd type="none" w="med" len="med"/>
-                      <a:tailEnd type="none" w="med" len="med"/>
-                    </a:lnR>
-                    <a:lnT cap="flat" cmpd="sng" algn="ctr">
-                      <a:solidFill>
-                        <a:srgbClr val="000000"/>
-                      </a:solidFill>
-                      <a:prstDash val="solid"/>
-                      <a:round/>
-                      <a:headEnd type="none" w="med" len="med"/>
-                      <a:tailEnd type="none" w="med" len="med"/>
-                    </a:lnT>
-                    <a:lnB cap="flat" cmpd="sng" algn="ctr">
-                      <a:solidFill>
-                        <a:srgbClr val="000000"/>
-                      </a:solidFill>
-                      <a:prstDash val="solid"/>
-                      <a:round/>
-                      <a:headEnd type="none" w="med" len="med"/>
-                      <a:tailEnd type="none" w="med" len="med"/>
-                    </a:lnB>
-                    <a:solidFill>
-                      <a:srgbClr val="FFFFFF"/>
-                    </a:solidFill>
-                  </a:tcPr>
-                </a:tc>
-                <a:tc>
-                  <a:txBody>
-                    <a:bodyPr/>
-                    <a:lstStyle/>
-                    <a:p>
-                      <a:pPr algn="l">
-                        <a:defRPr/>
-                      </a:pPr>
-                      <a:r>
-                        <a:rPr lang="en-US" sz="800">
-                          <a:solidFill>
-                            <a:srgbClr val="000000"/>
-                          </a:solidFill>
-                        </a:rPr>
-                        <a:t>1036100.0</a:t>
-                      </a:r>
-                      <a:endParaRPr lang="en-US" sz="1100"/>
-                    </a:p>
-                  </a:txBody>
-                  <a:tcPr>
-                    <a:lnL cap="flat" cmpd="sng" algn="ctr">
-                      <a:solidFill>
-                        <a:srgbClr val="000000"/>
-                      </a:solidFill>
-                      <a:prstDash val="solid"/>
-                      <a:round/>
-                      <a:headEnd type="none" w="med" len="med"/>
-                      <a:tailEnd type="none" w="med" len="med"/>
-                    </a:lnL>
-                    <a:lnR cap="flat" cmpd="sng" algn="ctr">
-                      <a:solidFill>
-                        <a:srgbClr val="000000"/>
-                      </a:solidFill>
-                      <a:prstDash val="solid"/>
-                      <a:round/>
-                      <a:headEnd type="none" w="med" len="med"/>
-                      <a:tailEnd type="none" w="med" len="med"/>
-                    </a:lnR>
-                    <a:lnT cap="flat" cmpd="sng" algn="ctr">
-                      <a:solidFill>
-                        <a:srgbClr val="000000"/>
-                      </a:solidFill>
-                      <a:prstDash val="solid"/>
-                      <a:round/>
-                      <a:headEnd type="none" w="med" len="med"/>
-                      <a:tailEnd type="none" w="med" len="med"/>
-                    </a:lnT>
-                    <a:lnB cap="flat" cmpd="sng" algn="ctr">
-                      <a:solidFill>
-                        <a:srgbClr val="000000"/>
-                      </a:solidFill>
-                      <a:prstDash val="solid"/>
-                      <a:round/>
-                      <a:headEnd type="none" w="med" len="med"/>
-                      <a:tailEnd type="none" w="med" len="med"/>
-                    </a:lnB>
-                    <a:solidFill>
-                      <a:srgbClr val="FFFFFF"/>
-                    </a:solidFill>
-                  </a:tcPr>
-                </a:tc>
-                <a:tc>
-                  <a:txBody>
-                    <a:bodyPr/>
-                    <a:lstStyle/>
-                    <a:p>
-                      <a:pPr algn="l">
-                        <a:defRPr/>
-                      </a:pPr>
-                      <a:r>
-                        <a:rPr lang="en-US" sz="800">
-                          <a:solidFill>
-                            <a:srgbClr val="000000"/>
-                          </a:solidFill>
-                        </a:rPr>
-                        <a:t>0.00</a:t>
-                      </a:r>
-                      <a:endParaRPr lang="en-US" sz="1100"/>
-                    </a:p>
-                  </a:txBody>
-                  <a:tcPr>
-                    <a:lnL cap="flat" cmpd="sng" algn="ctr">
-                      <a:solidFill>
-                        <a:srgbClr val="000000"/>
-                      </a:solidFill>
-                      <a:prstDash val="solid"/>
-                      <a:round/>
-                      <a:headEnd type="none" w="med" len="med"/>
-                      <a:tailEnd type="none" w="med" len="med"/>
-                    </a:lnL>
-                    <a:lnR cap="flat" cmpd="sng" algn="ctr">
-                      <a:solidFill>
-                        <a:srgbClr val="000000"/>
-                      </a:solidFill>
-                      <a:prstDash val="solid"/>
-                      <a:round/>
-                      <a:headEnd type="none" w="med" len="med"/>
-                      <a:tailEnd type="none" w="med" len="med"/>
-                    </a:lnR>
-                    <a:lnT cap="flat" cmpd="sng" algn="ctr">
-                      <a:solidFill>
-                        <a:srgbClr val="000000"/>
-                      </a:solidFill>
-                      <a:prstDash val="solid"/>
-                      <a:round/>
-                      <a:headEnd type="none" w="med" len="med"/>
-                      <a:tailEnd type="none" w="med" len="med"/>
-                    </a:lnT>
-                    <a:lnB cap="flat" cmpd="sng" algn="ctr">
-                      <a:solidFill>
-                        <a:srgbClr val="000000"/>
-                      </a:solidFill>
-                      <a:prstDash val="solid"/>
-                      <a:round/>
-                      <a:headEnd type="none" w="med" len="med"/>
-                      <a:tailEnd type="none" w="med" len="med"/>
-                    </a:lnB>
-                    <a:solidFill>
-                      <a:srgbClr val="FFFFFF"/>
-                    </a:solidFill>
-                  </a:tcPr>
-                </a:tc>
-                <a:tc>
-                  <a:txBody>
-                    <a:bodyPr/>
-                    <a:lstStyle/>
-                    <a:p>
-                      <a:pPr algn="l">
-                        <a:defRPr/>
-                      </a:pPr>
-                      <a:r>
-                        <a:rPr lang="en-US" sz="800">
-                          <a:solidFill>
-                            <a:srgbClr val="000000"/>
-                          </a:solidFill>
-                        </a:rPr>
-                        <a:t>575.80</a:t>
-                      </a:r>
-                      <a:endParaRPr lang="en-US" sz="1100"/>
-                    </a:p>
-                  </a:txBody>
-                  <a:tcPr>
-                    <a:lnL cap="flat" cmpd="sng" algn="ctr">
-                      <a:solidFill>
-                        <a:srgbClr val="000000"/>
-                      </a:solidFill>
-                      <a:prstDash val="solid"/>
-                      <a:round/>
-                      <a:headEnd type="none" w="med" len="med"/>
-                      <a:tailEnd type="none" w="med" len="med"/>
-                    </a:lnL>
-                    <a:lnR cap="flat" cmpd="sng" algn="ctr">
-                      <a:solidFill>
-                        <a:srgbClr val="000000"/>
-                      </a:solidFill>
-                      <a:prstDash val="solid"/>
-                      <a:round/>
-                      <a:headEnd type="none" w="med" len="med"/>
-                      <a:tailEnd type="none" w="med" len="med"/>
-                    </a:lnR>
-                    <a:lnT cap="flat" cmpd="sng" algn="ctr">
-                      <a:solidFill>
-                        <a:srgbClr val="000000"/>
-                      </a:solidFill>
-                      <a:prstDash val="solid"/>
-                      <a:round/>
-                      <a:headEnd type="none" w="med" len="med"/>
-                      <a:tailEnd type="none" w="med" len="med"/>
-                    </a:lnT>
-                    <a:lnB cap="flat" cmpd="sng" algn="ctr">
-                      <a:solidFill>
-                        <a:srgbClr val="000000"/>
-                      </a:solidFill>
-                      <a:prstDash val="solid"/>
-                      <a:round/>
-                      <a:headEnd type="none" w="med" len="med"/>
-                      <a:tailEnd type="none" w="med" len="med"/>
-                    </a:lnB>
-                    <a:solidFill>
-                      <a:srgbClr val="FFFFFF"/>
-                    </a:solidFill>
-                  </a:tcPr>
-                </a:tc>
-                <a:tc>
-                  <a:txBody>
-                    <a:bodyPr/>
-                    <a:lstStyle/>
-                    <a:p>
-                      <a:pPr algn="l">
-                        <a:defRPr/>
-                      </a:pPr>
-                      <a:r>
-                        <a:rPr lang="en-US" sz="800">
-                          <a:solidFill>
-                            <a:srgbClr val="000000"/>
-                          </a:solidFill>
-                        </a:rPr>
-                        <a:t>1.80</a:t>
-                      </a:r>
-                      <a:endParaRPr lang="en-US" sz="1100"/>
-                    </a:p>
-                  </a:txBody>
-                  <a:tcPr>
-                    <a:lnL cap="flat" cmpd="sng" algn="ctr">
-                      <a:solidFill>
-                        <a:srgbClr val="000000"/>
-                      </a:solidFill>
-                      <a:prstDash val="solid"/>
-                      <a:round/>
-                      <a:headEnd type="none" w="med" len="med"/>
-                      <a:tailEnd type="none" w="med" len="med"/>
-                    </a:lnL>
-                    <a:lnR cap="flat" cmpd="sng" algn="ctr">
-                      <a:solidFill>
-                        <a:srgbClr val="000000"/>
-                      </a:solidFill>
-                      <a:prstDash val="solid"/>
-                      <a:round/>
-                      <a:headEnd type="none" w="med" len="med"/>
-                      <a:tailEnd type="none" w="med" len="med"/>
-                    </a:lnR>
-                    <a:lnT cap="flat" cmpd="sng" algn="ctr">
-                      <a:solidFill>
-                        <a:srgbClr val="000000"/>
-                      </a:solidFill>
-                      <a:prstDash val="solid"/>
-                      <a:round/>
-                      <a:headEnd type="none" w="med" len="med"/>
-                      <a:tailEnd type="none" w="med" len="med"/>
-                    </a:lnT>
-                    <a:lnB cap="flat" cmpd="sng" algn="ctr">
-                      <a:solidFill>
-                        <a:srgbClr val="000000"/>
-                      </a:solidFill>
-                      <a:prstDash val="solid"/>
-                      <a:round/>
-                      <a:headEnd type="none" w="med" len="med"/>
-                      <a:tailEnd type="none" w="med" len="med"/>
-                    </a:lnB>
-                    <a:solidFill>
-                      <a:srgbClr val="FFFFFF"/>
-                    </a:solidFill>
-                  </a:tcPr>
-                </a:tc>
-                <a:tc>
-                  <a:txBody>
-                    <a:bodyPr/>
-                    <a:lstStyle/>
-                    <a:p>
-                      <a:pPr algn="l">
-                        <a:defRPr/>
-                      </a:pPr>
-                      <a:r>
-                        <a:rPr lang="en-US" sz="800">
-                          <a:solidFill>
-                            <a:srgbClr val="000000"/>
-                          </a:solidFill>
-                        </a:rPr>
-                        <a:t>1.70</a:t>
-                      </a:r>
-                      <a:endParaRPr lang="en-US" sz="1100"/>
-                    </a:p>
-                  </a:txBody>
-                  <a:tcPr>
-                    <a:lnL cap="flat" cmpd="sng" algn="ctr">
-                      <a:solidFill>
-                        <a:srgbClr val="000000"/>
-                      </a:solidFill>
-                      <a:prstDash val="solid"/>
-                      <a:round/>
-                      <a:headEnd type="none" w="med" len="med"/>
-                      <a:tailEnd type="none" w="med" len="med"/>
-                    </a:lnL>
-                    <a:lnR cap="flat" cmpd="sng" algn="ctr">
-                      <a:solidFill>
-                        <a:srgbClr val="000000"/>
-                      </a:solidFill>
-                      <a:prstDash val="solid"/>
-                      <a:round/>
-                      <a:headEnd type="none" w="med" len="med"/>
-                      <a:tailEnd type="none" w="med" len="med"/>
-                    </a:lnR>
-                    <a:lnT cap="flat" cmpd="sng" algn="ctr">
-                      <a:solidFill>
-                        <a:srgbClr val="000000"/>
-                      </a:solidFill>
-                      <a:prstDash val="solid"/>
-                      <a:round/>
-                      <a:headEnd type="none" w="med" len="med"/>
-                      <a:tailEnd type="none" w="med" len="med"/>
-                    </a:lnT>
-                    <a:lnB cap="flat" cmpd="sng" algn="ctr">
-                      <a:solidFill>
-                        <a:srgbClr val="000000"/>
-                      </a:solidFill>
-                      <a:prstDash val="solid"/>
-                      <a:round/>
-                      <a:headEnd type="none" w="med" len="med"/>
-                      <a:tailEnd type="none" w="med" len="med"/>
-                    </a:lnB>
-                    <a:solidFill>
-                      <a:srgbClr val="FFFFFF"/>
-                    </a:solidFill>
-                  </a:tcPr>
-                </a:tc>
-                <a:tc>
-                  <a:txBody>
-                    <a:bodyPr/>
-                    <a:lstStyle/>
-                    <a:p>
-                      <a:pPr algn="l">
-                        <a:defRPr/>
-                      </a:pPr>
-                      <a:r>
-                        <a:rPr lang="en-US" sz="800">
-                          <a:solidFill>
-                            <a:srgbClr val="000000"/>
-                          </a:solidFill>
-                        </a:rPr>
-                        <a:t>1.70</a:t>
-                      </a:r>
-                      <a:endParaRPr lang="en-US" sz="1100"/>
-                    </a:p>
-                  </a:txBody>
-                  <a:tcPr>
-                    <a:lnL cap="flat" cmpd="sng" algn="ctr">
-                      <a:solidFill>
-                        <a:srgbClr val="000000"/>
-                      </a:solidFill>
-                      <a:prstDash val="solid"/>
-                      <a:round/>
-                      <a:headEnd type="none" w="med" len="med"/>
-                      <a:tailEnd type="none" w="med" len="med"/>
-                    </a:lnL>
-                    <a:lnR cap="flat" cmpd="sng" algn="ctr">
-                      <a:solidFill>
-                        <a:srgbClr val="000000"/>
-                      </a:solidFill>
-                      <a:prstDash val="solid"/>
-                      <a:round/>
-                      <a:headEnd type="none" w="med" len="med"/>
-                      <a:tailEnd type="none" w="med" len="med"/>
-                    </a:lnR>
-                    <a:lnT cap="flat" cmpd="sng" algn="ctr">
-                      <a:solidFill>
-                        <a:srgbClr val="000000"/>
-                      </a:solidFill>
-                      <a:prstDash val="solid"/>
-                      <a:round/>
-                      <a:headEnd type="none" w="med" len="med"/>
-                      <a:tailEnd type="none" w="med" len="med"/>
-                    </a:lnT>
-                    <a:lnB cap="flat" cmpd="sng" algn="ctr">
-                      <a:solidFill>
-                        <a:srgbClr val="000000"/>
-                      </a:solidFill>
-                      <a:prstDash val="solid"/>
-                      <a:round/>
-                      <a:headEnd type="none" w="med" len="med"/>
-                      <a:tailEnd type="none" w="med" len="med"/>
-                    </a:lnB>
-                    <a:solidFill>
-                      <a:srgbClr val="FFFFFF"/>
-                    </a:solidFill>
-                  </a:tcPr>
-                </a:tc>
-                <a:extLst>
-                  <a:ext uri="{0D108BD9-81ED-4DB2-BD59-A6C34878D82A}">
-                    <a16:rowId xmlns:a16="http://schemas.microsoft.com/office/drawing/2014/main" val="10010"/>
-                  </a:ext>
-                </a:extLst>
-              </a:tr>
-              <a:tr h="254000">
-                <a:tc>
-                  <a:txBody>
-                    <a:bodyPr/>
-                    <a:lstStyle/>
-                    <a:p>
-                      <a:pPr algn="l">
-                        <a:defRPr/>
-                      </a:pPr>
-                      <a:r>
-                        <a:rPr lang="en-US" sz="800">
-                          <a:solidFill>
-                            <a:srgbClr val="000000"/>
-                          </a:solidFill>
-                        </a:rPr>
-                        <a:t>Scenario 11: threads=15,1kb,unique keys</a:t>
-                      </a:r>
-                      <a:endParaRPr lang="en-US" sz="1100"/>
-                    </a:p>
-                  </a:txBody>
-                  <a:tcPr>
-                    <a:lnL cap="flat" cmpd="sng" algn="ctr">
-                      <a:solidFill>
-                        <a:srgbClr val="000000"/>
-                      </a:solidFill>
-                      <a:prstDash val="solid"/>
-                      <a:round/>
-                      <a:headEnd type="none" w="med" len="med"/>
-                      <a:tailEnd type="none" w="med" len="med"/>
-                    </a:lnL>
-                    <a:lnR cap="flat" cmpd="sng" algn="ctr">
-                      <a:solidFill>
-                        <a:srgbClr val="000000"/>
-                      </a:solidFill>
-                      <a:prstDash val="solid"/>
-                      <a:round/>
-                      <a:headEnd type="none" w="med" len="med"/>
-                      <a:tailEnd type="none" w="med" len="med"/>
-                    </a:lnR>
-                    <a:lnT cap="flat" cmpd="sng" algn="ctr">
-                      <a:solidFill>
-                        <a:srgbClr val="000000"/>
-                      </a:solidFill>
-                      <a:prstDash val="solid"/>
-                      <a:round/>
-                      <a:headEnd type="none" w="med" len="med"/>
-                      <a:tailEnd type="none" w="med" len="med"/>
-                    </a:lnT>
-                    <a:lnB cap="flat" cmpd="sng" algn="ctr">
-                      <a:solidFill>
-                        <a:srgbClr val="000000"/>
-                      </a:solidFill>
-                      <a:prstDash val="solid"/>
-                      <a:round/>
-                      <a:headEnd type="none" w="med" len="med"/>
-                      <a:tailEnd type="none" w="med" len="med"/>
-                    </a:lnB>
-                    <a:solidFill>
-                      <a:srgbClr val="FFFFFF"/>
-                    </a:solidFill>
-                  </a:tcPr>
-                </a:tc>
-                <a:tc>
-                  <a:txBody>
-                    <a:bodyPr/>
-                    <a:lstStyle/>
-                    <a:p>
-                      <a:pPr algn="l">
-                        <a:defRPr/>
-                      </a:pPr>
-                      <a:r>
-                        <a:rPr lang="en-US" sz="800">
-                          <a:solidFill>
-                            <a:srgbClr val="000000"/>
-                          </a:solidFill>
-                        </a:rPr>
-                        <a:t>1311916.0</a:t>
-                      </a:r>
-                      <a:endParaRPr lang="en-US" sz="1100"/>
-                    </a:p>
-                  </a:txBody>
-                  <a:tcPr>
-                    <a:lnL cap="flat" cmpd="sng" algn="ctr">
-                      <a:solidFill>
-                        <a:srgbClr val="000000"/>
-                      </a:solidFill>
-                      <a:prstDash val="solid"/>
-                      <a:round/>
-                      <a:headEnd type="none" w="med" len="med"/>
-                      <a:tailEnd type="none" w="med" len="med"/>
-                    </a:lnL>
-                    <a:lnR cap="flat" cmpd="sng" algn="ctr">
-                      <a:solidFill>
-                        <a:srgbClr val="000000"/>
-                      </a:solidFill>
-                      <a:prstDash val="solid"/>
-                      <a:round/>
-                      <a:headEnd type="none" w="med" len="med"/>
-                      <a:tailEnd type="none" w="med" len="med"/>
-                    </a:lnR>
-                    <a:lnT cap="flat" cmpd="sng" algn="ctr">
-                      <a:solidFill>
-                        <a:srgbClr val="000000"/>
-                      </a:solidFill>
-                      <a:prstDash val="solid"/>
-                      <a:round/>
-                      <a:headEnd type="none" w="med" len="med"/>
-                      <a:tailEnd type="none" w="med" len="med"/>
-                    </a:lnT>
-                    <a:lnB cap="flat" cmpd="sng" algn="ctr">
-                      <a:solidFill>
-                        <a:srgbClr val="000000"/>
-                      </a:solidFill>
-                      <a:prstDash val="solid"/>
-                      <a:round/>
-                      <a:headEnd type="none" w="med" len="med"/>
-                      <a:tailEnd type="none" w="med" len="med"/>
-                    </a:lnB>
-                    <a:solidFill>
-                      <a:srgbClr val="FFFFFF"/>
-                    </a:solidFill>
-                  </a:tcPr>
-                </a:tc>
-                <a:tc>
-                  <a:txBody>
-                    <a:bodyPr/>
-                    <a:lstStyle/>
-                    <a:p>
-                      <a:pPr algn="l">
-                        <a:defRPr/>
-                      </a:pPr>
-                      <a:r>
-                        <a:rPr lang="en-US" sz="800">
-                          <a:solidFill>
-                            <a:srgbClr val="000000"/>
-                          </a:solidFill>
-                        </a:rPr>
-                        <a:t>0.00</a:t>
-                      </a:r>
-                      <a:endParaRPr lang="en-US" sz="1100"/>
-                    </a:p>
-                  </a:txBody>
-                  <a:tcPr>
-                    <a:lnL cap="flat" cmpd="sng" algn="ctr">
-                      <a:solidFill>
-                        <a:srgbClr val="000000"/>
-                      </a:solidFill>
-                      <a:prstDash val="solid"/>
-                      <a:round/>
-                      <a:headEnd type="none" w="med" len="med"/>
-                      <a:tailEnd type="none" w="med" len="med"/>
-                    </a:lnL>
-                    <a:lnR cap="flat" cmpd="sng" algn="ctr">
-                      <a:solidFill>
-                        <a:srgbClr val="000000"/>
-                      </a:solidFill>
-                      <a:prstDash val="solid"/>
-                      <a:round/>
-                      <a:headEnd type="none" w="med" len="med"/>
-                      <a:tailEnd type="none" w="med" len="med"/>
-                    </a:lnR>
-                    <a:lnT cap="flat" cmpd="sng" algn="ctr">
-                      <a:solidFill>
-                        <a:srgbClr val="000000"/>
-                      </a:solidFill>
-                      <a:prstDash val="solid"/>
-                      <a:round/>
-                      <a:headEnd type="none" w="med" len="med"/>
-                      <a:tailEnd type="none" w="med" len="med"/>
-                    </a:lnT>
-                    <a:lnB cap="flat" cmpd="sng" algn="ctr">
-                      <a:solidFill>
-                        <a:srgbClr val="000000"/>
-                      </a:solidFill>
-                      <a:prstDash val="solid"/>
-                      <a:round/>
-                      <a:headEnd type="none" w="med" len="med"/>
-                      <a:tailEnd type="none" w="med" len="med"/>
-                    </a:lnB>
-                    <a:solidFill>
-                      <a:srgbClr val="FFFFFF"/>
-                    </a:solidFill>
-                  </a:tcPr>
-                </a:tc>
-                <a:tc>
-                  <a:txBody>
-                    <a:bodyPr/>
-                    <a:lstStyle/>
-                    <a:p>
-                      <a:pPr algn="l">
-                        <a:defRPr/>
-                      </a:pPr>
-                      <a:r>
-                        <a:rPr lang="en-US" sz="800">
-                          <a:solidFill>
-                            <a:srgbClr val="000000"/>
-                          </a:solidFill>
-                        </a:rPr>
-                        <a:t>486.10</a:t>
-                      </a:r>
-                      <a:endParaRPr lang="en-US" sz="1100"/>
-                    </a:p>
-                  </a:txBody>
-                  <a:tcPr>
-                    <a:lnL cap="flat" cmpd="sng" algn="ctr">
-                      <a:solidFill>
-                        <a:srgbClr val="000000"/>
-                      </a:solidFill>
-                      <a:prstDash val="solid"/>
-                      <a:round/>
-                      <a:headEnd type="none" w="med" len="med"/>
-                      <a:tailEnd type="none" w="med" len="med"/>
-                    </a:lnL>
-                    <a:lnR cap="flat" cmpd="sng" algn="ctr">
-                      <a:solidFill>
-                        <a:srgbClr val="000000"/>
-                      </a:solidFill>
-                      <a:prstDash val="solid"/>
-                      <a:round/>
-                      <a:headEnd type="none" w="med" len="med"/>
-                      <a:tailEnd type="none" w="med" len="med"/>
-                    </a:lnR>
-                    <a:lnT cap="flat" cmpd="sng" algn="ctr">
-                      <a:solidFill>
-                        <a:srgbClr val="000000"/>
-                      </a:solidFill>
-                      <a:prstDash val="solid"/>
-                      <a:round/>
-                      <a:headEnd type="none" w="med" len="med"/>
-                      <a:tailEnd type="none" w="med" len="med"/>
-                    </a:lnT>
-                    <a:lnB cap="flat" cmpd="sng" algn="ctr">
-                      <a:solidFill>
-                        <a:srgbClr val="000000"/>
-                      </a:solidFill>
-                      <a:prstDash val="solid"/>
-                      <a:round/>
-                      <a:headEnd type="none" w="med" len="med"/>
-                      <a:tailEnd type="none" w="med" len="med"/>
-                    </a:lnB>
-                    <a:solidFill>
-                      <a:srgbClr val="FFFFFF"/>
-                    </a:solidFill>
-                  </a:tcPr>
-                </a:tc>
-                <a:tc>
-                  <a:txBody>
-                    <a:bodyPr/>
-                    <a:lstStyle/>
-                    <a:p>
-                      <a:pPr algn="l">
-                        <a:defRPr/>
-                      </a:pPr>
-                      <a:r>
-                        <a:rPr lang="en-US" sz="800">
-                          <a:solidFill>
-                            <a:srgbClr val="000000"/>
-                          </a:solidFill>
-                        </a:rPr>
-                        <a:t>2.20</a:t>
-                      </a:r>
-                      <a:endParaRPr lang="en-US" sz="1100"/>
-                    </a:p>
-                  </a:txBody>
-                  <a:tcPr>
-                    <a:lnL cap="flat" cmpd="sng" algn="ctr">
-                      <a:solidFill>
-                        <a:srgbClr val="000000"/>
-                      </a:solidFill>
-                      <a:prstDash val="solid"/>
-                      <a:round/>
-                      <a:headEnd type="none" w="med" len="med"/>
-                      <a:tailEnd type="none" w="med" len="med"/>
-                    </a:lnL>
-                    <a:lnR cap="flat" cmpd="sng" algn="ctr">
-                      <a:solidFill>
-                        <a:srgbClr val="000000"/>
-                      </a:solidFill>
-                      <a:prstDash val="solid"/>
-                      <a:round/>
-                      <a:headEnd type="none" w="med" len="med"/>
-                      <a:tailEnd type="none" w="med" len="med"/>
-                    </a:lnR>
-                    <a:lnT cap="flat" cmpd="sng" algn="ctr">
-                      <a:solidFill>
-                        <a:srgbClr val="000000"/>
-                      </a:solidFill>
-                      <a:prstDash val="solid"/>
-                      <a:round/>
-                      <a:headEnd type="none" w="med" len="med"/>
-                      <a:tailEnd type="none" w="med" len="med"/>
-                    </a:lnT>
-                    <a:lnB cap="flat" cmpd="sng" algn="ctr">
-                      <a:solidFill>
-                        <a:srgbClr val="000000"/>
-                      </a:solidFill>
-                      <a:prstDash val="solid"/>
-                      <a:round/>
-                      <a:headEnd type="none" w="med" len="med"/>
-                      <a:tailEnd type="none" w="med" len="med"/>
-                    </a:lnB>
-                    <a:solidFill>
-                      <a:srgbClr val="FFFFFF"/>
-                    </a:solidFill>
-                  </a:tcPr>
-                </a:tc>
-                <a:tc>
-                  <a:txBody>
-                    <a:bodyPr/>
-                    <a:lstStyle/>
-                    <a:p>
-                      <a:pPr algn="l">
-                        <a:defRPr/>
-                      </a:pPr>
-                      <a:r>
-                        <a:rPr lang="en-US" sz="800">
-                          <a:solidFill>
-                            <a:srgbClr val="000000"/>
-                          </a:solidFill>
-                        </a:rPr>
-                        <a:t>2.00</a:t>
-                      </a:r>
-                      <a:endParaRPr lang="en-US" sz="1100"/>
-                    </a:p>
-                  </a:txBody>
-                  <a:tcPr>
-                    <a:lnL cap="flat" cmpd="sng" algn="ctr">
-                      <a:solidFill>
-                        <a:srgbClr val="000000"/>
-                      </a:solidFill>
-                      <a:prstDash val="solid"/>
-                      <a:round/>
-                      <a:headEnd type="none" w="med" len="med"/>
-                      <a:tailEnd type="none" w="med" len="med"/>
-                    </a:lnL>
-                    <a:lnR cap="flat" cmpd="sng" algn="ctr">
-                      <a:solidFill>
-                        <a:srgbClr val="000000"/>
-                      </a:solidFill>
-                      <a:prstDash val="solid"/>
-                      <a:round/>
-                      <a:headEnd type="none" w="med" len="med"/>
-                      <a:tailEnd type="none" w="med" len="med"/>
-                    </a:lnR>
-                    <a:lnT cap="flat" cmpd="sng" algn="ctr">
-                      <a:solidFill>
-                        <a:srgbClr val="000000"/>
-                      </a:solidFill>
-                      <a:prstDash val="solid"/>
-                      <a:round/>
-                      <a:headEnd type="none" w="med" len="med"/>
-                      <a:tailEnd type="none" w="med" len="med"/>
-                    </a:lnT>
-                    <a:lnB cap="flat" cmpd="sng" algn="ctr">
-                      <a:solidFill>
-                        <a:srgbClr val="000000"/>
-                      </a:solidFill>
-                      <a:prstDash val="solid"/>
-                      <a:round/>
-                      <a:headEnd type="none" w="med" len="med"/>
-                      <a:tailEnd type="none" w="med" len="med"/>
-                    </a:lnB>
-                    <a:solidFill>
-                      <a:srgbClr val="FFFFFF"/>
-                    </a:solidFill>
-                  </a:tcPr>
-                </a:tc>
-                <a:tc>
-                  <a:txBody>
-                    <a:bodyPr/>
-                    <a:lstStyle/>
-                    <a:p>
-                      <a:pPr algn="l">
-                        <a:defRPr/>
-                      </a:pPr>
-                      <a:r>
-                        <a:rPr lang="en-US" sz="800">
-                          <a:solidFill>
-                            <a:srgbClr val="000000"/>
-                          </a:solidFill>
-                        </a:rPr>
-                        <a:t>2.10</a:t>
-                      </a:r>
-                      <a:endParaRPr lang="en-US" sz="1100"/>
-                    </a:p>
-                  </a:txBody>
-                  <a:tcPr>
-                    <a:lnL cap="flat" cmpd="sng" algn="ctr">
-                      <a:solidFill>
-                        <a:srgbClr val="000000"/>
-                      </a:solidFill>
-                      <a:prstDash val="solid"/>
-                      <a:round/>
-                      <a:headEnd type="none" w="med" len="med"/>
-                      <a:tailEnd type="none" w="med" len="med"/>
-                    </a:lnL>
-                    <a:lnR cap="flat" cmpd="sng" algn="ctr">
-                      <a:solidFill>
-                        <a:srgbClr val="000000"/>
-                      </a:solidFill>
-                      <a:prstDash val="solid"/>
-                      <a:round/>
-                      <a:headEnd type="none" w="med" len="med"/>
-                      <a:tailEnd type="none" w="med" len="med"/>
-                    </a:lnR>
-                    <a:lnT cap="flat" cmpd="sng" algn="ctr">
-                      <a:solidFill>
-                        <a:srgbClr val="000000"/>
-                      </a:solidFill>
-                      <a:prstDash val="solid"/>
-                      <a:round/>
-                      <a:headEnd type="none" w="med" len="med"/>
-                      <a:tailEnd type="none" w="med" len="med"/>
-                    </a:lnT>
-                    <a:lnB cap="flat" cmpd="sng" algn="ctr">
-                      <a:solidFill>
-                        <a:srgbClr val="000000"/>
-                      </a:solidFill>
-                      <a:prstDash val="solid"/>
-                      <a:round/>
-                      <a:headEnd type="none" w="med" len="med"/>
-                      <a:tailEnd type="none" w="med" len="med"/>
-                    </a:lnB>
-                    <a:solidFill>
-                      <a:srgbClr val="FFFFFF"/>
-                    </a:solidFill>
-                  </a:tcPr>
-                </a:tc>
-                <a:extLst>
-                  <a:ext uri="{0D108BD9-81ED-4DB2-BD59-A6C34878D82A}">
-                    <a16:rowId xmlns:a16="http://schemas.microsoft.com/office/drawing/2014/main" val="10011"/>
-                  </a:ext>
-                </a:extLst>
-              </a:tr>
-              <a:tr h="254000">
-                <a:tc>
-                  <a:txBody>
-                    <a:bodyPr/>
-                    <a:lstStyle/>
-                    <a:p>
-                      <a:pPr algn="l">
-                        <a:defRPr/>
-                      </a:pPr>
-                      <a:r>
-                        <a:rPr lang="en-US" sz="800">
-                          <a:solidFill>
-                            <a:srgbClr val="000000"/>
-                          </a:solidFill>
-                        </a:rPr>
-                        <a:t>Scenario 12: threads=15,1kb,shared key</a:t>
-                      </a:r>
-                      <a:endParaRPr lang="en-US" sz="1100"/>
-                    </a:p>
-                  </a:txBody>
-                  <a:tcPr>
-                    <a:lnL cap="flat" cmpd="sng" algn="ctr">
-                      <a:solidFill>
-                        <a:srgbClr val="000000"/>
-                      </a:solidFill>
-                      <a:prstDash val="solid"/>
-                      <a:round/>
-                      <a:headEnd type="none" w="med" len="med"/>
-                      <a:tailEnd type="none" w="med" len="med"/>
-                    </a:lnL>
-                    <a:lnR cap="flat" cmpd="sng" algn="ctr">
-                      <a:solidFill>
-                        <a:srgbClr val="000000"/>
-                      </a:solidFill>
-                      <a:prstDash val="solid"/>
-                      <a:round/>
-                      <a:headEnd type="none" w="med" len="med"/>
-                      <a:tailEnd type="none" w="med" len="med"/>
-                    </a:lnR>
-                    <a:lnT cap="flat" cmpd="sng" algn="ctr">
-                      <a:solidFill>
-                        <a:srgbClr val="000000"/>
-                      </a:solidFill>
-                      <a:prstDash val="solid"/>
-                      <a:round/>
-                      <a:headEnd type="none" w="med" len="med"/>
-                      <a:tailEnd type="none" w="med" len="med"/>
-                    </a:lnT>
-                    <a:lnB cap="flat" cmpd="sng" algn="ctr">
-                      <a:solidFill>
-                        <a:srgbClr val="000000"/>
-                      </a:solidFill>
-                      <a:prstDash val="solid"/>
-                      <a:round/>
-                      <a:headEnd type="none" w="med" len="med"/>
-                      <a:tailEnd type="none" w="med" len="med"/>
-                    </a:lnB>
-                    <a:solidFill>
-                      <a:srgbClr val="FFFFFF"/>
-                    </a:solidFill>
-                  </a:tcPr>
-                </a:tc>
-                <a:tc>
-                  <a:txBody>
-                    <a:bodyPr/>
-                    <a:lstStyle/>
-                    <a:p>
-                      <a:pPr algn="l">
-                        <a:defRPr/>
-                      </a:pPr>
-                      <a:r>
-                        <a:rPr lang="en-US" sz="800">
-                          <a:solidFill>
-                            <a:srgbClr val="000000"/>
-                          </a:solidFill>
-                        </a:rPr>
-                        <a:t>1402140.0</a:t>
-                      </a:r>
-                      <a:endParaRPr lang="en-US" sz="1100"/>
-                    </a:p>
-                  </a:txBody>
-                  <a:tcPr>
-                    <a:lnL cap="flat" cmpd="sng" algn="ctr">
-                      <a:solidFill>
-                        <a:srgbClr val="000000"/>
-                      </a:solidFill>
-                      <a:prstDash val="solid"/>
-                      <a:round/>
-                      <a:headEnd type="none" w="med" len="med"/>
-                      <a:tailEnd type="none" w="med" len="med"/>
-                    </a:lnL>
-                    <a:lnR cap="flat" cmpd="sng" algn="ctr">
-                      <a:solidFill>
-                        <a:srgbClr val="000000"/>
-                      </a:solidFill>
-                      <a:prstDash val="solid"/>
-                      <a:round/>
-                      <a:headEnd type="none" w="med" len="med"/>
-                      <a:tailEnd type="none" w="med" len="med"/>
-                    </a:lnR>
-                    <a:lnT cap="flat" cmpd="sng" algn="ctr">
-                      <a:solidFill>
-                        <a:srgbClr val="000000"/>
-                      </a:solidFill>
-                      <a:prstDash val="solid"/>
-                      <a:round/>
-                      <a:headEnd type="none" w="med" len="med"/>
-                      <a:tailEnd type="none" w="med" len="med"/>
-                    </a:lnT>
-                    <a:lnB cap="flat" cmpd="sng" algn="ctr">
-                      <a:solidFill>
-                        <a:srgbClr val="000000"/>
-                      </a:solidFill>
-                      <a:prstDash val="solid"/>
-                      <a:round/>
-                      <a:headEnd type="none" w="med" len="med"/>
-                      <a:tailEnd type="none" w="med" len="med"/>
-                    </a:lnB>
-                    <a:solidFill>
-                      <a:srgbClr val="FFFFFF"/>
-                    </a:solidFill>
-                  </a:tcPr>
-                </a:tc>
-                <a:tc>
-                  <a:txBody>
-                    <a:bodyPr/>
-                    <a:lstStyle/>
-                    <a:p>
-                      <a:pPr algn="l">
-                        <a:defRPr/>
-                      </a:pPr>
-                      <a:r>
-                        <a:rPr lang="en-US" sz="800">
-                          <a:solidFill>
-                            <a:srgbClr val="000000"/>
-                          </a:solidFill>
-                        </a:rPr>
-                        <a:t>0.00</a:t>
-                      </a:r>
-                      <a:endParaRPr lang="en-US" sz="1100"/>
-                    </a:p>
-                  </a:txBody>
-                  <a:tcPr>
-                    <a:lnL cap="flat" cmpd="sng" algn="ctr">
-                      <a:solidFill>
-                        <a:srgbClr val="000000"/>
-                      </a:solidFill>
-                      <a:prstDash val="solid"/>
-                      <a:round/>
-                      <a:headEnd type="none" w="med" len="med"/>
-                      <a:tailEnd type="none" w="med" len="med"/>
-                    </a:lnL>
-                    <a:lnR cap="flat" cmpd="sng" algn="ctr">
-                      <a:solidFill>
-                        <a:srgbClr val="000000"/>
-                      </a:solidFill>
-                      <a:prstDash val="solid"/>
-                      <a:round/>
-                      <a:headEnd type="none" w="med" len="med"/>
-                      <a:tailEnd type="none" w="med" len="med"/>
-                    </a:lnR>
-                    <a:lnT cap="flat" cmpd="sng" algn="ctr">
-                      <a:solidFill>
-                        <a:srgbClr val="000000"/>
-                      </a:solidFill>
-                      <a:prstDash val="solid"/>
-                      <a:round/>
-                      <a:headEnd type="none" w="med" len="med"/>
-                      <a:tailEnd type="none" w="med" len="med"/>
-                    </a:lnT>
-                    <a:lnB cap="flat" cmpd="sng" algn="ctr">
-                      <a:solidFill>
-                        <a:srgbClr val="000000"/>
-                      </a:solidFill>
-                      <a:prstDash val="solid"/>
-                      <a:round/>
-                      <a:headEnd type="none" w="med" len="med"/>
-                      <a:tailEnd type="none" w="med" len="med"/>
-                    </a:lnB>
-                    <a:solidFill>
-                      <a:srgbClr val="FFFFFF"/>
-                    </a:solidFill>
-                  </a:tcPr>
-                </a:tc>
-                <a:tc>
-                  <a:txBody>
-                    <a:bodyPr/>
-                    <a:lstStyle/>
-                    <a:p>
-                      <a:pPr algn="l">
-                        <a:defRPr/>
-                      </a:pPr>
-                      <a:r>
-                        <a:rPr lang="en-US" sz="800">
-                          <a:solidFill>
-                            <a:srgbClr val="000000"/>
-                          </a:solidFill>
-                        </a:rPr>
-                        <a:t>519.50</a:t>
-                      </a:r>
-                      <a:endParaRPr lang="en-US" sz="1100"/>
-                    </a:p>
-                  </a:txBody>
-                  <a:tcPr>
-                    <a:lnL cap="flat" cmpd="sng" algn="ctr">
-                      <a:solidFill>
-                        <a:srgbClr val="000000"/>
-                      </a:solidFill>
-                      <a:prstDash val="solid"/>
-                      <a:round/>
-                      <a:headEnd type="none" w="med" len="med"/>
-                      <a:tailEnd type="none" w="med" len="med"/>
-                    </a:lnL>
-                    <a:lnR cap="flat" cmpd="sng" algn="ctr">
-                      <a:solidFill>
-                        <a:srgbClr val="000000"/>
-                      </a:solidFill>
-                      <a:prstDash val="solid"/>
-                      <a:round/>
-                      <a:headEnd type="none" w="med" len="med"/>
-                      <a:tailEnd type="none" w="med" len="med"/>
-                    </a:lnR>
-                    <a:lnT cap="flat" cmpd="sng" algn="ctr">
-                      <a:solidFill>
-                        <a:srgbClr val="000000"/>
-                      </a:solidFill>
-                      <a:prstDash val="solid"/>
-                      <a:round/>
-                      <a:headEnd type="none" w="med" len="med"/>
-                      <a:tailEnd type="none" w="med" len="med"/>
-                    </a:lnT>
-                    <a:lnB cap="flat" cmpd="sng" algn="ctr">
-                      <a:solidFill>
-                        <a:srgbClr val="000000"/>
-                      </a:solidFill>
-                      <a:prstDash val="solid"/>
-                      <a:round/>
-                      <a:headEnd type="none" w="med" len="med"/>
-                      <a:tailEnd type="none" w="med" len="med"/>
-                    </a:lnB>
-                    <a:solidFill>
-                      <a:srgbClr val="FFFFFF"/>
-                    </a:solidFill>
-                  </a:tcPr>
-                </a:tc>
-                <a:tc>
-                  <a:txBody>
-                    <a:bodyPr/>
-                    <a:lstStyle/>
-                    <a:p>
-                      <a:pPr algn="l">
-                        <a:defRPr/>
-                      </a:pPr>
-                      <a:r>
-                        <a:rPr lang="en-US" sz="800">
-                          <a:solidFill>
-                            <a:srgbClr val="000000"/>
-                          </a:solidFill>
-                        </a:rPr>
-                        <a:t>2.00</a:t>
-                      </a:r>
-                      <a:endParaRPr lang="en-US" sz="1100"/>
-                    </a:p>
-                  </a:txBody>
-                  <a:tcPr>
-                    <a:lnL cap="flat" cmpd="sng" algn="ctr">
-                      <a:solidFill>
-                        <a:srgbClr val="000000"/>
-                      </a:solidFill>
-                      <a:prstDash val="solid"/>
-                      <a:round/>
-                      <a:headEnd type="none" w="med" len="med"/>
-                      <a:tailEnd type="none" w="med" len="med"/>
-                    </a:lnL>
-                    <a:lnR cap="flat" cmpd="sng" algn="ctr">
-                      <a:solidFill>
-                        <a:srgbClr val="000000"/>
-                      </a:solidFill>
-                      <a:prstDash val="solid"/>
-                      <a:round/>
-                      <a:headEnd type="none" w="med" len="med"/>
-                      <a:tailEnd type="none" w="med" len="med"/>
-                    </a:lnR>
-                    <a:lnT cap="flat" cmpd="sng" algn="ctr">
-                      <a:solidFill>
-                        <a:srgbClr val="000000"/>
-                      </a:solidFill>
-                      <a:prstDash val="solid"/>
-                      <a:round/>
-                      <a:headEnd type="none" w="med" len="med"/>
-                      <a:tailEnd type="none" w="med" len="med"/>
-                    </a:lnT>
-                    <a:lnB cap="flat" cmpd="sng" algn="ctr">
-                      <a:solidFill>
-                        <a:srgbClr val="000000"/>
-                      </a:solidFill>
-                      <a:prstDash val="solid"/>
-                      <a:round/>
-                      <a:headEnd type="none" w="med" len="med"/>
-                      <a:tailEnd type="none" w="med" len="med"/>
-                    </a:lnB>
-                    <a:solidFill>
-                      <a:srgbClr val="FFFFFF"/>
-                    </a:solidFill>
-                  </a:tcPr>
-                </a:tc>
-                <a:tc>
-                  <a:txBody>
-                    <a:bodyPr/>
-                    <a:lstStyle/>
-                    <a:p>
-                      <a:pPr algn="l">
-                        <a:defRPr/>
-                      </a:pPr>
-                      <a:r>
-                        <a:rPr lang="en-US" sz="800">
-                          <a:solidFill>
-                            <a:srgbClr val="000000"/>
-                          </a:solidFill>
-                        </a:rPr>
-                        <a:t>1.90</a:t>
-                      </a:r>
-                      <a:endParaRPr lang="en-US" sz="1100"/>
-                    </a:p>
-                  </a:txBody>
-                  <a:tcPr>
-                    <a:lnL cap="flat" cmpd="sng" algn="ctr">
-                      <a:solidFill>
-                        <a:srgbClr val="000000"/>
-                      </a:solidFill>
-                      <a:prstDash val="solid"/>
-                      <a:round/>
-                      <a:headEnd type="none" w="med" len="med"/>
-                      <a:tailEnd type="none" w="med" len="med"/>
-                    </a:lnL>
-                    <a:lnR cap="flat" cmpd="sng" algn="ctr">
-                      <a:solidFill>
-                        <a:srgbClr val="000000"/>
-                      </a:solidFill>
-                      <a:prstDash val="solid"/>
-                      <a:round/>
-                      <a:headEnd type="none" w="med" len="med"/>
-                      <a:tailEnd type="none" w="med" len="med"/>
-                    </a:lnR>
-                    <a:lnT cap="flat" cmpd="sng" algn="ctr">
-                      <a:solidFill>
-                        <a:srgbClr val="000000"/>
-                      </a:solidFill>
-                      <a:prstDash val="solid"/>
-                      <a:round/>
-                      <a:headEnd type="none" w="med" len="med"/>
-                      <a:tailEnd type="none" w="med" len="med"/>
-                    </a:lnT>
-                    <a:lnB cap="flat" cmpd="sng" algn="ctr">
-                      <a:solidFill>
-                        <a:srgbClr val="000000"/>
-                      </a:solidFill>
-                      <a:prstDash val="solid"/>
-                      <a:round/>
-                      <a:headEnd type="none" w="med" len="med"/>
-                      <a:tailEnd type="none" w="med" len="med"/>
-                    </a:lnB>
-                    <a:solidFill>
-                      <a:srgbClr val="FFFFFF"/>
-                    </a:solidFill>
-                  </a:tcPr>
-                </a:tc>
-                <a:tc>
-                  <a:txBody>
-                    <a:bodyPr/>
-                    <a:lstStyle/>
-                    <a:p>
-                      <a:pPr algn="l">
-                        <a:defRPr/>
-                      </a:pPr>
-                      <a:r>
-                        <a:rPr lang="en-US" sz="800">
-                          <a:solidFill>
-                            <a:srgbClr val="000000"/>
-                          </a:solidFill>
-                        </a:rPr>
-                        <a:t>1.90</a:t>
-                      </a:r>
-                      <a:endParaRPr lang="en-US" sz="1100"/>
-                    </a:p>
-                  </a:txBody>
-                  <a:tcPr>
-                    <a:lnL cap="flat" cmpd="sng" algn="ctr">
-                      <a:solidFill>
-                        <a:srgbClr val="000000"/>
-                      </a:solidFill>
-                      <a:prstDash val="solid"/>
-                      <a:round/>
-                      <a:headEnd type="none" w="med" len="med"/>
-                      <a:tailEnd type="none" w="med" len="med"/>
-                    </a:lnL>
-                    <a:lnR cap="flat" cmpd="sng" algn="ctr">
-                      <a:solidFill>
-                        <a:srgbClr val="000000"/>
-                      </a:solidFill>
-                      <a:prstDash val="solid"/>
-                      <a:round/>
-                      <a:headEnd type="none" w="med" len="med"/>
-                      <a:tailEnd type="none" w="med" len="med"/>
-                    </a:lnR>
-                    <a:lnT cap="flat" cmpd="sng" algn="ctr">
-                      <a:solidFill>
-                        <a:srgbClr val="000000"/>
-                      </a:solidFill>
-                      <a:prstDash val="solid"/>
-                      <a:round/>
-                      <a:headEnd type="none" w="med" len="med"/>
-                      <a:tailEnd type="none" w="med" len="med"/>
-                    </a:lnT>
-                    <a:lnB cap="flat" cmpd="sng" algn="ctr">
-                      <a:solidFill>
-                        <a:srgbClr val="000000"/>
-                      </a:solidFill>
-                      <a:prstDash val="solid"/>
-                      <a:round/>
-                      <a:headEnd type="none" w="med" len="med"/>
-                      <a:tailEnd type="none" w="med" len="med"/>
-                    </a:lnB>
-                    <a:solidFill>
-                      <a:srgbClr val="FFFFFF"/>
-                    </a:solidFill>
-                  </a:tcPr>
-                </a:tc>
-                <a:extLst>
-                  <a:ext uri="{0D108BD9-81ED-4DB2-BD59-A6C34878D82A}">
-                    <a16:rowId xmlns:a16="http://schemas.microsoft.com/office/drawing/2014/main" val="10012"/>
-                  </a:ext>
-                </a:extLst>
-              </a:tr>
             </a:tbl>
           </a:graphicData>
         </a:graphic>
       </p:graphicFrame>
-    </p:spTree>
-  </p:cSld>
-  <p:clrMapOvr>
-    <a:masterClrMapping/>
-  </p:clrMapOvr>
-</p:sld>
-</file>
-
-<file path=ppt/slides/slide8.xml><?xml version="1.0" encoding="utf-8"?>
-<p:sld xmlns:a="http://schemas.openxmlformats.org/drawingml/2006/main" xmlns:r="http://schemas.openxmlformats.org/officeDocument/2006/relationships" xmlns:p="http://schemas.openxmlformats.org/presentationml/2006/main">
-  <p:cSld>
-    <p:spTree>
-      <p:nvGrpSpPr>
-        <p:cNvPr id="1" name=""/>
-        <p:cNvGrpSpPr/>
-        <p:nvPr/>
-      </p:nvGrpSpPr>
-      <p:grpSpPr>
-        <a:xfrm>
-          <a:off x="0" y="0"/>
-          <a:ext cx="0" cy="0"/>
-          <a:chOff x="0" y="0"/>
-          <a:chExt cx="0" cy="0"/>
-        </a:xfrm>
-      </p:grpSpPr>
-      <p:sp>
-        <p:nvSpPr>
-          <p:cNvPr id="2" name="TextBox 2"/>
-          <p:cNvSpPr txBox="1"/>
-          <p:nvPr/>
-        </p:nvSpPr>
-        <p:spPr>
-          <a:xfrm>
-            <a:off x="1397000" y="0"/>
-            <a:ext cx="6350000" cy="635000"/>
-          </a:xfrm>
-          <a:prstGeom prst="rect">
-            <a:avLst/>
-          </a:prstGeom>
-        </p:spPr>
-        <p:txBody>
-          <a:bodyPr rtlCol="0" anchor="t" anchorCtr="1"/>
-          <a:lstStyle/>
-          <a:p>
-            <a:pPr algn="l">
-              <a:defRPr/>
-            </a:pPr>
-            <a:endParaRPr/>
-          </a:p>
-          <a:p>
-            <a:pPr algn="l">
-              <a:defRPr/>
-            </a:pPr>
-            <a:r>
-              <a:rPr lang="en-US" sz="3000">
-                <a:solidFill>
-                  <a:srgbClr val="000000"/>
-                </a:solidFill>
-              </a:rPr>
-              <a:t>Connection Pool Tests Results</a:t>
-            </a:r>
-          </a:p>
-        </p:txBody>
-      </p:sp>
       <p:graphicFrame>
         <p:nvGraphicFramePr>
-          <p:cNvPr id="3" name="Table 3"/>
+          <p:cNvPr id="4" name="Table 3"/>
           <p:cNvGraphicFramePr>
             <a:graphicFrameLocks noGrp="1"/>
           </p:cNvGraphicFramePr>
           <p:nvPr/>
         </p:nvGraphicFramePr>
         <p:xfrm>
-          <a:off x="1397000" y="1270000"/>
+          <a:off x="1397000" y="2032000"/>
           <a:ext cx="6223000" cy="1828800"/>
         </p:xfrm>
         <a:graphic>
@@ -11533,14 +6828,30 @@
                         <a:defRPr/>
                       </a:pPr>
                       <a:r>
-                        <a:rPr lang="en-US" sz="800">
+                        <a:rPr lang="en-US" sz="800" dirty="0">
                           <a:solidFill>
                             <a:srgbClr val="000000"/>
                           </a:solidFill>
                         </a:rPr>
-                        <a:t>Average GET Latency (ms)</a:t>
+                        <a:t>Average GET Latency (</a:t>
                       </a:r>
-                      <a:endParaRPr lang="en-US" sz="1100"/>
+                      <a:r>
+                        <a:rPr lang="en-US" sz="800" dirty="0" err="1">
+                          <a:solidFill>
+                            <a:srgbClr val="000000"/>
+                          </a:solidFill>
+                        </a:rPr>
+                        <a:t>ms</a:t>
+                      </a:r>
+                      <a:r>
+                        <a:rPr lang="en-US" sz="800" dirty="0">
+                          <a:solidFill>
+                            <a:srgbClr val="000000"/>
+                          </a:solidFill>
+                        </a:rPr>
+                        <a:t>)</a:t>
+                      </a:r>
+                      <a:endParaRPr lang="en-US" sz="1100" dirty="0"/>
                     </a:p>
                   </a:txBody>
                   <a:tcPr>
@@ -11667,7 +6978,7 @@
                             <a:srgbClr val="000000"/>
                           </a:solidFill>
                         </a:rPr>
-                        <a:t>Scenario 13: connections = 5 threads =10</a:t>
+                        <a:t>Scenario 1: threads=1,1kb,unique keys</a:t>
                       </a:r>
                       <a:endParaRPr lang="en-US" sz="1100"/>
                     </a:p>
@@ -11728,7 +7039,7 @@
                             <a:srgbClr val="000000"/>
                           </a:solidFill>
                         </a:rPr>
-                        <a:t>351116.0</a:t>
+                        <a:t>1261175.0</a:t>
                       </a:r>
                       <a:endParaRPr lang="en-US" sz="1100"/>
                     </a:p>
@@ -11789,7 +7100,7 @@
                             <a:srgbClr val="000000"/>
                           </a:solidFill>
                         </a:rPr>
-                        <a:t>0.00</a:t>
+                        <a:t>28.84</a:t>
                       </a:r>
                       <a:endParaRPr lang="en-US" sz="1100"/>
                     </a:p>
@@ -11850,7 +7161,7 @@
                             <a:srgbClr val="000000"/>
                           </a:solidFill>
                         </a:rPr>
-                        <a:t>195.10</a:t>
+                        <a:t>10.50</a:t>
                       </a:r>
                       <a:endParaRPr lang="en-US" sz="1100"/>
                     </a:p>
@@ -11911,7 +7222,7 @@
                             <a:srgbClr val="000000"/>
                           </a:solidFill>
                         </a:rPr>
-                        <a:t>6.70</a:t>
+                        <a:t>99.10</a:t>
                       </a:r>
                       <a:endParaRPr lang="en-US" sz="1100"/>
                     </a:p>
@@ -11972,7 +7283,7 @@
                             <a:srgbClr val="000000"/>
                           </a:solidFill>
                         </a:rPr>
-                        <a:t>4.60</a:t>
+                        <a:t>94.10</a:t>
                       </a:r>
                       <a:endParaRPr lang="en-US" sz="1100"/>
                     </a:p>
@@ -12033,7 +7344,7 @@
                             <a:srgbClr val="000000"/>
                           </a:solidFill>
                         </a:rPr>
-                        <a:t>5.10</a:t>
+                        <a:t>95.30</a:t>
                       </a:r>
                       <a:endParaRPr lang="en-US" sz="1100"/>
                     </a:p>
@@ -12101,7 +7412,7 @@
                             <a:srgbClr val="000000"/>
                           </a:solidFill>
                         </a:rPr>
-                        <a:t>Scenario 14: connections = 10 threads =10</a:t>
+                        <a:t>Scenario 2: threads=2,1kb,unique keys</a:t>
                       </a:r>
                       <a:endParaRPr lang="en-US" sz="1100"/>
                     </a:p>
@@ -12162,7 +7473,7 @@
                             <a:srgbClr val="000000"/>
                           </a:solidFill>
                         </a:rPr>
-                        <a:t>344472.0</a:t>
+                        <a:t>1925322.0</a:t>
                       </a:r>
                       <a:endParaRPr lang="en-US" sz="1100"/>
                     </a:p>
@@ -12223,7 +7534,7 @@
                             <a:srgbClr val="000000"/>
                           </a:solidFill>
                         </a:rPr>
-                        <a:t>0.00</a:t>
+                        <a:t>27.68</a:t>
                       </a:r>
                       <a:endParaRPr lang="en-US" sz="1100"/>
                     </a:p>
@@ -12284,7 +7595,7 @@
                             <a:srgbClr val="000000"/>
                           </a:solidFill>
                         </a:rPr>
-                        <a:t>191.40</a:t>
+                        <a:t>9.60</a:t>
                       </a:r>
                       <a:endParaRPr lang="en-US" sz="1100"/>
                     </a:p>
@@ -12345,7 +7656,7 @@
                             <a:srgbClr val="000000"/>
                           </a:solidFill>
                         </a:rPr>
-                        <a:t>6.80</a:t>
+                        <a:t>108.50</a:t>
                       </a:r>
                       <a:endParaRPr lang="en-US" sz="1100"/>
                     </a:p>
@@ -12406,7 +7717,7 @@
                             <a:srgbClr val="000000"/>
                           </a:solidFill>
                         </a:rPr>
-                        <a:t>4.70</a:t>
+                        <a:t>102.50</a:t>
                       </a:r>
                       <a:endParaRPr lang="en-US" sz="1100"/>
                     </a:p>
@@ -12467,7 +7778,7 @@
                             <a:srgbClr val="000000"/>
                           </a:solidFill>
                         </a:rPr>
-                        <a:t>5.20</a:t>
+                        <a:t>104.10</a:t>
                       </a:r>
                       <a:endParaRPr lang="en-US" sz="1100"/>
                     </a:p>
@@ -12535,7 +7846,7 @@
                             <a:srgbClr val="000000"/>
                           </a:solidFill>
                         </a:rPr>
-                        <a:t>Scenario 15: connections = 15 threads =10</a:t>
+                        <a:t>Scenario 3: threads=3,1kb,unique keys</a:t>
                       </a:r>
                       <a:endParaRPr lang="en-US" sz="1100"/>
                     </a:p>
@@ -12596,7 +7907,7 @@
                             <a:srgbClr val="000000"/>
                           </a:solidFill>
                         </a:rPr>
-                        <a:t>330048.0</a:t>
+                        <a:t>2462194.0</a:t>
                       </a:r>
                       <a:endParaRPr lang="en-US" sz="1100"/>
                     </a:p>
@@ -12657,7 +7968,7 @@
                             <a:srgbClr val="000000"/>
                           </a:solidFill>
                         </a:rPr>
-                        <a:t>0.00</a:t>
+                        <a:t>31.03</a:t>
                       </a:r>
                       <a:endParaRPr lang="en-US" sz="1100"/>
                     </a:p>
@@ -12718,7 +8029,7 @@
                             <a:srgbClr val="000000"/>
                           </a:solidFill>
                         </a:rPr>
-                        <a:t>183.40</a:t>
+                        <a:t>9.80</a:t>
                       </a:r>
                       <a:endParaRPr lang="en-US" sz="1100"/>
                     </a:p>
@@ -12779,7 +8090,7 @@
                             <a:srgbClr val="000000"/>
                           </a:solidFill>
                         </a:rPr>
-                        <a:t>6.90</a:t>
+                        <a:t>106.00</a:t>
                       </a:r>
                       <a:endParaRPr lang="en-US" sz="1100"/>
                     </a:p>
@@ -12840,7 +8151,7 @@
                             <a:srgbClr val="000000"/>
                           </a:solidFill>
                         </a:rPr>
-                        <a:t>5.00</a:t>
+                        <a:t>101.30</a:t>
                       </a:r>
                       <a:endParaRPr lang="en-US" sz="1100"/>
                     </a:p>
@@ -12896,14 +8207,14 @@
                         <a:defRPr/>
                       </a:pPr>
                       <a:r>
-                        <a:rPr lang="en-US" sz="800">
+                        <a:rPr lang="en-US" sz="800" dirty="0">
                           <a:solidFill>
                             <a:srgbClr val="000000"/>
                           </a:solidFill>
                         </a:rPr>
-                        <a:t>5.50</a:t>
+                        <a:t>102.50</a:t>
                       </a:r>
-                      <a:endParaRPr lang="en-US" sz="1100"/>
+                      <a:endParaRPr lang="en-US" sz="1100" dirty="0"/>
                     </a:p>
                   </a:txBody>
                   <a:tcPr>
@@ -12966,7 +8277,7 @@
 </p:sld>
 </file>
 
-<file path=ppt/slides/slide9.xml><?xml version="1.0" encoding="utf-8"?>
+<file path=ppt/slides/slide7.xml><?xml version="1.0" encoding="utf-8"?>
 <p:sld xmlns:a="http://schemas.openxmlformats.org/drawingml/2006/main" xmlns:r="http://schemas.openxmlformats.org/officeDocument/2006/relationships" xmlns:p="http://schemas.openxmlformats.org/presentationml/2006/main">
   <p:cSld>
     <p:spTree>
@@ -12985,7 +8296,7 @@
       </p:grpSpPr>
       <p:sp>
         <p:nvSpPr>
-          <p:cNvPr id="64" name="TextBox 2"/>
+          <p:cNvPr id="2" name="TextBox 2"/>
           <p:cNvSpPr txBox="1"/>
           <p:nvPr/>
         </p:nvSpPr>
@@ -13005,32 +8316,32 @@
             <a:pPr algn="l">
               <a:defRPr/>
             </a:pPr>
-            <a:endParaRPr dirty="0"/>
-          </a:p>
-          <a:p>
-            <a:pPr algn="l">
-              <a:defRPr/>
-            </a:pPr>
-            <a:r>
-              <a:rPr lang="en-US" sz="2000" dirty="0">
+            <a:endParaRPr/>
+          </a:p>
+          <a:p>
+            <a:pPr algn="l">
+              <a:defRPr/>
+            </a:pPr>
+            <a:r>
+              <a:rPr lang="en-US" sz="2000">
                 <a:solidFill>
                   <a:srgbClr val="000000"/>
                 </a:solidFill>
               </a:rPr>
-              <a:t>Findings, Suggestions and Conclusion</a:t>
-            </a:r>
-          </a:p>
-        </p:txBody>
-      </p:sp>
-      <p:sp>
-        <p:nvSpPr>
-          <p:cNvPr id="65" name="TextBox 3"/>
+              <a:t>Conclusion:</a:t>
+            </a:r>
+          </a:p>
+        </p:txBody>
+      </p:sp>
+      <p:sp>
+        <p:nvSpPr>
+          <p:cNvPr id="3" name="TextBox 3"/>
           <p:cNvSpPr txBox="1"/>
           <p:nvPr/>
         </p:nvSpPr>
         <p:spPr>
           <a:xfrm>
-            <a:off x="1397000" y="381000"/>
+            <a:off x="1397000" y="571500"/>
             <a:ext cx="6350000" cy="635000"/>
           </a:xfrm>
           <a:prstGeom prst="rect">
@@ -13038,7 +8349,7 @@
           </a:prstGeom>
         </p:spPr>
         <p:txBody>
-          <a:bodyPr rtlCol="0" anchor="t" anchorCtr="1"/>
+          <a:bodyPr rtlCol="0" anchor="t" anchorCtr="0"/>
           <a:lstStyle/>
           <a:p>
             <a:pPr algn="l">
@@ -13051,97 +8362,19 @@
               <a:defRPr/>
             </a:pPr>
             <a:r>
-              <a:rPr lang="en-US" sz="1800">
-                <a:solidFill>
-                  <a:srgbClr val="000000"/>
-                </a:solidFill>
-              </a:rPr>
-              <a:t>Findings:</a:t>
-            </a:r>
-          </a:p>
-        </p:txBody>
-      </p:sp>
-      <p:sp>
-        <p:nvSpPr>
-          <p:cNvPr id="66" name="TextBox 4"/>
-          <p:cNvSpPr txBox="1"/>
-          <p:nvPr/>
-        </p:nvSpPr>
-        <p:spPr>
-          <a:xfrm>
-            <a:off x="1397000" y="762000"/>
-            <a:ext cx="6350000" cy="635000"/>
-          </a:xfrm>
-          <a:prstGeom prst="rect">
-            <a:avLst/>
-          </a:prstGeom>
-        </p:spPr>
-        <p:txBody>
-          <a:bodyPr rtlCol="0" anchor="t" anchorCtr="0"/>
-          <a:lstStyle/>
-          <a:p>
-            <a:pPr algn="l">
-              <a:defRPr/>
-            </a:pPr>
-            <a:endParaRPr/>
-          </a:p>
-          <a:p>
-            <a:pPr algn="l">
-              <a:defRPr/>
-            </a:pPr>
-            <a:r>
-              <a:rPr lang="en-US" sz="1300">
+              <a:rPr lang="en-US" sz="1600">
                 <a:solidFill>
                   <a:srgbClr val="404040"/>
                 </a:solidFill>
               </a:rPr>
-              <a:t>• Total Successful Operations: High counts in scenarios with more threads and smaller JSON sizes.</a:t>
-            </a:r>
-          </a:p>
-        </p:txBody>
-      </p:sp>
-      <p:sp>
-        <p:nvSpPr>
-          <p:cNvPr id="67" name="TextBox 5"/>
-          <p:cNvSpPr txBox="1"/>
-          <p:nvPr/>
-        </p:nvSpPr>
-        <p:spPr>
-          <a:xfrm>
-            <a:off x="1397000" y="1143000"/>
-            <a:ext cx="6350000" cy="635000"/>
-          </a:xfrm>
-          <a:prstGeom prst="rect">
-            <a:avLst/>
-          </a:prstGeom>
-        </p:spPr>
-        <p:txBody>
-          <a:bodyPr rtlCol="0" anchor="t" anchorCtr="0"/>
-          <a:lstStyle/>
-          <a:p>
-            <a:pPr algn="l">
-              <a:defRPr/>
-            </a:pPr>
-            <a:endParaRPr/>
-          </a:p>
-          <a:p>
-            <a:pPr algn="l">
-              <a:defRPr/>
-            </a:pPr>
-            <a:r>
-              <a:rPr lang="en-US" sz="1300">
-                <a:solidFill>
-                  <a:srgbClr val="404040"/>
-                </a:solidFill>
-              </a:rPr>
-              <a:t>• Transactions Per Second (TPS): The highest TPS was observed in scenarios with 5 threads and smaller payloads.</a:t>
-            </a:r>
-          </a:p>
-        </p:txBody>
-      </p:sp>
-      <p:sp>
-        <p:nvSpPr>
-          <p:cNvPr id="68" name="TextBox 6"/>
+              <a:t>• The asynchronous load testing of Couchbase demonstrated significantly higher operation throughput compared to synchronous approaches, allowing for a much larger number of operations to be performed simultaneously.</a:t>
+            </a:r>
+          </a:p>
+        </p:txBody>
+      </p:sp>
+      <p:sp>
+        <p:nvSpPr>
+          <p:cNvPr id="4" name="TextBox 4"/>
           <p:cNvSpPr txBox="1"/>
           <p:nvPr/>
         </p:nvSpPr>
@@ -13168,25 +8401,25 @@
               <a:defRPr/>
             </a:pPr>
             <a:r>
-              <a:rPr lang="en-US" sz="1300">
+              <a:rPr lang="en-US" sz="1600">
                 <a:solidFill>
                   <a:srgbClr val="404040"/>
                 </a:solidFill>
               </a:rPr>
-              <a:t>• Shared vs. Unique Keys: Using shared keys resulted in better TPS in many scenarios, suggesting that caching mechanisms or key distribution may play a role in performance.</a:t>
-            </a:r>
-          </a:p>
-        </p:txBody>
-      </p:sp>
-      <p:sp>
-        <p:nvSpPr>
-          <p:cNvPr id="69" name="TextBox 7"/>
+              <a:t>• Scenario 2, with 2 threads, achieved the highest number of successful operations and the lowest error rate, highlighting the benefits of asynchronous testing in handling heavy loads more efficiently.</a:t>
+            </a:r>
+          </a:p>
+        </p:txBody>
+      </p:sp>
+      <p:sp>
+        <p:nvSpPr>
+          <p:cNvPr id="5" name="TextBox 5"/>
           <p:cNvSpPr txBox="1"/>
           <p:nvPr/>
         </p:nvSpPr>
         <p:spPr>
           <a:xfrm>
-            <a:off x="1397000" y="1905000"/>
+            <a:off x="1397000" y="2222500"/>
             <a:ext cx="6350000" cy="635000"/>
           </a:xfrm>
           <a:prstGeom prst="rect">
@@ -13207,25 +8440,25 @@
               <a:defRPr/>
             </a:pPr>
             <a:r>
-              <a:rPr lang="en-US" sz="1300">
+              <a:rPr lang="en-US" sz="1600">
                 <a:solidFill>
                   <a:srgbClr val="404040"/>
                 </a:solidFill>
               </a:rPr>
-              <a:t>• Performance Bottlenecks: A significant drop in TPS was noted at 15 threads with larger JSON sizes (25 KB), indicating a threshold where resource constraints begin to limit performance.</a:t>
-            </a:r>
-          </a:p>
-        </p:txBody>
-      </p:sp>
-      <p:sp>
-        <p:nvSpPr>
-          <p:cNvPr id="70" name="TextBox 8"/>
+              <a:t>• Scenario 3, with 3 threads, showed diminishing returns with a noticeable increase in the error rate (31.03%), despite a slight improvement in throughput.</a:t>
+            </a:r>
+          </a:p>
+        </p:txBody>
+      </p:sp>
+      <p:sp>
+        <p:nvSpPr>
+          <p:cNvPr id="6" name="TextBox 6"/>
           <p:cNvSpPr txBox="1"/>
           <p:nvPr/>
         </p:nvSpPr>
         <p:spPr>
           <a:xfrm>
-            <a:off x="1397000" y="2476500"/>
+            <a:off x="1397000" y="2921000"/>
             <a:ext cx="6350000" cy="635000"/>
           </a:xfrm>
           <a:prstGeom prst="rect">
@@ -13246,25 +8479,25 @@
               <a:defRPr/>
             </a:pPr>
             <a:r>
-              <a:rPr lang="en-US" sz="1300">
+              <a:rPr lang="en-US" sz="1600">
                 <a:solidFill>
                   <a:srgbClr val="404040"/>
                 </a:solidFill>
               </a:rPr>
-              <a:t>• Diminishing Returns: A decline in TPS was evident when exceeding 5 threads, suggesting Couchbase may have optimal operating limits under the tested conditions.</a:t>
-            </a:r>
-          </a:p>
-        </p:txBody>
-      </p:sp>
-      <p:sp>
-        <p:nvSpPr>
-          <p:cNvPr id="71" name="TextBox 9"/>
+              <a:t>• These findings suggest that while asynchronous testing can handle more concurrent operations, it may result in higher error rates under heavy load.</a:t>
+            </a:r>
+          </a:p>
+        </p:txBody>
+      </p:sp>
+      <p:sp>
+        <p:nvSpPr>
+          <p:cNvPr id="7" name="TextBox 7"/>
           <p:cNvSpPr txBox="1"/>
           <p:nvPr/>
         </p:nvSpPr>
         <p:spPr>
           <a:xfrm>
-            <a:off x="1397000" y="2857500"/>
+            <a:off x="1397000" y="3619500"/>
             <a:ext cx="6350000" cy="635000"/>
           </a:xfrm>
           <a:prstGeom prst="rect">
@@ -13285,25 +8518,25 @@
               <a:defRPr/>
             </a:pPr>
             <a:r>
-              <a:rPr lang="en-US" sz="1300">
+              <a:rPr lang="en-US" sz="1600">
                 <a:solidFill>
                   <a:srgbClr val="404040"/>
                 </a:solidFill>
               </a:rPr>
-              <a:t>• Data size: Payload size greatly affects latency, with 25 KB causing significant increases in PUT and GET latencies compared to 1 KB, which had minimal impact.</a:t>
-            </a:r>
-          </a:p>
-        </p:txBody>
-      </p:sp>
-      <p:sp>
-        <p:nvSpPr>
-          <p:cNvPr id="72" name="TextBox 10"/>
+              <a:t>• Due to limited hardware resources, we could not obtain results sufficient for a comprehensive analysis.</a:t>
+            </a:r>
+          </a:p>
+        </p:txBody>
+      </p:sp>
+      <p:sp>
+        <p:nvSpPr>
+          <p:cNvPr id="8" name="TextBox 8"/>
           <p:cNvSpPr txBox="1"/>
           <p:nvPr/>
         </p:nvSpPr>
         <p:spPr>
           <a:xfrm>
-            <a:off x="1397000" y="3238500"/>
+            <a:off x="1397000" y="4445000"/>
             <a:ext cx="6350000" cy="635000"/>
           </a:xfrm>
           <a:prstGeom prst="rect">
@@ -13311,7 +8544,7 @@
           </a:prstGeom>
         </p:spPr>
         <p:txBody>
-          <a:bodyPr rtlCol="0" anchor="t" anchorCtr="0"/>
+          <a:bodyPr rtlCol="0" anchor="t" anchorCtr="1"/>
           <a:lstStyle/>
           <a:p>
             <a:pPr algn="l">
@@ -13324,25 +8557,25 @@
               <a:defRPr/>
             </a:pPr>
             <a:r>
-              <a:rPr lang="en-US" sz="1300">
+              <a:rPr lang="en-US" sz="2000">
                 <a:solidFill>
-                  <a:srgbClr val="404040"/>
+                  <a:srgbClr val="000000"/>
                 </a:solidFill>
               </a:rPr>
-              <a:t>• Connection pool size: Predefined connection pool sizes showed minimal impact on database performance.</a:t>
-            </a:r>
-          </a:p>
-        </p:txBody>
-      </p:sp>
-      <p:sp>
-        <p:nvSpPr>
-          <p:cNvPr id="73" name="TextBox 11"/>
+              <a:t>Suggestions for Further Testing:</a:t>
+            </a:r>
+          </a:p>
+        </p:txBody>
+      </p:sp>
+      <p:sp>
+        <p:nvSpPr>
+          <p:cNvPr id="9" name="TextBox 9"/>
           <p:cNvSpPr txBox="1"/>
           <p:nvPr/>
         </p:nvSpPr>
         <p:spPr>
           <a:xfrm>
-            <a:off x="1397000" y="3746500"/>
+            <a:off x="1397000" y="4953000"/>
             <a:ext cx="6350000" cy="635000"/>
           </a:xfrm>
           <a:prstGeom prst="rect">
@@ -13350,7 +8583,7 @@
           </a:prstGeom>
         </p:spPr>
         <p:txBody>
-          <a:bodyPr rtlCol="0" anchor="t" anchorCtr="1"/>
+          <a:bodyPr rtlCol="0" anchor="t" anchorCtr="0"/>
           <a:lstStyle/>
           <a:p>
             <a:pPr algn="l">
@@ -13363,25 +8596,50 @@
               <a:defRPr/>
             </a:pPr>
             <a:r>
-              <a:rPr lang="en-US" sz="1800">
+              <a:rPr lang="en-US" sz="1600">
                 <a:solidFill>
-                  <a:srgbClr val="000000"/>
+                  <a:srgbClr val="404040"/>
                 </a:solidFill>
               </a:rPr>
-              <a:t>Suggestions for Further Testing:</a:t>
-            </a:r>
-          </a:p>
-        </p:txBody>
-      </p:sp>
-      <p:sp>
-        <p:nvSpPr>
-          <p:cNvPr id="74" name="TextBox 12"/>
+              <a:t>• CPU Utilization, Memory Usage, Disk I/O Performance, Network Latency and Throughput, Couchbase Performance Metrics.</a:t>
+            </a:r>
+          </a:p>
+        </p:txBody>
+      </p:sp>
+    </p:spTree>
+  </p:cSld>
+  <p:clrMapOvr>
+    <a:masterClrMapping/>
+  </p:clrMapOvr>
+</p:sld>
+</file>
+
+<file path=ppt/slides/slide8.xml><?xml version="1.0" encoding="utf-8"?>
+<p:sld xmlns:a="http://schemas.openxmlformats.org/drawingml/2006/main" xmlns:r="http://schemas.openxmlformats.org/officeDocument/2006/relationships" xmlns:p="http://schemas.openxmlformats.org/presentationml/2006/main">
+  <p:cSld>
+    <p:spTree>
+      <p:nvGrpSpPr>
+        <p:cNvPr id="1" name=""/>
+        <p:cNvGrpSpPr/>
+        <p:nvPr/>
+      </p:nvGrpSpPr>
+      <p:grpSpPr>
+        <a:xfrm>
+          <a:off x="0" y="0"/>
+          <a:ext cx="0" cy="0"/>
+          <a:chOff x="0" y="0"/>
+          <a:chExt cx="0" cy="0"/>
+        </a:xfrm>
+      </p:grpSpPr>
+      <p:sp>
+        <p:nvSpPr>
+          <p:cNvPr id="2" name="TextBox 2"/>
           <p:cNvSpPr txBox="1"/>
           <p:nvPr/>
         </p:nvSpPr>
         <p:spPr>
           <a:xfrm>
-            <a:off x="1397000" y="4127500"/>
+            <a:off x="1397000" y="2540000"/>
             <a:ext cx="6350000" cy="635000"/>
           </a:xfrm>
           <a:prstGeom prst="rect">
@@ -13389,7 +8647,7 @@
           </a:prstGeom>
         </p:spPr>
         <p:txBody>
-          <a:bodyPr rtlCol="0" anchor="t" anchorCtr="0"/>
+          <a:bodyPr rtlCol="0" anchor="t" anchorCtr="1"/>
           <a:lstStyle/>
           <a:p>
             <a:pPr algn="l">
@@ -13402,90 +8660,12 @@
               <a:defRPr/>
             </a:pPr>
             <a:r>
-              <a:rPr lang="en-US" sz="1300">
-                <a:solidFill>
-                  <a:srgbClr val="404040"/>
-                </a:solidFill>
-              </a:rPr>
-              <a:t>• CPU Utilization, Memory Usage, Disk I/O Performance, Network Latency and Throughput, Couchbase Performance Metrics.</a:t>
-            </a:r>
-          </a:p>
-        </p:txBody>
-      </p:sp>
-      <p:sp>
-        <p:nvSpPr>
-          <p:cNvPr id="75" name="TextBox 13"/>
-          <p:cNvSpPr txBox="1"/>
-          <p:nvPr/>
-        </p:nvSpPr>
-        <p:spPr>
-          <a:xfrm>
-            <a:off x="1397000" y="4635500"/>
-            <a:ext cx="6350000" cy="635000"/>
-          </a:xfrm>
-          <a:prstGeom prst="rect">
-            <a:avLst/>
-          </a:prstGeom>
-        </p:spPr>
-        <p:txBody>
-          <a:bodyPr rtlCol="0" anchor="t" anchorCtr="1"/>
-          <a:lstStyle/>
-          <a:p>
-            <a:pPr algn="l">
-              <a:defRPr/>
-            </a:pPr>
-            <a:endParaRPr/>
-          </a:p>
-          <a:p>
-            <a:pPr algn="l">
-              <a:defRPr/>
-            </a:pPr>
-            <a:r>
-              <a:rPr lang="en-US" sz="1800">
+              <a:rPr lang="en-US" sz="2800">
                 <a:solidFill>
                   <a:srgbClr val="000000"/>
                 </a:solidFill>
               </a:rPr>
-              <a:t>Conclusion:</a:t>
-            </a:r>
-          </a:p>
-        </p:txBody>
-      </p:sp>
-      <p:sp>
-        <p:nvSpPr>
-          <p:cNvPr id="76" name="TextBox 14"/>
-          <p:cNvSpPr txBox="1"/>
-          <p:nvPr/>
-        </p:nvSpPr>
-        <p:spPr>
-          <a:xfrm>
-            <a:off x="1397000" y="5016500"/>
-            <a:ext cx="6350000" cy="635000"/>
-          </a:xfrm>
-          <a:prstGeom prst="rect">
-            <a:avLst/>
-          </a:prstGeom>
-        </p:spPr>
-        <p:txBody>
-          <a:bodyPr rtlCol="0" anchor="t" anchorCtr="0"/>
-          <a:lstStyle/>
-          <a:p>
-            <a:pPr algn="l">
-              <a:defRPr/>
-            </a:pPr>
-            <a:endParaRPr/>
-          </a:p>
-          <a:p>
-            <a:pPr algn="l">
-              <a:defRPr/>
-            </a:pPr>
-            <a:r>
-              <a:rPr lang="en-US" sz="1300">
-                <a:solidFill>
-                  <a:srgbClr val="404040"/>
-                </a:solidFill>
-              </a:rPr>
-              <a:t>Higher thread pool sizes generally increased the total successful operations, especially with smaller JSON payloads. However, beyond 5 threads, TPS began to decline, particularly for larger payloads, indicating diminishing returns due to resource contention. Therefore, optimal thread pool size is crucial to balance performance and latency, necessitating careful tuning based on workload characteristics.</a:t>
+              <a:t>THANK YOU FOR YOUR ATTENTION!</a:t>
             </a:r>
           </a:p>
         </p:txBody>
